--- a/docs/Презентация1.pptx
+++ b/docs/Презентация1.pptx
@@ -5260,13 +5260,13 @@
   <p:clrMapOvr>
     <a:masterClrMapping/>
   </p:clrMapOvr>
-  <mc:AlternateContent xmlns:mc="http://schemas.openxmlformats.org/markup-compatibility/2006">
-    <mc:Choice xmlns:p159="http://schemas.microsoft.com/office/powerpoint/2015/09/main" Requires="p159">
+  <mc:AlternateContent xmlns:mc="http://schemas.openxmlformats.org/markup-compatibility/2006" xmlns:p159="http://schemas.microsoft.com/office/powerpoint/2015/09/main">
+    <mc:Choice Requires="p159">
       <p:transition spd="med">
         <p159:morph option="byObject"/>
       </p:transition>
     </mc:Choice>
-    <mc:Fallback>
+    <mc:Fallback xmlns="">
       <p:transition spd="med">
         <p:fade/>
       </p:transition>
@@ -6276,13 +6276,13 @@
   <p:clrMapOvr>
     <a:masterClrMapping/>
   </p:clrMapOvr>
-  <mc:AlternateContent xmlns:mc="http://schemas.openxmlformats.org/markup-compatibility/2006">
-    <mc:Choice xmlns:p159="http://schemas.microsoft.com/office/powerpoint/2015/09/main" Requires="p159">
+  <mc:AlternateContent xmlns:mc="http://schemas.openxmlformats.org/markup-compatibility/2006" xmlns:p159="http://schemas.microsoft.com/office/powerpoint/2015/09/main">
+    <mc:Choice Requires="p159">
       <p:transition spd="med">
         <p159:morph option="byObject"/>
       </p:transition>
     </mc:Choice>
-    <mc:Fallback>
+    <mc:Fallback xmlns="">
       <p:transition spd="med">
         <p:fade/>
       </p:transition>
@@ -8426,13 +8426,13 @@
   <p:clrMapOvr>
     <a:masterClrMapping/>
   </p:clrMapOvr>
-  <mc:AlternateContent xmlns:mc="http://schemas.openxmlformats.org/markup-compatibility/2006">
-    <mc:Choice xmlns:p159="http://schemas.microsoft.com/office/powerpoint/2015/09/main" Requires="p159">
+  <mc:AlternateContent xmlns:mc="http://schemas.openxmlformats.org/markup-compatibility/2006" xmlns:p159="http://schemas.microsoft.com/office/powerpoint/2015/09/main">
+    <mc:Choice Requires="p159">
       <p:transition spd="med">
         <p159:morph option="byObject"/>
       </p:transition>
     </mc:Choice>
-    <mc:Fallback>
+    <mc:Fallback xmlns="">
       <p:transition spd="med">
         <p:fade/>
       </p:transition>
@@ -11454,13 +11454,13 @@
   <p:clrMapOvr>
     <a:masterClrMapping/>
   </p:clrMapOvr>
-  <mc:AlternateContent xmlns:mc="http://schemas.openxmlformats.org/markup-compatibility/2006">
-    <mc:Choice xmlns:p159="http://schemas.microsoft.com/office/powerpoint/2015/09/main" Requires="p159">
+  <mc:AlternateContent xmlns:mc="http://schemas.openxmlformats.org/markup-compatibility/2006" xmlns:p159="http://schemas.microsoft.com/office/powerpoint/2015/09/main">
+    <mc:Choice Requires="p159">
       <p:transition spd="med">
         <p159:morph option="byObject"/>
       </p:transition>
     </mc:Choice>
-    <mc:Fallback>
+    <mc:Fallback xmlns="">
       <p:transition spd="med">
         <p:fade/>
       </p:transition>
@@ -11869,7 +11869,7 @@
         </p:nvGraphicFramePr>
         <p:xfrm>
           <a:off x="1822542" y="7536542"/>
-          <a:ext cx="8546916" cy="1485900"/>
+          <a:ext cx="8546916" cy="1484059"/>
         </p:xfrm>
         <a:graphic>
           <a:graphicData uri="http://schemas.openxmlformats.org/drawingml/2006/table">
@@ -13893,13 +13893,13 @@
   <p:clrMapOvr>
     <a:masterClrMapping/>
   </p:clrMapOvr>
-  <mc:AlternateContent xmlns:mc="http://schemas.openxmlformats.org/markup-compatibility/2006">
-    <mc:Choice xmlns:p159="http://schemas.microsoft.com/office/powerpoint/2015/09/main" Requires="p159">
+  <mc:AlternateContent xmlns:mc="http://schemas.openxmlformats.org/markup-compatibility/2006" xmlns:p159="http://schemas.microsoft.com/office/powerpoint/2015/09/main">
+    <mc:Choice Requires="p159">
       <p:transition spd="med">
         <p159:morph option="byObject"/>
       </p:transition>
     </mc:Choice>
-    <mc:Fallback>
+    <mc:Fallback xmlns="">
       <p:transition spd="med">
         <p:fade/>
       </p:transition>
@@ -15108,7 +15108,7 @@
         </p:nvGraphicFramePr>
         <p:xfrm>
           <a:off x="1822542" y="2464703"/>
-          <a:ext cx="8546916" cy="1485900"/>
+          <a:ext cx="8546916" cy="1484059"/>
         </p:xfrm>
         <a:graphic>
           <a:graphicData uri="http://schemas.openxmlformats.org/drawingml/2006/table">
@@ -16602,13 +16602,13 @@
   <p:clrMapOvr>
     <a:masterClrMapping/>
   </p:clrMapOvr>
-  <mc:AlternateContent xmlns:mc="http://schemas.openxmlformats.org/markup-compatibility/2006">
-    <mc:Choice xmlns:p159="http://schemas.microsoft.com/office/powerpoint/2015/09/main" Requires="p159">
+  <mc:AlternateContent xmlns:mc="http://schemas.openxmlformats.org/markup-compatibility/2006" xmlns:p159="http://schemas.microsoft.com/office/powerpoint/2015/09/main">
+    <mc:Choice Requires="p159">
       <p:transition spd="med">
         <p159:morph option="byObject"/>
       </p:transition>
     </mc:Choice>
-    <mc:Fallback>
+    <mc:Fallback xmlns="">
       <p:transition spd="med">
         <p:fade/>
       </p:transition>
@@ -18087,7 +18087,7 @@
         </p:nvGraphicFramePr>
         <p:xfrm>
           <a:off x="1822542" y="-2418731"/>
-          <a:ext cx="8546916" cy="1485900"/>
+          <a:ext cx="8546916" cy="1484059"/>
         </p:xfrm>
         <a:graphic>
           <a:graphicData uri="http://schemas.openxmlformats.org/drawingml/2006/table">
@@ -18511,13 +18511,13 @@
   <p:clrMapOvr>
     <a:masterClrMapping/>
   </p:clrMapOvr>
-  <mc:AlternateContent xmlns:mc="http://schemas.openxmlformats.org/markup-compatibility/2006">
-    <mc:Choice xmlns:p159="http://schemas.microsoft.com/office/powerpoint/2015/09/main" Requires="p159">
+  <mc:AlternateContent xmlns:mc="http://schemas.openxmlformats.org/markup-compatibility/2006" xmlns:p159="http://schemas.microsoft.com/office/powerpoint/2015/09/main">
+    <mc:Choice Requires="p159">
       <p:transition spd="med">
         <p159:morph option="byObject"/>
       </p:transition>
     </mc:Choice>
-    <mc:Fallback>
+    <mc:Fallback xmlns="">
       <p:transition spd="med">
         <p:fade/>
       </p:transition>
@@ -19989,7 +19989,7 @@
         <p:spPr>
           <a:xfrm>
             <a:off x="709104" y="1288416"/>
-            <a:ext cx="8951249" cy="3904274"/>
+            <a:ext cx="8951249" cy="3340658"/>
           </a:xfrm>
           <a:prstGeom prst="rect">
             <a:avLst/>
@@ -20054,34 +20054,6 @@
                 <a:ea typeface="Calibri" panose="020F0502020204030204" pitchFamily="34" charset="0"/>
                 <a:cs typeface="Times New Roman" panose="02020603050405020304" pitchFamily="18" charset="0"/>
               </a:rPr>
-              <a:t>Автоматический тест</a:t>
-            </a:r>
-          </a:p>
-          <a:p>
-            <a:pPr>
-              <a:lnSpc>
-                <a:spcPct val="107000"/>
-              </a:lnSpc>
-              <a:spcAft>
-                <a:spcPts val="800"/>
-              </a:spcAft>
-            </a:pPr>
-            <a:r>
-              <a:rPr lang="ru-RU" sz="2800" b="1" dirty="0">
-                <a:solidFill>
-                  <a:schemeClr val="bg1"/>
-                </a:solidFill>
-                <a:effectLst>
-                  <a:outerShdw blurRad="38100" dist="38100" dir="2700000" algn="tl">
-                    <a:srgbClr val="000000">
-                      <a:alpha val="43137"/>
-                    </a:srgbClr>
-                  </a:outerShdw>
-                </a:effectLst>
-                <a:latin typeface="+mj-lt"/>
-                <a:ea typeface="Calibri" panose="020F0502020204030204" pitchFamily="34" charset="0"/>
-                <a:cs typeface="Times New Roman" panose="02020603050405020304" pitchFamily="18" charset="0"/>
-              </a:rPr>
               <a:t>Для автоматического тестирования была написана программа, использующая классы репозиториев для отправления запросов и проверки на ошибки.</a:t>
             </a:r>
           </a:p>
@@ -20100,13 +20072,13 @@
   <p:clrMapOvr>
     <a:masterClrMapping/>
   </p:clrMapOvr>
-  <mc:AlternateContent xmlns:mc="http://schemas.openxmlformats.org/markup-compatibility/2006">
-    <mc:Choice xmlns:p159="http://schemas.microsoft.com/office/powerpoint/2015/09/main" Requires="p159">
+  <mc:AlternateContent xmlns:mc="http://schemas.openxmlformats.org/markup-compatibility/2006" xmlns:p159="http://schemas.microsoft.com/office/powerpoint/2015/09/main">
+    <mc:Choice Requires="p159">
       <p:transition spd="med">
         <p159:morph option="byObject"/>
       </p:transition>
     </mc:Choice>
-    <mc:Fallback>
+    <mc:Fallback xmlns="">
       <p:transition spd="med">
         <p:fade/>
       </p:transition>
@@ -21866,13 +21838,13 @@
   <p:clrMapOvr>
     <a:masterClrMapping/>
   </p:clrMapOvr>
-  <mc:AlternateContent xmlns:mc="http://schemas.openxmlformats.org/markup-compatibility/2006">
-    <mc:Choice xmlns:p159="http://schemas.microsoft.com/office/powerpoint/2015/09/main" Requires="p159">
+  <mc:AlternateContent xmlns:mc="http://schemas.openxmlformats.org/markup-compatibility/2006" xmlns:p159="http://schemas.microsoft.com/office/powerpoint/2015/09/main">
+    <mc:Choice Requires="p159">
       <p:transition spd="med">
         <p159:morph option="byObject"/>
       </p:transition>
     </mc:Choice>
-    <mc:Fallback>
+    <mc:Fallback xmlns="">
       <p:transition spd="med">
         <p:fade/>
       </p:transition>
@@ -23468,13 +23440,13 @@
   <p:clrMapOvr>
     <a:masterClrMapping/>
   </p:clrMapOvr>
-  <mc:AlternateContent xmlns:mc="http://schemas.openxmlformats.org/markup-compatibility/2006">
-    <mc:Choice xmlns:p159="http://schemas.microsoft.com/office/powerpoint/2015/09/main" Requires="p159">
+  <mc:AlternateContent xmlns:mc="http://schemas.openxmlformats.org/markup-compatibility/2006" xmlns:p159="http://schemas.microsoft.com/office/powerpoint/2015/09/main">
+    <mc:Choice Requires="p159">
       <p:transition spd="med">
         <p159:morph option="byObject"/>
       </p:transition>
     </mc:Choice>
-    <mc:Fallback>
+    <mc:Fallback xmlns="">
       <p:transition spd="med">
         <p:fade/>
       </p:transition>
@@ -23853,7 +23825,7 @@
         <p:spPr>
           <a:xfrm>
             <a:off x="590307" y="1585731"/>
-            <a:ext cx="4479403" cy="3435812"/>
+            <a:ext cx="4479403" cy="3106491"/>
           </a:xfrm>
           <a:prstGeom prst="rect">
             <a:avLst/>
@@ -23865,33 +23837,6 @@
             <a:spAutoFit/>
           </a:bodyPr>
           <a:lstStyle/>
-          <a:p>
-            <a:pPr marL="342900" lvl="0" indent="-342900">
-              <a:lnSpc>
-                <a:spcPct val="107000"/>
-              </a:lnSpc>
-              <a:buFont typeface="+mj-lt"/>
-              <a:buAutoNum type="arabicPeriod"/>
-            </a:pPr>
-            <a:r>
-              <a:rPr lang="ru-RU" sz="2000" dirty="0">
-                <a:solidFill>
-                  <a:schemeClr val="bg1"/>
-                </a:solidFill>
-                <a:effectLst>
-                  <a:outerShdw blurRad="38100" dist="38100" dir="2700000" algn="tl">
-                    <a:srgbClr val="000000">
-                      <a:alpha val="43137"/>
-                    </a:srgbClr>
-                  </a:outerShdw>
-                </a:effectLst>
-                <a:latin typeface="+mj-lt"/>
-                <a:ea typeface="Calibri" panose="020F0502020204030204" pitchFamily="34" charset="0"/>
-                <a:cs typeface="Cascadia Mono ExtraLight" panose="020B0609020000020004" pitchFamily="49" charset="0"/>
-              </a:rPr>
-              <a:t>Придумать идею</a:t>
-            </a:r>
-          </a:p>
           <a:p>
             <a:pPr marL="342900" lvl="0" indent="-342900">
               <a:lnSpc>
@@ -25935,13 +25880,13 @@
   <p:clrMapOvr>
     <a:masterClrMapping/>
   </p:clrMapOvr>
-  <mc:AlternateContent xmlns:mc="http://schemas.openxmlformats.org/markup-compatibility/2006">
-    <mc:Choice xmlns:p159="http://schemas.microsoft.com/office/powerpoint/2015/09/main" Requires="p159">
+  <mc:AlternateContent xmlns:mc="http://schemas.openxmlformats.org/markup-compatibility/2006" xmlns:p159="http://schemas.microsoft.com/office/powerpoint/2015/09/main">
+    <mc:Choice Requires="p159">
       <p:transition spd="med">
         <p159:morph option="byObject"/>
       </p:transition>
     </mc:Choice>
-    <mc:Fallback>
+    <mc:Fallback xmlns="">
       <p:transition spd="med">
         <p:fade/>
       </p:transition>
@@ -26849,13 +26794,13 @@
   <p:clrMapOvr>
     <a:masterClrMapping/>
   </p:clrMapOvr>
-  <mc:AlternateContent xmlns:mc="http://schemas.openxmlformats.org/markup-compatibility/2006">
-    <mc:Choice xmlns:p159="http://schemas.microsoft.com/office/powerpoint/2015/09/main" Requires="p159">
+  <mc:AlternateContent xmlns:mc="http://schemas.openxmlformats.org/markup-compatibility/2006" xmlns:p159="http://schemas.microsoft.com/office/powerpoint/2015/09/main">
+    <mc:Choice Requires="p159">
       <p:transition spd="med">
         <p159:morph option="byObject"/>
       </p:transition>
     </mc:Choice>
-    <mc:Fallback>
+    <mc:Fallback xmlns="">
       <p:transition spd="med">
         <p:fade/>
       </p:transition>
@@ -27847,13 +27792,13 @@
   <p:clrMapOvr>
     <a:masterClrMapping/>
   </p:clrMapOvr>
-  <mc:AlternateContent xmlns:mc="http://schemas.openxmlformats.org/markup-compatibility/2006">
-    <mc:Choice xmlns:p159="http://schemas.microsoft.com/office/powerpoint/2015/09/main" Requires="p159">
+  <mc:AlternateContent xmlns:mc="http://schemas.openxmlformats.org/markup-compatibility/2006" xmlns:p159="http://schemas.microsoft.com/office/powerpoint/2015/09/main">
+    <mc:Choice Requires="p159">
       <p:transition spd="med">
         <p159:morph option="byObject"/>
       </p:transition>
     </mc:Choice>
-    <mc:Fallback>
+    <mc:Fallback xmlns="">
       <p:transition spd="med">
         <p:fade/>
       </p:transition>
@@ -29367,13 +29312,13 @@
   <p:clrMapOvr>
     <a:masterClrMapping/>
   </p:clrMapOvr>
-  <mc:AlternateContent xmlns:mc="http://schemas.openxmlformats.org/markup-compatibility/2006">
-    <mc:Choice xmlns:p159="http://schemas.microsoft.com/office/powerpoint/2015/09/main" Requires="p159">
+  <mc:AlternateContent xmlns:mc="http://schemas.openxmlformats.org/markup-compatibility/2006" xmlns:p159="http://schemas.microsoft.com/office/powerpoint/2015/09/main">
+    <mc:Choice Requires="p159">
       <p:transition spd="med">
         <p159:morph option="byObject"/>
       </p:transition>
     </mc:Choice>
-    <mc:Fallback>
+    <mc:Fallback xmlns="">
       <p:transition spd="med">
         <p:fade/>
       </p:transition>
@@ -31143,13 +31088,13 @@
   <p:clrMapOvr>
     <a:masterClrMapping/>
   </p:clrMapOvr>
-  <mc:AlternateContent xmlns:mc="http://schemas.openxmlformats.org/markup-compatibility/2006">
-    <mc:Choice xmlns:p159="http://schemas.microsoft.com/office/powerpoint/2015/09/main" Requires="p159">
+  <mc:AlternateContent xmlns:mc="http://schemas.openxmlformats.org/markup-compatibility/2006" xmlns:p159="http://schemas.microsoft.com/office/powerpoint/2015/09/main">
+    <mc:Choice Requires="p159">
       <p:transition spd="med">
         <p159:morph option="byObject"/>
       </p:transition>
     </mc:Choice>
-    <mc:Fallback>
+    <mc:Fallback xmlns="">
       <p:transition spd="med">
         <p:fade/>
       </p:transition>
@@ -32739,13 +32684,13 @@
   <p:clrMapOvr>
     <a:masterClrMapping/>
   </p:clrMapOvr>
-  <mc:AlternateContent xmlns:mc="http://schemas.openxmlformats.org/markup-compatibility/2006">
-    <mc:Choice xmlns:p159="http://schemas.microsoft.com/office/powerpoint/2015/09/main" Requires="p159">
+  <mc:AlternateContent xmlns:mc="http://schemas.openxmlformats.org/markup-compatibility/2006" xmlns:p159="http://schemas.microsoft.com/office/powerpoint/2015/09/main">
+    <mc:Choice Requires="p159">
       <p:transition spd="med">
         <p159:morph option="byObject"/>
       </p:transition>
     </mc:Choice>
-    <mc:Fallback>
+    <mc:Fallback xmlns="">
       <p:transition spd="med">
         <p:fade/>
       </p:transition>

--- a/docs/Презентация1.pptx
+++ b/docs/Презентация1.pptx
@@ -24,6 +24,7 @@
     <p:sldId id="273" r:id="rId18"/>
     <p:sldId id="274" r:id="rId19"/>
     <p:sldId id="275" r:id="rId20"/>
+    <p:sldId id="276" r:id="rId21"/>
   </p:sldIdLst>
   <p:sldSz cx="12192000" cy="6858000"/>
   <p:notesSz cx="6858000" cy="9144000"/>
@@ -128,6 +129,1672 @@
     </p:ext>
   </p:extLst>
 </p:presentation>
+</file>
+
+<file path=ppt/ink/ink1.xml><?xml version="1.0" encoding="utf-8"?>
+<inkml:ink xmlns:inkml="http://www.w3.org/2003/InkML">
+  <inkml:definitions>
+    <inkml:context xml:id="ctx0">
+      <inkml:inkSource xml:id="inkSrc0">
+        <inkml:traceFormat>
+          <inkml:channel name="X" type="integer" min="-2.14748E9" max="2.14748E9" units="cm"/>
+          <inkml:channel name="Y" type="integer" min="-2.14748E9" max="2.14748E9" units="cm"/>
+          <inkml:channel name="F" type="integer" max="32767" units="dev"/>
+        </inkml:traceFormat>
+        <inkml:channelProperties>
+          <inkml:channelProperty channel="X" name="resolution" value="1000" units="1/cm"/>
+          <inkml:channelProperty channel="Y" name="resolution" value="1000" units="1/cm"/>
+          <inkml:channelProperty channel="F" name="resolution" value="0" units="1/dev"/>
+        </inkml:channelProperties>
+      </inkml:inkSource>
+      <inkml:timestamp xml:id="ts0" timeString="2024-12-25T16:45:34.238"/>
+    </inkml:context>
+    <inkml:brush xml:id="br0">
+      <inkml:brushProperty name="width" value="0.035" units="cm"/>
+      <inkml:brushProperty name="height" value="0.035" units="cm"/>
+      <inkml:brushProperty name="color" value="#E71224"/>
+    </inkml:brush>
+  </inkml:definitions>
+  <inkml:trace contextRef="#ctx0" brushRef="#br0">0 260 24575,'1'-17'0,"-1"17"0,0 0 0,0 0 0,0 0 0,0 0 0,0 0 0,0 0 0,0 0 0,0 0 0,0 0 0,0 0 0,0 0 0,0 0 0,0 0 0,0 0 0,0 0 0,0 0 0,0 1 0,0-1 0,0 0 0,0 0 0,0 0 0,1 0 0,-1 0 0,0 0 0,0 0 0,0 0 0,0 0 0,0 0 0,0 0 0,0 0 0,0 0 0,0 0 0,0 0 0,0 0 0,0 0 0,0 0 0,0 0 0,0 0 0,0 0 0,0-1 0,6 31 0,-3-8 0,34 170 0,-15-65 0,5 0 0,52 142 0,-22-139 0,5 10 0,-32-52 0,33 85 0,-48-139 0,0-1 0,39 58 0,-45-81 0,-8-19 0,-9-25 0,7 28 0,-12-41 0,-6-32 0,-4 2 0,-54-125 0,68 182 0,1 0 0,1-1 0,1 0 0,1 0 0,1 0 0,1-1 0,0 1 0,2-1 0,1 0 0,4-41 0,-4 56 0,1 0 0,1 1 0,-1-1 0,1 1 0,0-1 0,1 1 0,-1 0 0,1 0 0,1 0 0,-1 0 0,1 1 0,0-1 0,0 1 0,0 0 0,1 0 0,0 1 0,0-1 0,9-5 0,5-2 0,1 1 0,1 1 0,0 0 0,25-6 0,35-17 0,77-39 0,-155 71 0,-1-1 0,1 1 0,-1 0 0,1-1 0,-1 0 0,0 1 0,0-1 0,0 0 0,3-3 0,-5 5 0,0 0 0,0 0 0,0 0 0,0 0 0,0 0 0,0-1 0,0 1 0,0 0 0,0 0 0,0 0 0,0 0 0,0 0 0,0 0 0,0-1 0,0 1 0,0 0 0,0 0 0,0 0 0,0 0 0,0 0 0,0-1 0,0 1 0,0 0 0,0 0 0,0 0 0,0 0 0,0 0 0,0 0 0,0-1 0,0 1 0,-1 0 0,1 0 0,0 0 0,0 0 0,0 0 0,0 0 0,0 0 0,0 0 0,0 0 0,-1 0 0,1-1 0,0 1 0,0 0 0,0 0 0,0 0 0,0 0 0,0 0 0,-1 0 0,1 0 0,0 0 0,-18 2 0,-40 14 0,-65 26 0,77-25 0,20-6 0,26-11 0,0 0 0,0 0 0,0 0 0,0 0 0,1 0 0,-1 0 0,0 0 0,0 0 0,0 1 0,0-1 0,0 0 0,1 0 0,-1 0 0,0 0 0,0 0 0,0 0 0,0 0 0,0 0 0,0 1 0,0-1 0,1 0 0,-1 0 0,0 0 0,0 0 0,0 0 0,0 1 0,0-1 0,0 0 0,0 0 0,0 0 0,0 0 0,0 1 0,0-1 0,0 0 0,0 0 0,0 0 0,0 0 0,0 0 0,0 1 0,0-1 0,0 0 0,0 0 0,0 0 0,0 0 0,0 1 0,0-1 0,-1 0 0,1 0 0,0 0 0,0 0 0,0 0 0,0 0 0,0 1 0,0-1 0,-1 0 0,21 0 0,74-10 0,177-44 0,-264 52 0,1 0 0,-1-1 0,1 0 0,11-7 0,-18 10 0,0-1 0,0 1 0,0-1 0,-1 1 0,1-1 0,0 0 0,0 1 0,-1-1 0,1 0 0,0 0 0,-1 1 0,1-1 0,-1 0 0,1 0 0,-1 0 0,0 0 0,1 0 0,-1 0 0,1-1 0,-2 1 0,1 0 0,0 0 0,-1 1 0,1-1 0,0 0 0,-1 0 0,1 0 0,-1 0 0,1 0 0,-1 0 0,0 1 0,1-1 0,-1 0 0,0 1 0,0-1 0,1 0 0,-1 1 0,0-1 0,0 1 0,0-1 0,0 1 0,0-1 0,-1 1 0,-8-4 0,0 0 0,0 1 0,0 1 0,0 0 0,0 0 0,-1 1 0,1 0 0,0 1 0,-1 0 0,1 1 0,-14 2 0,-4 2 0,0 1 0,1 2 0,-28 10 0,-15 13 0,-113 66 0,182-97 0,0 1 0,0-1 0,0 0 0,0 1 0,-1 0 0,1-1 0,0 1 0,0 0 0,0-1 0,0 1 0,1 0 0,-1 0 0,0 0 0,0 0 0,0 0 0,1 0 0,-1 0 0,0 2 0,3-4 0,0 1 0,1 0 0,-1 0 0,0-1 0,1 0 0,-1 1 0,0-1 0,0 0 0,0 0 0,3-2 0,110-52 0,69-30 0,-144 70 0,123-56 0,-147 61 0,-27 12 0,-31 12 0,-30 19 0,1 3 0,2 3 0,-117 89 0,-17 11 0,193-134 0,16-16 0,24-27 0,-20 25 0,138-199 0,-124 171 0,-2-1 0,-2-1 0,22-65 0,-35 80 0,-1 0 0,-2 0 0,0-1 0,-2-30 0,0 26 0,-2 30 0,0 0 0,0 1 0,0-1 0,1 0 0,0 1 0,-1-1 0,1 0 0,0 1 0,0-1 0,0 1 0,0-1 0,1 1 0,-1 0 0,4-4 0,-4 5 0,-1 1 0,1-1 0,-1 1 0,1-1 0,0 1 0,0 0 0,-1-1 0,1 1 0,0 0 0,0-1 0,0 1 0,-1 0 0,1 0 0,0 0 0,0 0 0,0 0 0,-1 0 0,1 0 0,2 0 0,-1 1 0,0-1 0,-1 1 0,1 0 0,0 0 0,0 0 0,0 0 0,-1 0 0,1 0 0,0 1 0,-1-1 0,2 3 0,13 14 0,-1 2 0,-1 0 0,-1 1 0,21 43 0,-15-27 0,70 133 0,89 243 0,-138-309 0,-31-90 0,-7-23 0,-6-29 0,-51-178 0,4 16 0,9-54 0,-18-71 0,57 310 0,2 9 0,0 0 0,-1 1 0,0-1 0,0 1 0,0-1 0,0 1 0,-4-6 0,6 10 0,0 1 0,-1 0 0,1 0 0,0 0 0,0 0 0,0 0 0,0 0 0,-1 0 0,1 0 0,0 0 0,0 0 0,0 0 0,0 0 0,-1 0 0,1 0 0,0 0 0,0 0 0,0 0 0,-1 0 0,1 0 0,0 0 0,0 0 0,0 0 0,0 0 0,-1 0 0,1 0 0,0 0 0,0 0 0,0 0 0,0 0 0,0 0 0,-1 1 0,1-1 0,0 0 0,0 0 0,0 0 0,0 0 0,0 0 0,0 1 0,0-1 0,-1 0 0,1 0 0,0 0 0,0 0 0,0 0 0,0 1 0,0-1 0,0 0 0,0 0 0,0 0 0,0 1 0,0-1 0,0 0 0,0 0 0,0 0 0,0 0 0,0 1 0,0-1 0,0 0 0,0 0 0,0 0 0,1 1 0,-3 9 0,1 1 0,0-1 0,0 1 0,1 0 0,3 18 0,-1-10 0,108 937 0,-73-741 0,-27-167 0,3-1 0,25 63 0,-28-95 0,-10-29 0,-9-32 0,-45-227 0,-33-132 0,44 223 0,65 251-32,23 87-1301,-36-118-5493</inkml:trace>
+</inkml:ink>
+</file>
+
+<file path=ppt/ink/ink10.xml><?xml version="1.0" encoding="utf-8"?>
+<inkml:ink xmlns:inkml="http://www.w3.org/2003/InkML">
+  <inkml:definitions>
+    <inkml:context xml:id="ctx0">
+      <inkml:inkSource xml:id="inkSrc0">
+        <inkml:traceFormat>
+          <inkml:channel name="X" type="integer" min="-2.14748E9" max="2.14748E9" units="cm"/>
+          <inkml:channel name="Y" type="integer" min="-2.14748E9" max="2.14748E9" units="cm"/>
+          <inkml:channel name="F" type="integer" max="32767" units="dev"/>
+        </inkml:traceFormat>
+        <inkml:channelProperties>
+          <inkml:channelProperty channel="X" name="resolution" value="1000" units="1/cm"/>
+          <inkml:channelProperty channel="Y" name="resolution" value="1000" units="1/cm"/>
+          <inkml:channelProperty channel="F" name="resolution" value="0" units="1/dev"/>
+        </inkml:channelProperties>
+      </inkml:inkSource>
+      <inkml:timestamp xml:id="ts0" timeString="2024-12-25T16:45:21.613"/>
+    </inkml:context>
+    <inkml:brush xml:id="br0">
+      <inkml:brushProperty name="width" value="0.035" units="cm"/>
+      <inkml:brushProperty name="height" value="0.035" units="cm"/>
+      <inkml:brushProperty name="color" value="#E71224"/>
+    </inkml:brush>
+  </inkml:definitions>
+  <inkml:trace contextRef="#ctx0" brushRef="#br0">1 627 24575,'6'0'0,"1"-1"0,0 0 0,0-1 0,-1 0 0,1 0 0,-1 0 0,0 0 0,0-1 0,0 0 0,0-1 0,0 1 0,6-6 0,10-8 0,32-33 0,-27 23 0,28-28 0,65-86 0,-69 78 0,62-59 0,-105 114 0,1 0 0,-1 1 0,2 0 0,-1 0 0,1 1 0,0 1 0,1-1 0,-1 2 0,1-1 0,22-4 0,-30 8-68,-1 1 0,1-1-1,0 1 1,-1-1 0,1 0 0,0 0-1,-1 0 1,1 0 0,-1-1 0,0 1-1,1-1 1,-1 1 0,0-1 0,0 0-1,0 0 1,0 0 0,0 0 0,-1 0-1,4-4 1,0-9-6758</inkml:trace>
+</inkml:ink>
+</file>
+
+<file path=ppt/ink/ink11.xml><?xml version="1.0" encoding="utf-8"?>
+<inkml:ink xmlns:inkml="http://www.w3.org/2003/InkML">
+  <inkml:definitions>
+    <inkml:context xml:id="ctx0">
+      <inkml:inkSource xml:id="inkSrc0">
+        <inkml:traceFormat>
+          <inkml:channel name="X" type="integer" min="-2.14748E9" max="2.14748E9" units="cm"/>
+          <inkml:channel name="Y" type="integer" min="-2.14748E9" max="2.14748E9" units="cm"/>
+          <inkml:channel name="F" type="integer" max="32767" units="dev"/>
+        </inkml:traceFormat>
+        <inkml:channelProperties>
+          <inkml:channelProperty channel="X" name="resolution" value="1000" units="1/cm"/>
+          <inkml:channelProperty channel="Y" name="resolution" value="1000" units="1/cm"/>
+          <inkml:channelProperty channel="F" name="resolution" value="0" units="1/dev"/>
+        </inkml:channelProperties>
+      </inkml:inkSource>
+      <inkml:timestamp xml:id="ts0" timeString="2024-12-25T16:45:22.216"/>
+    </inkml:context>
+    <inkml:brush xml:id="br0">
+      <inkml:brushProperty name="width" value="0.035" units="cm"/>
+      <inkml:brushProperty name="height" value="0.035" units="cm"/>
+      <inkml:brushProperty name="color" value="#E71224"/>
+    </inkml:brush>
+  </inkml:definitions>
+  <inkml:trace contextRef="#ctx0" brushRef="#br0">0 0 24575,'1'1'0,"0"-1"0,0 1 0,1-1 0,-1 1 0,0-1 0,-1 1 0,1-1 0,0 1 0,0 0 0,0 0 0,0 0 0,0-1 0,-1 1 0,1 0 0,0 0 0,-1 0 0,1 0 0,0 2 0,13 25 0,-11-21 0,6 15 0,-1 1 0,0 0 0,-2 1 0,-1-1 0,-1 1 0,2 44 0,-11 153 0,-1-116 0,-4 1025-632,11-1104 632,0 6 0,1 1 0,2-1 0,7 33 0,-11-62-1,1 1 1,0 0 0,1-1-1,-1 1 1,0-1-1,1 1 1,0-1-1,0 0 1,0 0-1,0 0 1,0 0-1,1 0 1,0 0-1,-1-1 1,1 1 0,0-1-1,0 0 1,0 1-1,5 1 1,-3-2 10,1 0 1,0-1-1,0 0 0,0 0 1,1 0-1,-1-1 1,0 1-1,0-2 0,0 1 1,9-2-1,-14 2 11,44-5 148,-1-2 0,47-14-1,-87 20-225,-1 0 0,0 0 1,0 0-1,0 0 0,0-1 0,0 1 0,0-1 0,0 0 0,-1 0 0,1 0 0,-1 0 1,1 0-1,-1 0 0,0-1 0,0 1 0,0-1 0,0 0 0,0 1 0,0-1 1,-1 0-1,1 0 0,-1 0 0,2-5 0,0-11-6769</inkml:trace>
+</inkml:ink>
+</file>
+
+<file path=ppt/ink/ink12.xml><?xml version="1.0" encoding="utf-8"?>
+<inkml:ink xmlns:inkml="http://www.w3.org/2003/InkML">
+  <inkml:definitions>
+    <inkml:context xml:id="ctx0">
+      <inkml:inkSource xml:id="inkSrc0">
+        <inkml:traceFormat>
+          <inkml:channel name="X" type="integer" min="-2.14748E9" max="2.14748E9" units="cm"/>
+          <inkml:channel name="Y" type="integer" min="-2.14748E9" max="2.14748E9" units="cm"/>
+          <inkml:channel name="F" type="integer" max="32767" units="dev"/>
+        </inkml:traceFormat>
+        <inkml:channelProperties>
+          <inkml:channelProperty channel="X" name="resolution" value="1000" units="1/cm"/>
+          <inkml:channelProperty channel="Y" name="resolution" value="1000" units="1/cm"/>
+          <inkml:channelProperty channel="F" name="resolution" value="0" units="1/dev"/>
+        </inkml:channelProperties>
+      </inkml:inkSource>
+      <inkml:timestamp xml:id="ts0" timeString="2024-12-25T16:45:22.855"/>
+    </inkml:context>
+    <inkml:brush xml:id="br0">
+      <inkml:brushProperty name="width" value="0.035" units="cm"/>
+      <inkml:brushProperty name="height" value="0.035" units="cm"/>
+      <inkml:brushProperty name="color" value="#E71224"/>
+    </inkml:brush>
+  </inkml:definitions>
+  <inkml:trace contextRef="#ctx0" brushRef="#br0">1 0 24575,'2'1'0,"0"0"0,0 0 0,0 1 0,0-1 0,0 0 0,0 1 0,0-1 0,-1 1 0,1 0 0,0 0 0,-1-1 0,0 1 0,1 0 0,-1 0 0,0 0 0,0 1 0,0-1 0,1 4 0,0-2 0,17 38 0,-2 1 0,-1 0 0,-3 1 0,15 89 0,3 190 0,-26-159 0,-8 0 0,-41 280 0,17-280 0,-15 109 0,39-203 0,3-68 0,0-1 0,0 1 0,0-1 0,0 1 0,0-1 0,1 0 0,-1 1 0,0-1 0,1 1 0,-1-1 0,1 0 0,0 0 0,-1 1 0,1-1 0,0 0 0,0 0 0,0 0 0,0 1 0,0-1 0,0 0 0,1 1 0,-1-2 0,1 0 0,-1 1 0,0-1 0,0 0 0,1 0 0,-1 0 0,0 0 0,0 0 0,1 0 0,-1 0 0,0-1 0,0 1 0,0 0 0,1-1 0,-1 1 0,0-1 0,0 1 0,0-1 0,2 0 0,6-6 0,0 0 0,0 0 0,-1-1 0,9-9 0,-14 14 0,97-120 0,-28 31 0,-66 85-170,0 0-1,-1-1 0,0 0 1,0 0-1,-1 0 0,0 0 1,4-12-1,-2-2-6655</inkml:trace>
+</inkml:ink>
+</file>
+
+<file path=ppt/ink/ink13.xml><?xml version="1.0" encoding="utf-8"?>
+<inkml:ink xmlns:inkml="http://www.w3.org/2003/InkML">
+  <inkml:definitions>
+    <inkml:context xml:id="ctx0">
+      <inkml:inkSource xml:id="inkSrc0">
+        <inkml:traceFormat>
+          <inkml:channel name="X" type="integer" min="-2.14748E9" max="2.14748E9" units="cm"/>
+          <inkml:channel name="Y" type="integer" min="-2.14748E9" max="2.14748E9" units="cm"/>
+          <inkml:channel name="F" type="integer" max="32767" units="dev"/>
+        </inkml:traceFormat>
+        <inkml:channelProperties>
+          <inkml:channelProperty channel="X" name="resolution" value="1000" units="1/cm"/>
+          <inkml:channelProperty channel="Y" name="resolution" value="1000" units="1/cm"/>
+          <inkml:channelProperty channel="F" name="resolution" value="0" units="1/dev"/>
+        </inkml:channelProperties>
+      </inkml:inkSource>
+      <inkml:timestamp xml:id="ts0" timeString="2024-12-25T16:45:23.788"/>
+    </inkml:context>
+    <inkml:brush xml:id="br0">
+      <inkml:brushProperty name="width" value="0.035" units="cm"/>
+      <inkml:brushProperty name="height" value="0.035" units="cm"/>
+      <inkml:brushProperty name="color" value="#E71224"/>
+    </inkml:brush>
+  </inkml:definitions>
+  <inkml:trace contextRef="#ctx0" brushRef="#br0">0 0 24575,'4'5'0,"0"1"0,-1 0 0,1-1 0,-1 1 0,0 1 0,-1-1 0,0 0 0,0 0 0,1 9 0,5 10 0,166 491 0,-122-345 0,-7 2 0,-8 2 0,-8 1 0,-7 1 0,-2 194 0,-20-346 0,-4 37 0,4-60 0,0 1 0,-1-1 0,1 1 0,-1-1 0,0 0 0,0 1 0,1-1 0,-1 0 0,-1 1 0,1-1 0,0 0 0,-3 3 0,4-4 0,-1-1 0,1 0 0,-1 1 0,1-1 0,-1 0 0,0 0 0,1 1 0,-1-1 0,1 0 0,-1 0 0,1 0 0,-1 0 0,0 0 0,1 0 0,-1 0 0,1 0 0,-1 0 0,1 0 0,-1 0 0,0 0 0,1 0 0,-1-1 0,1 1 0,-1 0 0,1 0 0,-1 0 0,1-1 0,-1 1 0,1 0 0,-1-1 0,0 0 0,-3-3 0,0 0 0,1-1 0,-1 1 0,1-1 0,0 0 0,0 0 0,1 0 0,-4-10 0,-8-25 0,3-1 0,-10-59 0,-3-90 0,22 164 0,-32-474 0,-34-251 0,63 726 0,0 1 0,-2-35 0,7 54 0,-1-1 0,1 1 0,1 0 0,-1-1 0,1 1 0,0 0 0,0-1 0,0 1 0,1 0 0,0 0 0,0 0 0,4-7 0,-5 11 0,0 0 0,0-1 0,0 1 0,1 0 0,-1 0 0,0 0 0,1 0 0,-1 0 0,1 0 0,-1 0 0,1 1 0,-1-1 0,1 1 0,-1-1 0,1 1 0,0-1 0,-1 1 0,1 0 0,0 0 0,0 0 0,-1 0 0,1 0 0,0 0 0,-1 0 0,1 0 0,0 1 0,-1-1 0,1 1 0,0-1 0,-1 1 0,1 0 0,-1 0 0,1-1 0,1 3 0,8 3 0,-1 1 0,0 0 0,14 14 0,-22-20 0,38 40 0,-1 1 0,-2 2 0,-2 1 0,-2 2 0,31 59 0,-41-61 0,-1 2 0,28 86 0,13 104 0,-40-139 0,60 159 0,-77-245-23,1 10-1319</inkml:trace>
+</inkml:ink>
+</file>
+
+<file path=ppt/ink/ink14.xml><?xml version="1.0" encoding="utf-8"?>
+<inkml:ink xmlns:inkml="http://www.w3.org/2003/InkML">
+  <inkml:definitions>
+    <inkml:context xml:id="ctx0">
+      <inkml:inkSource xml:id="inkSrc0">
+        <inkml:traceFormat>
+          <inkml:channel name="X" type="integer" min="-2.14748E9" max="2.14748E9" units="cm"/>
+          <inkml:channel name="Y" type="integer" min="-2.14748E9" max="2.14748E9" units="cm"/>
+          <inkml:channel name="F" type="integer" max="32767" units="dev"/>
+        </inkml:traceFormat>
+        <inkml:channelProperties>
+          <inkml:channelProperty channel="X" name="resolution" value="1000" units="1/cm"/>
+          <inkml:channelProperty channel="Y" name="resolution" value="1000" units="1/cm"/>
+          <inkml:channelProperty channel="F" name="resolution" value="0" units="1/dev"/>
+        </inkml:channelProperties>
+      </inkml:inkSource>
+      <inkml:timestamp xml:id="ts0" timeString="2024-12-25T16:45:24.195"/>
+    </inkml:context>
+    <inkml:brush xml:id="br0">
+      <inkml:brushProperty name="width" value="0.035" units="cm"/>
+      <inkml:brushProperty name="height" value="0.035" units="cm"/>
+      <inkml:brushProperty name="color" value="#E71224"/>
+    </inkml:brush>
+  </inkml:definitions>
+  <inkml:trace contextRef="#ctx0" brushRef="#br0">1 619 24575,'1'-5'0,"1"-1"0,-1 1 0,1 0 0,0 0 0,0 0 0,1 0 0,0 0 0,5-8 0,7-12 0,0-4 0,1 0 0,1 2 0,2 0 0,28-33 0,99-92 0,-98 103 0,-31 33-118,41-45 370,-53 54-419,-1 1 1,1 0-1,-1-1 1,0 0-1,-1 0 1,1 0-1,-1 0 1,2-9-1,-3-4-6659</inkml:trace>
+</inkml:ink>
+</file>
+
+<file path=ppt/ink/ink15.xml><?xml version="1.0" encoding="utf-8"?>
+<inkml:ink xmlns:inkml="http://www.w3.org/2003/InkML">
+  <inkml:definitions>
+    <inkml:context xml:id="ctx0">
+      <inkml:inkSource xml:id="inkSrc0">
+        <inkml:traceFormat>
+          <inkml:channel name="X" type="integer" min="-2.14748E9" max="2.14748E9" units="cm"/>
+          <inkml:channel name="Y" type="integer" min="-2.14748E9" max="2.14748E9" units="cm"/>
+          <inkml:channel name="F" type="integer" max="32767" units="dev"/>
+        </inkml:traceFormat>
+        <inkml:channelProperties>
+          <inkml:channelProperty channel="X" name="resolution" value="1000" units="1/cm"/>
+          <inkml:channelProperty channel="Y" name="resolution" value="1000" units="1/cm"/>
+          <inkml:channelProperty channel="F" name="resolution" value="0" units="1/dev"/>
+        </inkml:channelProperties>
+      </inkml:inkSource>
+      <inkml:timestamp xml:id="ts0" timeString="2024-12-25T16:45:25.252"/>
+    </inkml:context>
+    <inkml:brush xml:id="br0">
+      <inkml:brushProperty name="width" value="0.035" units="cm"/>
+      <inkml:brushProperty name="height" value="0.035" units="cm"/>
+      <inkml:brushProperty name="color" value="#E71224"/>
+    </inkml:brush>
+  </inkml:definitions>
+  <inkml:trace contextRef="#ctx0" brushRef="#br0">0 0 24575,'4'6'0,"0"0"0,-1 0 0,0 0 0,0 1 0,0-1 0,-1 1 0,0 0 0,-1 0 0,1 0 0,-1 0 0,0 11 0,2 1 0,23 171 0,-8-52 0,39 145 0,60 67 0,26-10 0,-134-317 0,-3-8 0,0-1 0,1 0 0,1 0 0,10 15 0,-17-28 0,-1-1 0,0 1 0,0-1 0,0 0 0,1 1 0,-1-1 0,0 0 0,1 1 0,-1-1 0,0 0 0,1 1 0,-1-1 0,0 0 0,1 1 0,-1-1 0,1 0 0,-1 0 0,1 0 0,-1 1 0,0-1 0,1 0 0,-1 0 0,1 0 0,-1 0 0,1 0 0,-1 0 0,1 0 0,-1 0 0,1 0 0,-1 0 0,1 0 0,0 0 0,6-15 0,-3-25 0,-4 39 0,0-100 0,3-46 0,-1 124 0,1-1 0,2 1 0,0 0 0,11-31 0,106-229 0,-113 249 0,-1 0 0,-2 0 0,-1 0 0,-1-1 0,-3-65 0,2-1 0,0 27 0,-1 15 0,2 1 0,16-75 0,-14 117 0,-6 16 0,0 0 0,0-1 0,0 1 0,0 0 0,1 0 0,-1 0 0,0 0 0,0 0 0,0 0 0,0 0 0,0 0 0,0 0 0,1 0 0,-1 0 0,0 0 0,0 0 0,0 0 0,0 0 0,0 0 0,0 0 0,1 0 0,-1 0 0,0 0 0,0 0 0,0 0 0,0 0 0,0 0 0,0 0 0,1 0 0,-1 0 0,0 0 0,0 0 0,0 0 0,0 0 0,0 0 0,0 0 0,0 0 0,1 0 0,-1 0 0,0 1 0,0-1 0,0 0 0,0 0 0,0 0 0,0 0 0,0 0 0,0 0 0,0 0 0,0 1 0,0-1 0,9 31 0,103 684 0,12-229-61,-75-320-1243,-35-113-5522</inkml:trace>
+</inkml:ink>
+</file>
+
+<file path=ppt/ink/ink16.xml><?xml version="1.0" encoding="utf-8"?>
+<inkml:ink xmlns:inkml="http://www.w3.org/2003/InkML">
+  <inkml:definitions>
+    <inkml:context xml:id="ctx0">
+      <inkml:inkSource xml:id="inkSrc0">
+        <inkml:traceFormat>
+          <inkml:channel name="X" type="integer" min="-2.14748E9" max="2.14748E9" units="cm"/>
+          <inkml:channel name="Y" type="integer" min="-2.14748E9" max="2.14748E9" units="cm"/>
+          <inkml:channel name="F" type="integer" max="32767" units="dev"/>
+        </inkml:traceFormat>
+        <inkml:channelProperties>
+          <inkml:channelProperty channel="X" name="resolution" value="1000" units="1/cm"/>
+          <inkml:channelProperty channel="Y" name="resolution" value="1000" units="1/cm"/>
+          <inkml:channelProperty channel="F" name="resolution" value="0" units="1/dev"/>
+        </inkml:channelProperties>
+      </inkml:inkSource>
+      <inkml:timestamp xml:id="ts0" timeString="2024-12-25T16:45:26.679"/>
+    </inkml:context>
+    <inkml:brush xml:id="br0">
+      <inkml:brushProperty name="width" value="0.035" units="cm"/>
+      <inkml:brushProperty name="height" value="0.035" units="cm"/>
+      <inkml:brushProperty name="color" value="#E71224"/>
+    </inkml:brush>
+  </inkml:definitions>
+  <inkml:trace contextRef="#ctx0" brushRef="#br0">0 99 24575,'5'0'0,"10"0"0,8 0 0,4-4 0,7-7 0,3-1 0,-1-4 0,-2 2 0,-6-2 0,-13 2 0,-9 3-8191</inkml:trace>
+</inkml:ink>
+</file>
+
+<file path=ppt/ink/ink17.xml><?xml version="1.0" encoding="utf-8"?>
+<inkml:ink xmlns:inkml="http://www.w3.org/2003/InkML">
+  <inkml:definitions>
+    <inkml:context xml:id="ctx0">
+      <inkml:inkSource xml:id="inkSrc0">
+        <inkml:traceFormat>
+          <inkml:channel name="X" type="integer" min="-2.14748E9" max="2.14748E9" units="cm"/>
+          <inkml:channel name="Y" type="integer" min="-2.14748E9" max="2.14748E9" units="cm"/>
+          <inkml:channel name="F" type="integer" max="32767" units="dev"/>
+        </inkml:traceFormat>
+        <inkml:channelProperties>
+          <inkml:channelProperty channel="X" name="resolution" value="1000" units="1/cm"/>
+          <inkml:channelProperty channel="Y" name="resolution" value="1000" units="1/cm"/>
+          <inkml:channelProperty channel="F" name="resolution" value="0" units="1/dev"/>
+        </inkml:channelProperties>
+      </inkml:inkSource>
+      <inkml:timestamp xml:id="ts0" timeString="2024-12-25T16:45:27.168"/>
+    </inkml:context>
+    <inkml:brush xml:id="br0">
+      <inkml:brushProperty name="width" value="0.035" units="cm"/>
+      <inkml:brushProperty name="height" value="0.035" units="cm"/>
+      <inkml:brushProperty name="color" value="#E71224"/>
+    </inkml:brush>
+  </inkml:definitions>
+  <inkml:trace contextRef="#ctx0" brushRef="#br0">0 80 24575,'17'1'0,"0"1"0,0 1 0,-1 0 0,0 1 0,20 8 0,41 9 0,-64-18 0,-1-2 0,0 1 0,1-2 0,-1 0 0,1 0 0,-1-1 0,1-1 0,-1 0 0,0 0 0,0-1 0,0-1 0,0 0 0,-1-1 0,19-10 0,16-5 0,0 2 0,61-15 0,-61 20 0,-29 5 99,-18 6-325,-10 4-1012,-8 3-5588</inkml:trace>
+</inkml:ink>
+</file>
+
+<file path=ppt/ink/ink18.xml><?xml version="1.0" encoding="utf-8"?>
+<inkml:ink xmlns:inkml="http://www.w3.org/2003/InkML">
+  <inkml:definitions>
+    <inkml:context xml:id="ctx0">
+      <inkml:inkSource xml:id="inkSrc0">
+        <inkml:traceFormat>
+          <inkml:channel name="X" type="integer" min="-2.14748E9" max="2.14748E9" units="cm"/>
+          <inkml:channel name="Y" type="integer" min="-2.14748E9" max="2.14748E9" units="cm"/>
+          <inkml:channel name="F" type="integer" max="32767" units="dev"/>
+        </inkml:traceFormat>
+        <inkml:channelProperties>
+          <inkml:channelProperty channel="X" name="resolution" value="1000" units="1/cm"/>
+          <inkml:channelProperty channel="Y" name="resolution" value="1000" units="1/cm"/>
+          <inkml:channelProperty channel="F" name="resolution" value="0" units="1/dev"/>
+        </inkml:channelProperties>
+      </inkml:inkSource>
+      <inkml:timestamp xml:id="ts0" timeString="2024-12-25T16:45:37.274"/>
+    </inkml:context>
+    <inkml:brush xml:id="br0">
+      <inkml:brushProperty name="width" value="0.035" units="cm"/>
+      <inkml:brushProperty name="height" value="0.035" units="cm"/>
+      <inkml:brushProperty name="color" value="#E71224"/>
+    </inkml:brush>
+  </inkml:definitions>
+  <inkml:trace contextRef="#ctx0" brushRef="#br0">432 0 24575,'1'18'0,"1"1"0,0-1 0,2 0 0,0-1 0,1 1 0,1-1 0,1 0 0,0 0 0,18 30 0,0-8 0,2 0 0,51 56 0,-22-37 0,2-3 0,2-2 0,2-3 0,79 47 0,291 142 0,-419-233 0,-5-2 0,-1 0 0,1 0 0,12 9 0,-14-6 0,-9-6 0,-16-7 0,-36-21 0,2-2 0,1-2 0,-60-48 0,-132-135 0,206 174 0,1-3 0,3-1 0,1-1 0,3-2 0,-38-76 0,51 94 0,9 20 0,8 9 0,-1 0 0,1-1 0,0 1 0,0 0 0,0 0 0,0 0 0,0 0 0,-1 0 0,1 0 0,0 1 0,0-1 0,0 0 0,0 0 0,0 0 0,0 0 0,-1 0 0,1 0 0,0 0 0,0 0 0,0 0 0,0 0 0,0 0 0,0 0 0,0 0 0,0 0 0,-1 1 0,1-1 0,0 0 0,0 0 0,0 0 0,0 0 0,0 0 0,0 0 0,0 0 0,0 1 0,0-1 0,0 0 0,0 0 0,0 0 0,0 0 0,0 0 0,0 1 0,0-1 0,0 0 0,0 0 0,0 0 0,0 0 0,0 0 0,0 0 0,0 1 0,0-1 0,0 0 0,0 0 0,0 0 0,0 0 0,0 0 0,0 0 0,1 0 0,-1 1 0,0-1 0,0 0 0,0 0 0,0 0 0,4 19 0,1-1 0,1 0 0,0 0 0,2-1 0,13 26 0,-20-41 0,78 144-140,6-3-1,181 228 1,-151-235-637,6-5 0,149 125 0,302 186-210,-544-423 987,169 107 0,-189-122 0,-1 0 0,1-1 0,0 1 0,11 1 0,-18-4 30,0-1 0,-1 0-1,1 0 1,0 0 0,0 0 0,-1 0 0,1 0-1,0 0 1,0 0 0,0 0 0,-1 0 0,1 0 0,0 0-1,0 0 1,-1 0 0,1-1 0,0 1 0,0 0 0,-1-1-1,1 1 1,0-1 0,-1 1 0,1-1 0,-1 1-1,1-1 1,0 1 0,-1-1 0,1 1 0,-1-1 0,1 0-1,-1 1 1,0-1 0,1 0 0,-1 1 0,0-1 0,1 0-1,-1 0 1,0 1 0,0-1 0,0 0 0,0 0-1,1 1 1,-1-1 0,0 0 0,0 0 0,-1 0 0,1 1-1,0-1 1,0 0 0,0 0 0,0 1 0,-1-1 0,0-1-1,-15-46 1023,14 44-1125,-17-33 254,-1 0 1,-1 2-1,-3 0 1,0 1-1,-2 2 0,-42-40 1,-201-160-527,-139-58-790,-20 20 1173,101 66-104,63 23-123,224 149 188,1-1 0,2-2 0,1-2 0,-36-47 0,33 20 638,36 59-546,1 0-1,-1-1 0,1 1 1,0-1-1,1 1 0,-1-1 1,1 0-1,0 0 0,0-9 1,5 11-52,4 8-33,10 15-10,82 101 4,127 141 0,241 172 0,-147-144 0,54 72 0,-404-387 0,-35-24 0,21 16 0,-530-359-508,-28 44-286,432 254 944,107 60-150,4 3 0,1-2 0,-88-69 0,138 97 0,0 1 0,1-1 0,0 0 0,0-1 0,0 1 0,1-1 0,0 0 0,0-1 0,1 1 0,-5-12 0,9 18 0,-1 0 0,1 0 1,0 1-1,-1-1 0,1-1 0,0 1 1,0 0-1,0 0 0,0 0 1,0 0-1,0 0 0,0 0 0,0 0 1,0 0-1,0 0 0,1 0 1,-1 0-1,0 0 0,1 0 0,-1 0 1,1-1-1,0 2-1,0-1 1,-1 1-1,1-1 0,0 1 0,-1 0 0,1-1 1,0 1-1,0 0 0,0 0 0,-1 0 1,1-1-1,0 1 0,0 0 0,0 0 1,-1 0-1,1 0 0,0 0 0,0 0 1,0 1-1,1-1 0,3 2 30,1-1 0,-1 1 0,1 1-1,-1-1 1,0 1 0,7 5 0,50 40 429,88 90-1,-86-76-412,19 18 78,347 320-582,23-32-499,-322-273 958,257 138 0,-373-226 0,57 26 0,-66-31 0,0 0 0,0 0 0,1-1 0,-1 1 0,0-2 0,0 1 0,1-1 0,-1 1 0,7-2 0,-11 1 1,-1-1 0,1 1-1,0 0 1,-1-1 0,1 1-1,-1-1 1,1 1-1,0-1 1,-1 0 0,0 0-1,1 0 1,-1 0 0,1 0-1,-1 0 1,0 0 0,0 0-1,0 0 1,0 0-1,0-1 1,0 1 0,2-3-1,-2 1-2,0 0-1,0 0 0,-1 0 1,1 0-1,-1 0 0,1 0 0,-1 0 1,0 0-1,0-1 0,-1-5 1,-2-6 41,-1 0-1,0-1 1,-11-24 0,11 32 37,-62-159-363,47 118-6539</inkml:trace>
+</inkml:ink>
+</file>
+
+<file path=ppt/ink/ink19.xml><?xml version="1.0" encoding="utf-8"?>
+<inkml:ink xmlns:inkml="http://www.w3.org/2003/InkML">
+  <inkml:definitions>
+    <inkml:context xml:id="ctx0">
+      <inkml:inkSource xml:id="inkSrc0">
+        <inkml:traceFormat>
+          <inkml:channel name="X" type="integer" min="-2.14748E9" max="2.14748E9" units="cm"/>
+          <inkml:channel name="Y" type="integer" min="-2.14748E9" max="2.14748E9" units="cm"/>
+          <inkml:channel name="F" type="integer" max="32767" units="dev"/>
+        </inkml:traceFormat>
+        <inkml:channelProperties>
+          <inkml:channelProperty channel="X" name="resolution" value="1000" units="1/cm"/>
+          <inkml:channelProperty channel="Y" name="resolution" value="1000" units="1/cm"/>
+          <inkml:channelProperty channel="F" name="resolution" value="0" units="1/dev"/>
+        </inkml:channelProperties>
+      </inkml:inkSource>
+      <inkml:timestamp xml:id="ts0" timeString="2024-12-25T16:45:39.556"/>
+    </inkml:context>
+    <inkml:brush xml:id="br0">
+      <inkml:brushProperty name="width" value="0.035" units="cm"/>
+      <inkml:brushProperty name="height" value="0.035" units="cm"/>
+      <inkml:brushProperty name="color" value="#E71224"/>
+    </inkml:brush>
+  </inkml:definitions>
+  <inkml:trace contextRef="#ctx0" brushRef="#br0">1110 1075 24575,'-5'6'0,"-1"1"0,1 0 0,1 0 0,-1 1 0,1-1 0,1 1 0,-6 15 0,1-2 0,-154 471 6,89-251-319,-583 1710-3726,540-1641 3868,104-277 183,10-26 16,0 0-1,-1-1 1,1 1 0,-1-1 0,-1 0 0,1 0 0,-1 0 0,-7 9 0,10-15-2,1 1-1,0-1 1,0 0-1,-1 0 0,1 0 1,0-1-1,0 1 1,-1 0-1,1 0 1,0 0-1,0 0 0,-1 0 1,1 0-1,0 0 1,0 0-1,-1 0 1,1-1-1,0 1 0,0 0 1,0 0-1,0 0 1,-1 0-1,1-1 0,0 1 1,0 0-1,0 0 1,0 0-1,-1-1 1,1 1-1,0 0 0,0 0 1,0-1-1,0 1 1,0 0-1,0 0 1,0 0-1,0-1 0,0 1 1,0 0-1,0 0 1,0-1-1,0 1 0,0 0 1,0 0-1,0-1 1,0 1-1,0 0 1,0 0-1,0-1 0,1 1 1,-1 0-1,-1-19 416,21-218 2093,-4 120-2548,4 1-1,62-194 1,42-49-47,67-209-455,-148 415 488,41-281 0,-70 257 43,-10-180 1,-5 261 58,2 81 354,2 26-313,3 32-130,3 150-173,-9 0-1,-8 0 0,-48 280 1,-174 550-457,223-999 643,-140 504-101,120-445 82,15-60 21,12-23 0,0 1 0,0-1 0,0 0 0,0 1 0,-1-1 0,1 0 0,0 0 0,0 1 0,-1-1 0,1 0 0,0 0 0,-1 1 0,1-1 0,0 0 0,-1 0 0,1 0 0,0 0 0,-1 1 0,1-1 0,0 0 0,-1 0 0,1 0 0,0 0 0,-1 0 0,1 0 0,0 0 0,-1 0 0,1 0 0,-1 0 0,0-2 0,-1 0 0,1 0 0,0 0 0,0 0 0,0 0 0,0-1 0,1 1 0,-1 0 0,0 0 0,1-1 0,0 1 0,-1 0 0,1-1 0,0 1 0,1-4 0,0-42 0,2 1 0,2 0 0,17-71 0,-14 77 0,47-222-85,388-1398-344,-163 913-70,-200 548 430,-47 122 69,-33 77-3,0-1-1,1 1 0,-1 0 1,1-1-1,-1 1 0,1 0 1,-1 0-1,1 0 0,0-1 1,0 1-1,0 0 0,0 0 1,-1 0-1,1 0 0,0 0 1,1 0-1,-1 1 0,0-1 1,0 0-1,2 0 0,-2 2 30,0 1 0,-1 0-1,1 0 1,0-1 0,-1 1-1,0 0 1,1 0-1,-1 0 1,0 0 0,0 0-1,0-1 1,0 1 0,0 0-1,-1 3 1,-41 377 2131,22-237-2015,-36 244-645,-18-2 0,-144 444 0,200-773 497,-47 102 0,62-154 6,0-1 0,0 0 0,0 0 0,-1 0 0,1 0 0,-8 6 0,11-10 0,0-1 0,0 0 0,-1 1 0,1-1 0,-1 0 0,1 0 0,0 1 0,-1-1 0,1 0 0,-1 0 0,1 1 0,0-1 0,-1 0 0,1 0 0,-1 0 0,1 0 0,-1 0 0,1 0 0,-1 0 0,1 0 0,-1 0 0,1 0 0,-1 0 0,1 0 0,0 0 0,-1 0 0,1 0 0,-1 0 0,1 0 0,-1-1 0,1 1 0,-1 0 0,1 0 0,0-1 0,-1 1 0,1 0 0,0 0 0,-1-1 0,1 1 0,0 0 0,-1-1 0,1 1 0,0-1 0,-1 1 0,1 0 0,0-1 0,0 1 0,-1-2 0,-1-9 112,-1 0 1,2 0 0,-1 0 0,2 0 0,-1-1 0,1 1-1,1 0 1,3-20 0,-1 10 74,58-378 112,27 0-351,-67 311 46,111-417 3,42 20 19,-135 393 39,-34 78-42,-26 57-16,-19 54 16,4 2 0,-40 176 0,-15 221-1239,76-399 537,-169 888-364,124-737 808,-175 460 0,207-641 245,-63 108 0,90-173-1,-4 6-16,0-1-1,0 0 1,0 0 0,-7 6-1,11-12 28,1 0-1,-1 0 0,0-1 1,1 1-1,-1-1 0,0 1 1,0 0-1,1-1 0,-1 1 1,0-1-1,0 0 0,0 1 1,0-1-1,1 0 0,-1 1 1,0-1-1,0 0 0,0 0 1,0 0-1,0 0 0,0 0 1,0 0-1,0 0 0,0 0 1,1 0-1,-1 0 0,0 0 1,0-1-1,0 1 0,0 0 1,0-1-1,0 1 0,1-1 1,-1 1-1,0-1 0,0 1 1,1-1-1,-1 1 0,0-1 1,1 0-1,-1 1 1,0-1-1,1 0 0,-1 0 1,1 1-1,-1-3 0,-3-4 116,1 0-1,0-1 0,0 1 1,1-1-1,0 0 0,1 0 1,-1 0-1,1-13 0,2-78 512,-1 95-634,8-100 77,5 0 1,32-124 0,75-205 159,-117 422-268,285-876-1258,-215 698 1262,8 3 0,167-279 0,-231 436 31,-12 21 12,-1-1-1,2 1 1,-1 0-1,1 0 1,0 0-1,11-9 1,-13 17 240,-5 10 0,-45 163 1158,0 2-1253,-29 243-163,11-52 0,-20 0-270,-184 499 0,261-843 270,4-14 0,1 0 0,-1 0 0,0 0 0,-1-1 0,0 1 0,0-1 0,0 0 0,-11 13 0,15-20 0,-1 0 0,1 0 0,0 1 0,0-1 0,0 0 0,-1 0 0,1 0 0,0 1 0,-1-1 0,1 0 0,0 0 0,0 0 0,-1 0 0,1 0 0,0 0 0,-1 0 0,1 1 0,0-1 0,0 0 0,-1 0 0,1 0 0,0 0 0,-1 0 0,1 0 0,0-1 0,-1 1 0,1 0 0,0 0 0,-1 0 0,1 0 0,0 0 0,0 0 0,-1 0 0,1-1 0,0 1 0,0 0 0,-1 0 0,1 0 0,0-1 0,0 1 0,-1 0 0,1 0 0,0 0 0,0-1 0,0 1 0,0 0 0,-1-1 0,1 1 0,0 0 0,0 0 0,0-1 0,0 1 0,0 0 0,0-1 0,-3-11 8,0 0 1,1-1-1,1 1 1,0-1-1,0 1 1,3-24-1,-1 24 23,5-74 222,34-168 0,47-93-501,-66 266 119,510-1757-5356,-185 643 4181,-327 1135 2215,-14 56-639,-2 17 271,-1 39 714,-2 1 1,-11 83 0,4-65-392,4-31-787,-35 316 468,26-277-507,-4-2 0,-40 117-1,-66 104-39,12-31 0,-365 912-3395,467-1158 3324,-258 569-233,162-391 304,96-185 0,-1 1 0,-1-1 0,0 0 0,-1-1 0,-19 18 0,29-30 5,0 1 1,-1-1-1,1 0 1,-1 1-1,1-1 0,-1 0 1,1 0-1,-1 0 1,0-1-1,1 1 0,-1 0 1,0 0-1,0-1 1,0 1-1,1-1 1,-1 0-1,0 0 0,0 1 1,0-1-1,0 0 1,0-1-1,0 1 0,0 0 1,1 0-1,-1-1 1,0 1-1,0-1 1,0 0-1,1 1 0,-1-1 1,0 0-1,1 0 1,-4-2-1,1-2-107,1 1-1,-1-1 1,1 0 0,0 1-1,0-2 1,0 1 0,1 0-1,-4-12 1,-16-70-3582</inkml:trace>
+</inkml:ink>
+</file>
+
+<file path=ppt/ink/ink2.xml><?xml version="1.0" encoding="utf-8"?>
+<inkml:ink xmlns:inkml="http://www.w3.org/2003/InkML">
+  <inkml:definitions>
+    <inkml:context xml:id="ctx0">
+      <inkml:inkSource xml:id="inkSrc0">
+        <inkml:traceFormat>
+          <inkml:channel name="X" type="integer" min="-2.14748E9" max="2.14748E9" units="cm"/>
+          <inkml:channel name="Y" type="integer" min="-2.14748E9" max="2.14748E9" units="cm"/>
+          <inkml:channel name="F" type="integer" max="32767" units="dev"/>
+        </inkml:traceFormat>
+        <inkml:channelProperties>
+          <inkml:channelProperty channel="X" name="resolution" value="1000" units="1/cm"/>
+          <inkml:channelProperty channel="Y" name="resolution" value="1000" units="1/cm"/>
+          <inkml:channelProperty channel="F" name="resolution" value="0" units="1/dev"/>
+        </inkml:channelProperties>
+      </inkml:inkSource>
+      <inkml:timestamp xml:id="ts0" timeString="2024-12-25T16:45:12.631"/>
+    </inkml:context>
+    <inkml:brush xml:id="br0">
+      <inkml:brushProperty name="width" value="0.035" units="cm"/>
+      <inkml:brushProperty name="height" value="0.035" units="cm"/>
+      <inkml:brushProperty name="color" value="#E71224"/>
+    </inkml:brush>
+  </inkml:definitions>
+  <inkml:trace contextRef="#ctx0" brushRef="#br0">7387 4735 24575,'-22'-18'0,"0"-1"0,2-1 0,-31-38 0,-46-76 0,64 86 0,-541-785 0,496 713 0,76 118 0,1 0 0,-1-1 0,1 1 0,-1 0 0,0 0 0,0 0 0,0 0 0,-4-3 0,6 5 0,0 0 0,0 0 0,-1 1 0,1-1 0,0 0 0,0 0 0,0 0 0,-1 0 0,1 0 0,0 0 0,0 0 0,0 0 0,0 0 0,-1 0 0,1 1 0,0-1 0,0 0 0,0 0 0,0 0 0,0 0 0,-1 1 0,1-1 0,0 0 0,0 0 0,0 0 0,0 0 0,0 1 0,0-1 0,0 0 0,0 0 0,0 0 0,0 1 0,0-1 0,0 0 0,0 0 0,0 0 0,0 1 0,0-1 0,0 0 0,0 0 0,0 0 0,0 1 0,3 25 0,14 41 0,2-2 0,37 84 0,-31-84 0,114 274-596,53 91-1788,566 1181 1787,-670-1425 597,-80-170 0,1 0 0,16 21 0,-19-32 0,-3-9 0,-12-40 0,-48-113 0,-140-368-983,30-20-204,45-48 484,104 454 713,7 0-1,7-191 0,126-1007 487,-121 1326-373,33-228 2233,-30 222-2382,-4 11 64,1 0 0,0-1-1,0 2 1,1-1 0,0 0-1,0 0 1,0 0 0,1 1-1,0-1 1,4-6 0,-7 12 3,1-1 0,-1 1 0,0 0 1,1-1-1,-1 1 0,0 0 0,1-1 1,-1 1-1,0 0 0,1-1 0,-1 1 1,1 0-1,-1 0 0,1 0 0,-1-1 1,0 1-1,1 0 0,-1 0 0,1 0 1,-1 0-1,1 0 0,-1 0 0,1 0 1,-1 0-1,1 0 0,-1 0 0,1 0 1,-1 0-1,1 0 0,-1 0 0,1 0 1,-1 1-1,1-1 0,-1 0 0,0 0 1,1 1-1,-1-1 0,1 0 0,-1 0 1,1 1-1,12 22 397,-6 4-252,0-1 1,-2 1-1,-1 0 1,1 31 0,-4-50-191,7 125-25,-16 208-1,-40 141-1348,38-393 868,-186 1280 121,160-1180 389,31-166 0,-16 46 0,12-59 0,4-22 0,4-9 0,1-1 0,3-25 0,16-130 0,23-94-351,31-92-1049,41-116 879,207-542 0,-241 830 521,-77 182 0,0 1 0,1 1 0,1-1 0,-1 0 0,1 1 0,0 0 0,1 0 0,10-10 0,-15 17 0,-1-1 0,0 1 0,1 0 0,-1 0 0,0 0 0,1 0 0,-1 0 0,1 0 0,-1 0 0,0 0 0,1 0 0,-1 0 0,0 0 0,1 0 0,-1 0 0,0 0 0,1 0 0,-1 0 0,1 0 0,-1 0 0,0 0 0,1 0 0,-1 1 0,0-1 0,1 0 0,-1 0 0,0 0 0,0 1 0,1-1 0,-1 0 0,0 0 0,0 1 0,1-1 0,-1 0 0,0 1 0,0-1 0,0 0 0,1 1 0,-1-1 0,0 0 0,0 1 0,0-1 0,0 0 0,0 1 0,1 4 0,0 0 0,0 0 0,-1-1 0,1 1 0,-1 0 0,-1 5 0,-4 43 0,-17 68 0,-50 177-64,-41 101-191,-201 645-276,-153 527-905,459-1535 1436,9-35 0,4-8 0,33-75 0,72-178 0,76-203-341,64-183-1023,42-123 707,829-1956-2086,-984 2430 2511,-97 220 232,-32 65 0,-6 16 0,-12 36 0,-17 42 0,-86 239 0,-66 169 22,-54 132 67,-726 1795 1282,874-2208-867,13-34-239,191-445-265,218-538 1633,-48-27 2790,-257 716-3419,-26 85-401,-6 32-597,0 0-1,0 0 1,0 0 0,0 0-1,0 0 1,0 0 0,0-1-1,0 1 1,0 0 0,0 0-1,0 0 1,0 0-1,1 0 1,-1 0 0,0-1-1,0 1 1,0 0 0,0 0-1,0 0 1,0 0 0,0 0-1,-1-1 1,1 1-1,0 0 1,0 0 0,0 0-1,0 0 1,0 0 0,0 0-1,0-1 1,0 1-1,0 0 1,0 0 0,0 0-1,0 0 1,0 0 0,-1 0-1,1 0 1,0 0 0,0 0-1,0-1 1,0 1-1,0 0 1,0 0 0,-1 0-1,1 0 1,0 0 0,0 0-1,0 0 1,0 0 0,0 0-1,0 0 1,-1 0-1,1 0 1,0 0 0,0 0-1,0 0 1,0 0 0,0 0-1,-1 0 1,1 0 0,0 0-1,0 0 1,0 0-1,0 0 1,0 1 0,0-1-1,-1 0 1,-24 41 174,-101 234-188,35-71 160,-251 476 618,8-17-821,289-567 102,35-77 117,10-19-166,0 0-1,0 0 0,0-1 0,0 1 1,0 0-1,0 0 0,0 0 0,0 0 1,0 0-1,0 0 0,0 0 0,0 0 1,0 0-1,0 0 0,0 0 0,0-1 0,0 1 1,0 0-1,0 0 0,0 0 0,0 0 1,0 0-1,0 0 0,0 0 0,0 0 1,0 0-1,0 0 0,0 0 0,0 0 0,0 0 1,-1-1-1,1 1 0,0 0 0,0 0 1,0 0-1,0 0 0,0 0 0,0 0 1,0 0-1,0 0 0,0 0 0,0 0 1,0 0-1,-1 0 0,1 0 0,0 0 0,0 0 1,0 0-1,0 0 0,0 0 0,0 0 1,0 0-1,0 0 0,0 0 0,0 0 1,-1 0-1,9-38 6,-5 21 3,69-374-10,-62 308 0,-2-1 0,-8-152 0,-2 213-9,-1 1 0,-1-1 0,0 1 1,-2 0-1,0 0 0,-2 1 1,0 0-1,-15-26 0,16 36 68,1 1-1,-1 0 1,-1 1-1,0 0 1,0 0-1,0 0 1,-1 1-1,-1 1 1,1-1-1,-1 2 1,-1-1-1,1 1 1,-1 1-1,0 0 1,0 0-1,-24-5 1,2 5 105,-17-6-141,47 10-23,0 0-1,1 0 1,-1-1 0,1 1 0,-1-1-1,1 1 1,-1-1 0,1 0 0,0 0 0,0 0-1,0-1 1,0 1 0,0 0 0,1-1-1,-3-3 1,-1-7 0,1 0 0,1 0 0,0-1 0,0 0 0,1 1 0,1-1 0,1 0 0,1-21 0,-1 27 0,31-435 0,-9 192 0,-30 477 0,7-184 0,-4 253-433,1 109-1298,-4 109 614,-30 907-1376,7-338 1563,29-892 930,4-123 0,-1-66 0,0-7 0,0-35 0,-8-111 0,-20-94 0,-113-535 460,78 540-84,-115-290 1,53 238-713,-228-386 1,-229-235-1968,314 532 2303,39 74 0,49 81 0,65 92 0,110 130 36,-1 1-1,1-1 0,0 0 1,0 0-1,0 0 1,-4-9-1,46 39 687,-5-1-430,171 115-40,165 78-421,181 40-511,149-5 188,-230-121-563,5-20-1,5-22 1,855 50 0,-963-131 534,-151-14 521,-152 5 430,-124 12 491,-9 1-439,-329 58-116,-339 47-366,-344 41 0,-249 43-81,-1195 234-886,29 116-1607,1826-369 2165,272-56 307,253-71 439,137-51-17,17-6 106,77-27 766,260-101-737,238-102-441,204-86 42,152-53-42,2912-1014-2421,-3219 1181 1332,-182 71 1088,-157 62 1113,-264 65-926,0 1-1,1 2 1,41 1-1,-69 2-55,-1 0 0,1 1 0,-1 0 0,0 0 0,1 1 0,-1 0 0,0 0 0,0 1 0,0-1 0,10 7 0,-13-7-54,0 1 1,-1-1-1,1 1 0,0-1 0,-1 1 1,0 0-1,1 0 0,-1 0 0,0 1 1,-1-1-1,1 0 0,0 1 0,-1-1 1,2 7-1,-2 1 203,0 0 0,-1 0-1,0 0 1,-1 0 0,0-1 0,0 1 0,-1 0 0,-1 0 0,0-1-1,0 1 1,-7 13 0,-5 11-35,-2 0 0,-36 54-1,9-27-257,-77 85 0,-160 126 153,-148 61 459,-139 30-1040,-401 146-2376,-26-64-453,519-252 2625,168-84 632,292-105 0,0-1 0,-32 3 0,30-9 0,17 1 0,1 1 0,0 0 0,-1 0 0,1-1 0,0 1 0,0 0 0,-1 0 0,1-1 0,0 1 0,0 0 0,0-1 0,-1 1 0,1 0 0,0-1 0,0 1 0,0 0 0,0-1 0,0 1 0,0 0 0,0-1 0,0 1 0,0 0 0,0-1 0,0 1 0,0 0 0,0-1 0,0 1 0,0 0 0,0-1 0,0 1 0,0-1 0,1 1 0,2-6 0,1 1 0,0-1 0,0 1 0,1 1 0,-1-1 0,1 0 0,0 1 0,7-4 0,110-77 0,385-200-193,353-153-577,257-102 516,102-27 8,-64 50 185,-207 106 61,-287 149-101,-456 197-99,-192 61 171,0 1 0,0 0 0,0 0 1,0 2-1,1 0 0,18 0 1,-31 1 26,0 1 0,-1-1 0,1 0-1,0 0 1,0 0 0,-1 0 0,1 1 0,0-1 0,-1 0 0,1 1 0,0-1 0,-1 0 0,1 1 0,0-1 0,-1 1 0,1-1 0,-1 1-1,1-1 1,-1 1 0,1 0 0,-1-1 0,1 1 0,-1-1 0,0 1 0,1 0 0,-1 0 0,1 0 0,-1 1 0,-1 0 0,1 0 0,0-1 0,0 1 0,-1 0 0,1 0 0,-1-1 0,0 1 0,1 0 0,-1-1 0,0 1 0,0-1 0,0 1 0,-2 1 0,-13 16-1,-1-1 0,0-1 0,-38 27-1,-503 323 4,-446 190 0,-357 110 0,-181 26 0,45-51 0,251-117 171,343-158 512,375-185-513,516-178-170,0-1-1,0-1 0,-1 0 1,1 0-1,0-1 1,-1-1-1,-14-1 0,26 1 1,0 0 0,0-1-1,1 1 1,-1 0-1,0 0 1,0-1-1,0 1 1,1 0 0,-1-1-1,0 1 1,1-1-1,-1 1 1,0-1-1,1 1 1,-1-1 0,0 1-1,1-1 1,-1 0-1,1 1 1,-1-1-1,1 0 1,0 0 0,-1 1-1,1-1 1,0 0-1,-1-1 1,1 0-2,0 0 1,0 1-1,1-1 1,-1 0-1,0 0 1,1 0-1,-1 0 1,1 0-1,0 1 1,0-1-1,0 0 1,0 0-1,0 1 1,1-2-1,14-16-17,0 0-1,1 1 1,35-27-1,156-114-58,513-339 39,358-215 39,-569 380 0,1589-1047 0,-955 615-165,-275 172-493,-311 209 548,-308 219 325,-236 159-184,-19 14-15,-60 49-9,-276 215-7,-247 172 0,-455 322 60,-27 19 53,596-425 204,163-107 812,254-204-935,-53 60 0,75-62 17,34-45-199,0 0 0,0-1 0,0 1 0,0 0-1,1 0 1,-1 0 0,0 0 0,1 0 0,0 0 0,-1 0 0,1 1 0,0-1-1,0 0 1,0 0 0,1 2 0,-1-2-6,1-1-1,0 0 1,-1 0-1,1 0 1,0 1 0,0-1-1,-1 0 1,1 0-1,0 0 1,0 0-1,0 0 1,1-1-1,-1 1 1,0 0 0,0 0-1,0-1 1,1 1-1,-1-1 1,0 1-1,0-1 1,3 1 0,5 1-5,-1-1 0,1 0 0,-1 0 1,1-1-1,10-1 0,37-5-1,0-2 0,74-22 0,295-103 159,195-97 475,173-87-529,397-175-395,833-334-1702,-1605 676 1852,-382 140 123,40-5-1,-69 13 17,1 1 0,-1 1 1,1-1-1,0 1 0,-1 1 0,1-1 0,-1 1 0,1 1 0,6 1 0,-12-2 2,0 0-1,0-1 0,0 1 0,-1 0 0,1 1 0,0-1 0,-1 0 1,1 0-1,-1 1 0,1-1 0,-1 1 0,0-1 0,0 1 1,0-1-1,1 1 0,-2 0 0,1 0 0,0-1 0,0 1 0,0 0 1,-1 0-1,1 0 0,-1 0 0,0 0 0,1 0 0,-1 0 0,0 0 1,0 0-1,-1 3 0,-1 7 0,-1 0 1,0 0-1,-1-1 1,0 1-1,-1-1 1,0 0-1,0 0 1,-10 12-1,-41 59 0,-4-2 0,-114 117 0,-413 355-115,-295 159-345,-230 108 345,-115 40 115,34-53 0,192-146 0,270-192-180,292-206-541,409-246 663,-47 19 0,52-31 140,25-4-77,0 0-1,0-1 1,-1 1-1,1 0 1,0 0-1,-1 0 1,1 0-1,0 0 1,0 0-1,-1-1 1,1 1-1,0 0 1,0 0 0,-1 0-1,1-1 1,0 1-1,0 0 1,0 0-1,-1-1 1,1 1-1,0 0 1,0 0-1,0-1 1,0 1-1,0 0 1,0-1-1,0 1 1,0 0-1,-1 0 1,1-1-1,0 1 1,0 0 0,0-1-1,0 1 1,0 0-1,1-1 1,-1 1-1,0 0 1,0 0-1,0-1 1,0 1-1,0-1 1,4-7 92,1 0 1,0 1 0,0-1-1,0 1 1,1 0-1,11-11 1,105-98 585,326-254-341,227-134-342,444-260 136,24 36 117,-639 419 147,-175 123 885,-227 140-1004,-94 42-275,0 1 1,1 1 0,-1-1 0,1 2-1,10-2 1,-18 2-7,-1 1 0,1 0 0,0 0 0,-1 0 0,1 0 0,0 0 0,-1 0 0,1 0 0,0 0 0,-1 0 0,1 0 0,0 1 0,-1-1 0,1 0 0,0 0 0,-1 0 0,1 1 0,-1-1 0,1 0 0,0 1 0,-1-1 0,1 1 0,-1-1 0,1 1 0,-1-1 0,1 1 0,-1-1 0,0 1 0,1-1 0,-1 1 0,0-1 0,1 1 0,-1 0 0,0-1 0,0 1 0,1 0 0,-1-1 0,0 1 0,0 0 0,0 0 0,-1 4 0,0-1 0,0 0 0,0 0 0,-1 0 0,0 0 0,0 0 0,0 0 0,0-1 0,-5 7 0,-30 38 0,-3-1 0,-45 40 0,-228 196-263,-126 62-789,-1431 912 1305,1655-1128 1809,177-110-1611,58-34-387,228-127-64,291-149-597,241-135-1791,1942-1174 721,-2072 1182 1820,-225 121-162,-306 197-86,-113 95 86,-1 0-1,0 0 1,1-1-1,-2 0 1,1 0 0,-1 0-1,0-1 1,0 1-1,3-9 1,-7 14 8,0 0 0,0 0 0,0 0 0,0-1 0,0 1 0,0 0 0,0 0 0,0 0-1,0-1 1,0 1 0,-1 0 0,1 0 0,0 0 0,-1 0 0,1 0 0,-1 0 0,1-1 0,-1 1 0,0 0 0,0 0 0,1 1 0,-1-1 0,0 0 0,0 0 0,0 0 0,0 0 0,0 1 0,0-1 0,0 0 0,0 1 0,0-1 0,0 1 0,0 0 0,0-1 0,0 1 0,-1 0 0,1-1 0,0 1-1,-2 0 1,-12-3 0,0 2 0,0-1 1,0 2-1,0 0 0,-18 3 0,-451 76 1,-362 100 0,-286 69 0,-126 18 0,53-28 0,208-59 284,278-78 856,469-88-891,213-13-237,0-2 0,-67-12 0,94 12-12,-1-1 0,1 0 0,0 0 0,0-1 0,0-1 0,1 1 0,-1-1 0,1-1 0,-11-8 0,16 10 0,0 0 0,0 0 0,1 0 0,0 0 0,-1-1 0,1 1 0,1-1 0,-1 0 0,1 0 0,0 0 0,0 0 0,0 0 0,1 0 0,-1 0 0,0-10 0,2 2 0,0 1 0,1 0 0,0 0 0,0 0 0,2 0 0,-1 0 0,2 0 0,4-12 0,7-14 0,2 2 0,29-49 0,45-52 0,125-146 0,231-232-389,992-977-1334,-1110 1169 2611,-101 113-106,-203 190-223,30-19 1,-48 35-400,0 0 0,0 0 0,0 1-1,0 0 1,1 0 0,10-2 0,-16 5-131,1-1 0,-1 1-1,1 0 1,-1 0 0,1 0 0,-1 0 0,1 0 0,-1 0-1,1 1 1,-1 0 0,0-1 0,1 1 0,-1 0-1,1 0 1,-1 0 0,3 2 0,-1 0-23,-1 0-1,0 0 1,0 0 0,0 0 0,-1 0 0,1 1 0,-1-1-1,0 1 1,0 0 0,0 0 0,1 4 0,7 23-6,-2 1 0,-1 1 0,-2 0 0,2 44 0,11 297-184,-11 164-549,-7 146 597,-3 111 322,-81 2469-3636,80-3197 3349,-16 358 56,23-270 419,-3-143-312,1-1 0,1 0 1,0 0-1,0 1 1,8 19-1,-10-30-58,1 0 0,-1 0 0,0 0-1,1 0 1,-1 0 0,1-1 0,-1 1 0,1 0 0,-1 0 0,1 0 0,0-1 0,-1 1-1,1 0 1,0-1 0,0 1 0,-1 0 0,1-1 0,0 1 0,0-1 0,0 1 0,0-1 0,0 0-1,0 1 1,0-1 0,0 0 0,0 0 0,0 0 0,0 0 0,0 1 0,0-1 0,0-1 0,0 1-1,0 0 1,0 0 0,0 0 0,0 0 0,0-1 0,0 1 0,-1 0 0,1-1 0,2 0-1,3-4 0,-1 0 0,1 0-1,-1 0 1,0-1-1,0 0 1,0 0 0,-1 0-1,6-12 1,41-82-3,54-154 0,118-382-33,55-232-100,31-176 100,678-3125-735,-874 3532-57,-48 265 999,-62 356 79,0 0 1,10-24 0,-13 40-243,0-1 0,0 1 1,0 0-1,0-1 0,0 1 0,0 0 1,0 0-1,0-1 0,0 1 0,1 0 1,-1 0-1,0-1 0,0 1 0,0 0 1,0 0-1,1 0 0,-1-1 0,0 1 1,0 0-1,0 0 0,1 0 0,-1 0 1,0-1-1,0 1 0,1 0 0,-1 0 1,0 0-1,1 0 0,-1 0 0,0 0 1,0 0-1,1 0 0,-1 0 0,0 0 1,1 0-1,-1 0 0,7 14 334,26 253 35,17 321-380,11 263 0,18 175 0,24 66 0,16-48-128,-9-166-383,-22-224 241,-23-226-294,-23-208 859,-32-185 576,-7-37-394,-3-13-83,-23-175 42,-22-196-149,4-160 859,38-118-779,41-25-470,31 3-1,220-958 1,-225 1388 103,-55 224 178,16-41 0,-22 70 145,-2 9 67,-8 34 323,-41 153-357,-64 142-234,-84 125 364,-97 91-365,114-263-296,-12-7 1,-436 488-1,412-546-37,-9-9 1,-9-11 0,-353 238-1,272-252-643,273-168 801,-1-1-1,0-2 0,-52 14 0,85-30 54,0 1-1,0-1 1,0-1-1,0 0 1,-1 0 0,1 0-1,0-1 1,0-1-1,-1 0 1,1 0 0,0-1-1,-12-3 1,16 2 0,0 0 1,0 0-1,0 0 1,0-1-1,1 1 1,-1-1-1,1 0 1,0-1 0,0 1-1,1-1 1,-1 0-1,1 0 1,0 0-1,1 0 1,-1 0-1,1-1 1,0 1-1,0-1 1,0 1-1,0-9 1,-3-14 0,1 1 0,1-1 0,2-1 0,1 1 0,6-47 0,5-8 55,5 2 0,27-89 1,118-275 607,203-327-152,47 23-176,-182 371-335,-186 311 125,87-103 0,-123 161-58,1 1 1,0 1 0,1 0-1,-1 0 1,19-10-1,-26 16-51,0 0 1,1 0-1,-1 0 0,1 1 0,0-1 1,-1 0-1,1 1 0,-1-1 0,1 1 0,0 0 1,0 0-1,-1 0 0,1 0 0,0 0 1,-1 0-1,1 0 0,0 0 0,-1 1 0,1-1 1,0 0-1,-1 1 0,1 0 0,-1-1 1,4 3-1,-3-1 3,0 0 1,-1 0-1,1 1 1,0-1-1,-1 1 1,1 0-1,-1-1 1,0 1-1,0 0 1,0 0-1,0 0 1,0 0-1,-1-1 1,1 1-1,-1 6 1,1 7 11,-1 1 0,-1-1 0,-4 27 0,-11 31-31,-3-1 0,-50 126 0,-179 332-710,-138 142-2129,35-129 2254,-24-16 1,-22-17-1,-683 679 1,644-786 751,348-328 168,-130 87 1,200-152-302,0-1 1,-1 0 0,-26 9 0,40-18-36,1 1 0,-1-1 0,1 1 0,-1-2 0,0 1 1,1 0-1,-1-1 0,0 0 0,0 0 0,1 0 0,-1-1 0,0 1 1,-7-3-1,9 1-4,0 1 1,1-1 0,-1 0 0,1 1-1,-1-1 1,1 0 0,0 0-1,-1-1 1,1 1 0,0 0 0,1-1-1,-1 1 1,0-1 0,1 0-1,-1 1 1,1-1 0,0 0 0,0 0-1,0 0 1,0-5 0,-2-6-10,1-1 1,1 0-1,1 0 0,0 0 1,1 1-1,3-19 1,13-57-2,5 2 0,60-159 0,202-392 15,162-170 0,436-544 0,83 60 0,-457 675 0,-137 213 72,-329 365 1,51-36 0,-82 67-53,1 1 1,0 1 0,0 0 0,1 0-1,-1 1 1,16-4 0,-25 9-18,0 0 0,0 0 0,0 1-1,0-1 1,0 1 0,0 0 0,0-1 0,0 2 0,0-1 0,0 0 0,0 0 0,0 1-1,0 0 1,0 0 0,0 0 0,0 0 0,0 0 0,-1 0 0,1 1 0,0-1 0,2 3-1,-2-1-1,0 1 0,0 0-1,0-1 1,-1 1-1,0 0 1,1 1-1,-1-1 1,-1 0 0,1 1-1,-1-1 1,1 0-1,-1 1 1,-1 0-1,1-1 1,0 7 0,-1 10-1,0-1 0,-1 1 0,0 0 0,-8 29 0,-3 6 0,-30 78 0,-10-5-128,-6-3 1,-89 145-1,4-45-637,-180 217 0,-347 315 383,-556 373 382,-84-114 0,643-552 0,198-168 4,316-216 5,143-76-8,-1 0 0,0-1 0,0 0 1,0 0-1,0-1 0,-15 1 0,25-4-1,1 1 0,-1-1 1,0 0-1,0 0 0,0 0 0,0 0 0,0 0 0,0-1 0,1 1 0,-1 0 0,0 0 0,0 0 0,0-1 0,1 1 0,-1 0 1,0-1-1,0 1 0,1-1 0,-1 1 0,0-1 0,0 1 0,1-1 0,-1 0 0,1 1 0,-1-1 0,1 0 0,-1 1 0,1-1 0,-1 0 1,1 0-1,-1 1 0,1-1 0,0 0 0,0 0 0,-1 0 0,1 0 0,0 1 0,0-1 0,0 0 0,0 0 0,0 0 0,0 0 1,0 0-1,0 0 0,0 1 0,1-1 0,-1 0 0,0 0 0,0 0 0,1-1 0,4-9 0,0-1 0,1 1 0,0 0 0,1 0 1,0 1-1,11-14 0,83-90 0,150-132 0,404-322-41,244-173-120,161-139 120,49-63 41,-58 37 0,-144 119 0,-205 181 35,-233 219 105,-322 286-109,-140 96-31,1 1 1,1-1-1,-1 1 1,0 1-1,1-1 1,0 2-1,0-1 1,12-1-1,-20 4 0,0 0 0,0 0 0,1 0 0,-1 0 0,0 0 0,0 0 0,0 1 0,1-1 0,-1 0 0,0 1 0,0-1 0,0 1 0,0-1 0,0 1 0,0 0 0,0-1 0,0 1 0,0 0 0,0 0 0,0 0 0,0-1 0,-1 1 0,1 0 0,0 0 0,-1 0 0,1 0 0,0 1 0,-1-1 0,1 0 0,-1 0 0,0 0 0,1 0 0,-1 0 0,0 1 0,0-1 0,0 0 0,0 0 0,0 0 0,0 1 0,0 1 0,-1 8 0,-1 1 0,-1-1 0,1 0 0,-2 0 0,0 0 0,-9 20 0,-43 74 0,-126 178 0,-283 328 0,-185 155 0,-1588 1557 479,1714-1830 1436,198-215-1436,300-259-467,-30 17 0,53-34-8,0 0 1,0-1-1,0 1 1,0-1-1,0 0 1,0 0 0,0 0-1,-1 0 1,1 0-1,0-1 1,0 1 0,-5-1-1,8 0-2,-1 0-1,1 0 0,0 0 1,-1 0-1,1-1 0,0 1 1,-1 0-1,1 0 0,0-1 1,-1 1-1,1 0 0,0 0 1,-1-1-1,1 1 1,0 0-1,0-1 0,-1 1 1,1 0-1,0-1 0,0 1 1,0 0-1,0-1 0,-1 1 1,1 0-1,0-1 0,0 1 1,0-1-1,3-18 39,3 6-21,1-1 1,0 1-1,12-16 1,141-168 28,0 24 459,7 8 0,326-249 1,-331 298-128,6 8 1,4 6 0,295-126-1,-166 116-380,-62 41 0,-202 62 334,0 1 0,48-3 0,-81 10-58,1 1 0,-1 0 0,1 0 0,-1 0-1,1 1 1,-1-1 0,1 1 0,-1 0 0,5 2 0,-8-3-238,-1 1 0,1-1 0,-1 0 0,1 1 0,-1-1 0,1 0 0,-1 1 0,0-1-1,1 1 1,-1-1 0,0 1 0,1-1 0,-1 1 0,0-1 0,0 1 0,1-1 0,-1 1 0,0-1 0,0 1 0,0-1 0,0 1 0,0-1 0,0 1 0,0-1-1,0 1 1,0-1 0,0 1 0,0 0 0,0-1 0,0 1 0,0-1 0,0 1 0,-1-1 0,1 1 0,0-1 0,0 1 0,-1-1 0,1 1 0,0-1 0,0 1-1,-1 0 1,-8 7 45,1 1-1,-2-1 0,1-1 0,-1 0 0,0 0 0,0-1 0,-13 6 0,-273 121-82,-251 62-973,-256 51-2920,-2149 508-1053,2253-610 5361,583-124-363,-224 9 0,316-30-52,0 0 0,1-1 0,-33-8 0,49 8 0,1 1 0,0-1 0,0-1 0,0 1 0,0-1 0,0 0 0,1 0 0,-1-1 0,1 1 0,0-1 0,-9-8 0,12 9 0,-1-1 0,1 1 0,0-1 0,0 1 0,0-1 0,1 0 0,-1 0 0,1 0 0,0 1 0,0-1 0,0 0 0,1-1 0,-1 1 0,1 0 0,0 0 0,0 0 0,1-7 0,2-3 0,0 1 0,1 0 0,1 0 0,-1 0 0,2 0 0,0 1 0,8-13 0,30-40-101,2 2-1,105-109 1,237-203-1118,866-686 915,-985 850 872,-242 191 1,0 0-1,1 2 1,56-26-1,-82 43-540,0 0-1,0 1 1,0-1 0,0 0-1,0 1 1,0 0 0,0-1-1,1 1 1,-1 0-1,0 0 1,0 0 0,0 0-1,0 1 1,1-1 0,-1 0-1,0 1 1,3 1 0,-4-1-25,1 0 0,-1 0 0,0 0 0,0 1 0,0-1 0,0 0 0,0 1 0,-1-1 0,1 1 0,0-1 1,-1 1-1,1-1 0,-1 1 0,1 0 0,-1-1 0,0 1 0,1 0 0,-1-1 0,0 1 0,0 0 0,0-1 1,-1 3-1,-3 25-3,-2 0 0,-1 0 0,-2-1 0,-19 45 0,-114 264 388,-68 144 1165,-31 131-1711,14 49-1208,-148 718-1,275-867 1561,55-150 582,42-328-737,1 0 0,2 1 0,2-1-1,6 42 1,-7-71-39,0-1 0,0 0 0,0 0 0,1 0 0,-1 0 0,1 0 0,0 0 0,0-1 0,1 1 0,-1 0 0,4 3 0,-4-6 0,-1 0 0,1 0 0,-1 0 0,1 0 0,-1 0 0,1 0 0,-1-1 0,1 1 0,0 0 0,0-1 0,-1 0 0,1 1 0,0-1 0,0 0 0,-1 0 0,1 0 0,0 0 0,0 0 0,0 0 0,-1 0 0,1-1 0,0 1 0,2-2 0,4-1 0,0 0 0,-1-1 0,1-1 0,-1 1 0,0-1 0,0 0 0,6-7 0,16-15 0,32-38 0,197-278-315,89-200-945,76-165 945,70-113 223,1694-2399-2657,-1830 2744 1779,-130 192 1110,-212 267 164,1 0 1,22-19 0,-20 27 57,-18 9-354,1 0 1,-1 0-1,0 0 0,1 0 1,-1 0-1,0 0 0,1 0 1,-1 0-1,0 0 0,1 0 1,-1 1-1,0-1 0,0 0 1,1 0-1,-1 0 0,0 0 1,0 0-1,1 1 0,-1-1 1,0 0-1,0 0 0,1 0 1,-1 1-1,0-1 0,0 0 1,0 0-1,0 1 0,1-1 0,-1 0 1,0 0-1,0 1 0,0-1 1,0 0-1,0 1 0,0 4 31,0 0 0,0 1-1,0-1 1,-1 0-1,0 0 1,0 0-1,-1 0 1,-2 6-1,-31 83-45,-129 269 7,-81 169 118,-223 547 461,57 28-567,334-840 624,62-187 636,15-76-1145,-1 0 1,1 0-1,0-1 0,0 1 0,0 0 1,1 0-1,-1-1 0,1 1 0,2 7 1,-2-11-112,-1 1 0,0 0 1,1-1-1,-1 1 0,1-1 1,-1 1-1,1 0 0,0-1 1,-1 1-1,1-1 1,-1 1-1,1-1 0,0 0 1,-1 1-1,1-1 0,0 0 1,0 1-1,-1-1 1,1 0-1,0 0 0,0 0 1,0 0-1,-1 0 0,1 0 1,0 0-1,0 0 1,-1 0-1,1 0 0,0 0 1,0 0-1,0 0 0,-1-1 1,2 1-1,4-3-4,-1 1-1,0-1 0,1 0 1,-1 0-1,0-1 0,8-7 1,22-23-12,-1-1 0,44-61 0,124-201 169,33-112 506,438-1105-3159,-518 1078 2819,-49 94 1004,-43 124-1004,-47 171-335,-13 42 0,-2 12 0,-25 166 0,-37 221 0,-41 192-331,-37 144-997,-27 62 997,3-48 331,28-138 0,46-192 408,68-288 410,20-117-654,0 1-1,0 0 1,1-1-1,2 20 1,-2-28-158,0-1 0,0 1 0,0-1 0,0 1 1,1-1-1,-1 1 0,0-1 0,0 0 0,0 1 0,0-1 1,0 1-1,1-1 0,-1 1 0,0-1 0,0 0 0,1 1 1,-1-1-1,0 0 0,1 1 0,-1-1 0,0 0 0,1 1 1,-1-1-1,1 0 0,-1 0 0,1 1 0,-1-1 0,0 0 1,1 0-1,-1 0 0,1 1 0,-1-1 0,1 0 0,-1 0 1,1 0-1,-1 0 0,1 0 0,-1 0 0,1 0 0,-1 0 1,1 0-1,-1-1 0,0 1 0,1 0 0,-1 0 0,1 0 1,-1 0-1,1-1 0,-1 1 0,0 0 0,1 0 0,-1-1 1,1 1-1,-1 0 0,0-1 0,1 1 0,-1-1 0,7-6 3,0 0-1,-1 0 1,0-1 0,-1 0-1,6-9 1,130-263-9,58-189-315,281-822-1311,-55-17 1677,-390 1196 504,-28 94 34,-5 17-247,-3 4 20,-31 135 2204,16-74-2324,-278 1384 2191,275-1340-1672,14-90-761,1-25 0,1-34 0,4-66 0,0 54 0,4-113 499,-4-232 1166,-2 381-1665,1 11 0,1-1 0,-2 1 0,1 0 0,-1-1 0,0 1 0,0 0 0,-1-1 0,0 1 0,0 0 0,0 0 0,-6-9 0,7 14-37,1 1 0,0 0 1,-1-1-1,1 1 0,0 0 0,-1 0 0,1-1 0,0 1 0,-1 0 0,1 0 0,-1 0 0,1 0 1,0 0-1,-1 0 0,1 0 0,-1-1 0,1 1 0,0 0 0,-1 0 0,1 0 0,-1 1 0,1-1 1,-1 0-1,1 0 0,0 0 0,-1 0 0,1 0 0,-1 0 0,1 1 0,0-1 0,-1 0 0,1 0 1,0 0-1,-1 1 0,1-1 0,-1 1 0,-13 16-6789</inkml:trace>
+</inkml:ink>
+</file>
+
+<file path=ppt/ink/ink20.xml><?xml version="1.0" encoding="utf-8"?>
+<inkml:ink xmlns:inkml="http://www.w3.org/2003/InkML">
+  <inkml:definitions>
+    <inkml:context xml:id="ctx0">
+      <inkml:inkSource xml:id="inkSrc0">
+        <inkml:traceFormat>
+          <inkml:channel name="X" type="integer" min="-2.14748E9" max="2.14748E9" units="cm"/>
+          <inkml:channel name="Y" type="integer" min="-2.14748E9" max="2.14748E9" units="cm"/>
+          <inkml:channel name="F" type="integer" max="32767" units="dev"/>
+        </inkml:traceFormat>
+        <inkml:channelProperties>
+          <inkml:channelProperty channel="X" name="resolution" value="1000" units="1/cm"/>
+          <inkml:channelProperty channel="Y" name="resolution" value="1000" units="1/cm"/>
+          <inkml:channelProperty channel="F" name="resolution" value="0" units="1/dev"/>
+        </inkml:channelProperties>
+      </inkml:inkSource>
+      <inkml:timestamp xml:id="ts0" timeString="2024-12-25T16:46:08.714"/>
+    </inkml:context>
+    <inkml:brush xml:id="br0">
+      <inkml:brushProperty name="width" value="0.035" units="cm"/>
+      <inkml:brushProperty name="height" value="0.035" units="cm"/>
+    </inkml:brush>
+  </inkml:definitions>
+  <inkml:trace contextRef="#ctx0" brushRef="#br0">215 4639 24575,'-3'-1'0,"1"-1"0,-1 0 0,1 1 0,0-1 0,-1 0 0,1 0 0,0 0 0,0-1 0,0 1 0,1 0 0,-1-1 0,-2-4 0,-5-6 0,-12-12 0,2-1 0,1-1 0,1 0 0,2-2 0,0 0 0,2 0 0,1-1 0,2-1 0,1 1 0,-8-44 0,12 27 0,1 1 0,3-1 0,2 0 0,1 1 0,3-1 0,19-80 0,-4 49 0,4 1 0,3 2 0,40-78 0,18-4 0,-72 138 0,0 0 0,1 1 0,1 1 0,0 0 0,29-23 0,-41 37 0,1 0 0,0 0 0,0 0 0,0 1 0,0 0 0,1 0 0,-1 0 0,0 0 0,1 1 0,-1 0 0,1-1 0,0 2 0,-1-1 0,1 0 0,0 1 0,5 0 0,-6 1 0,-1 0 0,1 0 0,-1 0 0,0 1 0,1-1 0,-1 1 0,0 0 0,0 0 0,0 0 0,0 0 0,0 0 0,-1 0 0,1 1 0,-1 0 0,1-1 0,-1 1 0,0 0 0,0 0 0,0 0 0,-1 0 0,1 1 0,0 2 0,6 14 0,-2-1 0,0 1 0,-2-1 0,0 2 0,-1-1 0,-1 0 0,-1 0 0,-1 1 0,-4 38 0,-3-10 0,-2 0 0,-29 90 0,26-102 0,-2-1 0,0 0 0,-32 53 0,41-80 0,-1-1 0,1 0 0,-1 0 0,-1 0 0,0-1 0,0 1 0,0-2 0,-1 1 0,0-1 0,0 0 0,0-1 0,-1 0 0,0 0 0,0-1 0,0 0 0,0-1 0,-1 0 0,0 0 0,-12 1 0,20-3 0,-1-1 0,1 0 0,-1 0 0,1 0 0,-1 0 0,1 0 0,-1-1 0,1 1 0,-1-1 0,1 0 0,-1 0 0,1 0 0,0 0 0,-1 0 0,1 0 0,0 0 0,0-1 0,0 1 0,0-1 0,0 0 0,0 0 0,0 1 0,1-1 0,-3-3 0,0-2 0,1 1 0,0-1 0,1 1 0,-1-1 0,1 0 0,0 0 0,1 0 0,-1-10 0,-2-20 0,3 0 0,0 0 0,3 0 0,9-59 0,45-151 0,-50 224 0,68-252-471,13 4 0,172-370-1,-250 622 472,-1 0 0,1 0 0,0 1 0,1 1 0,1-1 0,1 2 0,21-25 0,-32 41 0,-1-1 0,1 0 0,0 0 0,-1 0 0,1 1 0,0-1 0,0 0 0,0 1 0,-1-1 0,1 1 0,0-1 0,0 1 0,0-1 0,0 1 0,0 0 0,0-1 0,0 1 0,0 0 0,0 0 0,0 0 0,0 0 0,0 0 0,0 0 0,0 0 0,0 0 0,0 0 0,0 0 0,0 0 0,0 1 0,0-1 0,0 0 0,0 1 0,1 0 0,0 1 0,0 0 0,0 1 0,-1-1 0,1 0 0,-1 1 0,0-1 0,0 1 0,0 0 0,0-1 0,0 1 0,0 4 0,3 13 0,-1 0 0,-1 1 0,-1-1 0,-1 1 0,-2 20 0,-19 106 0,17-123 0,-19 97 625,-56 175-1,51-216-583,-4-2 1,-3-1-1,-47 78 0,77-147-41,-29 42 0,33-49 0,-1 1 0,1 0 0,0-1 0,-1 1 0,1-1 0,-1 0 0,1 0 0,-1 1 0,0-1 0,0 0 0,1 0 0,-1 0 0,0-1 0,0 1 0,0 0 0,0-1 0,0 1 0,0-1 0,0 0 0,0 0 0,0 0 0,0 0 0,-2 0 0,1-1 0,1 0 0,0 0 0,0 0 0,0-1 0,0 1 0,0-1 0,0 0 0,0 1 0,0-1 0,1 0 0,-1 0 0,1 0 0,-1 0 0,1 0 0,0 0 0,0-1 0,0 1 0,0 0 0,0 0 0,-1-6 0,-10-60 0,10 59 0,-3-45 7,1 0 0,4 0-1,6-64 1,35-170-445,-41 286 431,159-715-2155,-113 565 1978,7 1 0,115-228 0,-144 332 159,2 1 0,3 1 1,1 1-1,38-42 0,-59 77 20,-1 0 0,2 0 0,-1 1 0,1 1 0,0-1 0,16-7 0,-23 13 18,-1 1 1,1 0-1,0 0 1,-1 0 0,1 0-1,0 0 1,0 1 0,0-1-1,0 1 1,0 0-1,0 0 1,0 0 0,-1 0-1,1 0 1,0 1 0,0-1-1,0 1 1,0 0-1,0 0 1,-1 0 0,1 0-1,0 0 1,-1 1 0,1-1-1,-1 1 1,1 0-1,-1-1 1,0 1 0,0 0-1,0 1 1,2 1 0,3 7 164,-1 0 1,0 0 0,0 1 0,-2-1 0,1 1 0,-1 1-1,-1-1 1,0 0 0,-1 1 0,0-1 0,-1 16 0,1 16-94,-2-1 1,-2 1 0,-2-1-1,-2 1 1,-1-1 0,-3-1-1,-1 0 1,-23 55 0,0-15-102,-4-2 1,-4-1 0,-54 76-1,30-65 16,62-85 0,1-1 0,-1 0 0,0 0 0,0-1 0,0 1 0,-1-1 0,-5 3 0,10-6 0,0 0 0,0 1 0,-1-1 0,1 0 0,0 0 0,-1 0 0,1 0 0,0 0 0,0 0 0,-1 0 0,1 0 0,0 0 0,-1 0 0,1 0 0,0 0 0,0 0 0,-1 0 0,1 0 0,0 0 0,-1-1 0,1 1 0,0 0 0,0 0 0,-1 0 0,1 0 0,0 0 0,0-1 0,-1 1 0,1 0 0,0 0 0,0-1 0,0 1 0,-1 0 0,1 0 0,0 0 0,0-1 0,0 1 0,0 0 0,0-1 0,0 1 0,0 0 0,-1 0 0,1-1 0,0-3 0,0 1 0,0 0 0,0-1 0,0 1 0,1 0 0,-1-1 0,3-5 0,39-113 0,39-82 0,97-252-1515,150-362-136,-207 569 1554,-85 197 97,-35 51-5,-1-1 0,1 1 1,0 0-1,0 0 1,0 0-1,1 0 0,-1 0 1,0 1-1,0-1 1,0 0-1,1 0 0,-1 1 1,0-1-1,3 0 1,-3 1 18,-1 0 0,1 0 0,-1 0 1,1 0-1,-1 0 0,1 1 0,-1-1 1,0 0-1,1 0 0,-1 0 0,1 1 1,-1-1-1,0 0 0,1 1 0,-1-1 0,0 0 1,1 1-1,-1-1 0,0 0 0,1 1 1,-1-1-1,0 0 0,0 1 0,0-1 1,1 1-1,-1-1 0,0 1 0,0-1 1,0 1-1,1 3 211,0 1 1,-1-1-1,1 1 0,-1-1 1,0 0-1,-1 1 0,-1 7 1,-5 12-221,0-1 0,-2 0 1,-1 0-1,-1-1 0,-1-1 1,-1 1-1,-18 22 0,25-36-310,-52 75-6521</inkml:trace>
+</inkml:ink>
+</file>
+
+<file path=ppt/ink/ink21.xml><?xml version="1.0" encoding="utf-8"?>
+<inkml:ink xmlns:inkml="http://www.w3.org/2003/InkML">
+  <inkml:definitions>
+    <inkml:context xml:id="ctx0">
+      <inkml:inkSource xml:id="inkSrc0">
+        <inkml:traceFormat>
+          <inkml:channel name="X" type="integer" min="-2.14748E9" max="2.14748E9" units="cm"/>
+          <inkml:channel name="Y" type="integer" min="-2.14748E9" max="2.14748E9" units="cm"/>
+          <inkml:channel name="F" type="integer" max="32767" units="dev"/>
+        </inkml:traceFormat>
+        <inkml:channelProperties>
+          <inkml:channelProperty channel="X" name="resolution" value="1000" units="1/cm"/>
+          <inkml:channelProperty channel="Y" name="resolution" value="1000" units="1/cm"/>
+          <inkml:channelProperty channel="F" name="resolution" value="0" units="1/dev"/>
+        </inkml:channelProperties>
+      </inkml:inkSource>
+      <inkml:timestamp xml:id="ts0" timeString="2024-12-25T16:46:10.212"/>
+    </inkml:context>
+    <inkml:brush xml:id="br0">
+      <inkml:brushProperty name="width" value="0.035" units="cm"/>
+      <inkml:brushProperty name="height" value="0.035" units="cm"/>
+    </inkml:brush>
+  </inkml:definitions>
+  <inkml:trace contextRef="#ctx0" brushRef="#br0">0 6483 24575,'3'-83'0,"3"0"0,28-135 0,60-156 0,-83 333 0,14-50 0,-1-5 0,5 1 0,46-103 0,-70 185 0,2 1 0,0 0 0,0 1 0,1-1 0,0 1 0,17-16 0,-21 23 0,0 1 0,-1 0 0,1 0 0,0 0 0,1 1 0,-1-1 0,0 1 0,1 0 0,-1 0 0,1 1 0,0-1 0,-1 1 0,1 0 0,0 1 0,0-1 0,0 1 0,0 0 0,-1 0 0,1 0 0,0 0 0,0 1 0,6 2 0,2 1 0,0 2 0,0 0 0,0 0 0,-1 1 0,0 0 0,0 2 0,-1-1 0,0 1 0,0 1 0,-1 0 0,0 0 0,-1 1 0,0 0 0,13 23 0,-4-3 0,-2 1 0,0 0 0,-3 1 0,18 62 0,-20-50 0,-1 0 0,-3 1 0,-1 0 0,-1 53 0,-6-71 0,0 1 0,-2 0 0,-1 0 0,-2-1 0,0 0 0,-2 0 0,-19 46 0,20-61 0,1-1 0,-1 0 0,-1 0 0,0-1 0,0 0 0,-1 0 0,-1-1 0,-15 13 0,18-17 0,0-1 0,-1 0 0,1-1 0,-1 1 0,0-1 0,0-1 0,0 0 0,-1 0 0,1 0 0,-1-1 0,1 0 0,-1-1 0,0 0 0,-10 0 0,15-1 0,0 0 0,0-1 0,-1 0 0,1 1 0,0-1 0,0 0 0,0-1 0,0 1 0,0-1 0,0 0 0,0 0 0,0 0 0,1-1 0,-1 1 0,-4-5 0,3 2 0,1-1 0,-1 1 0,1-1 0,1 0 0,-1 1 0,1-2 0,0 1 0,0 0 0,-1-7 0,-2-11 0,1 0 0,1 1 0,1-1 0,0-42 0,5-3-57,3 0-1,2 1 1,4 0 0,3 1-1,2 0 1,48-121-1,-25 97-22,4 2-1,4 2 1,4 2 0,71-93-1,-57 95 81,77-75 0,-112 127 0,2 2 0,0 1 0,3 2 0,0 1 0,46-24 0,-75 46 0,-1 0 0,1 0 0,0 1 0,0 0 0,0 0 0,0 1 0,0 0 0,0 0 0,0 0 0,8 0 0,-11 2 0,-1-1 0,0 1 0,0-1 0,0 1 0,0 0 0,0-1 0,0 1 0,0 0 0,-1 1 0,1-1 0,0 0 0,0 0 0,-1 1 0,1-1 0,-1 1 0,1-1 0,-1 1 0,0 0 0,1-1 0,-1 1 0,0 0 0,0 0 0,0 0 0,-1 0 0,1 0 0,0 0 0,-1 0 0,1 0 0,-1 0 0,0 1 0,0 2 0,2 11 45,-2 1 0,0-1-1,-1 0 1,-1 1 0,-1-1-1,0 0 1,-1 0 0,-7 20-1,-6 8 157,-32 64 0,46-100-201,-1-1 0,-1 1 0,1-1 0,-9 10 0,13-17 0,0 0 0,-1 0 0,1 0 0,0 1 0,0-1 0,0 0 0,0 0 0,0 0 0,0 0 0,-1 0 0,1 1 0,0-1 0,0 0 0,0 0 0,0 0 0,-1 0 0,1 0 0,0 0 0,0 0 0,0 0 0,0 0 0,-1 0 0,1 0 0,0 0 0,0 0 0,0 0 0,-1 0 0,1 0 0,0 0 0,0 0 0,0 0 0,-1 0 0,1 0 0,0 0 0,0 0 0,0 0 0,0 0 0,-1 0 0,1 0 0,0 0 0,0-1 0,0 1 0,0 0 0,-1 0 0,1 0 0,0-19 0,8-17 0,14-38 0,54-146 0,46-96-622,479-1110-3711,-495 1193 4089,-36 96 244,-49 105 0,-17 30 0,-4 8 0,-23 58 0,-48 95 0,-283 573-1168,275-556 1693,77-171-430,0 1-1,0-1 1,0 0 0,1 1-1,0-1 1,0 1 0,0-1 0,0 7-1,2-12-77,-1 1 0,0-1 0,0 1-1,0-1 1,1 0 0,-1 1-1,0-1 1,0 1 0,1-1 0,-1 0-1,0 0 1,1 1 0,-1-1-1,1 0 1,-1 1 0,0-1 0,1 0-1,-1 0 1,1 0 0,-1 1 0,0-1-1,1 0 1,-1 0 0,1 0-1,-1 0 1,1 0 0,-1 0 0,1 0-1,-1 0 1,1 0 0,-1 0-1,0 0 1,1 0 0,-1 0 0,1-1-1,-1 1 1,1 0 0,-1 0-1,0 0 1,1-1 0,-1 1 0,1 0-1,-1 0 1,0-1 0,1 1-1,-1 0 1,0-1 0,1 1 0,-1 0-1,0-1 1,19-14 289,0-1 0,30-35 0,158-193-306,94-142-481,66-104-1442,19-34 727,648-860-1832,-851 1155 3174,-162 204 50,2 1-1,32-27 1,-32 39-68,-23 12-128,0 0 1,1 0-1,-1 0 1,0 0-1,1 0 1,-1 0 0,0 0-1,1 0 1,-1 0-1,0 0 1,1 0-1,-1 0 1,0 1-1,1-1 1,-1 0-1,0 0 1,1 0-1,-1 1 1,0-1-1,1 0 1,-1 0-1,0 1 1,0-1-1,1 0 1,-1 0-1,0 1 1,0-1-1,0 0 1,0 1-1,1-1 1,-1 0-1,0 1 1,0-1-1,0 1 1,0-1-1,0 12-1,0 0-1,-1 1 1,-1-1-1,0-1 1,0 1-1,-1 0 1,-5 13-1,-3 13 620,5-13 192,1 0 0,1 0 0,1 0 0,0 44 0,4-59-522,0 0-1,0 0 1,1 0-1,0 0 0,1 0 1,0 0-1,1-1 1,0 0-1,0 0 1,1 0-1,0 0 1,1-1-1,0 1 1,13 13-1,-6-10-287,1-1 0,0 0 0,1-1 0,0-1 0,25 12 0,-11-6 0,-28-14 3,1-1-1,-1 1 1,1 0-1,-1 0 1,1-1-1,-1 1 1,0 0-1,1 0 1,-1 1-1,0-1 1,0 0-1,0 0 1,0 0-1,0 1 0,0-1 1,0 1-1,0-1 1,0 1-1,-1-1 1,1 1-1,0-1 1,-1 1-1,0-1 1,1 1-1,-1 0 1,0-1-1,0 4 1,-1-1-147,0 0 1,-1 0-1,1-1 1,-1 1-1,0 0 1,0 0-1,0-1 1,-1 0-1,-3 6 1,-30 32-6683</inkml:trace>
+</inkml:ink>
+</file>
+
+<file path=ppt/ink/ink22.xml><?xml version="1.0" encoding="utf-8"?>
+<inkml:ink xmlns:inkml="http://www.w3.org/2003/InkML">
+  <inkml:definitions>
+    <inkml:context xml:id="ctx0">
+      <inkml:inkSource xml:id="inkSrc0">
+        <inkml:traceFormat>
+          <inkml:channel name="X" type="integer" min="-2.14748E9" max="2.14748E9" units="cm"/>
+          <inkml:channel name="Y" type="integer" min="-2.14748E9" max="2.14748E9" units="cm"/>
+          <inkml:channel name="F" type="integer" max="32767" units="dev"/>
+        </inkml:traceFormat>
+        <inkml:channelProperties>
+          <inkml:channelProperty channel="X" name="resolution" value="1000" units="1/cm"/>
+          <inkml:channelProperty channel="Y" name="resolution" value="1000" units="1/cm"/>
+          <inkml:channelProperty channel="F" name="resolution" value="0" units="1/dev"/>
+        </inkml:channelProperties>
+      </inkml:inkSource>
+      <inkml:timestamp xml:id="ts0" timeString="2024-12-25T16:46:11.361"/>
+    </inkml:context>
+    <inkml:brush xml:id="br0">
+      <inkml:brushProperty name="width" value="0.035" units="cm"/>
+      <inkml:brushProperty name="height" value="0.035" units="cm"/>
+    </inkml:brush>
+  </inkml:definitions>
+  <inkml:trace contextRef="#ctx0" brushRef="#br0">0 6678 24575,'40'-173'0,"-25"117"0,36-135 0,26-70-457,29-67-1371,72-165 872,20 9-1,291-509 1,-318 705 810,13 25-476,-140 211 586,1 2 0,83-71 1,-116 110 206,1 0 0,0 1 1,0 0-1,1 2 0,1-1 1,-1 2-1,31-12 0,-43 18-89,0 1-1,1-1 1,-1 1-1,0 0 1,1 0-1,-1 0 0,0 0 1,1 0-1,-1 0 1,0 0-1,1 1 1,-1-1-1,0 1 0,0 0 1,1 0-1,-1 0 1,0 0-1,0 0 1,0 0-1,0 0 0,0 1 1,0-1-1,-1 1 1,1-1-1,0 1 1,-1 0-1,1 0 0,-1 0 1,0 0-1,1 0 1,-1 0-1,0 0 1,0 0-1,0 0 0,-1 0 1,1 1-1,0 3 1,3 10 178,0 1 1,-2-1 0,0 1 0,-1 21-1,0-24-194,0 67 6,-4-1-1,-17 106 0,-45 158-102,55-295 43,-6 25-12,-53 229 0,68-297 0,-1 0 0,0 0 0,0 0 0,-6 10 0,8-15 0,-1-1 0,1 0 0,0 0 0,0 1 0,0-1 0,0 0 0,-1 0 0,1 0 0,0 1 0,0-1 0,0 0 0,-1 0 0,1 0 0,0 1 0,0-1 0,-1 0 0,1 0 0,0 0 0,-1 0 0,1 0 0,0 0 0,0 0 0,-1 0 0,1 0 0,0 0 0,-1 0 0,1 0 0,0 0 0,-1 0 0,1 0 0,0 0 0,0 0 0,-1 0 0,1 0 0,0 0 0,-1 0 0,1 0 0,0-1 0,-2 0 0,1-1 0,0 1 0,0-1 0,0 0 0,0 1 0,0-1 0,0 0 0,1 0 0,-1 0 0,0-3 0,-8-35 0,3 0 0,1-1 0,0-64 0,3 50 0,-3-212-241,19-79-726,11 114 387,9 0-1,11 2 1,10 3 0,10 2 0,9 3 0,10 3 0,10 5-1,223-374 1,-177 383 228,-118 175 352,2 1 0,33-32 0,-54 58 18,0 0 0,0 0 0,0 1 0,0-1 0,0 1 0,1 0-1,-1 0 1,1 0 0,-1 0 0,1 0 0,0 1 0,0 0 0,0 0 0,-1 0 0,1 0 0,5 0 0,-8 1-3,1 1 1,-1-1 0,0 0-1,0 1 1,1-1 0,-1 1-1,0 0 1,0-1 0,0 1 0,1 0-1,-1 0 1,0-1 0,0 1-1,0 0 1,0 0 0,-1 0 0,3 2-1,-1 1 21,0 0-1,-1-1 0,1 1 1,0 0-1,-1 0 0,0 0 1,1 7-1,1 10 2,-2-1 1,0 1-1,-1 0 0,-5 37 0,-22 95-54,26-145 22,-56 233 831,-10-2 1,-162 382 0,182-524 892,35-78-1351,12-19-377,0 0 0,0-1 0,0 1 0,0 0 0,0 0-1,0 0 1,0 0 0,0 0 0,0 0 0,0 0 0,0-1-1,0 1 1,0 0 0,0 0 0,0 0 0,0 0 0,0 0-1,0 0 1,0 0 0,0-1 0,0 1 0,0 0 0,0 0-1,0 0 1,0 0 0,-1 0 0,1 0 0,0 0 0,0 0-1,0 0 1,0-1 0,0 1 0,0 0 0,0 0 0,0 0-1,0 0 1,-1 0 0,1 0 0,0 0 0,0 0 0,0 0-1,0 0 1,0 0 0,0 0 0,0 0 0,-1 0 0,1 0-1,0 0 1,0 0 0,0 0 0,0 0 0,0 0 0,0 0-1,0 0 1,-1 0 0,1 0 0,0 0 0,0 0 0,0 0-1,0 0 1,0 0 0,0 0 0,0 1 0,-1-1 0,4-17-1,0 0 0,8-24 0,41-127 0,82-213-877,183-362 1,-156 439 862,-119 236 72,3 2 1,64-73 0,-87 115 203,31-29 1,-47 48-237,1 0 0,-1 0-1,1 0 1,0 1 0,0 0 0,0 0-1,1 1 1,0 0 0,-1 0 0,10-1-1,-12 3-25,-1 1 0,1 0 0,0 0 0,-1 0 0,1 0 0,0 1 0,-1 0 0,1 0 0,-1 0 0,1 1 0,-1-1 0,1 1 0,-1 0 0,0 0 0,0 1 0,0-1 0,0 1 0,0 0 0,-1 0 0,1 0 0,-1 0 0,4 5 0,2 3 0,-1 1 0,0 0 0,0 1 0,-1-1 0,-1 2 0,6 14 0,2 15 185,-1 0 0,-2 1 0,-3 0 0,5 60 0,-4 185 739,-29 110-2289,0-205-5461</inkml:trace>
+</inkml:ink>
+</file>
+
+<file path=ppt/ink/ink23.xml><?xml version="1.0" encoding="utf-8"?>
+<inkml:ink xmlns:inkml="http://www.w3.org/2003/InkML">
+  <inkml:definitions>
+    <inkml:context xml:id="ctx0">
+      <inkml:inkSource xml:id="inkSrc0">
+        <inkml:traceFormat>
+          <inkml:channel name="X" type="integer" min="-2.14748E9" max="2.14748E9" units="cm"/>
+          <inkml:channel name="Y" type="integer" min="-2.14748E9" max="2.14748E9" units="cm"/>
+          <inkml:channel name="F" type="integer" max="32767" units="dev"/>
+        </inkml:traceFormat>
+        <inkml:channelProperties>
+          <inkml:channelProperty channel="X" name="resolution" value="1000" units="1/cm"/>
+          <inkml:channelProperty channel="Y" name="resolution" value="1000" units="1/cm"/>
+          <inkml:channelProperty channel="F" name="resolution" value="0" units="1/dev"/>
+        </inkml:channelProperties>
+      </inkml:inkSource>
+      <inkml:timestamp xml:id="ts0" timeString="2024-12-25T16:46:12.429"/>
+    </inkml:context>
+    <inkml:brush xml:id="br0">
+      <inkml:brushProperty name="width" value="0.035" units="cm"/>
+      <inkml:brushProperty name="height" value="0.035" units="cm"/>
+    </inkml:brush>
+  </inkml:definitions>
+  <inkml:trace contextRef="#ctx0" brushRef="#br0">0 6363 24575,'0'2'0,"0"0"0,0 0 0,0 0 0,1 1 0,-1-1 0,1 0 0,-1 0 0,1 0 0,0 0 0,1 2 0,-2-3 0,0-1 0,0 0 0,0 0 0,0 0 0,0 0 0,0 1 0,1-1 0,-1 0 0,0 0 0,0 0 0,0 0 0,0 0 0,1 0 0,-1 0 0,0 0 0,0 1 0,0-1 0,1 0 0,-1 0 0,0 0 0,0 0 0,0 0 0,1 0 0,-1 0 0,0 0 0,0 0 0,0 0 0,1 0 0,-1-1 0,0 1 0,0 0 0,0 0 0,1 0 0,-1 0 0,0 0 0,0 0 0,0 0 0,1-1 0,9-14 0,8-27 0,-3-1 0,15-62 0,-11 35 0,87-285-1254,16 6 0,316-634-1,-285 707 1230,193-262-1,-228 385-180,-108 140 195,1 1 1,0 1 0,1 0-1,26-20 1,-37 30 9,1 0-1,-1 1 1,1-1-1,-1 0 1,1 0-1,0 1 1,-1-1-1,1 1 1,0-1 0,-1 1-1,1 0 1,0-1-1,0 1 1,-1 0-1,1 0 1,0 0-1,-1 1 1,4 0-1,-3-1 1,-1 1 0,0 0-1,0 0 1,1 0-1,-1 0 1,0 0-1,0 0 1,0 0-1,0 0 1,-1 0-1,1 0 1,0 1 0,0-1-1,-1 0 1,1 0-1,-1 1 1,1-1-1,0 2 1,1 8 47,0-1 0,-1 1 0,0 0 0,-1 0 0,-1 11 0,-4 56 495,-22 113 0,-32 79-483,45-211 26,-37 138 347,-22 111-202,70-276-101,3-32-125,0 1 0,0-1 1,0 1-1,0-1 0,0 0 0,0 1 1,0-1-1,0 1 0,0-1 1,0 0-1,0 1 0,0-1 0,0 1 1,1-1-1,-1 0 0,0 1 1,0-1-1,0 0 0,1 1 1,-1-1-1,0 0 0,0 1 0,1-1 1,-1 0-1,0 0 0,1 1 1,-1-1-1,0 0 0,1 0 0,-1 1 1,3-3 0,0 0 1,0 0 0,-1 0-1,1 0 1,-1-1 0,1 1-1,-1 0 1,0-1 0,0 0-1,0 0 1,0 0-1,2-6 1,160-301-5,-145 273 0,134-284-483,38-82-1448,-97 206 1373,874-1772-2918,-825 1702 3055,-77 150 246,81-109 0,-118 189 822,1 0 1,1 2 0,2 1-1,2 2 1,1 1 0,56-37-1,38-6 847,190-77-1,-252 120-1688,87-34 709,99-47-822,-205 85-6518</inkml:trace>
+</inkml:ink>
+</file>
+
+<file path=ppt/ink/ink24.xml><?xml version="1.0" encoding="utf-8"?>
+<inkml:ink xmlns:inkml="http://www.w3.org/2003/InkML">
+  <inkml:definitions>
+    <inkml:context xml:id="ctx0">
+      <inkml:inkSource xml:id="inkSrc0">
+        <inkml:traceFormat>
+          <inkml:channel name="X" type="integer" min="-2.14748E9" max="2.14748E9" units="cm"/>
+          <inkml:channel name="Y" type="integer" min="-2.14748E9" max="2.14748E9" units="cm"/>
+          <inkml:channel name="F" type="integer" max="32767" units="dev"/>
+        </inkml:traceFormat>
+        <inkml:channelProperties>
+          <inkml:channelProperty channel="X" name="resolution" value="1000" units="1/cm"/>
+          <inkml:channelProperty channel="Y" name="resolution" value="1000" units="1/cm"/>
+          <inkml:channelProperty channel="F" name="resolution" value="0" units="1/dev"/>
+        </inkml:channelProperties>
+      </inkml:inkSource>
+      <inkml:timestamp xml:id="ts0" timeString="2024-12-25T16:46:17.220"/>
+    </inkml:context>
+    <inkml:brush xml:id="br0">
+      <inkml:brushProperty name="width" value="0.035" units="cm"/>
+      <inkml:brushProperty name="height" value="0.035" units="cm"/>
+    </inkml:brush>
+  </inkml:definitions>
+  <inkml:trace contextRef="#ctx0" brushRef="#br0">970 6875 24575,'-21'19'0,"-1"0"0,-1-2 0,-1 0 0,0-2 0,-1-1 0,-1 0 0,-31 10 0,-197 56 0,169-57 0,42-9 0,27-8 0,-1-1 0,-1-1 0,1 0 0,-23 2 0,38-6 0,1 0 0,0 0 0,-1 0 0,1 0 0,-1 0 0,1 0 0,0-1 0,-1 1 0,1 0 0,0-1 0,-1 1 0,1-1 0,0 1 0,0-1 0,-1 1 0,1-1 0,0 0 0,0 0 0,0 0 0,0 0 0,0 0 0,0 0 0,0 0 0,0 0 0,0 0 0,1 0 0,-1 0 0,0-1 0,1 1 0,-1 0 0,1 0 0,-1-1 0,1 1 0,-1-3 0,0-3 0,1 0 0,0-1 0,0 1 0,0 0 0,2-10 0,0-2 0,-4 25 0,-6 14 0,4-19 0,3-14 0,2-11 0,1 1 0,2-1 0,0 1 0,1 0 0,2 0 0,16-39 0,-2 15 0,2 1 0,31-46 0,8 4 0,-54 79 0,0 1 0,0-1 0,1 1 0,0 1 0,0 0 0,18-11 0,-25 17 0,-1 0 0,0 0 0,1 0 0,-1 0 0,1 1 0,-1-1 0,1 1 0,-1-1 0,1 1 0,-1-1 0,1 1 0,0 0 0,-1 0 0,1-1 0,-1 1 0,1 0 0,0 1 0,-1-1 0,1 0 0,-1 0 0,1 1 0,-1-1 0,1 1 0,-1-1 0,1 1 0,-1 0 0,1 0 0,-1-1 0,1 1 0,-1 0 0,0 0 0,0 0 0,0 0 0,1 1 0,-1-1 0,0 0 0,0 0 0,-1 1 0,1-1 0,0 1 0,0-1 0,-1 1 0,1-1 0,0 4 0,2 3 0,-1 1 0,-1 0 0,0-1 0,0 1 0,0 0 0,-1 0 0,-2 11 0,-1 7 0,-2 0 0,-1-1 0,-1 1 0,-1-1 0,-2-1 0,0 1 0,-26 42 0,25-49 0,0-2 0,-1 1 0,-1-2 0,-1 0 0,0 0 0,-1-1 0,0-1 0,-2-1 0,1 0 0,-35 19 0,44-28 0,0-1 0,-1 0 0,1 0 0,-1-1 0,0 0 0,0 0 0,1-1 0,-1 0 0,0 0 0,0-1 0,-14-1 0,18 0 0,0 1 0,0-1 0,0-1 0,0 1 0,0 0 0,0-1 0,1 0 0,-1 0 0,1 0 0,-1 0 0,1-1 0,-1 1 0,1-1 0,0 0 0,0 0 0,1 0 0,-1 0 0,1-1 0,-1 1 0,1-1 0,0 1 0,0-1 0,1 0 0,-2-4 0,0 1 0,0 0 0,1-1 0,0 1 0,0-1 0,1 0 0,0 1 0,0-1 0,1 0 0,0 0 0,0 1 0,1-1 0,0 0 0,0 1 0,1-1 0,0 0 0,0 1 0,1 0 0,0-1 0,0 1 0,0 0 0,1 1 0,0-1 0,1 1 0,0 0 0,0 0 0,0 0 0,9-7 0,4-1 0,2 2 0,-1 0 0,2 1 0,-1 1 0,1 1 0,26-8 0,6 2 0,79-13 0,-121 25 0,0 2 0,0 0 0,0 0 0,0 1 0,0 0 0,1 1 0,16 3 0,-24-3 0,-1 0 0,0 0 0,1 1 0,-1-1 0,0 1 0,0 0 0,0 0 0,0 0 0,0 0 0,-1 0 0,1 1 0,-1-1 0,1 1 0,-1 0 0,0 0 0,0 0 0,0 0 0,0 0 0,-1 0 0,1 0 0,-1 0 0,0 1 0,0-1 0,0 1 0,0-1 0,0 1 0,-1 5 0,1 0 0,-1 0 0,-1 0 0,1-1 0,-2 1 0,1 0 0,-1 0 0,-1-1 0,1 0 0,-1 1 0,-1-1 0,0 0 0,0 0 0,0-1 0,-11 15 0,5-9 0,-1 0 0,0-1 0,-1 0 0,-1-1 0,0 0 0,0-1 0,-16 9 0,12-9 0,0-2 0,0 0 0,-1-1 0,0 0 0,-27 5 0,37-10 0,1-1 0,-1 0 0,0 0 0,0 0 0,0-1 0,1 0 0,-1-1 0,0 0 0,0 0 0,1 0 0,-1-1 0,1 0 0,-1-1 0,1 0 0,0 0 0,-7-4 0,11 5 0,1 1 0,0-1 0,0 0 0,0 1 0,0-1 0,1 0 0,-1 0 0,0 0 0,1 0 0,-1 0 0,1-1 0,0 1 0,0 0 0,0-1 0,0 1 0,0-1 0,0 1 0,1-1 0,-1 1 0,1-1 0,0 1 0,-1-1 0,1 0 0,0 1 0,1-1 0,-1 1 0,0-1 0,1 1 0,0-1 0,-1 1 0,3-5 0,1-3 0,2 0 0,-1 0 0,1 0 0,1 1 0,0-1 0,9-9 0,62-61 0,2 3 0,94-68 0,-157 132 0,0 0 0,23-12 0,-38 24 0,0 0 0,-1-1 0,1 1 0,0 0 0,0 1 0,0-1 0,0 0 0,0 1 0,0-1 0,0 1 0,0-1 0,0 1 0,0 0 0,0 0 0,0 0 0,0 0 0,1 0 0,-1 1 0,0-1 0,0 0 0,0 1 0,2 0 0,-3 1 0,1 0 0,-1 0 0,0 0 0,0 0 0,0 0 0,0 1 0,0-1 0,0 0 0,-1 0 0,1 0 0,-1 1 0,0-1 0,1 0 0,-1 1 0,0-1 0,0 0 0,-1 1 0,1-1 0,0 0 0,-1 1 0,0 2 0,-4 19 0,-1 1 0,-2-1 0,-17 40 0,-44 77 0,-15 12-255,-6-4-1,-175 218 0,249-347 256,5-6 0,0 1 0,-1-2 0,0 0 0,-1 0 0,-1-1 0,-27 19 0,40-30 0,0-1 0,0 1 0,0-1 0,0 1 0,0-1 0,0 0 0,0 1 0,0-1 0,0 0 0,-1 0 0,1 1 0,0-1 0,0 0 0,0 0 0,0-1 0,0 1 0,0 0 0,0 0 0,0 0 0,-1-1 0,1 1 0,0 0 0,0-1 0,0 1 0,0-1 0,0 1 0,1-1 0,-1 0 0,0 1 0,0-1 0,0 0 0,0 0 0,1 0 0,-1 1 0,0-1 0,1 0 0,-1 0 0,1 0 0,-1 0 0,1 0 0,-1 0 0,1 0 0,-1-2 0,-1-6 0,-1-1 0,1 0 0,1 1 0,-1-13 0,2 19 0,-1-62 0,2 0 0,4 0 0,21-106 0,23-59-189,9 3 0,11 2 0,9 4-1,112-220 1,-164 385 189,3 1 0,60-86 0,-85 135-6,1 0 0,0 0 0,0 1 0,0-1 0,1 1 0,0 1 1,0-1-1,0 1 0,0 0 0,1 0 0,12-5 0,-16 8 18,0 1 0,0-1 1,0 1-1,0 0 0,1-1 1,-1 2-1,0-1 0,0 0 1,0 0-1,0 1 0,0 0 0,0 0 1,0 0-1,0 0 0,0 0 1,0 0-1,0 1 0,0 0 1,-1-1-1,1 1 0,-1 0 1,1 0-1,-1 0 0,0 1 0,0-1 1,0 1-1,0-1 0,2 4 1,5 7 98,-1 0 0,0 1-1,-1 0 1,-1 1 0,0-1 0,-1 1 0,-1 0 0,0 1 0,-1-1 0,0 1 0,-2 0 0,1-1 0,-3 21-1,0-3-130,-2-1-1,-2 0 0,0 0 0,-3 0 0,-14 42 0,6-34 21,-1-1 0,-2 0 0,-27 40 0,40-69 0,-1 0 0,0-1 0,-1 1 0,-9 8 0,16-17 0,0 0 0,0-1 0,1 1 0,-1 0 0,0 0 0,0 0 0,0-1 0,0 1 0,0 0 0,0-1 0,0 1 0,0-1 0,0 1 0,0-1 0,0 0 0,-1 1 0,1-1 0,0 0 0,0 0 0,0 0 0,0 0 0,-1 0 0,1 0 0,0 0 0,0 0 0,0 0 0,0 0 0,-1-1 0,1 1 0,0-1 0,0 1 0,0 0 0,-2-2 0,1-1 0,1 1 0,-1-1 0,0 1 0,1-1 0,0 0 0,0 1 0,-1-1 0,2 0 0,-1 0 0,0 0 0,0 0 0,1-6 0,-2-15 0,1 0 0,1 0 0,1 0 0,1 0 0,9-36 0,39-121 0,-49 176 0,143-378 0,-109 308 0,3 1 0,91-129 0,-114 183 0,0 1 0,2 0 0,0 1 0,1 1 0,27-21 0,-42 35 0,0 1 0,0 0 0,1 0 0,-1 0 0,0 0 0,1 1 0,-1-1 0,1 1 0,0 0 0,0 0 0,-1 0 0,1 1 0,0-1 0,0 1 0,0 0 0,4 1 0,-5-1 0,0 2 0,-1-1 0,1 0 0,-1 0 0,1 1 0,-1 0 0,1-1 0,-1 1 0,0 0 0,0 0 0,0 0 0,0 0 0,0 0 0,-1 1 0,1-1 0,-1 1 0,1-1 0,-1 1 0,0-1 0,0 1 0,0 0 0,1 3 0,2 13 0,0-1 0,-1 1 0,0-1 0,-2 1 0,0 0 0,-1 0 0,-1 0 0,-1 0 0,-8 34 0,-1-6 0,-3 1 0,-33 76 0,31-89 0,-2 0 0,-2-1 0,-1 0 0,-1-2 0,-2-1 0,-37 38 0,42-50 0,0-1 0,-2 0 0,0-2 0,0-1 0,-2 0 0,1-2 0,-2 0 0,0-2 0,0-1 0,-34 10 0,54-19 0,0 1 0,0-1 0,-1 0 0,1 0 0,0-1 0,-1 1 0,1-1 0,-1 0 0,1 0 0,0-1 0,-1 1 0,1-1 0,-1 0 0,1 0 0,0 0 0,0-1 0,0 1 0,0-1 0,0 0 0,0-1 0,0 1 0,1 0 0,-1-1 0,-6-6 0,6 2 0,-1 0 0,1-1 0,1 1 0,-1-1 0,2 0 0,-1 0 0,1 0 0,0 0 0,0 0 0,1 0 0,0-1 0,1 1 0,-1-1 0,2-8 0,2-27 0,2 1 0,1-1 0,13-42 0,13-27-306,49-116 0,126-228-2145,82-81 1107,458-651-2306,74 50 2502,-672 950 919,-137 173 229,2 0 0,0 2 0,31-26 0,-44 39 3,0 0 0,1 0 0,-1 1 0,0-1 0,0 0 0,0 1 0,0-1-1,0 1 1,1 0 0,-1-1 0,0 1 0,0 0 0,1 0 0,-1 0 0,0 0 0,2 0 0,-2 0 11,0 1 0,-1-1 0,1 0 1,0 1-1,-1-1 0,1 1 0,-1-1 0,1 1 0,-1-1 0,1 1 0,-1-1 0,1 1 0,-1 0 0,0-1 1,1 1-1,-1 0 0,0-1 0,1 1 0,-1 0 0,0-1 0,0 1 0,0 0 0,0-1 0,1 2 1,-1 10 253,0-1 1,-1 1-1,0 0 1,-1 0-1,-4 16 1,-89 319 163,-25 4 930,69-208 261,-10 38-1034,-105 272-221,161-440-85,-1 0 1,0 0-1,-1-1 0,-15 21 1,22-33-278,0 1 0,-1-1 1,1 1-1,0-1 0,-1 1 0,1-1 0,-1 1 1,1-1-1,-1 1 0,1-1 0,-1 1 1,1-1-1,-1 0 0,1 1 0,-1-1 0,1 0 1,-1 1-1,0-1 0,1 0 0,-1 0 0,0 0 1,1 0-1,-1 0 0,0 0 0,1 1 1,-1-1-1,0-1 0,1 1 0,-1 0 0,0 0 1,1 0-1,-1 0 0,1 0 0,-1-1 1,0 1-1,1 0 0,-1 0 0,1-1 0,-1 1 1,0-1-1,1 1 0,-1 0 0,1-1 0,-1 1 1,1-1-1,0 1 0,-1-1 0,1 1 1,-1-1-1,1 0 0,0 1 0,0-1 0,-1 1 1,1-1-1,0 0 0,0 0 0,-4-10-6,2 0 0,0 0 0,0-1 0,1 1 0,0-17 0,3-77 0,22-157 0,24-22-345,109-277-1409,56 14 621,56-5 905,-207 445 108,5 3-1,149-179 1,-210 276 109,77-80-50,-74 78 61,1 0 0,1 1 0,-1 1 0,1 0 0,0 0 0,17-7 0,-26 13 19,0 0-1,0 0 1,1 1-1,-1-1 1,0 0-1,1 1 1,-1-1-1,1 1 1,-1 0-1,1 0 1,-1 0-1,1 0 1,-1 0-1,1 1 1,-1-1-1,0 1 1,1 0-1,-1-1 1,0 1-1,1 0 1,3 2-1,-3 0 77,0 0-1,0 0 1,0 1 0,0-1-1,0 1 1,-1 0 0,1-1-1,-1 1 1,0 0 0,0 0-1,2 8 1,7 28 427,-2 1-1,-2 0 1,-1 1-1,0 44 1,-1 18-289,-16 208 0,3-245-142,-3 0 1,-3 0 0,-3-2 0,-28 72-1,42-128-68,-31 68 48,32-73-71,0 1 0,-1-1 0,0 1 0,1-1 0,-2 0 0,1 0 0,0-1-1,-1 1 1,0 0 0,0-1 0,-8 5 0,12-7 0,-1-1 0,1 0 0,0 0 0,-1 0 0,1 1 0,-1-1 0,1 0 0,-1 0 0,1 0 0,-1 0 0,1 0 0,0 0 0,-1 0 0,1 0 0,-1 0 0,1 0 0,-1 0 0,1 0 0,-1-1 0,1 1 0,-1 0 0,1 0 0,0 0 0,-1-1 0,1 1 0,-1-1 0,-6-16 0,6 5 0,1 0 0,0 0 0,1 0 0,0 0 0,6-23 0,23-71 0,-22 83 0,55-156-413,7 4 0,8 3 0,190-306 0,-236 427 413,3 2 0,49-55 0,-79 98 0,0 1 0,0 0 0,1 0 0,-1 0 0,1 1 0,0 0 0,1 0 0,11-5 0,-17 8 0,1 1 0,-1-1 0,1 1 0,0 0 0,-1-1 0,1 1 0,0 0 0,-1 0 0,1 0 0,0 1 0,-1-1 0,1 0 0,0 1 0,-1-1 0,1 1 0,2 1 0,-1-1 0,-1 1 0,0 0 0,0 0 0,0 0 0,0 0 0,0 0 0,0 0 0,0 0 0,-1 1 0,1-1 0,-1 1 0,3 4 0,5 21 256,-1-1 0,-1 1 0,-2 1 0,4 47 0,-8-63-159,28 685 178,-29-671-275,-1-31 0,0-37 0,1 10 0,1 18 0,-1 1 0,0-1 0,-1 0 0,0 1 0,-6-20 0,-3 18-1365,-2 11-5461</inkml:trace>
+</inkml:ink>
+</file>
+
+<file path=ppt/ink/ink25.xml><?xml version="1.0" encoding="utf-8"?>
+<inkml:ink xmlns:inkml="http://www.w3.org/2003/InkML">
+  <inkml:definitions>
+    <inkml:context xml:id="ctx0">
+      <inkml:inkSource xml:id="inkSrc0">
+        <inkml:traceFormat>
+          <inkml:channel name="X" type="integer" min="-2.14748E9" max="2.14748E9" units="cm"/>
+          <inkml:channel name="Y" type="integer" min="-2.14748E9" max="2.14748E9" units="cm"/>
+          <inkml:channel name="F" type="integer" max="32767" units="dev"/>
+        </inkml:traceFormat>
+        <inkml:channelProperties>
+          <inkml:channelProperty channel="X" name="resolution" value="1000" units="1/cm"/>
+          <inkml:channelProperty channel="Y" name="resolution" value="1000" units="1/cm"/>
+          <inkml:channelProperty channel="F" name="resolution" value="0" units="1/dev"/>
+        </inkml:channelProperties>
+      </inkml:inkSource>
+      <inkml:timestamp xml:id="ts0" timeString="2024-12-25T16:46:19.555"/>
+    </inkml:context>
+    <inkml:brush xml:id="br0">
+      <inkml:brushProperty name="width" value="0.035" units="cm"/>
+      <inkml:brushProperty name="height" value="0.035" units="cm"/>
+    </inkml:brush>
+  </inkml:definitions>
+  <inkml:trace contextRef="#ctx0" brushRef="#br0">141 1 24575,'-3'94'0,"-3"1"0,-5-1 0,-22 96 0,32-190 0,-1 12 0,0 1 0,-1-1 0,-1 0 0,0-1 0,-1 1 0,-11 20 0,15-32 0,1 1 0,0 0 0,-1 0 0,1 0 0,-1-1 0,1 1 0,-1 0 0,1-1 0,-1 1 0,0 0 0,1-1 0,-1 1 0,0-1 0,1 1 0,-1-1 0,0 0 0,0 1 0,1-1 0,-1 1 0,0-1 0,0 0 0,0 0 0,0 0 0,1 1 0,-1-1 0,0 0 0,0 0 0,0 0 0,-1-1 0,1 1 0,-1-1 0,1 0 0,0 0 0,0 0 0,0-1 0,0 1 0,0 0 0,1 0 0,-1 0 0,0-1 0,0 1 0,1 0 0,-1-1 0,1 1 0,-1-3 0,-2-8 0,0 0 0,-2-24 0,2-35-341,3 0 0,3 1-1,21-127 1,-14 146-6485</inkml:trace>
+</inkml:ink>
+</file>
+
+<file path=ppt/ink/ink26.xml><?xml version="1.0" encoding="utf-8"?>
+<inkml:ink xmlns:inkml="http://www.w3.org/2003/InkML">
+  <inkml:definitions>
+    <inkml:context xml:id="ctx0">
+      <inkml:inkSource xml:id="inkSrc0">
+        <inkml:traceFormat>
+          <inkml:channel name="X" type="integer" min="-2.14748E9" max="2.14748E9" units="cm"/>
+          <inkml:channel name="Y" type="integer" min="-2.14748E9" max="2.14748E9" units="cm"/>
+          <inkml:channel name="F" type="integer" max="32767" units="dev"/>
+        </inkml:traceFormat>
+        <inkml:channelProperties>
+          <inkml:channelProperty channel="X" name="resolution" value="1000" units="1/cm"/>
+          <inkml:channelProperty channel="Y" name="resolution" value="1000" units="1/cm"/>
+          <inkml:channelProperty channel="F" name="resolution" value="0" units="1/dev"/>
+        </inkml:channelProperties>
+      </inkml:inkSource>
+      <inkml:timestamp xml:id="ts0" timeString="2024-12-25T16:46:20.120"/>
+    </inkml:context>
+    <inkml:brush xml:id="br0">
+      <inkml:brushProperty name="width" value="0.035" units="cm"/>
+      <inkml:brushProperty name="height" value="0.035" units="cm"/>
+    </inkml:brush>
+  </inkml:definitions>
+  <inkml:trace contextRef="#ctx0" brushRef="#br0">0 0 24575,'5'5'0,"6"6"0,10 6 0,6 9 0,4 5 0,1 2 0,-1 0 0,-5-2 0,-2-5 0,-6-2 0,-6-2 0,0 1 0,8 10 0,8 9 0,6 2 0,0 3 0,-5-11 0,-7-12-8191</inkml:trace>
+</inkml:ink>
+</file>
+
+<file path=ppt/ink/ink27.xml><?xml version="1.0" encoding="utf-8"?>
+<inkml:ink xmlns:inkml="http://www.w3.org/2003/InkML">
+  <inkml:definitions>
+    <inkml:context xml:id="ctx0">
+      <inkml:inkSource xml:id="inkSrc0">
+        <inkml:traceFormat>
+          <inkml:channel name="X" type="integer" min="-2.14748E9" max="2.14748E9" units="cm"/>
+          <inkml:channel name="Y" type="integer" min="-2.14748E9" max="2.14748E9" units="cm"/>
+          <inkml:channel name="F" type="integer" max="32767" units="dev"/>
+        </inkml:traceFormat>
+        <inkml:channelProperties>
+          <inkml:channelProperty channel="X" name="resolution" value="1000" units="1/cm"/>
+          <inkml:channelProperty channel="Y" name="resolution" value="1000" units="1/cm"/>
+          <inkml:channelProperty channel="F" name="resolution" value="0" units="1/dev"/>
+        </inkml:channelProperties>
+      </inkml:inkSource>
+      <inkml:timestamp xml:id="ts0" timeString="2024-12-25T16:46:21.260"/>
+    </inkml:context>
+    <inkml:brush xml:id="br0">
+      <inkml:brushProperty name="width" value="0.035" units="cm"/>
+      <inkml:brushProperty name="height" value="0.035" units="cm"/>
+    </inkml:brush>
+  </inkml:definitions>
+  <inkml:trace contextRef="#ctx0" brushRef="#br0">1 285 24575,'7'-6'0,"1"-1"0,0 1 0,0 1 0,1 0 0,-1 0 0,18-7 0,62-17 0,-51 17 0,228-62 0,45-16 0,-280 77 0,-22 9 0,1 0 0,0 1 0,0 0 0,14-3 0,-22 6 0,1-1 0,0 1 0,0 0 0,0 0 0,0 0 0,0 0 0,0 1 0,0-1 0,0 0 0,0 1 0,0-1 0,-1 1 0,1 0 0,0 0 0,0-1 0,-1 1 0,1 0 0,0 0 0,-1 1 0,1-1 0,-1 0 0,1 1 0,-1-1 0,0 0 0,0 1 0,2 2 0,4 9-124,-1 0 0,-1 1 0,0 0 0,0 0 0,-2 0 0,0 0-1,0 0 1,-1 1 0,-1 0 0,-1 23 0,-3-15-6702</inkml:trace>
+</inkml:ink>
+</file>
+
+<file path=ppt/ink/ink28.xml><?xml version="1.0" encoding="utf-8"?>
+<inkml:ink xmlns:inkml="http://www.w3.org/2003/InkML">
+  <inkml:definitions>
+    <inkml:context xml:id="ctx0">
+      <inkml:inkSource xml:id="inkSrc0">
+        <inkml:traceFormat>
+          <inkml:channel name="X" type="integer" min="-2.14748E9" max="2.14748E9" units="cm"/>
+          <inkml:channel name="Y" type="integer" min="-2.14748E9" max="2.14748E9" units="cm"/>
+          <inkml:channel name="F" type="integer" max="32767" units="dev"/>
+        </inkml:traceFormat>
+        <inkml:channelProperties>
+          <inkml:channelProperty channel="X" name="resolution" value="1000" units="1/cm"/>
+          <inkml:channelProperty channel="Y" name="resolution" value="1000" units="1/cm"/>
+          <inkml:channelProperty channel="F" name="resolution" value="0" units="1/dev"/>
+        </inkml:channelProperties>
+      </inkml:inkSource>
+      <inkml:timestamp xml:id="ts0" timeString="2024-12-25T16:46:22.092"/>
+    </inkml:context>
+    <inkml:brush xml:id="br0">
+      <inkml:brushProperty name="width" value="0.035" units="cm"/>
+      <inkml:brushProperty name="height" value="0.035" units="cm"/>
+    </inkml:brush>
+  </inkml:definitions>
+  <inkml:trace contextRef="#ctx0" brushRef="#br0">0 0 24575,'5'5'0,"6"6"0,6 1 0,4-1 0,9 2 0,3-1 0,1 1 0,4 0 0,0-4 0,-11-2 0,-10-3-8191</inkml:trace>
+</inkml:ink>
+</file>
+
+<file path=ppt/ink/ink29.xml><?xml version="1.0" encoding="utf-8"?>
+<inkml:ink xmlns:inkml="http://www.w3.org/2003/InkML">
+  <inkml:definitions>
+    <inkml:context xml:id="ctx0">
+      <inkml:inkSource xml:id="inkSrc0">
+        <inkml:traceFormat>
+          <inkml:channel name="X" type="integer" min="-2.14748E9" max="2.14748E9" units="cm"/>
+          <inkml:channel name="Y" type="integer" min="-2.14748E9" max="2.14748E9" units="cm"/>
+          <inkml:channel name="F" type="integer" max="32767" units="dev"/>
+        </inkml:traceFormat>
+        <inkml:channelProperties>
+          <inkml:channelProperty channel="X" name="resolution" value="1000" units="1/cm"/>
+          <inkml:channelProperty channel="Y" name="resolution" value="1000" units="1/cm"/>
+          <inkml:channelProperty channel="F" name="resolution" value="0" units="1/dev"/>
+        </inkml:channelProperties>
+      </inkml:inkSource>
+      <inkml:timestamp xml:id="ts0" timeString="2024-12-25T16:46:23.127"/>
+    </inkml:context>
+    <inkml:brush xml:id="br0">
+      <inkml:brushProperty name="width" value="0.035" units="cm"/>
+      <inkml:brushProperty name="height" value="0.035" units="cm"/>
+    </inkml:brush>
+  </inkml:definitions>
+  <inkml:trace contextRef="#ctx0" brushRef="#br0">1 0 24575,'1'37'0,"9"46"0,0 4 0,13 195 0,-23-280 0,0 0 0,0 1 0,0-1 0,0 0 0,0 1 0,0-1 0,-1 0 0,1 1 0,-1-1 0,0 2 0,-3-4 0,2-15 0,1 13 0,1 0 0,0 0 0,0 0 0,0 0 0,0 0 0,0 0 0,1 0 0,-1 0 0,1 0 0,-1 1 0,1-1 0,0 0 0,-1 0 0,1 0 0,0 1 0,0-1 0,0 0 0,0 1 0,1-1 0,-1 1 0,0-1 0,1 1 0,-1 0 0,1 0 0,-1-1 0,1 1 0,0 0 0,-1 0 0,1 1 0,0-1 0,3-1 0,-1 1 0,-1 1 0,1-1 0,-1 1 0,1 0 0,-1 0 0,1 0 0,-1 1 0,1-1 0,-1 1 0,1 0 0,-1 0 0,1 0 0,-1 0 0,0 0 0,0 1 0,0 0 0,4 2 0,18 14 0,-2 1 0,0 2 0,-1 0 0,-2 1 0,27 36 0,-43-52 0,-1-1 0,0 1 0,0-1 0,0 1 0,-1 0 0,0 0 0,0 0 0,0 7 0,-1-11 0,-1-1 0,0 1 0,1-1 0,-1 1 0,0-1 0,0 1 0,0-1 0,0 1 0,0-1 0,-1 1 0,1-1 0,0 0 0,-1 1 0,1-1 0,-1 1 0,1-1 0,-1 0 0,0 1 0,0-1 0,1 0 0,-1 0 0,0 0 0,0 1 0,0-1 0,0 0 0,0 0 0,-1-1 0,1 1 0,0 0 0,0 0 0,-1 0 0,1-1 0,0 1 0,-1-1 0,1 1 0,0-1 0,-1 1 0,1-1 0,-1 0 0,-1 0 0,-12-2-1365,3-6-5461</inkml:trace>
+</inkml:ink>
+</file>
+
+<file path=ppt/ink/ink3.xml><?xml version="1.0" encoding="utf-8"?>
+<inkml:ink xmlns:inkml="http://www.w3.org/2003/InkML">
+  <inkml:definitions>
+    <inkml:context xml:id="ctx0">
+      <inkml:inkSource xml:id="inkSrc0">
+        <inkml:traceFormat>
+          <inkml:channel name="X" type="integer" min="-2.14748E9" max="2.14748E9" units="cm"/>
+          <inkml:channel name="Y" type="integer" min="-2.14748E9" max="2.14748E9" units="cm"/>
+          <inkml:channel name="F" type="integer" max="32767" units="dev"/>
+        </inkml:traceFormat>
+        <inkml:channelProperties>
+          <inkml:channelProperty channel="X" name="resolution" value="1000" units="1/cm"/>
+          <inkml:channelProperty channel="Y" name="resolution" value="1000" units="1/cm"/>
+          <inkml:channelProperty channel="F" name="resolution" value="0" units="1/dev"/>
+        </inkml:channelProperties>
+      </inkml:inkSource>
+      <inkml:timestamp xml:id="ts0" timeString="2024-12-25T16:45:15.465"/>
+    </inkml:context>
+    <inkml:brush xml:id="br0">
+      <inkml:brushProperty name="width" value="0.035" units="cm"/>
+      <inkml:brushProperty name="height" value="0.035" units="cm"/>
+      <inkml:brushProperty name="color" value="#E71224"/>
+    </inkml:brush>
+  </inkml:definitions>
+  <inkml:trace contextRef="#ctx0" brushRef="#br0">3 146 24575,'-1'30'0,"0"-17"0,1-1 0,0 1 0,1-1 0,0 1 0,1-1 0,0 0 0,1 0 0,5 17 0,0-11 0,-1 0 0,-2 1 0,0 0 0,-1 0 0,3 31 0,-4 98 0,-1-18 0,0-111 0,1-1 0,1 0 0,1 1 0,8 17 0,-7-18 0,0-1 0,-1 1 0,4 31 0,-11-40 0,-6-18 0,-7-24 0,1-7 0,2-1 0,-10-64 0,-3-89 0,24 184 0,-1-7 0,-4-34 0,2 0 0,4-102 0,2 147 0,-1 1 0,1-1 0,0 1 0,0-1 0,0 1 0,1 0 0,0 0 0,0 0 0,0 0 0,0 0 0,1 1 0,0-1 0,0 1 0,9-7 0,7-5 0,1 2 0,24-15 0,-18 13 0,4-4 0,34-22 0,-58 38 0,0 1 0,0 0 0,0 0 0,0 0 0,0 1 0,1 0 0,9-1 0,-14 3 0,-1 0 0,0 0 0,0 1 0,0-1 0,0 0 0,0 1 0,0-1 0,0 1 0,0 0 0,0 0 0,0-1 0,0 1 0,0 1 0,0-1 0,-1 0 0,1 0 0,-1 1 0,1-1 0,0 1 0,-1-1 0,0 1 0,1 0 0,-1-1 0,0 1 0,0 0 0,0 0 0,0 0 0,-1 0 0,1 0 0,0 2 0,3 8 0,-2-1 0,1 0 0,-2 1 0,1 12 0,-2-23 0,1 21 0,-2 1 0,-1-1 0,-1 1 0,0-1 0,-2 0 0,-7 22 0,10-36 0,1-4 0,0 0 0,0 0 0,0 1 0,1-1 0,0 0 0,0 0 0,0 0 0,0 1 0,1-1 0,0 0 0,0 0 0,0 0 0,0 0 0,1 0 0,-1 0 0,1 0 0,0-1 0,0 1 0,0 0 0,1-1 0,4 6 0,4 2 0,1 0 0,1 0 0,0-2 0,19 13 0,-5-4 0,38 29 0,-3 3 0,87 89 0,-148-139 0,15 18 0,29 37 0,-42-51 0,0 1 0,0-1 0,0 1 0,-1-1 0,0 1 0,0 0 0,0 0 0,0 0 0,-1 0 0,0 0 0,0 1 0,0-1 0,-1 0 0,0 11 0,-1-13 0,0 0 0,0 0 0,0 0 0,-1 0 0,1-1 0,-1 1 0,1 0 0,-1-1 0,0 1 0,0-1 0,0 1 0,-1-1 0,1 0 0,0 0 0,-1 0 0,1 0 0,-1-1 0,0 1 0,0-1 0,0 1 0,-4 0 0,-9 4 0,-1-1 0,-29 5 0,30-7 0,-130 24 0,68-15 0,2 4 0,-76 25 0,116-26 0,27-9 22,22-11-1409,11-8-5439</inkml:trace>
+</inkml:ink>
+</file>
+
+<file path=ppt/ink/ink30.xml><?xml version="1.0" encoding="utf-8"?>
+<inkml:ink xmlns:inkml="http://www.w3.org/2003/InkML">
+  <inkml:definitions>
+    <inkml:context xml:id="ctx0">
+      <inkml:inkSource xml:id="inkSrc0">
+        <inkml:traceFormat>
+          <inkml:channel name="X" type="integer" min="-2.14748E9" max="2.14748E9" units="cm"/>
+          <inkml:channel name="Y" type="integer" min="-2.14748E9" max="2.14748E9" units="cm"/>
+          <inkml:channel name="F" type="integer" max="32767" units="dev"/>
+        </inkml:traceFormat>
+        <inkml:channelProperties>
+          <inkml:channelProperty channel="X" name="resolution" value="1000" units="1/cm"/>
+          <inkml:channelProperty channel="Y" name="resolution" value="1000" units="1/cm"/>
+          <inkml:channelProperty channel="F" name="resolution" value="0" units="1/dev"/>
+        </inkml:channelProperties>
+      </inkml:inkSource>
+      <inkml:timestamp xml:id="ts0" timeString="2024-12-25T16:46:23.646"/>
+    </inkml:context>
+    <inkml:brush xml:id="br0">
+      <inkml:brushProperty name="width" value="0.035" units="cm"/>
+      <inkml:brushProperty name="height" value="0.035" units="cm"/>
+    </inkml:brush>
+  </inkml:definitions>
+  <inkml:trace contextRef="#ctx0" brushRef="#br0">1 1 24575,'0'7'0,"2"0"0,-1 0 0,1-1 0,0 1 0,0 0 0,1-1 0,0 1 0,7 10 0,-2-1 0,47 90 0,67 145 0,-57-65 0,-55-168 114,-4-18-322,-1-10-1063,-2-7-5555</inkml:trace>
+</inkml:ink>
+</file>
+
+<file path=ppt/ink/ink31.xml><?xml version="1.0" encoding="utf-8"?>
+<inkml:ink xmlns:inkml="http://www.w3.org/2003/InkML">
+  <inkml:definitions>
+    <inkml:context xml:id="ctx0">
+      <inkml:inkSource xml:id="inkSrc0">
+        <inkml:traceFormat>
+          <inkml:channel name="X" type="integer" min="-2.14748E9" max="2.14748E9" units="cm"/>
+          <inkml:channel name="Y" type="integer" min="-2.14748E9" max="2.14748E9" units="cm"/>
+          <inkml:channel name="F" type="integer" max="32767" units="dev"/>
+        </inkml:traceFormat>
+        <inkml:channelProperties>
+          <inkml:channelProperty channel="X" name="resolution" value="1000" units="1/cm"/>
+          <inkml:channelProperty channel="Y" name="resolution" value="1000" units="1/cm"/>
+          <inkml:channelProperty channel="F" name="resolution" value="0" units="1/dev"/>
+        </inkml:channelProperties>
+      </inkml:inkSource>
+      <inkml:timestamp xml:id="ts0" timeString="2024-12-25T16:46:24.794"/>
+    </inkml:context>
+    <inkml:brush xml:id="br0">
+      <inkml:brushProperty name="width" value="0.035" units="cm"/>
+      <inkml:brushProperty name="height" value="0.035" units="cm"/>
+    </inkml:brush>
+  </inkml:definitions>
+  <inkml:trace contextRef="#ctx0" brushRef="#br0">1 160 24575,'3'50'0,"3"0"0,2-1 0,27 91 0,-28-113 0,3 13 0,25 83 0,-35-123 0,1 0 0,-1 0 0,0-1 0,0 1 0,0 0 0,0 0 0,0 0 0,0 0 0,0 0 0,0 0 0,1-1 0,-1 1 0,0 0 0,0 0 0,0 0 0,0 0 0,0 0 0,0 0 0,1 0 0,-1 0 0,0 0 0,0 0 0,0 0 0,0 0 0,1 0 0,-1 0 0,0 0 0,0 0 0,0 0 0,0 0 0,0 0 0,1 0 0,-1 0 0,0 0 0,0 0 0,0 0 0,0 0 0,0 0 0,1 0 0,-1 0 0,0 0 0,0 0 0,0 1 0,0-1 0,0 0 0,0 0 0,1 0 0,-1 0 0,0 0 0,0 0 0,0 1 0,0-1 0,0 0 0,0 0 0,0 0 0,0 0 0,0 0 0,0 1 0,0-1 0,0 0 0,0 0 0,5-17 0,26-256 0,-25 197 0,0 1 0,-6-122 0,41 269 0,-19-38 0,1-2 0,2 0 0,1-2 0,1-1 0,39 33 0,-49-48 0,1 0 0,0-2 0,1 0 0,0-1 0,1-1 0,0 0 0,1-2 0,0-1 0,0 0 0,1-1 0,23 2 0,-39-7 0,-1 0 0,0-1 0,1 0 0,-1 0 0,0-1 0,0 1 0,1-1 0,-1 0 0,0-1 0,0 1 0,0-1 0,0 0 0,0 0 0,0-1 0,-1 0 0,1 1 0,7-7 0,-5 2 0,-1 0 0,0-1 0,0 1 0,0-1 0,-1 0 0,0 0 0,-1-1 0,0 0 0,4-10 0,32-99 0,15-35 0,-55 152 0,0 0 0,1-1 0,-1 1 0,1-1 0,0 1 0,-1 0 0,1-1 0,0 1 0,0 0 0,-1 0 0,1 0 0,0-1 0,0 1 0,0 0 0,1 0 0,-1 0 0,0 1 0,2-2 0,-3 2 0,1 1 0,0-1 0,-1 0 0,1 1 0,-1-1 0,1 1 0,-1 0 0,1-1 0,-1 1 0,1-1 0,-1 1 0,1 0 0,-1-1 0,0 1 0,0 0 0,1-1 0,-1 1 0,0 0 0,0-1 0,0 1 0,1 0 0,-1 0 0,0 1 0,4 59 0,-4-60 0,0 93 0,-1 9 0,21 174 0,-1-168-1365,-12-75-5461</inkml:trace>
+</inkml:ink>
+</file>
+
+<file path=ppt/ink/ink32.xml><?xml version="1.0" encoding="utf-8"?>
+<inkml:ink xmlns:inkml="http://www.w3.org/2003/InkML">
+  <inkml:definitions>
+    <inkml:context xml:id="ctx0">
+      <inkml:inkSource xml:id="inkSrc0">
+        <inkml:traceFormat>
+          <inkml:channel name="X" type="integer" min="-2.14748E9" max="2.14748E9" units="cm"/>
+          <inkml:channel name="Y" type="integer" min="-2.14748E9" max="2.14748E9" units="cm"/>
+          <inkml:channel name="F" type="integer" max="32767" units="dev"/>
+        </inkml:traceFormat>
+        <inkml:channelProperties>
+          <inkml:channelProperty channel="X" name="resolution" value="1000" units="1/cm"/>
+          <inkml:channelProperty channel="Y" name="resolution" value="1000" units="1/cm"/>
+          <inkml:channelProperty channel="F" name="resolution" value="0" units="1/dev"/>
+        </inkml:channelProperties>
+      </inkml:inkSource>
+      <inkml:timestamp xml:id="ts0" timeString="2024-12-25T16:46:26.865"/>
+    </inkml:context>
+    <inkml:brush xml:id="br0">
+      <inkml:brushProperty name="width" value="0.035" units="cm"/>
+      <inkml:brushProperty name="height" value="0.035" units="cm"/>
+    </inkml:brush>
+  </inkml:definitions>
+  <inkml:trace contextRef="#ctx0" brushRef="#br0">0 0 24575,'0'10'0,"0"11"0,0 27 0,5 27 0,6 35 0,5 25 0,10 18 0,5 6 0,-3-9 0,-1-27 0,-6-29 0,-6-31-8191</inkml:trace>
+</inkml:ink>
+</file>
+
+<file path=ppt/ink/ink33.xml><?xml version="1.0" encoding="utf-8"?>
+<inkml:ink xmlns:inkml="http://www.w3.org/2003/InkML">
+  <inkml:definitions>
+    <inkml:context xml:id="ctx0">
+      <inkml:inkSource xml:id="inkSrc0">
+        <inkml:traceFormat>
+          <inkml:channel name="X" type="integer" min="-2.14748E9" max="2.14748E9" units="cm"/>
+          <inkml:channel name="Y" type="integer" min="-2.14748E9" max="2.14748E9" units="cm"/>
+          <inkml:channel name="F" type="integer" max="32767" units="dev"/>
+        </inkml:traceFormat>
+        <inkml:channelProperties>
+          <inkml:channelProperty channel="X" name="resolution" value="1000" units="1/cm"/>
+          <inkml:channelProperty channel="Y" name="resolution" value="1000" units="1/cm"/>
+          <inkml:channelProperty channel="F" name="resolution" value="0" units="1/dev"/>
+        </inkml:channelProperties>
+      </inkml:inkSource>
+      <inkml:timestamp xml:id="ts0" timeString="2024-12-25T16:46:27.686"/>
+    </inkml:context>
+    <inkml:brush xml:id="br0">
+      <inkml:brushProperty name="width" value="0.035" units="cm"/>
+      <inkml:brushProperty name="height" value="0.035" units="cm"/>
+    </inkml:brush>
+  </inkml:definitions>
+  <inkml:trace contextRef="#ctx0" brushRef="#br0">1 0 24575,'0'10'0,"4"16"0,3 18 0,4 21 0,0 17 0,3 8 0,3 9 0,0 0 0,0-7 0,-1-10 0,0-14 0,-2-14 0,-4-11 0,-3-14-8191</inkml:trace>
+</inkml:ink>
+</file>
+
+<file path=ppt/ink/ink34.xml><?xml version="1.0" encoding="utf-8"?>
+<inkml:ink xmlns:inkml="http://www.w3.org/2003/InkML">
+  <inkml:definitions>
+    <inkml:context xml:id="ctx0">
+      <inkml:inkSource xml:id="inkSrc0">
+        <inkml:traceFormat>
+          <inkml:channel name="X" type="integer" min="-2.14748E9" max="2.14748E9" units="cm"/>
+          <inkml:channel name="Y" type="integer" min="-2.14748E9" max="2.14748E9" units="cm"/>
+          <inkml:channel name="F" type="integer" max="32767" units="dev"/>
+        </inkml:traceFormat>
+        <inkml:channelProperties>
+          <inkml:channelProperty channel="X" name="resolution" value="1000" units="1/cm"/>
+          <inkml:channelProperty channel="Y" name="resolution" value="1000" units="1/cm"/>
+          <inkml:channelProperty channel="F" name="resolution" value="0" units="1/dev"/>
+        </inkml:channelProperties>
+      </inkml:inkSource>
+      <inkml:timestamp xml:id="ts0" timeString="2024-12-25T16:46:27.985"/>
+    </inkml:context>
+    <inkml:brush xml:id="br0">
+      <inkml:brushProperty name="width" value="0.035" units="cm"/>
+      <inkml:brushProperty name="height" value="0.035" units="cm"/>
+    </inkml:brush>
+  </inkml:definitions>
+  <inkml:trace contextRef="#ctx0" brushRef="#br0">1 1 24575,'0'0'-8191</inkml:trace>
+</inkml:ink>
+</file>
+
+<file path=ppt/ink/ink35.xml><?xml version="1.0" encoding="utf-8"?>
+<inkml:ink xmlns:inkml="http://www.w3.org/2003/InkML">
+  <inkml:definitions>
+    <inkml:context xml:id="ctx0">
+      <inkml:inkSource xml:id="inkSrc0">
+        <inkml:traceFormat>
+          <inkml:channel name="X" type="integer" min="-2.14748E9" max="2.14748E9" units="cm"/>
+          <inkml:channel name="Y" type="integer" min="-2.14748E9" max="2.14748E9" units="cm"/>
+          <inkml:channel name="F" type="integer" max="32767" units="dev"/>
+        </inkml:traceFormat>
+        <inkml:channelProperties>
+          <inkml:channelProperty channel="X" name="resolution" value="1000" units="1/cm"/>
+          <inkml:channelProperty channel="Y" name="resolution" value="1000" units="1/cm"/>
+          <inkml:channelProperty channel="F" name="resolution" value="0" units="1/dev"/>
+        </inkml:channelProperties>
+      </inkml:inkSource>
+      <inkml:timestamp xml:id="ts0" timeString="2024-12-25T16:46:28.778"/>
+    </inkml:context>
+    <inkml:brush xml:id="br0">
+      <inkml:brushProperty name="width" value="0.035" units="cm"/>
+      <inkml:brushProperty name="height" value="0.035" units="cm"/>
+    </inkml:brush>
+  </inkml:definitions>
+  <inkml:trace contextRef="#ctx0" brushRef="#br0">2 100 24575,'-1'138'0,"2"151"0,0-271 0,1 0 0,0 0 0,1 0 0,1-1 0,1 1 0,10 25 0,-13-39 0,0 0 0,0 0 0,1 0 0,-1 0 0,1 0 0,0 0 0,0-1 0,0 0 0,1 1 0,-1-1 0,1-1 0,-1 1 0,6 3 0,-6-5 0,0 0 0,1 0 0,-1 0 0,1 0 0,-1-1 0,1 1 0,0-1 0,-1 0 0,1 0 0,-1 0 0,1 0 0,-1-1 0,1 1 0,0-1 0,-1 0 0,0 0 0,1-1 0,-1 1 0,4-3 0,-1 1 0,0 0 0,0-1 0,-1 0 0,0 0 0,0 0 0,0-1 0,0 0 0,-1 0 0,1 0 0,-2 0 0,1-1 0,0 0 0,-1 0 0,0 0 0,4-11 0,1-7 0,-1-1 0,6-45 0,-10 53 0,5-27 0,-2 0 0,-2 1 0,-2-1 0,-2-1 0,-8-65 0,5 96 0,-1-1 0,0 1 0,0 1 0,-13-25 0,14 32 0,0 1 0,0-1 0,0 1 0,-1 0 0,0 0 0,0 0 0,-1 0 0,1 1 0,-1-1 0,0 1 0,0 0 0,-1 1 0,-6-4 0,11 6 0,0 0 0,-1 0 0,1 1 0,-1-1 0,1 1 0,-1-1 0,1 1 0,-1 0 0,1-1 0,-1 1 0,0 0 0,1 0 0,-1 0 0,1 0 0,-1 0 0,1 0 0,-1 1 0,0-1 0,1 0 0,-1 1 0,1 0 0,-1-1 0,1 1 0,0 0 0,-1-1 0,1 1 0,0 0 0,-1 0 0,1 0 0,0 0 0,0 0 0,0 1 0,0-1 0,0 0 0,0 0 0,0 1 0,0-1 0,1 1 0,-1 0 0,-3 9 0,0-1 0,1 1 0,1-1 0,-3 23 0,-2 8 0,-20 30-1365,20-49-5461</inkml:trace>
+</inkml:ink>
+</file>
+
+<file path=ppt/ink/ink36.xml><?xml version="1.0" encoding="utf-8"?>
+<inkml:ink xmlns:inkml="http://www.w3.org/2003/InkML">
+  <inkml:definitions>
+    <inkml:context xml:id="ctx0">
+      <inkml:inkSource xml:id="inkSrc0">
+        <inkml:traceFormat>
+          <inkml:channel name="X" type="integer" min="-2.14748E9" max="2.14748E9" units="cm"/>
+          <inkml:channel name="Y" type="integer" min="-2.14748E9" max="2.14748E9" units="cm"/>
+          <inkml:channel name="F" type="integer" max="32767" units="dev"/>
+        </inkml:traceFormat>
+        <inkml:channelProperties>
+          <inkml:channelProperty channel="X" name="resolution" value="1000" units="1/cm"/>
+          <inkml:channelProperty channel="Y" name="resolution" value="1000" units="1/cm"/>
+          <inkml:channelProperty channel="F" name="resolution" value="0" units="1/dev"/>
+        </inkml:channelProperties>
+      </inkml:inkSource>
+      <inkml:timestamp xml:id="ts0" timeString="2024-12-25T16:46:29.705"/>
+    </inkml:context>
+    <inkml:brush xml:id="br0">
+      <inkml:brushProperty name="width" value="0.035" units="cm"/>
+      <inkml:brushProperty name="height" value="0.035" units="cm"/>
+    </inkml:brush>
+  </inkml:definitions>
+  <inkml:trace contextRef="#ctx0" brushRef="#br0">110 1 24575,'-3'0'0,"0"0"0,0 0 0,0 1 0,0-1 0,0 1 0,0-1 0,0 1 0,1 0 0,-1 0 0,0 0 0,1 1 0,-1-1 0,1 1 0,-1-1 0,1 1 0,-1 0 0,1 0 0,0 0 0,0 0 0,0 1 0,0-1 0,1 0 0,-1 1 0,1-1 0,-1 1 0,1 0 0,-2 4 0,-1 7 0,0-1 0,1 1 0,1-1 0,-1 25 0,1-17 0,-6 55 0,-1 7 0,1 93 0,9-167 0,-1 1 0,1-1 0,1 0 0,0 0 0,3 9 0,-4-15 0,-1-1 0,1 0 0,0 1 0,0-1 0,1 0 0,-1 1 0,0-1 0,1 0 0,0 0 0,-1 0 0,1 0 0,0-1 0,0 1 0,0 0 0,0-1 0,0 1 0,0-1 0,0 0 0,1 0 0,-1 0 0,0 0 0,4 1 0,-5-2 0,1 0 0,0 0 0,0 0 0,-1 0 0,1-1 0,0 1 0,-1 0 0,1-1 0,0 1 0,-1-1 0,1 0 0,-1 0 0,1 1 0,-1-1 0,1 0 0,-1 0 0,0-1 0,1 1 0,-1 0 0,0 0 0,0 0 0,0-1 0,0 1 0,0-1 0,1-1 0,24-47 0,-18 31 0,82-126 0,-7 14 0,-73 112 0,-1 0 0,-1-1 0,0 0 0,-1 0 0,4-23 0,-10 40 0,-1-1 0,0 0 0,1 1 0,-1-1 0,-1 0 0,1 1 0,0-1 0,-2-4 0,2 8 0,0 0 0,0 0 0,0 0 0,0 0 0,0 0 0,0-1 0,0 1 0,0 0 0,0 0 0,0 0 0,0 0 0,0 0 0,0 0 0,0 0 0,0 0 0,0-1 0,0 1 0,0 0 0,0 0 0,0 0 0,0 0 0,0 0 0,0 0 0,-1 0 0,1 0 0,0 0 0,0 0 0,0 0 0,0-1 0,0 1 0,0 0 0,0 0 0,0 0 0,-1 0 0,1 0 0,0 0 0,0 0 0,0 0 0,0 0 0,0 0 0,0 0 0,0 0 0,0 0 0,-1 0 0,1 0 0,0 0 0,0 0 0,0 0 0,0 0 0,0 0 0,0 0 0,0 0 0,-1 1 0,1-1 0,0 0 0,0 0 0,0 0 0,0 0 0,0 0 0,0 0 0,0 0 0,0 0 0,0 0 0,0 0 0,0 0 0,-1 1 0,-4 20 0,-4 59 0,4 0 0,7 97 0,-7 106 0,2-260 0,0-1 0,-1 0 0,-2 1 0,0-1 0,-1-1 0,-15 31 0,19-45 0,-1 0 0,0 0 0,0-1 0,0 1 0,-1-1 0,0 0 0,0 0 0,-1-1 0,1 0 0,-1 0 0,0 0 0,-1 0 0,1-1 0,-1 0 0,0-1 0,0 1 0,0-2 0,0 1 0,-1-1 0,1 0 0,-1 0 0,-8 1 0,7-5 91,10-4-1547,8-1-5370</inkml:trace>
+</inkml:ink>
+</file>
+
+<file path=ppt/ink/ink37.xml><?xml version="1.0" encoding="utf-8"?>
+<inkml:ink xmlns:inkml="http://www.w3.org/2003/InkML">
+  <inkml:definitions>
+    <inkml:context xml:id="ctx0">
+      <inkml:inkSource xml:id="inkSrc0">
+        <inkml:traceFormat>
+          <inkml:channel name="X" type="integer" min="-2.14748E9" max="2.14748E9" units="cm"/>
+          <inkml:channel name="Y" type="integer" min="-2.14748E9" max="2.14748E9" units="cm"/>
+          <inkml:channel name="F" type="integer" max="32767" units="dev"/>
+        </inkml:traceFormat>
+        <inkml:channelProperties>
+          <inkml:channelProperty channel="X" name="resolution" value="1000" units="1/cm"/>
+          <inkml:channelProperty channel="Y" name="resolution" value="1000" units="1/cm"/>
+          <inkml:channelProperty channel="F" name="resolution" value="0" units="1/dev"/>
+        </inkml:channelProperties>
+      </inkml:inkSource>
+      <inkml:timestamp xml:id="ts0" timeString="2024-12-25T16:46:29.940"/>
+    </inkml:context>
+    <inkml:brush xml:id="br0">
+      <inkml:brushProperty name="width" value="0.035" units="cm"/>
+      <inkml:brushProperty name="height" value="0.035" units="cm"/>
+    </inkml:brush>
+  </inkml:definitions>
+  <inkml:trace contextRef="#ctx0" brushRef="#br0">1 0 24575,'4'5'0,"2"6"0,5 0 0,0 5 0,3 2 0,-1 0-8191</inkml:trace>
+</inkml:ink>
+</file>
+
+<file path=ppt/ink/ink38.xml><?xml version="1.0" encoding="utf-8"?>
+<inkml:ink xmlns:inkml="http://www.w3.org/2003/InkML">
+  <inkml:definitions>
+    <inkml:context xml:id="ctx0">
+      <inkml:inkSource xml:id="inkSrc0">
+        <inkml:traceFormat>
+          <inkml:channel name="X" type="integer" min="-2.14748E9" max="2.14748E9" units="cm"/>
+          <inkml:channel name="Y" type="integer" min="-2.14748E9" max="2.14748E9" units="cm"/>
+          <inkml:channel name="F" type="integer" max="32767" units="dev"/>
+        </inkml:traceFormat>
+        <inkml:channelProperties>
+          <inkml:channelProperty channel="X" name="resolution" value="1000" units="1/cm"/>
+          <inkml:channelProperty channel="Y" name="resolution" value="1000" units="1/cm"/>
+          <inkml:channelProperty channel="F" name="resolution" value="0" units="1/dev"/>
+        </inkml:channelProperties>
+      </inkml:inkSource>
+      <inkml:timestamp xml:id="ts0" timeString="2024-12-25T16:46:30.798"/>
+    </inkml:context>
+    <inkml:brush xml:id="br0">
+      <inkml:brushProperty name="width" value="0.035" units="cm"/>
+      <inkml:brushProperty name="height" value="0.035" units="cm"/>
+    </inkml:brush>
+  </inkml:definitions>
+  <inkml:trace contextRef="#ctx0" brushRef="#br0">0 26 24575,'4'-3'0,"0"0"0,0 0 0,0 1 0,0 0 0,0 0 0,1 0 0,-1 0 0,1 1 0,-1-1 0,1 1 0,0 0 0,-1 1 0,1-1 0,7 1 0,-4 0 0,-1 0 0,1 0 0,0 1 0,-1 0 0,1 1 0,-1-1 0,1 1 0,8 4 0,-11-3 0,0 0 0,-1 0 0,1 0 0,-1 1 0,1 0 0,-1-1 0,0 2 0,-1-1 0,1 0 0,-1 1 0,1-1 0,-1 1 0,-1 0 0,1 0 0,-1 0 0,0 1 0,0-1 0,0 0 0,-1 1 0,1 6 0,1 12 0,0 0 0,-2 0 0,-3 36 0,0-23 0,0-4 0,-2 0 0,-1 0 0,-2 0 0,-1-1 0,-1 0 0,-2 0 0,-1-1 0,-31 54 0,41-81 0,0 0 0,0 0 0,0 0 0,1 0 0,-1 1 0,1-1 0,0 0 0,1 1 0,-2 6 0,3-9 0,-1-1 0,0 1 0,1-1 0,-1 1 0,0-1 0,1 1 0,0-1 0,-1 1 0,1-1 0,0 0 0,0 0 0,0 1 0,0-1 0,0 0 0,0 0 0,0 0 0,0 0 0,0 0 0,0 0 0,1 0 0,-1 0 0,0 0 0,1-1 0,-1 1 0,0-1 0,1 1 0,-1-1 0,1 1 0,2-1 0,12 4 20,1-1 0,-1-1 0,1 0 0,0-2 0,32-2 0,-40 1-126,0 0 0,-1 0 0,1-1 0,-1 0 0,0-1 0,1 1-1,-1-2 1,-1 1 0,1-1 0,0-1 0,-1 1 0,0-1 0,9-7 0,-3-3-6720</inkml:trace>
+</inkml:ink>
+</file>
+
+<file path=ppt/ink/ink39.xml><?xml version="1.0" encoding="utf-8"?>
+<inkml:ink xmlns:inkml="http://www.w3.org/2003/InkML">
+  <inkml:definitions>
+    <inkml:context xml:id="ctx0">
+      <inkml:inkSource xml:id="inkSrc0">
+        <inkml:traceFormat>
+          <inkml:channel name="X" type="integer" min="-2.14748E9" max="2.14748E9" units="cm"/>
+          <inkml:channel name="Y" type="integer" min="-2.14748E9" max="2.14748E9" units="cm"/>
+          <inkml:channel name="F" type="integer" max="32767" units="dev"/>
+        </inkml:traceFormat>
+        <inkml:channelProperties>
+          <inkml:channelProperty channel="X" name="resolution" value="1000" units="1/cm"/>
+          <inkml:channelProperty channel="Y" name="resolution" value="1000" units="1/cm"/>
+          <inkml:channelProperty channel="F" name="resolution" value="0" units="1/dev"/>
+        </inkml:channelProperties>
+      </inkml:inkSource>
+      <inkml:timestamp xml:id="ts0" timeString="2024-12-25T16:46:33.731"/>
+    </inkml:context>
+    <inkml:brush xml:id="br0">
+      <inkml:brushProperty name="width" value="0.035" units="cm"/>
+      <inkml:brushProperty name="height" value="0.035" units="cm"/>
+    </inkml:brush>
+  </inkml:definitions>
+  <inkml:trace contextRef="#ctx0" brushRef="#br0">86 4 24575,'-4'6'0,"0"0"0,1 0 0,-1 0 0,1 0 0,1 1 0,-1-1 0,1 1 0,-2 11 0,-4 9 0,-2 0 0,1 0 0,1 1 0,2 0 0,1 0 0,1 0 0,0 40 0,3-20 0,0-24 0,0-1 0,2 0 0,8 46 0,-8-64 0,0-1 0,1 1 0,0-1 0,0 0 0,1 1 0,-1-1 0,1 0 0,0 0 0,0-1 0,0 1 0,0-1 0,1 1 0,-1-1 0,1 0 0,0 0 0,0-1 0,0 1 0,1-1 0,-1 0 0,0 0 0,1 0 0,-1 0 0,1-1 0,0 0 0,-1 0 0,1 0 0,0-1 0,0 1 0,0-1 0,-1-1 0,1 1 0,0 0 0,0-1 0,0 0 0,-1 0 0,1-1 0,-1 1 0,1-1 0,7-4 0,4-3 0,-2-1 0,1 0 0,-1-1 0,-1-1 0,0 0 0,-1-1 0,0 0 0,18-27 0,-23 29 0,0 0 0,-1-1 0,0 0 0,-1 1 0,0-2 0,-1 1 0,0 0 0,-1-1 0,-1 0 0,0 0 0,0 0 0,-1-23 0,-5 15 0,-1 1 0,0 0 0,-2 0 0,0 0 0,-1 1 0,-1 0 0,-13-19 0,18 30 9,-2 1 1,1 0-1,-1 0 0,0 0 0,0 0 1,-1 1-1,0 0 0,0 1 0,0 0 0,-1 0 1,1 0-1,-12-4 0,14 7-71,1 0 0,-1 0 0,0 0 0,0 1 1,0-1-1,0 1 0,0 1 0,0-1 0,0 1 0,0 0 0,0 0 0,0 0 1,0 1-1,0-1 0,0 1 0,0 1 0,0-1 0,0 1 0,1 0 0,-1 0 1,0 0-1,1 0 0,-6 4 0,-3 6-6764</inkml:trace>
+</inkml:ink>
+</file>
+
+<file path=ppt/ink/ink4.xml><?xml version="1.0" encoding="utf-8"?>
+<inkml:ink xmlns:inkml="http://www.w3.org/2003/InkML">
+  <inkml:definitions>
+    <inkml:context xml:id="ctx0">
+      <inkml:inkSource xml:id="inkSrc0">
+        <inkml:traceFormat>
+          <inkml:channel name="X" type="integer" min="-2.14748E9" max="2.14748E9" units="cm"/>
+          <inkml:channel name="Y" type="integer" min="-2.14748E9" max="2.14748E9" units="cm"/>
+          <inkml:channel name="F" type="integer" max="32767" units="dev"/>
+        </inkml:traceFormat>
+        <inkml:channelProperties>
+          <inkml:channelProperty channel="X" name="resolution" value="1000" units="1/cm"/>
+          <inkml:channelProperty channel="Y" name="resolution" value="1000" units="1/cm"/>
+          <inkml:channelProperty channel="F" name="resolution" value="0" units="1/dev"/>
+        </inkml:channelProperties>
+      </inkml:inkSource>
+      <inkml:timestamp xml:id="ts0" timeString="2024-12-25T16:45:16.257"/>
+    </inkml:context>
+    <inkml:brush xml:id="br0">
+      <inkml:brushProperty name="width" value="0.035" units="cm"/>
+      <inkml:brushProperty name="height" value="0.035" units="cm"/>
+      <inkml:brushProperty name="color" value="#E71224"/>
+    </inkml:brush>
+  </inkml:definitions>
+  <inkml:trace contextRef="#ctx0" brushRef="#br0">114 209 24575,'-2'54'0,"-3"-1"0,-16 71 0,6-44 0,-51 431 0,64-494 0,0 32 0,2-47 0,0 1 0,0 0 0,0-1 0,1 1 0,-1 0 0,1-1 0,-1 1 0,1 0 0,0-1 0,0 0 0,1 1 0,-1-1 0,3 5 0,-3-7 0,0 1 0,0-1 0,0 1 0,0-1 0,0 1 0,0-1 0,0 1 0,0-1 0,0 0 0,0 1 0,0-1 0,0 0 0,0 0 0,1 0 0,-1 0 0,0 0 0,0 0 0,0 0 0,0-1 0,0 1 0,2-1 0,25-9 0,-22 7 0,16-6 0,0-2 0,-1 0 0,0-1 0,-1-1 0,24-20 0,-33 22 0,1 0 0,-1 0 0,-1-1 0,0 0 0,-1-1 0,0 0 0,-1-1 0,-1 0 0,7-17 0,10-41 0,-4-1 0,-2-1 0,9-100 0,12-51 0,-18 143 0,-11 47 0,10-64 0,-19 96 0,-1 1 0,0-1 0,1 0 0,-1 1 0,0-1 0,0 1 0,-1-1 0,1 0 0,-1 1 0,1-1 0,-1 1 0,0-1 0,0 1 0,0-1 0,0 1 0,0 0 0,-2-3 0,1 4 0,0-1 0,1 1 0,-1-1 0,0 1 0,0 0 0,0 0 0,-1 0 0,1 0 0,0 1 0,0-1 0,0 0 0,-1 1 0,1 0 0,0-1 0,-1 1 0,1 0 0,0 0 0,-4 1 0,3-1 0,-13 0 0,1 1 0,-1 1 0,1 0 0,-20 6 0,30-7 0,1 1 0,-1 0 0,1 0 0,0 0 0,0 1 0,0-1 0,0 1 0,0 0 0,1 0 0,-1 0 0,1 1 0,-1-1 0,1 1 0,1 0 0,-1 0 0,0 0 0,1 0 0,-3 7 0,-37 122 0,16-43 0,-42 100-1365,52-149-5461</inkml:trace>
+</inkml:ink>
+</file>
+
+<file path=ppt/ink/ink40.xml><?xml version="1.0" encoding="utf-8"?>
+<inkml:ink xmlns:inkml="http://www.w3.org/2003/InkML">
+  <inkml:definitions>
+    <inkml:context xml:id="ctx0">
+      <inkml:inkSource xml:id="inkSrc0">
+        <inkml:traceFormat>
+          <inkml:channel name="X" type="integer" min="-2.14748E9" max="2.14748E9" units="cm"/>
+          <inkml:channel name="Y" type="integer" min="-2.14748E9" max="2.14748E9" units="cm"/>
+          <inkml:channel name="F" type="integer" max="32767" units="dev"/>
+        </inkml:traceFormat>
+        <inkml:channelProperties>
+          <inkml:channelProperty channel="X" name="resolution" value="1000" units="1/cm"/>
+          <inkml:channelProperty channel="Y" name="resolution" value="1000" units="1/cm"/>
+          <inkml:channelProperty channel="F" name="resolution" value="0" units="1/dev"/>
+        </inkml:channelProperties>
+      </inkml:inkSource>
+      <inkml:timestamp xml:id="ts0" timeString="2024-12-25T16:46:34.620"/>
+    </inkml:context>
+    <inkml:brush xml:id="br0">
+      <inkml:brushProperty name="width" value="0.035" units="cm"/>
+      <inkml:brushProperty name="height" value="0.035" units="cm"/>
+    </inkml:brush>
+  </inkml:definitions>
+  <inkml:trace contextRef="#ctx0" brushRef="#br0">82 230 24575,'0'46'0,"7"155"0,-5-181 0,1-1 0,1 1 0,1 0 0,1-1 0,0 0 0,2-1 0,17 33 0,-22-46 0,1 0 0,0 0 0,1 0 0,-1 0 0,1-1 0,0 0 0,0 0 0,0 0 0,1 0 0,-1-1 0,1 0 0,0 0 0,0-1 0,0 0 0,0 0 0,0 0 0,0-1 0,1 1 0,10-1 0,-7 0 0,1-1 0,-1 0 0,1-1 0,0 0 0,-1 0 0,1-1 0,-1-1 0,0 0 0,0 0 0,0-1 0,12-6 0,-15 5 0,-1 0 0,0 0 0,0 0 0,0 0 0,-1-1 0,1 0 0,-1 0 0,-1-1 0,1 1 0,-1-1 0,-1 0 0,1 0 0,-1 0 0,0-1 0,0 1 0,1-12 0,1-2 0,-1-1 0,-1 0 0,-1 0 0,-2-38 0,-1 29 0,-3 0 0,0 0 0,-2 0 0,-1 1 0,-2 0 0,-1 0 0,-1 1 0,-1 1 0,-2 0 0,-23-36 0,32 58 0,0 0 0,0 0 0,0 1 0,-1 0 0,0 0 0,0 1 0,0 0 0,0 0 0,-1 0 0,1 1 0,-1-1 0,0 2 0,0-1 0,0 1 0,-13-3 0,4 3 0,-1 0 0,0 1 0,1 1 0,-1 0 0,1 1 0,-17 4 0,28-4 0,1 0 0,-1 0 0,1 1 0,0-1 0,-1 1 0,1 1 0,0-1 0,0 0 0,1 1 0,-1 0 0,0 0 0,1 0 0,0 0 0,0 0 0,0 1 0,0 0 0,0-1 0,-3 8 0,-3 6 0,1 1 0,1 0 0,-7 21 0,8-20 0,2-6-136,0 0-1,1 0 1,0 0-1,1 0 1,1 0-1,0 1 1,1-1-1,0 1 0,3 18 1,3-9-6690</inkml:trace>
+</inkml:ink>
+</file>
+
+<file path=ppt/ink/ink41.xml><?xml version="1.0" encoding="utf-8"?>
+<inkml:ink xmlns:inkml="http://www.w3.org/2003/InkML">
+  <inkml:definitions>
+    <inkml:context xml:id="ctx0">
+      <inkml:inkSource xml:id="inkSrc0">
+        <inkml:traceFormat>
+          <inkml:channel name="X" type="integer" min="-2.14748E9" max="2.14748E9" units="cm"/>
+          <inkml:channel name="Y" type="integer" min="-2.14748E9" max="2.14748E9" units="cm"/>
+          <inkml:channel name="F" type="integer" max="32767" units="dev"/>
+        </inkml:traceFormat>
+        <inkml:channelProperties>
+          <inkml:channelProperty channel="X" name="resolution" value="1000" units="1/cm"/>
+          <inkml:channelProperty channel="Y" name="resolution" value="1000" units="1/cm"/>
+          <inkml:channelProperty channel="F" name="resolution" value="0" units="1/dev"/>
+        </inkml:channelProperties>
+      </inkml:inkSource>
+      <inkml:timestamp xml:id="ts0" timeString="2024-12-25T16:46:35.281"/>
+    </inkml:context>
+    <inkml:brush xml:id="br0">
+      <inkml:brushProperty name="width" value="0.035" units="cm"/>
+      <inkml:brushProperty name="height" value="0.035" units="cm"/>
+    </inkml:brush>
+  </inkml:definitions>
+  <inkml:trace contextRef="#ctx0" brushRef="#br0">50 0 24575,'0'5'0,"0"10"0,0 8 0,0 5 0,0 6 0,0 2 0,0 1 0,0 2 0,-4-1 0,-2-2 0,0 3 0,1-2 0,-3-2 0,0-2 0,1-2 0,2-7-8191</inkml:trace>
+</inkml:ink>
+</file>
+
+<file path=ppt/ink/ink42.xml><?xml version="1.0" encoding="utf-8"?>
+<inkml:ink xmlns:inkml="http://www.w3.org/2003/InkML">
+  <inkml:definitions>
+    <inkml:context xml:id="ctx0">
+      <inkml:inkSource xml:id="inkSrc0">
+        <inkml:traceFormat>
+          <inkml:channel name="X" type="integer" min="-2.14748E9" max="2.14748E9" units="cm"/>
+          <inkml:channel name="Y" type="integer" min="-2.14748E9" max="2.14748E9" units="cm"/>
+          <inkml:channel name="F" type="integer" max="32767" units="dev"/>
+        </inkml:traceFormat>
+        <inkml:channelProperties>
+          <inkml:channelProperty channel="X" name="resolution" value="1000" units="1/cm"/>
+          <inkml:channelProperty channel="Y" name="resolution" value="1000" units="1/cm"/>
+          <inkml:channelProperty channel="F" name="resolution" value="0" units="1/dev"/>
+        </inkml:channelProperties>
+      </inkml:inkSource>
+      <inkml:timestamp xml:id="ts0" timeString="2024-12-25T16:46:37.089"/>
+    </inkml:context>
+    <inkml:brush xml:id="br0">
+      <inkml:brushProperty name="width" value="0.035" units="cm"/>
+      <inkml:brushProperty name="height" value="0.035" units="cm"/>
+    </inkml:brush>
+  </inkml:definitions>
+  <inkml:trace contextRef="#ctx0" brushRef="#br0">0 1 24575,'5'3'0,"-1"0"0,1 0 0,0-1 0,0 0 0,0 1 0,0-2 0,0 1 0,1-1 0,-1 1 0,0-2 0,1 1 0,6 0 0,9 2 0,376 77-331,463 157-1,-762-205 332,-2 4 0,-2 4 0,108 64 0,-95-39-47,197 109 757,-273-159-710,-12-7 0,-1 1 0,1 1 0,-1 1 0,19 16 0,-32-24 0,-1 1 0,0 0 0,0 0 0,0 1 0,-1-1 0,0 1 0,0 0 0,0 0 0,0 0 0,-1 0 0,1 0 0,-1 1 0,-1-1 0,1 0 0,-1 1 0,0 0 0,0-1 0,-1 1 0,1 0 0,-2 7 0,1-5 0,-1 0 0,0 0 0,0 0 0,-1 0 0,0 0 0,-4 11 0,3-14 0,1-1 0,-1 0 0,1 0 0,-1 0 0,0 0 0,-1-1 0,1 1 0,-1-1 0,1 0 0,-1 0 0,0 0 0,-8 4 0,-82 38 0,-7 5 0,48-17 0,2 2 0,2 3 0,1 1 0,2 3 0,-50 59 0,-184 255 0,236-296 0,15-18 0,11-15 0,-22 24 0,34-45 0,1 1 0,-2-1 0,1-1 0,-1 1 0,0-1 0,0 0 0,-1-1 0,-11 7 0,18-11 0,0 1 0,0-1 0,0 0 0,0 1 0,0-1 0,-1 0 0,1 1 0,0-1 0,0 0 0,0 0 0,0 0 0,0 0 0,0 0 0,0 0 0,0 0 0,0-1 0,-1 1 0,1 0 0,0-1 0,0 1 0,0 0 0,0-1 0,0 1 0,0-1 0,1 0 0,-1 1 0,0-1 0,0 0 0,0 1 0,0-1 0,1 0 0,-1 0 0,0 0 0,1 0 0,-1 0 0,1 0 0,-1 1 0,1-1 0,-1-1 0,1 1 0,0 0 0,-1 0 0,1-1 0,-2-6 0,1 0 0,0 0 0,0 0 0,1-14 0,5-47 0,-2 47 0,-1 0 0,-1-1 0,-4-42 0,2 58 0,-1 0 0,0 1 0,1-1 0,-2 0 0,1 1 0,-1 0 0,0-1 0,0 1 0,-1 0 0,0 0 0,0 1 0,0-1 0,-1 1 0,0 0 0,0 0 0,0 1 0,-7-5 0,2 2 0,-1 1 0,-1-1 0,1 2 0,-1 0 0,0 0 0,0 1 0,0 1 0,-1 0 0,1 1 0,-1 0 0,0 0 0,0 2 0,0 0 0,1 0 0,-1 1 0,0 0 0,-16 5 0,9-1 0,0 1 0,1 1 0,0 0 0,1 2 0,0 0 0,0 1 0,0 0 0,2 2 0,-1 0 0,-17 18 0,4 0 0,2 1 0,1 2 0,2 1 0,1 0 0,-26 51 0,24-34 0,3 2 0,2 0 0,-21 79 0,41-125 0,-4 8 0,2 1 0,0 0 0,-1 26 0,3-39 0,2 0 0,-1 0 0,0 1 0,1-1 0,-1 0 0,1 0 0,0 1 0,0-1 0,0 0 0,3 4 0,-4-6 0,1 1 0,1-1 0,-1 0 0,0 0 0,0 1 0,0-1 0,1 0 0,-1 0 0,0 0 0,1 0 0,-1-1 0,1 1 0,-1 0 0,1-1 0,-1 1 0,1-1 0,0 1 0,-1-1 0,1 0 0,0 1 0,1-1 0,8-1 0,0-1 0,0 0 0,-1 0 0,1-1 0,-1 0 0,0-1 0,0 0 0,0-1 0,0 0 0,12-9 0,11-4 0,139-61 0,198-62 0,-9 6 0,1-30 0,-251 107 0,115-81 0,-134 76 0,-101 66 0,-1-1 0,-1-1 0,1 0 0,0 0 0,0-1 0,-17-2 0,-89-7 0,-60-6-1365,93 8-5461</inkml:trace>
+</inkml:ink>
+</file>
+
+<file path=ppt/ink/ink43.xml><?xml version="1.0" encoding="utf-8"?>
+<inkml:ink xmlns:inkml="http://www.w3.org/2003/InkML">
+  <inkml:definitions>
+    <inkml:context xml:id="ctx0">
+      <inkml:inkSource xml:id="inkSrc0">
+        <inkml:traceFormat>
+          <inkml:channel name="X" type="integer" min="-2.14748E9" max="2.14748E9" units="cm"/>
+          <inkml:channel name="Y" type="integer" min="-2.14748E9" max="2.14748E9" units="cm"/>
+          <inkml:channel name="F" type="integer" max="32767" units="dev"/>
+        </inkml:traceFormat>
+        <inkml:channelProperties>
+          <inkml:channelProperty channel="X" name="resolution" value="1000" units="1/cm"/>
+          <inkml:channelProperty channel="Y" name="resolution" value="1000" units="1/cm"/>
+          <inkml:channelProperty channel="F" name="resolution" value="0" units="1/dev"/>
+        </inkml:channelProperties>
+      </inkml:inkSource>
+      <inkml:timestamp xml:id="ts0" timeString="2024-12-25T16:46:39.081"/>
+    </inkml:context>
+    <inkml:brush xml:id="br0">
+      <inkml:brushProperty name="width" value="0.035" units="cm"/>
+      <inkml:brushProperty name="height" value="0.035" units="cm"/>
+    </inkml:brush>
+  </inkml:definitions>
+  <inkml:trace contextRef="#ctx0" brushRef="#br0">1 1 24575,'11'1'0,"0"0"0,0 1 0,0 0 0,-1 1 0,1 0 0,0 1 0,17 9 0,-6-3 0,263 116 0,397 148 0,-409-197 0,-255-71 0,0 0 0,17 8 0,-34-13 0,0-1 0,0 0 0,0 0 0,0 1 0,0-1 0,0 1 0,0-1 0,0 1 0,0-1 0,0 1 0,-1-1 0,1 1 0,0 0 0,0 0 0,-1-1 0,1 1 0,-1 0 0,1 0 0,0 0 0,-1 0 0,0 0 0,1-1 0,-1 1 0,1 0 0,-1 0 0,0 0 0,0 0 0,0 0 0,1 2 0,-2-2 0,0 1 0,0-1 0,-1 0 0,1 1 0,0-1 0,0 0 0,-1 0 0,1 0 0,-1 0 0,1 0 0,-1 0 0,1-1 0,-1 1 0,1 0 0,-4 0 0,-83 28 0,47-17 0,-67 30 0,97-37 0,1 1 0,-1 0 0,1 1 0,0 0 0,0 0 0,1 1 0,0 1 0,0-1 0,1 1 0,-11 17 0,15-20 0,0 0 0,1 1 0,0-1 0,0 1 0,1 0 0,0 0 0,0 0 0,1 0 0,-1 0 0,2 1 0,-1-1 0,1 0 0,0 1 0,0-1 0,1 0 0,0 0 0,1 0 0,3 12 0,-1-6 0,2 0 0,0 0 0,0-1 0,1 0 0,1 0 0,0 0 0,1-1 0,16 17 0,-4-7 0,0-1 0,1-1 0,1-1 0,1-1 0,39 22 0,-50-32 0,1-1 0,0-1 0,0 0 0,0-1 0,0 0 0,1-1 0,0-1 0,-1 0 0,1-1 0,0-1 0,0 0 0,28-4 0,87-24 120,-117 24-306,0 0 1,0-1-1,0-1 0,-1 0 1,0 0-1,0-1 1,16-13-1,-8 0-6640</inkml:trace>
+</inkml:ink>
+</file>
+
+<file path=ppt/ink/ink44.xml><?xml version="1.0" encoding="utf-8"?>
+<inkml:ink xmlns:inkml="http://www.w3.org/2003/InkML">
+  <inkml:definitions>
+    <inkml:context xml:id="ctx0">
+      <inkml:inkSource xml:id="inkSrc0">
+        <inkml:traceFormat>
+          <inkml:channel name="X" type="integer" min="-2.14748E9" max="2.14748E9" units="cm"/>
+          <inkml:channel name="Y" type="integer" min="-2.14748E9" max="2.14748E9" units="cm"/>
+          <inkml:channel name="F" type="integer" max="32767" units="dev"/>
+        </inkml:traceFormat>
+        <inkml:channelProperties>
+          <inkml:channelProperty channel="X" name="resolution" value="1000" units="1/cm"/>
+          <inkml:channelProperty channel="Y" name="resolution" value="1000" units="1/cm"/>
+          <inkml:channelProperty channel="F" name="resolution" value="0" units="1/dev"/>
+        </inkml:channelProperties>
+      </inkml:inkSource>
+      <inkml:timestamp xml:id="ts0" timeString="2024-12-25T16:46:39.968"/>
+    </inkml:context>
+    <inkml:brush xml:id="br0">
+      <inkml:brushProperty name="width" value="0.035" units="cm"/>
+      <inkml:brushProperty name="height" value="0.035" units="cm"/>
+    </inkml:brush>
+  </inkml:definitions>
+  <inkml:trace contextRef="#ctx0" brushRef="#br0">1 26 24575,'0'-1'0,"0"0"0,1 0 0,-1 0 0,0 0 0,1 0 0,-1 0 0,1 0 0,-1 1 0,1-1 0,-1 0 0,1 0 0,0 0 0,-1 1 0,1-1 0,0 0 0,0 1 0,-1-1 0,1 1 0,0-1 0,0 1 0,0-1 0,0 1 0,0-1 0,0 1 0,0 0 0,0 0 0,1-1 0,30-4 0,-30 4 0,15 1 0,0-1 0,0 2 0,0 0 0,-1 2 0,1-1 0,-1 2 0,22 7 0,-10-1 0,-1 1 0,0 1 0,33 20 0,-55-28 0,1-1 0,-1 1 0,0 0 0,0 0 0,0 0 0,-1 1 0,0 0 0,6 7 0,-9-10 0,0 0 0,0-1 0,0 1 0,0 0 0,-1 0 0,1 0 0,-1-1 0,1 1 0,-1 0 0,0 0 0,1 0 0,-1 0 0,0 0 0,0 0 0,-1 0 0,1 0 0,0 0 0,-1 0 0,1 0 0,-1 0 0,1 0 0,-1-1 0,0 1 0,0 0 0,0 0 0,0-1 0,0 1 0,0-1 0,0 1 0,-3 2 0,-7 6 0,0-1 0,-1 1 0,-25 13 0,27-17 0,0 0 0,0 1 0,0 0 0,1 0 0,0 1 0,1 0 0,-9 11 0,17-19 0,-1 1 0,1 0 0,-1 0 0,1 0 0,-1 0 0,1 0 0,0 0 0,0 0 0,-1-1 0,1 1 0,0 0 0,0 0 0,0 0 0,0 0 0,0 0 0,0 0 0,0 0 0,0 0 0,1 0 0,-1 0 0,0 0 0,1 0 0,-1 0 0,0 0 0,1 0 0,-1-1 0,1 1 0,-1 0 0,1 0 0,0 0 0,-1-1 0,1 1 0,0 0 0,0-1 0,-1 1 0,1-1 0,0 1 0,0-1 0,0 1 0,0 0 0,44 18 0,-36-17 0,2 2 0,-1 0 0,1 1 0,-1 0 0,0 1 0,0 0 0,0 0 0,-1 1 0,0 0 0,-1 1 0,1 0 0,-1 0 0,-1 1 0,0 0 0,0 0 0,7 13 0,44 78 0,45 71 0,-93-156 0,1-1 0,-1 1 0,-1 0 0,-1 0 0,0 1 0,-1 0 0,0 0 0,5 21 0,-12-35 0,1 0 0,-1 1 0,0-1 0,0 0 0,0 0 0,0 1 0,0-1 0,0 0 0,-1 0 0,1 1 0,-1-1 0,1 0 0,-1 0 0,0 0 0,0 0 0,0 0 0,0 0 0,0 0 0,0 0 0,-1 0 0,1 0 0,-1-1 0,1 1 0,-1-1 0,0 1 0,1-1 0,-1 1 0,0-1 0,0 0 0,0 0 0,0 0 0,0 0 0,-4 1 0,-6 2 0,-1-1 0,1-1 0,-1 0 0,-23 0 0,9 0 0,15 0-100,4-1-153,0 0 0,0-1 0,1 0 0,-11-1 0,6-2-6573</inkml:trace>
+</inkml:ink>
+</file>
+
+<file path=ppt/ink/ink45.xml><?xml version="1.0" encoding="utf-8"?>
+<inkml:ink xmlns:inkml="http://www.w3.org/2003/InkML">
+  <inkml:definitions>
+    <inkml:context xml:id="ctx0">
+      <inkml:inkSource xml:id="inkSrc0">
+        <inkml:traceFormat>
+          <inkml:channel name="X" type="integer" min="-2.14748E9" max="2.14748E9" units="cm"/>
+          <inkml:channel name="Y" type="integer" min="-2.14748E9" max="2.14748E9" units="cm"/>
+          <inkml:channel name="F" type="integer" max="32767" units="dev"/>
+        </inkml:traceFormat>
+        <inkml:channelProperties>
+          <inkml:channelProperty channel="X" name="resolution" value="1000" units="1/cm"/>
+          <inkml:channelProperty channel="Y" name="resolution" value="1000" units="1/cm"/>
+          <inkml:channelProperty channel="F" name="resolution" value="0" units="1/dev"/>
+        </inkml:channelProperties>
+      </inkml:inkSource>
+      <inkml:timestamp xml:id="ts0" timeString="2024-12-25T16:46:40.463"/>
+    </inkml:context>
+    <inkml:brush xml:id="br0">
+      <inkml:brushProperty name="width" value="0.035" units="cm"/>
+      <inkml:brushProperty name="height" value="0.035" units="cm"/>
+    </inkml:brush>
+  </inkml:definitions>
+  <inkml:trace contextRef="#ctx0" brushRef="#br0">1 1 24575,'5'5'0,"6"5"0,5 12 0,6 5 0,7 9 0,9 16 0,7 13 0,10 14 0,13 12 0,10 10 0,10 6 0,4-7 0,-4-10 0,-13-16 0,-19-29 0,-19-24-8191</inkml:trace>
+</inkml:ink>
+</file>
+
+<file path=ppt/ink/ink46.xml><?xml version="1.0" encoding="utf-8"?>
+<inkml:ink xmlns:inkml="http://www.w3.org/2003/InkML">
+  <inkml:definitions>
+    <inkml:context xml:id="ctx0">
+      <inkml:inkSource xml:id="inkSrc0">
+        <inkml:traceFormat>
+          <inkml:channel name="X" type="integer" min="-2.14748E9" max="2.14748E9" units="cm"/>
+          <inkml:channel name="Y" type="integer" min="-2.14748E9" max="2.14748E9" units="cm"/>
+          <inkml:channel name="F" type="integer" max="32767" units="dev"/>
+        </inkml:traceFormat>
+        <inkml:channelProperties>
+          <inkml:channelProperty channel="X" name="resolution" value="1000" units="1/cm"/>
+          <inkml:channelProperty channel="Y" name="resolution" value="1000" units="1/cm"/>
+          <inkml:channelProperty channel="F" name="resolution" value="0" units="1/dev"/>
+        </inkml:channelProperties>
+      </inkml:inkSource>
+      <inkml:timestamp xml:id="ts0" timeString="2024-12-25T16:46:40.843"/>
+    </inkml:context>
+    <inkml:brush xml:id="br0">
+      <inkml:brushProperty name="width" value="0.035" units="cm"/>
+      <inkml:brushProperty name="height" value="0.035" units="cm"/>
+    </inkml:brush>
+  </inkml:definitions>
+  <inkml:trace contextRef="#ctx0" brushRef="#br0">441 1 24575,'-1'39'0,"-2"1"0,-2 0 0,-2-1 0,-1 0 0,-2-1 0,-1 1 0,-3-2 0,-33 67 0,21-50 0,2 1 0,3 1 0,2 0 0,3 2 0,-13 85 0,23-104 30,-1-1 0,-1 0 0,-18 47 0,20-70-165,0 0 0,-1-1 0,0 0 0,-1 0 0,-1-1 0,0 0 0,-1-1 0,0 0 0,-1 0 0,-22 18 0,-4-6-6691</inkml:trace>
+</inkml:ink>
+</file>
+
+<file path=ppt/ink/ink47.xml><?xml version="1.0" encoding="utf-8"?>
+<inkml:ink xmlns:inkml="http://www.w3.org/2003/InkML">
+  <inkml:definitions>
+    <inkml:context xml:id="ctx0">
+      <inkml:inkSource xml:id="inkSrc0">
+        <inkml:traceFormat>
+          <inkml:channel name="X" type="integer" min="-2.14748E9" max="2.14748E9" units="cm"/>
+          <inkml:channel name="Y" type="integer" min="-2.14748E9" max="2.14748E9" units="cm"/>
+          <inkml:channel name="F" type="integer" max="32767" units="dev"/>
+        </inkml:traceFormat>
+        <inkml:channelProperties>
+          <inkml:channelProperty channel="X" name="resolution" value="1000" units="1/cm"/>
+          <inkml:channelProperty channel="Y" name="resolution" value="1000" units="1/cm"/>
+          <inkml:channelProperty channel="F" name="resolution" value="0" units="1/dev"/>
+        </inkml:channelProperties>
+      </inkml:inkSource>
+      <inkml:timestamp xml:id="ts0" timeString="2024-12-25T16:47:13.567"/>
+    </inkml:context>
+    <inkml:brush xml:id="br0">
+      <inkml:brushProperty name="width" value="0.035" units="cm"/>
+      <inkml:brushProperty name="height" value="0.035" units="cm"/>
+    </inkml:brush>
+  </inkml:definitions>
+  <inkml:trace contextRef="#ctx0" brushRef="#br0">282 353 24575,'3'66'0,"4"0"0,27 117 0,-9-62 0,48 364 0,-48 0 0,-25-465 0,-2-38 0,2 11 0,-78-737 0,17 205 0,60 519 0,1 20 0,0 0 0,0 0 0,0 1 0,0-1 0,0 0 0,0 0 0,0 0 0,0 0 0,0 0 0,0 0 0,0 0 0,0 0 0,1 0 0,-1 0 0,0 0 0,0 0 0,0 0 0,0 0 0,0 0 0,0 0 0,0 0 0,0 0 0,0 0 0,0 0 0,0 0 0,0 0 0,0 0 0,0 0 0,0 0 0,0 0 0,0-1 0,0 1 0,0 0 0,1 0 0,-1 0 0,2 31 0,-5-7 0,-1 0 0,-1 0 0,-1 0 0,-11 28 0,-44 93 0,34-84 0,-142 393 0,159-431 0,10-23 0,0 0 0,0 0 0,0 1 0,0-1 0,0 0 0,0 0 0,0 0 0,-1 0 0,1 0 0,0 0 0,0 0 0,0 1 0,0-1 0,0 0 0,0 0 0,0 0 0,0 0 0,0 0 0,-1 0 0,1 0 0,0 0 0,0 0 0,0 0 0,0 0 0,0 0 0,0 0 0,0 0 0,-1 1 0,1-1 0,0 0 0,0 0 0,0 0 0,0 0 0,0 0 0,-1 0 0,1-1 0,0 1 0,0 0 0,0 0 0,0 0 0,0 0 0,0 0 0,0 0 0,-1 0 0,1 0 0,0 0 0,0 0 0,0 0 0,0 0 0,0 0 0,0 0 0,0-1 0,0 1 0,-1 0 0,1 0 0,0 0 0,0 0 0,0 0 0,0 0 0,0-1 0,0 1 0,0 0 0,0 0 0,-1-5 0,0-1 0,1 1 0,-1-1 0,1 1 0,1-10 0,5-32 0,1 1 0,2 0 0,3 0 0,21-55 0,1 15 0,56-99 0,-87 177 0,16-28 0,1 0 0,2 1 0,51-64 0,-62 92 0,-6 14 0,-5 25 0,0-29 0,-27 199 0,5-44 0,7-33-3,-146 1261-1340,133-1106 1343,27-252 0,1-28 0,0-1 0,0 1 0,0 0 0,1 0 0,-1 0 0,0 0 0,0 0 0,0 0 0,0 0 0,0 0 0,0 0 0,0 0 0,0 0 0,0 0 0,1 0 0,-1 0 0,0 0 0,0 1 0,0-1 0,0 0 0,0 0 0,0 0 0,0 0 0,0 0 0,0 0 0,1 0 0,-1 0 0,0 0 0,0 0 0,0 0 0,0 0 0,0 0 0,0 0 0,0 1 0,0-1 0,0 0 0,0 0 0,0 0 0,0 0 0,0 0 0,0 0 0,0 0 0,0 0 0,0 0 0,0 1 0,0-1 0,0 0 0,0 0 0,0 0 0,0 0 0,0 0 0,0 0 0,0 0 0,0 0 0,0 1 0,0-1 0,0 0 0,0 0 0,14-40 0,-9 24 0,42-136 0,25-93 0,19-84-423,309-1419-1334,-374 1604 1828,-14 101-71,-12 43 0,0 1 0,0-1 0,0 0 0,0 0 0,0 0 0,0 0 0,0 1 0,0-1 0,0 0 0,0 0 0,0 0 0,0 0 0,0 1 0,0-1 0,0 0 0,0 0 0,0 0 0,1 0 0,-1 0 0,0 1 0,0-1 0,0 0 0,0 0 0,0 0 0,0 0 0,1 0 0,-1 0 0,0 0 0,0 0 0,0 0 0,0 1 0,0-1 0,1 0 0,-1 0 0,0 0 0,0 0 0,0 0 0,0 0 0,1 0 0,-1 0 0,0 0 0,0 0 0,0 0 0,0 0 0,1 0 0,-1 0 0,0-1 0,0 1 0,0 0 0,0 0 0,1 0 0,-1 0 0,0 0 0,0 0 0,0 0 0,0 0 0,0-1 0,0 1 0,1 0 0,-1 0 0,0 0 0,0 0 0,7 66 0,-7-53 0,48 518 3455,-47-519-3455,1 0 0,0 0 0,1 0 0,1 0 0,5 12 0,-9-23 0,0 0 0,1 0 0,-1 0 0,0-1 0,1 1 0,-1 0 0,0-1 0,1 1 0,-1 0 0,1-1 0,-1 1 0,1-1 0,0 1 0,-1 0 0,1-1 0,0 1 0,-1-1 0,1 0 0,0 1 0,-1-1 0,1 0 0,0 1 0,0-1 0,-1 0 0,1 0 0,0 0 0,1 1 0,-1-2 0,1 1 0,-1-1 0,0 1 0,0-1 0,0 0 0,0 1 0,0-1 0,0 0 0,0 0 0,0 0 0,0 0 0,0 0 0,-1 0 0,1 0 0,1-2 0,3-7 0,1 0 0,6-22 0,-11 30 0,24-81 0,-16 50 0,20-51 0,-29 83 0,0 1 0,1-1 0,-1 1 0,0-1 0,0 1 0,0-1 0,1 1 0,-1-1 0,0 1 0,1-1 0,-1 1 0,0-1 0,1 1 0,-1-1 0,0 1 0,1-1 0,-1 1 0,1 0 0,-1-1 0,1 1 0,-1 0 0,1 0 0,-1-1 0,1 1 0,-1 0 0,2-1 0,6 14 0,0 35 0,-7-43 0,17 314 0,-23 8 0,5-325 0,-60 838 0,54-809 0,6-31 0,0 0 0,0 0 0,0 0 0,0 0 0,0-1 0,0 1 0,0 0 0,0 0 0,0 0 0,0 0 0,-1 0 0,1-1 0,0 1 0,0 0 0,0 0 0,0 0 0,0 0 0,0 0 0,0 0 0,0 0 0,0 0 0,-1-1 0,1 1 0,0 0 0,0 0 0,0 0 0,0 0 0,0 0 0,0 0 0,-1 0 0,1 0 0,0 0 0,0 0 0,0 0 0,0 0 0,0 0 0,0 0 0,-1 0 0,1 0 0,0 0 0,0 0 0,0 0 0,0 0 0,0 0 0,-1 0 0,1 0 0,0 0 0,0 0 0,0 0 0,0 0 0,0 0 0,0 1 0,0-1 0,-1 0 0,1 0 0,0 0 0,0 0 0,0 0 0,0 0 0,0 0 0,0 1 0,0-1 0,0 0 0,0 0 0,0 0 0,0 0 0,0 0 0,-1 1 0,-8-50 0,1-20 0,3-1 0,3 1 0,13-123 0,-11 191 0,0-1 0,0 1 0,0-1 0,0 1 0,0-1 0,1 1 0,-1 0 0,1-1 0,-1 1 0,1-1 0,-1 1 0,1 0 0,0-1 0,-1 1 0,1 0 0,0 0 0,2-2 0,-2 4 0,0 1 0,0-1 0,0 1 0,0-1 0,0 1 0,0-1 0,-1 1 0,1-1 0,-1 1 0,1 0 0,-1 0 0,1-1 0,-1 1 0,0 0 0,0 0 0,0 2 0,11 82 0,-1 149 0,-9-152 0,1 183 0,5 163 0,-1-356 0,-1-60 0,-5-13 0,0 0 0,0 0 0,0 0 0,0 0 0,0 0 0,1 0 0,-1 0 0,0 0 0,0 0 0,0 0 0,0 1 0,1-1 0,-1 0 0,0-1 0,0 1 0,0 0 0,0 0 0,0 0 0,1 0 0,-1 0 0,0 0 0,0 0 0,0 0 0,0 0 0,1 0 0,-1 0 0,0 0 0,0 0 0,0 0 0,0-1 0,0 1 0,0 0 0,0 0 0,1 0 0,-1 0 0,0 0 0,0 0 0,0-1 0,0 1 0,0 0 0,0 0 0,0 0 0,0 0 0,0-1 0,0 1 0,6-14 0,-1-1 0,0 0 0,-1 0 0,-1 0 0,0 0 0,1-18 0,0-1 0,49-598 0,-36 326 0,14-136 0,-25 375 0,-3 55 0,1 15 0,2 17 0,-2 0 0,0 0 0,-1 0 0,0 34 0,0-14 0,33 709-1035,-29-552 904,4 209 131,-10-396 0,0-15 0,2-28 0,8-231 972,-7 15-778,-1 31-740,13-553-899,49 2 1055,-58 718 354,-6 29 34,2-1-1,1 1 1,1 0-1,0 0 1,10-21-1,-15 43 3,0-1 0,0 1 0,0 0 0,0-1 0,0 1 0,0 0 0,0-1 0,0 1 0,0-1 0,1 1 0,-1 0 0,0 0 0,0-1 0,0 1 0,0 0 0,1-1 0,-1 1 0,0 0 0,0-1 0,1 1 0,-1 0 0,0 0 0,1 0 0,-1-1 0,0 1 0,0 0 0,1 0 0,-1 0 0,0 0 0,1-1 0,-1 1 0,1 0 0,-1 0 0,0 0 0,1 0 0,-1 0 0,0 0 0,1 0 0,-1 0 0,0 0 0,1 0 0,-1 0 0,1 0 0,-1 1 0,0-1 0,1 0 0,-1 0 0,0 0 0,1 0 0,-1 1 0,0-1 0,0 0 0,1 0 0,-1 0 0,0 1 0,0-1 0,1 0 0,-1 1 0,0-1 0,0 0 0,1 1 0,-1-1 0,0 0 0,0 1 0,0-1 0,0 0 0,0 1 0,0-1 0,1 1 0,5 15 15,0 1 0,-1 0 0,0 0-1,-2 0 1,3 26 0,1 3 246,207 971 1765,-200-974-1970,-9-40-56,-2-13 0,3-38 0,-3 0 0,-5-73 0,0 36 0,1-18 0,8-301 0,-3 371 0,-4 33 0,0 0 0,0 0 0,0 0 0,1 0 0,-1 0 0,0 1 0,0-1 0,0 0 0,0 0 0,0 0 0,0 0 0,0 0 0,0 0 0,0 0 0,0 0 0,0 0 0,0 0 0,0 0 0,0 0 0,0 0 0,0 0 0,0 0 0,1 0 0,-1 0 0,0 0 0,0 0 0,0 0 0,0 0 0,0 0 0,0 0 0,0 0 0,0 0 0,0 0 0,0 0 0,0 0 0,0 0 0,0 0 0,0 0 0,1 0 0,-1 0 0,0 0 0,0 0 0,0 0 0,0 0 0,0 0 0,0-1 0,0 1 0,0 0 0,0 0 0,0 0 0,0 0 0,4 20 0,24 366 0,-9-93 0,20 115 0,-36-394 0,-2-36 0,-9-465 0,7 467 0,-6-56 0,6 69 0,0 0 0,-1-1 0,0 1 0,0 0 0,0 0 0,-7-12 0,9 19 0,0-1 0,0 1 0,0 0 0,0 0 0,-1-1 0,1 1 0,0 0 0,0-1 0,0 1 0,-1 0 0,1 0 0,0 0 0,0-1 0,-1 1 0,1 0 0,0 0 0,0 0 0,-1-1 0,1 1 0,0 0 0,-1 0 0,1 0 0,0 0 0,-1 0 0,1 0 0,0 0 0,-1 0 0,1 0 0,0 0 0,-1 0 0,-7 12 0,0 14 0,2 1 0,2 0 0,0 0 0,0 40 0,0-3 0,-15 173 0,-114 1272-2428,-32-261 2023,160-1216 378,-2-1 0,-11 32 0,18-62 27,-1 1 0,1-1 0,-1 1 0,0-1 0,0 1 0,0-1 0,1 1 0,-1-1 0,-1 0 0,1 1 0,0-1 0,0 0 0,0 0 0,-2 1 0,2-2 0,1 1 0,-1-1 0,0 0 0,1 0 0,-1 0 0,0 0 0,1 0 0,-1-1 0,0 1 0,1 0 0,-1 0 0,1 0 0,-1 0 0,0-1 0,1 1 0,-1 0 0,1-1 0,-1 1 0,0 0 0,1-1 0,-1 1 0,1-1 0,0 1 0,-1-1 0,1 1 0,-1-1 0,1 1 0,0-1 0,-1 0 0,-8-15 0,1 0 0,1 0 0,1 0 0,0-1 0,-3-18 0,-48-214 0,-9-119-454,-51-680-1937,55-11 2660,59 1001-300,-34-418 573,19 348-527,-52-199 1,67 318 6,-1-11 42,-2 1 1,0-1-1,-1 1 1,-1 1 0,-1-1-1,-15-22 1,24 40 0,-1 0 1,1 0-1,-1 0 1,1 0-1,-1 0 1,0 1-1,1-1 1,-1 0-1,0 0 1,0 1-1,0-1 1,0 0 0,1 1-1,-1-1 1,0 1-1,0-1 1,0 1-1,0 0 1,0-1-1,0 1 1,0 0-1,0 0 1,-1-1-1,1 1 1,0 0-1,0 0 1,0 0-1,-2 1 1,2 0-21,-1 0 1,1 0 0,-1 0-1,1 1 1,0-1 0,-1 0-1,1 1 1,0-1 0,0 1 0,0 0-1,0-1 1,0 1 0,1 0-1,-1-1 1,0 4 0,-9 25 328,3 1-1,0 0 1,-3 43 0,3-19-117,-24 164-158,-21 137-107,49-335 8,2-12 0,0 0 0,-1-1 0,1 1 0,-2 0 0,1-1 0,-1 0 0,0 0 0,-5 9 0,7-17 0,1 0 0,0 1 0,0-1 0,0 0 0,-1 0 0,1 0 0,0 1 0,0-1 0,-1 0 0,1 0 0,0 0 0,0 0 0,-1 1 0,1-1 0,0 0 0,-1 0 0,1 0 0,0 0 0,-1 0 0,1 0 0,0 0 0,0 0 0,-1 0 0,1 0 0,0 0 0,-1 0 0,1 0 0,0 0 0,-1 0 0,1 0 0,0 0 0,-1 0 0,1-1 0,0 1 0,0 0 0,-1 0 0,1 0 0,0 0 0,0-1 0,-1 1 0,1 0 0,0 0 0,0-1 0,-1 1 0,1 0 0,0 0 0,0-1 0,0 1 0,0 0 0,0 0 0,-1-1 0,1 1 0,0 0 0,0-1 0,0 1 0,0 0 0,0-1 0,0 0 0,-6-16 0,0-1 0,1 0 0,1 0 0,-3-27 0,3 24 0,-41-538 0,44 537 0,1 46 0,0-14 0,1 131 0,-3 446 0,-42-9 0,41-556 0,-2 1 0,-6 23 0,11-45 0,-1 1 0,1-1 0,-1 0 0,1 1 0,-1-1 0,1 0 0,-1 0 0,0 1 0,1-1 0,-1 0 0,0 0 0,0 0 0,0 0 0,0 0 0,0 0 0,-1 1 0,1-2 0,1 0 0,-1 0 0,1 0 0,-1 0 0,1-1 0,-1 1 0,1 0 0,-1 0 0,1 0 0,-1 0 0,1-1 0,0 1 0,-1 0 0,1 0 0,-1-1 0,1 1 0,0 0 0,-1 0 0,1-1 0,0 1 0,-1-1 0,1 1 0,0 0 0,0-1 0,-1 1 0,1-1 0,0 1 0,0-1 0,-1 0 0,-2-7 0,0 0 0,0-1 0,-2-15 0,-5-40 0,-2-116 0,15-74 0,-1 164 0,-1 31-120,1-51-502,18-128-1,-12 196-6203</inkml:trace>
+</inkml:ink>
+</file>
+
+<file path=ppt/ink/ink48.xml><?xml version="1.0" encoding="utf-8"?>
+<inkml:ink xmlns:inkml="http://www.w3.org/2003/InkML">
+  <inkml:definitions>
+    <inkml:context xml:id="ctx0">
+      <inkml:inkSource xml:id="inkSrc0">
+        <inkml:traceFormat>
+          <inkml:channel name="X" type="integer" min="-2.14748E9" max="2.14748E9" units="cm"/>
+          <inkml:channel name="Y" type="integer" min="-2.14748E9" max="2.14748E9" units="cm"/>
+          <inkml:channel name="F" type="integer" max="32767" units="dev"/>
+        </inkml:traceFormat>
+        <inkml:channelProperties>
+          <inkml:channelProperty channel="X" name="resolution" value="1000" units="1/cm"/>
+          <inkml:channelProperty channel="Y" name="resolution" value="1000" units="1/cm"/>
+          <inkml:channelProperty channel="F" name="resolution" value="0" units="1/dev"/>
+        </inkml:channelProperties>
+      </inkml:inkSource>
+      <inkml:timestamp xml:id="ts0" timeString="2024-12-25T16:46:42.908"/>
+    </inkml:context>
+    <inkml:brush xml:id="br0">
+      <inkml:brushProperty name="width" value="0.035" units="cm"/>
+      <inkml:brushProperty name="height" value="0.035" units="cm"/>
+    </inkml:brush>
+  </inkml:definitions>
+  <inkml:trace contextRef="#ctx0" brushRef="#br0">105 1721 24575,'-26'96'0,"-22"146"0,36-169 0,4-26 0,3 0 0,-1 62 0,7-80 0,1 1 0,2-1 0,1 1 0,15 52 0,5-12 0,3-1 0,3-2 0,3 0 0,81 118 0,-65-118 0,2-2 0,4-2 0,2-3 0,80 65 0,-90-88 0,3-1 0,0-3 0,3-2 0,0-3 0,2-2 0,0-2 0,2-3 0,1-3 0,119 22 0,258-2-355,4-37-106,-336-2 434,-41 0 18,567-14-730,-428 1 416,218-43-1,-351 44 324,-2-3 0,0-3 0,-1-3 0,-1-2 0,95-52 0,282-218-67,-389 256-5,322-245-629,-24-29 706,-318 279 75,-3-2-1,0-1 1,34-56 0,-47 63 30,-2 0 0,-1-2 0,-1 0 0,-1 0 0,10-46 0,-12 25-16,-3-1 0,-2 0 0,-2 0 0,-2-1 0,-3 1 0,-2 0 0,-21-100 0,0 49 41,-5 3 0,-85-192 0,85 226-18,-3 2 0,-3 1 0,-55-73 0,68 108-64,-1 0-1,-1 2 0,-1 1 0,-2 1 0,0 1 0,-2 2 0,0 1 0,-46-24 0,16 17-52,-1 2 0,-68-18 0,-133-24 0,184 49 0,-220-58 0,-216-50 0,-7 38 0,389 78 3,0 7 0,-150 14-1,-257 50-90,510-56 73,-447 77-482,402-62 501,0 3 0,2 3 1,0 3-1,-89 50 0,77-30 29,-133 102 0,173-114 68,2 2 0,1 1 0,2 2 0,-45 63 0,-55 113-101,117-175 0,1 1 0,2 1 0,-18 64 0,33-92-341,0 1 0,1-1-1,-1 21 1,4-9-6485</inkml:trace>
+</inkml:ink>
+</file>
+
+<file path=ppt/ink/ink49.xml><?xml version="1.0" encoding="utf-8"?>
+<inkml:ink xmlns:inkml="http://www.w3.org/2003/InkML">
+  <inkml:definitions>
+    <inkml:context xml:id="ctx0">
+      <inkml:inkSource xml:id="inkSrc0">
+        <inkml:traceFormat>
+          <inkml:channel name="X" type="integer" min="-2.14748E9" max="2.14748E9" units="cm"/>
+          <inkml:channel name="Y" type="integer" min="-2.14748E9" max="2.14748E9" units="cm"/>
+          <inkml:channel name="F" type="integer" max="32767" units="dev"/>
+        </inkml:traceFormat>
+        <inkml:channelProperties>
+          <inkml:channelProperty channel="X" name="resolution" value="1000" units="1/cm"/>
+          <inkml:channelProperty channel="Y" name="resolution" value="1000" units="1/cm"/>
+          <inkml:channelProperty channel="F" name="resolution" value="0" units="1/dev"/>
+        </inkml:channelProperties>
+      </inkml:inkSource>
+      <inkml:timestamp xml:id="ts0" timeString="2024-12-25T16:46:43.885"/>
+    </inkml:context>
+    <inkml:brush xml:id="br0">
+      <inkml:brushProperty name="width" value="0.035" units="cm"/>
+      <inkml:brushProperty name="height" value="0.035" units="cm"/>
+    </inkml:brush>
+  </inkml:definitions>
+  <inkml:trace contextRef="#ctx0" brushRef="#br0">420 6 24575,'-9'9'0,"1"1"0,1 0 0,-1 1 0,2 0 0,-1 0 0,2 0 0,-1 1 0,1-1 0,1 1 0,0 0 0,1 1 0,-2 14 0,1 8 0,1 0 0,2-1 0,3 43 0,-2-68 0,1 0 0,0 0 0,1 0 0,0 0 0,1 0 0,-1 0 0,2 0 0,-1-1 0,1 1 0,0-1 0,1 0 0,9 12 0,-5-11 0,-1 0 0,2 0 0,-1-1 0,1 0 0,1 0 0,-1-2 0,1 1 0,21 8 0,481 171 0,-432-161 0,2-3 0,1-5 0,163 15 0,-233-31 0,-1-1 0,0-1 0,0 0 0,16-3 0,-22 2 0,-1 0 0,0 0 0,-1 0 0,1 0 0,0-1 0,-1 0 0,1-1 0,-1 1 0,0-1 0,9-8 0,29-26 0,2 2 0,80-49 0,-3 3 0,-117 78 0,-1 0 0,1 0 0,-1-1 0,0 0 0,0 0 0,-1 0 0,1 0 0,-1 0 0,0-1 0,-1 1 0,1-1 0,-1 0 0,0 0 0,-1 0 0,0 0 0,1 0 0,-2 0 0,1 0 0,-1 0 0,0 0 0,0 0 0,-1-1 0,-1-6 0,-1-5 0,-1 0 0,0 0 0,-2 0 0,0 1 0,-1 0 0,-15-26 0,13 27 0,-1 2 0,0-1 0,-1 2 0,-1-1 0,0 2 0,-1-1 0,0 2 0,-21-16 0,12 13 0,0 2 0,-1 0 0,0 1 0,-1 1 0,-29-8 0,-7 4 0,-1 2 0,0 3 0,0 2 0,-64 2 0,-172 5 0,217 4 0,-132 23 0,197-24 0,0 1 0,0 1 0,0 0 0,1 1 0,-21 12 0,-63 49 0,59-41 0,-1-1 0,-1-3 0,-2-1 0,0-1 0,-1-3 0,0-2 0,-2-1 0,-49 7 0,40-15-1365,15-6-5461</inkml:trace>
+</inkml:ink>
+</file>
+
+<file path=ppt/ink/ink5.xml><?xml version="1.0" encoding="utf-8"?>
+<inkml:ink xmlns:inkml="http://www.w3.org/2003/InkML">
+  <inkml:definitions>
+    <inkml:context xml:id="ctx0">
+      <inkml:inkSource xml:id="inkSrc0">
+        <inkml:traceFormat>
+          <inkml:channel name="X" type="integer" min="-2.14748E9" max="2.14748E9" units="cm"/>
+          <inkml:channel name="Y" type="integer" min="-2.14748E9" max="2.14748E9" units="cm"/>
+          <inkml:channel name="F" type="integer" max="32767" units="dev"/>
+        </inkml:traceFormat>
+        <inkml:channelProperties>
+          <inkml:channelProperty channel="X" name="resolution" value="1000" units="1/cm"/>
+          <inkml:channelProperty channel="Y" name="resolution" value="1000" units="1/cm"/>
+          <inkml:channelProperty channel="F" name="resolution" value="0" units="1/dev"/>
+        </inkml:channelProperties>
+      </inkml:inkSource>
+      <inkml:timestamp xml:id="ts0" timeString="2024-12-25T16:45:17.134"/>
+    </inkml:context>
+    <inkml:brush xml:id="br0">
+      <inkml:brushProperty name="width" value="0.035" units="cm"/>
+      <inkml:brushProperty name="height" value="0.035" units="cm"/>
+      <inkml:brushProperty name="color" value="#E71224"/>
+    </inkml:brush>
+  </inkml:definitions>
+  <inkml:trace contextRef="#ctx0" brushRef="#br0">140 1 24575,'1'0'0,"0"0"0,-1 0 0,1 1 0,0-1 0,0 1 0,0-1 0,0 1 0,0-1 0,0 1 0,-1-1 0,1 1 0,0 0 0,-1-1 0,1 1 0,0 0 0,-1 0 0,1 0 0,-1-1 0,1 1 0,-1 0 0,1 0 0,-1 0 0,0 0 0,1 0 0,-1 0 0,0 0 0,0 0 0,0 0 0,0 0 0,0 0 0,0 0 0,0 0 0,0 0 0,0 0 0,0 0 0,0 0 0,-1 1 0,-7 40 0,-23 69 0,-17 124 0,24-82 0,4-39 0,-4 123 0,24-229 0,0 0 0,0 1 0,1-1 0,0 0 0,1 1 0,-1-1 0,2 0 0,2 8 0,-4-14 0,0 1 0,0-1 0,0 0 0,1 0 0,-1 0 0,0 0 0,1 0 0,-1-1 0,1 1 0,0 0 0,0-1 0,0 1 0,0-1 0,0 1 0,0-1 0,0 0 0,0 0 0,0 0 0,0 0 0,1-1 0,-1 1 0,0 0 0,1-1 0,-1 0 0,0 1 0,1-1 0,-1 0 0,1 0 0,-1 0 0,0-1 0,1 1 0,2-1 0,-1-1 0,0 1 0,0-1 0,0 0 0,-1 0 0,1 0 0,0 0 0,-1-1 0,1 1 0,-1-1 0,0 0 0,0 0 0,0 0 0,0-1 0,-1 1 0,1-1 0,-1 1 0,0-1 0,0 0 0,2-6 0,4-9 0,-1 0 0,8-34 0,-14 48 0,63-385 0,-20 92 0,-41 283 0,0 2 0,-1 0 0,0 0 0,0 0 0,-1 0 0,-2-26 0,0 37 0,1-1 0,-1 1 0,1-1 0,-1 1 0,0 0 0,0-1 0,0 1 0,0 0 0,-1-1 0,1 1 0,-1 0 0,1 0 0,-1 0 0,-3-3 0,2 3 0,0 0 0,0 1 0,0 0 0,0-1 0,0 1 0,0 0 0,0 0 0,0 0 0,0 1 0,-1-1 0,1 1 0,0 0 0,0 0 0,-6 0 0,3 1 0,1 0 0,-1 0 0,1 0 0,0 1 0,0-1 0,-1 1 0,1 0 0,0 1 0,1-1 0,-1 1 0,0 0 0,1 1 0,-1-1 0,1 1 0,0-1 0,0 1 0,1 0 0,-1 1 0,1-1 0,0 1 0,0-1 0,0 1 0,-2 8 0,-5 9 0,2 0 0,1 1 0,-9 47 0,16-69 0,-10 58-1365,3-9-5461</inkml:trace>
+</inkml:ink>
+</file>
+
+<file path=ppt/ink/ink50.xml><?xml version="1.0" encoding="utf-8"?>
+<inkml:ink xmlns:inkml="http://www.w3.org/2003/InkML">
+  <inkml:definitions>
+    <inkml:context xml:id="ctx0">
+      <inkml:inkSource xml:id="inkSrc0">
+        <inkml:traceFormat>
+          <inkml:channel name="X" type="integer" min="-2.14748E9" max="2.14748E9" units="cm"/>
+          <inkml:channel name="Y" type="integer" min="-2.14748E9" max="2.14748E9" units="cm"/>
+          <inkml:channel name="F" type="integer" max="32767" units="dev"/>
+        </inkml:traceFormat>
+        <inkml:channelProperties>
+          <inkml:channelProperty channel="X" name="resolution" value="1000" units="1/cm"/>
+          <inkml:channelProperty channel="Y" name="resolution" value="1000" units="1/cm"/>
+          <inkml:channelProperty channel="F" name="resolution" value="0" units="1/dev"/>
+        </inkml:channelProperties>
+      </inkml:inkSource>
+      <inkml:timestamp xml:id="ts0" timeString="2024-12-25T16:46:45.833"/>
+    </inkml:context>
+    <inkml:brush xml:id="br0">
+      <inkml:brushProperty name="width" value="0.035" units="cm"/>
+      <inkml:brushProperty name="height" value="0.035" units="cm"/>
+    </inkml:brush>
+  </inkml:definitions>
+  <inkml:trace contextRef="#ctx0" brushRef="#br0">1 140 24575,'0'-1'0,"0"0"0,0 0 0,1 0 0,-1 0 0,1 0 0,-1 0 0,1 0 0,-1 0 0,1 0 0,0 0 0,0 0 0,-1 0 0,1 1 0,0-1 0,0 0 0,0 0 0,0 1 0,0-1 0,0 0 0,1 0 0,27-12 0,-19 8 0,44-20 0,79-26 0,-112 44 0,0 2 0,0 0 0,1 1 0,0 1 0,-1 1 0,1 1 0,27 3 0,-11 7 0,-36-9 0,-1 1 0,1-1 0,0 1 0,-1 0 0,0-1 0,1 1 0,-1 0 0,1 0 0,-1 0 0,0 0 0,0 0 0,0 0 0,1 0 0,-1 1 0,0-1 0,0 0 0,-1 1 0,1-1 0,0 1 0,0 1 0,-1-3 0,0 1 0,0-1 0,0 1 0,0-1 0,0 0 0,-1 1 0,1-1 0,0 0 0,0 1 0,-1-1 0,1 0 0,0 1 0,-1-1 0,1 0 0,0 0 0,-1 1 0,1-1 0,0 0 0,-1 0 0,1 0 0,-1 1 0,1-1 0,0 0 0,-1 0 0,1 0 0,-1 0 0,1 0 0,0 0 0,-1 0 0,1 0 0,-1 0 0,1 0 0,0 0 0,-1 0 0,0 0 0,-20-1 0,18 0 0,-39-2 0,6-1 0,1 2 0,-1 1 0,1 2 0,0 1 0,-39 8 0,70-9 0,0 0 0,0 1 0,0-1 0,0 1 0,1 0 0,-1 0 0,0 0 0,1 1 0,0-1 0,-1 1 0,1 0 0,0 0 0,0 0 0,1 1 0,-1-1 0,1 0 0,-1 1 0,1 0 0,0 0 0,0-1 0,1 1 0,-3 8 0,2-4 0,1-1 0,0 0 0,0 0 0,0 1 0,1-1 0,0 0 0,1 0 0,0 1 0,0-1 0,0 0 0,1 0 0,5 14 0,-4-16 0,0 1 0,1-1 0,0 0 0,0 0 0,0 0 0,1 0 0,-1-1 0,1 0 0,0 0 0,0 0 0,1 0 0,-1-1 0,1 0 0,0 0 0,-1 0 0,1-1 0,0 0 0,12 2 0,-1 0 0,1 0 0,-1-2 0,1 0 0,0-1 0,29-2 0,-41 0 0,0 0 0,0 0 0,0-1 0,0 1 0,0-1 0,-1-1 0,1 1 0,-1-1 0,1 0 0,-1 0 0,0-1 0,0 1 0,-1-1 0,8-8 0,-1 0 0,-1-1 0,0 0 0,-1 0 0,10-20 0,-18 31 0,1 0 0,-1-1 0,0 1 0,0 0 0,0-1 0,0 1 0,0-1 0,-1 0 0,1 1 0,-1-1 0,0 1 0,0-1 0,0 0 0,0 1 0,0-1 0,0 0 0,-1 1 0,1-1 0,-1 0 0,0 1 0,1-1 0,-1 1 0,-2-4 0,1 4 0,-1-1 0,1 0 0,-1 1 0,1-1 0,-1 1 0,0 0 0,0 0 0,0 0 0,0 0 0,0 1 0,0-1 0,0 1 0,-1 0 0,1 0 0,0 0 0,-1 0 0,-5 0 0,-9-2 0,-1 2 0,1 0 0,-23 1 0,36 1 0,0-1 0,0 1 0,0-1 0,0 1 0,0 1 0,1-1 0,-1 1 0,0-1 0,1 1 0,-1 1 0,1-1 0,-1 1 0,1 0 0,0 0 0,0 0 0,-5 6 0,8-8 0,0 0 0,1 0 0,-1-1 0,0 1 0,1 0 0,-1 0 0,1 0 0,0 0 0,-1 0 0,1 0 0,0 1 0,-1-1 0,1 0 0,0 0 0,0 0 0,0 0 0,0 0 0,0 0 0,0 0 0,1 0 0,-1 0 0,0 0 0,0 1 0,1-1 0,-1 0 0,1 0 0,-1 0 0,1 1 0,25 24 0,-23-23 0,1-1 0,-1 1 0,0 0 0,0 0 0,-1 0 0,1 0 0,3 6 0,-2 8-1365,-4-3-5461</inkml:trace>
+</inkml:ink>
+</file>
+
+<file path=ppt/ink/ink51.xml><?xml version="1.0" encoding="utf-8"?>
+<inkml:ink xmlns:inkml="http://www.w3.org/2003/InkML">
+  <inkml:definitions>
+    <inkml:context xml:id="ctx0">
+      <inkml:inkSource xml:id="inkSrc0">
+        <inkml:traceFormat>
+          <inkml:channel name="X" type="integer" min="-2.14748E9" max="2.14748E9" units="cm"/>
+          <inkml:channel name="Y" type="integer" min="-2.14748E9" max="2.14748E9" units="cm"/>
+          <inkml:channel name="F" type="integer" max="32767" units="dev"/>
+        </inkml:traceFormat>
+        <inkml:channelProperties>
+          <inkml:channelProperty channel="X" name="resolution" value="1000" units="1/cm"/>
+          <inkml:channelProperty channel="Y" name="resolution" value="1000" units="1/cm"/>
+          <inkml:channelProperty channel="F" name="resolution" value="0" units="1/dev"/>
+        </inkml:channelProperties>
+      </inkml:inkSource>
+      <inkml:timestamp xml:id="ts0" timeString="2024-12-25T16:46:47.200"/>
+    </inkml:context>
+    <inkml:brush xml:id="br0">
+      <inkml:brushProperty name="width" value="0.035" units="cm"/>
+      <inkml:brushProperty name="height" value="0.035" units="cm"/>
+    </inkml:brush>
+  </inkml:definitions>
+  <inkml:trace contextRef="#ctx0" brushRef="#br0">171 30 24575,'-1'37'0,"-1"-20"0,2-1 0,0 0 0,5 31 0,-4-43 0,-1 0 0,1 0 0,1 0 0,-1 0 0,1-1 0,-1 1 0,1-1 0,0 1 0,0-1 0,1 1 0,-1-1 0,1 0 0,-1 0 0,1 0 0,0-1 0,0 1 0,0-1 0,1 1 0,-1-1 0,7 3 0,7 2 0,0 0 0,0-2 0,1 0 0,0 0 0,0-2 0,0 0 0,0-1 0,1-1 0,-1-1 0,0-1 0,0 0 0,1-1 0,-1-1 0,22-6 0,-36 7 0,1 0 0,-1 0 0,0 0 0,0 0 0,0 0 0,0-1 0,-1 0 0,1 0 0,-1 0 0,1 0 0,-1 0 0,0-1 0,4-7 0,-5 9 0,-1-1 0,0 0 0,0 1 0,0-1 0,0 0 0,0 0 0,-1 0 0,1 1 0,-1-1 0,0 0 0,0 0 0,0 0 0,0 0 0,0 0 0,-1 0 0,1 0 0,-1 0 0,0 1 0,0-1 0,0 0 0,0 0 0,-3-4 0,-3-4 0,0 1 0,-1 0 0,-1 0 0,0 0 0,0 1 0,0 0 0,-2 1 0,1 0 0,-1 1 0,0 0 0,0 1 0,0 0 0,-1 0 0,0 2 0,-1-1 0,1 2 0,-1-1 0,1 2 0,-1-1 0,-22 0 0,31 4 0,0-1 0,0 1 0,0 0 0,0 0 0,0 0 0,0 1 0,1-1 0,-1 1 0,0 0 0,1 0 0,0 0 0,-1 1 0,1-1 0,0 1 0,0 0 0,0 0 0,1 0 0,-1 0 0,1 0 0,-1 0 0,1 1 0,0-1 0,-1 5 0,0-2 0,0 0 0,0 0 0,1 0 0,0 1 0,0-1 0,0 1 0,1 0 0,0-1 0,1 1 0,-1 0 0,1 0 0,0-1 0,2 9 0,-1-13 0,-1 0 0,1 0 0,0 0 0,0 0 0,0 0 0,0-1 0,0 1 0,0 0 0,1-1 0,-1 1 0,0-1 0,1 1 0,-1-1 0,1 0 0,0 1 0,-1-1 0,1 0 0,0 0 0,0 0 0,0 0 0,0-1 0,0 1 0,0 0 0,0-1 0,0 0 0,0 1 0,0-1 0,0 0 0,3 0 0,-2 0 0,-1 0 0,1 0 0,0 0 0,0 0 0,0-1 0,0 1 0,-1-1 0,1 0 0,0 0 0,-1 0 0,1 0 0,0 0 0,-1-1 0,1 1 0,-1-1 0,0 0 0,0 0 0,1 1 0,-1-1 0,2-3 0,-4 4 0,1 0 0,-1 1 0,0-1 0,0 1 0,0-1 0,0 1 0,0-1 0,0 1 0,0-1 0,0 1 0,0-1 0,0 0 0,0 1 0,0-1 0,0 1 0,0-1 0,0 1 0,0-1 0,-1 1 0,1-1 0,0 1 0,0-1 0,-1 1 0,1-1 0,0 1 0,-1-1 0,1 1 0,0 0 0,-1-1 0,1 1 0,-1-1 0,1 1 0,-1 0 0,1 0 0,-1-1 0,1 1 0,-1 0 0,1 0 0,-1-1 0,1 1 0,-1 0 0,1 0 0,-1 0 0,1 0 0,-1 0 0,0 0 0,-32-6 0,31 6 0,-132-9 0,117 9 0,0 1 0,0 0 0,0 1 0,0 1 0,-31 9 0,47-11 0,-1-1 0,1 1 0,-1-1 0,1 1 0,-1 0 0,1 0 0,-1 0 0,1 0 0,-1 0 0,1 0 0,0 0 0,0 0 0,-2 2 0,3-3 0,0 1 0,0-1 0,0 0 0,0 1 0,0-1 0,0 0 0,0 1 0,0-1 0,0 1 0,0-1 0,0 0 0,0 1 0,0-1 0,0 0 0,0 1 0,0-1 0,0 1 0,1-1 0,-1 0 0,0 1 0,0-1 0,0 0 0,1 1 0,-1-1 0,0 0 0,0 0 0,1 1 0,-1-1 0,0 0 0,1 0 0,-1 1 0,0-1 0,1 0 0,3 2 0,0 0 0,0 0 0,0-1 0,0 0 0,0 0 0,0 0 0,1 0 0,5 0 0,22-1 0,-1-1 0,55-9 0,26-2 0,-94 11-1365,-7 1-5461</inkml:trace>
+</inkml:ink>
+</file>
+
+<file path=ppt/ink/ink52.xml><?xml version="1.0" encoding="utf-8"?>
+<inkml:ink xmlns:inkml="http://www.w3.org/2003/InkML">
+  <inkml:definitions>
+    <inkml:context xml:id="ctx0">
+      <inkml:inkSource xml:id="inkSrc0">
+        <inkml:traceFormat>
+          <inkml:channel name="X" type="integer" min="-2.14748E9" max="2.14748E9" units="cm"/>
+          <inkml:channel name="Y" type="integer" min="-2.14748E9" max="2.14748E9" units="cm"/>
+          <inkml:channel name="F" type="integer" max="32767" units="dev"/>
+        </inkml:traceFormat>
+        <inkml:channelProperties>
+          <inkml:channelProperty channel="X" name="resolution" value="1000" units="1/cm"/>
+          <inkml:channelProperty channel="Y" name="resolution" value="1000" units="1/cm"/>
+          <inkml:channelProperty channel="F" name="resolution" value="0" units="1/dev"/>
+        </inkml:channelProperties>
+      </inkml:inkSource>
+      <inkml:timestamp xml:id="ts0" timeString="2024-12-25T16:46:53.663"/>
+    </inkml:context>
+    <inkml:brush xml:id="br0">
+      <inkml:brushProperty name="width" value="0.035" units="cm"/>
+      <inkml:brushProperty name="height" value="0.035" units="cm"/>
+    </inkml:brush>
+  </inkml:definitions>
+  <inkml:trace contextRef="#ctx0" brushRef="#br0">1 1000 24575,'36'-2'0,"1"-2"0,-1-1 0,37-10 0,13-3 0,790-84 0,-575 74 0,-25 4 0,298-39 0,-557 60 0,1-1 0,32-11 0,-46 14 0,-1 0 0,1-1 0,-1 1 0,0-1 0,1 0 0,-1 0 0,0 0 0,0-1 0,-1 1 0,1-1 0,0 1 0,-1-1 0,1 0 0,-1 0 0,0 0 0,0 0 0,0 0 0,0-1 0,-1 1 0,2-5 0,0-9 0,-1 10 0,-1-1 0,1 1 0,0 0 0,0 0 0,1 0 0,4-7 0,-6 12 0,0 0 0,0 1 0,1-1 0,-1 0 0,0 1 0,1 0 0,0-1 0,-1 1 0,1 0 0,0 0 0,-1 0 0,1 0 0,0 0 0,0 0 0,0 0 0,0 1 0,0-1 0,0 1 0,0-1 0,0 1 0,0 0 0,0 0 0,0 0 0,0 0 0,0 0 0,0 0 0,4 2 0,-2-1 0,0 0 0,0 0 0,0 1 0,0 0 0,0-1 0,0 2 0,0-1 0,-1 0 0,1 1 0,-1-1 0,1 1 0,-1 0 0,4 5 0,-6-7 0,1 1 0,-1 0 0,0-1 0,0 1 0,0 0 0,0 0 0,0 0 0,0 0 0,0 0 0,0 0 0,-1 0 0,1 0 0,-1 0 0,0 0 0,1 0 0,-1 0 0,0 0 0,0 0 0,-1 0 0,1 0 0,0 0 0,-1 0 0,1 1 0,-1-1 0,1 0 0,-1-1 0,0 1 0,0 0 0,-2 3 0,0-1 0,-1 1 0,0-2 0,0 1 0,0 0 0,0-1 0,0 0 0,-1 0 0,0 0 0,1 0 0,-1-1 0,0 0 0,0 0 0,0 0 0,-8 1 0,11-2 0,0-1 0,0 1 0,-1-1 0,1 0 0,0 0 0,0 0 0,0 0 0,-1 0 0,1 0 0,0-1 0,0 1 0,0-1 0,-1 0 0,1 1 0,0-1 0,0 0 0,0 0 0,0 0 0,1 0 0,-1-1 0,0 1 0,0-1 0,1 1 0,-1-1 0,1 1 0,-1-1 0,1 0 0,0 0 0,-1 1 0,1-1 0,0 0 0,0 0 0,0 0 0,1-1 0,-1 1 0,0-4 0,0 4 0,1 0 0,-1 0 0,1-1 0,-1 1 0,1 0 0,0 0 0,0-1 0,0 1 0,1 0 0,-1-1 0,0 1 0,1 0 0,0 0 0,-1 0 0,1-1 0,0 1 0,0 0 0,0 0 0,0 0 0,1 0 0,-1 1 0,0-1 0,1 0 0,0 0 0,-1 1 0,1-1 0,0 1 0,0 0 0,-1-1 0,1 1 0,0 0 0,0 0 0,1 0 0,-1 0 0,0 0 0,0 1 0,0-1 0,1 1 0,-1-1 0,5 1 0,-7 0 0,1-1 0,-1 1 0,1-1 0,-1 1 0,1 0 0,-1-1 0,1 1 0,-1-1 0,1 1 0,-1-1 0,0 0 0,1 1 0,-1-1 0,0 1 0,1-1 0,-1 0 0,0 1 0,0-1 0,0 0 0,0 1 0,1-1 0,-1 0 0,0 1 0,0-2 0,2-25 0,-1 14 0,4-5 0,0 0 0,1 1 0,0 0 0,1 0 0,1 1 0,1 0 0,10-15 0,82-99 0,-90 117 0,-8 9 0,197-217 0,-171 200 0,-29 21 0,1 0 0,-1-1 0,0 1 0,1 0 0,-1-1 0,0 1 0,1 0 0,-1 0 0,1 0 0,-1-1 0,1 1 0,-1 0 0,0 0 0,1 0 0,-1 0 0,1 0 0,-1 0 0,1 0 0,-1 0 0,1 0 0,-1 0 0,1 0 0,-1 0 0,1 0 0,-1 0 0,0 0 0,1 1 0,-1-1 0,1 0 0,-1 0 0,0 0 0,1 1 0,-1-1 0,1 0 0,-1 1 0,0-1 0,1 0 0,-1 1 0,0-1 0,0 0 0,1 1 0,-1-1 0,0 0 0,0 1 0,1-1 0,-1 1 0,0-1 0,0 1 0,0-1 0,0 1 0,0-1 0,0 0 0,0 1 0,0-1 0,0 1 0,0-1 0,0 1 0,0-1 0,0 1 0,0-1 0,0 1 0,0-1 0,-1 1 0,0 11 0,-2 0 0,0 0 0,0 0 0,-1 0 0,-9 20 0,-36 57 0,24-45 0,-62 97 0,76-125 0,9-12 0,0 0 0,0 0 0,1 0 0,-1 0 0,1 0 0,0 0 0,0 0 0,1 0 0,-1 1 0,1-1 0,0 0 0,0 0 0,0 1 0,0-1 0,1 0 0,2 7 0,-2-4 0,0 1 0,0-1 0,-1 1 0,-1 14 0,-3 1 0,2-13 0,1 0 0,0 0 0,0 17 0,1-27 0,0 0 0,0 1 0,0-1 0,0 0 0,0 0 0,0 1 0,0-1 0,1 0 0,-1 1 0,0-1 0,0 0 0,0 0 0,0 1 0,1-1 0,-1 0 0,0 0 0,0 0 0,1 1 0,-1-1 0,0 0 0,0 0 0,1 0 0,-1 0 0,0 0 0,0 1 0,1-1 0,-1 0 0,0 0 0,1 0 0,-1 0 0,0 0 0,0 0 0,1 0 0,-1 0 0,0 0 0,1 0 0,-1 0 0,0 0 0,1 0 0,-1 0 0,0 0 0,0-1 0,1 1 0,-1 0 0,0 0 0,1 0 0,15-8 0,-13 6 0,43-22 0,1 1 0,1 2 0,61-17 0,-78 29 0,-1-1 0,0-1 0,50-28 0,-63 31 0,1 1 0,1 0 0,-1 2 0,1 0 0,0 1 0,0 1 0,26-1 0,-8-1 0,191-35 0,35-5 0,-168 29 0,-94 15 0,1 1 0,-1 0 0,0 0 0,0-1 0,1 1 0,-1 0 0,0 0 0,0 0 0,1 0 0,-1 0 0,0 1 0,1-1 0,-1 0 0,0 0 0,0 1 0,0-1 0,1 1 0,-1-1 0,0 1 0,0 0 0,0-1 0,0 1 0,0 0 0,0 0 0,0 0 0,0 0 0,1 1 0,-1 0 0,0 0 0,0 1 0,-1-1 0,1 1 0,0-1 0,-1 1 0,1-1 0,-1 1 0,0-1 0,0 1 0,0-1 0,-1 6 0,0 0 0,-1 1 0,0 0 0,0-1 0,-1 1 0,0-1 0,0 0 0,-6 9 0,2-8 0,-1 0 0,0-1 0,0-1 0,0 1 0,-1-1 0,0-1 0,0 1 0,-1-2 0,0 1 0,-11 3 0,-39 25 0,50-27 0,-1-1 0,1-1 0,-1 0 0,0-1 0,0 0 0,0 0 0,0-1 0,-20 2 0,-4-1 0,-54-3 0,14 0 0,62 1 0,1 0 0,0 1 0,0 0 0,0 1 0,0 1 0,1 0 0,-1 0 0,-17 12 0,11-6 0,-35 13 0,18-12 0,-144 57 0,156-60 0,-44 11 0,51-17 0,-1 2 0,1 0 0,0 1 0,0 0 0,-28 17 0,16-11 0,26-14 0,15-7 0,-1 5 0,-1-1 0,1 1 0,0 1 0,0 0 0,0 0 0,23 0 0,79 2 0,-65 2 0,158-5 0,-232 6 0,2 1 0,-1 2 0,0 1 0,1 0 0,0 2 0,1 0 0,-35 19 0,51-23 0,1 0 0,0 0 0,0 0 0,0 1 0,0-1 0,1 1 0,0 1 0,0-1 0,-4 8 0,-23 54 0,25-50 0,-1 0 0,-15 25 0,19-37 0,-1 0 0,0 0 0,0-1 0,0 1 0,-1-1 0,1 0 0,-1 0 0,0 0 0,0 0 0,0-1 0,-10 4 0,10-4 0,0-1 0,0 0 0,0-1 0,0 1 0,0-1 0,0 0 0,0-1 0,-1 1 0,1-1 0,0 0 0,-1 0 0,1-1 0,0 1 0,-1-1 0,1 0 0,0-1 0,0 1 0,0-1 0,0 0 0,0 0 0,1-1 0,-7-3 0,-4-6 0,1 0 0,0-1 0,0 0 0,-22-29 0,1 0 0,22 31-227,1 1-1,-1 1 1,-1 0-1,1 0 1,-26-11-1,19 11-6598</inkml:trace>
+</inkml:ink>
+</file>
+
+<file path=ppt/ink/ink53.xml><?xml version="1.0" encoding="utf-8"?>
+<inkml:ink xmlns:inkml="http://www.w3.org/2003/InkML">
+  <inkml:definitions>
+    <inkml:context xml:id="ctx0">
+      <inkml:inkSource xml:id="inkSrc0">
+        <inkml:traceFormat>
+          <inkml:channel name="X" type="integer" min="-2.14748E9" max="2.14748E9" units="cm"/>
+          <inkml:channel name="Y" type="integer" min="-2.14748E9" max="2.14748E9" units="cm"/>
+          <inkml:channel name="F" type="integer" max="32767" units="dev"/>
+        </inkml:traceFormat>
+        <inkml:channelProperties>
+          <inkml:channelProperty channel="X" name="resolution" value="1000" units="1/cm"/>
+          <inkml:channelProperty channel="Y" name="resolution" value="1000" units="1/cm"/>
+          <inkml:channelProperty channel="F" name="resolution" value="0" units="1/dev"/>
+        </inkml:channelProperties>
+      </inkml:inkSource>
+      <inkml:timestamp xml:id="ts0" timeString="2024-12-25T16:46:55.799"/>
+    </inkml:context>
+    <inkml:brush xml:id="br0">
+      <inkml:brushProperty name="width" value="0.035" units="cm"/>
+      <inkml:brushProperty name="height" value="0.035" units="cm"/>
+    </inkml:brush>
+  </inkml:definitions>
+  <inkml:trace contextRef="#ctx0" brushRef="#br0">1 155 24575,'0'-5'0,"1"0"0,0-1 0,0 1 0,1 0 0,-1 0 0,1 0 0,0 0 0,0 0 0,1 0 0,0 0 0,0 1 0,0-1 0,0 1 0,1 0 0,-1 0 0,5-4 0,5-3 0,0 0 0,0 1 0,29-16 0,-38 24 0,-1 0 0,1 1 0,0-1 0,-1 1 0,1 0 0,0 0 0,0 1 0,0-1 0,0 1 0,0 0 0,0 0 0,0 0 0,0 0 0,0 1 0,0 0 0,-1 0 0,1 0 0,5 2 0,7 4 0,0 0 0,-1 1 0,17 12 0,-20-11 0,0-2 0,1 0 0,0 0 0,14 4 0,97 12-1365,-106-17-5461</inkml:trace>
+</inkml:ink>
+</file>
+
+<file path=ppt/ink/ink54.xml><?xml version="1.0" encoding="utf-8"?>
+<inkml:ink xmlns:inkml="http://www.w3.org/2003/InkML">
+  <inkml:definitions>
+    <inkml:context xml:id="ctx0">
+      <inkml:inkSource xml:id="inkSrc0">
+        <inkml:traceFormat>
+          <inkml:channel name="X" type="integer" min="-2.14748E9" max="2.14748E9" units="cm"/>
+          <inkml:channel name="Y" type="integer" min="-2.14748E9" max="2.14748E9" units="cm"/>
+          <inkml:channel name="F" type="integer" max="32767" units="dev"/>
+        </inkml:traceFormat>
+        <inkml:channelProperties>
+          <inkml:channelProperty channel="X" name="resolution" value="1000" units="1/cm"/>
+          <inkml:channelProperty channel="Y" name="resolution" value="1000" units="1/cm"/>
+          <inkml:channelProperty channel="F" name="resolution" value="0" units="1/dev"/>
+        </inkml:channelProperties>
+      </inkml:inkSource>
+      <inkml:timestamp xml:id="ts0" timeString="2024-12-25T16:46:58.343"/>
+    </inkml:context>
+    <inkml:brush xml:id="br0">
+      <inkml:brushProperty name="width" value="0.035" units="cm"/>
+      <inkml:brushProperty name="height" value="0.035" units="cm"/>
+    </inkml:brush>
+  </inkml:definitions>
+  <inkml:trace contextRef="#ctx0" brushRef="#br0">688 82 24575,'-6'-4'0,"0"0"0,0 1 0,-1-1 0,1 1 0,-1 0 0,0 1 0,1-1 0,-12-1 0,-9-4 0,-13-4 0,0 3 0,-1 1 0,0 2 0,-44-2 0,78 8 0,0 0 0,0 0 0,0 0 0,0 1 0,0 0 0,0 0 0,0 1 0,0 0 0,0 0 0,1 1 0,-9 4 0,3 0 0,1 0 0,1 1 0,0 1 0,0 0 0,-9 10 0,0 1 0,1 0 0,1 1 0,1 1 0,1 1 0,1 0 0,1 1 0,1 0 0,1 1 0,1 0 0,1 1 0,2 0 0,0 0 0,2 1 0,-2 28 0,6-45 0,1 0 0,0-1 0,1 1 0,0 0 0,0-1 0,1 1 0,0-1 0,1 0 0,0 0 0,1 0 0,-1 0 0,2 0 0,-1-1 0,1 1 0,1-1 0,-1 0 0,1-1 0,1 0 0,-1 0 0,1 0 0,0-1 0,1 0 0,0 0 0,11 6 0,20 8 0,1-2 0,1-1 0,75 19 0,-68-26 0,1-3 0,0-1 0,0-3 0,0-2 0,63-6 0,-104 4 0,0-1 0,0 0 0,0 0 0,0-1 0,-1 0 0,1-1 0,-1 1 0,0-1 0,0-1 0,12-9 0,-4 2 0,0-2 0,-1 1 0,16-22 0,-26 29 0,1 0 0,-2-1 0,1 1 0,-1-1 0,0 0 0,0 0 0,-1 0 0,0 0 0,1-8 0,5-70 0,-3 28 0,-4 44 0,5-29 0,-2-1 0,-2-44 0,-3 81 0,-1-1 0,1 1 0,-1 0 0,0-1 0,-1 1 0,1 0 0,-1 0 0,-1 1 0,1-1 0,-1 0 0,0 1 0,0 0 0,0 0 0,-1 0 0,1 1 0,-1 0 0,0-1 0,-11-5 0,4 2 0,-1 1 0,1 0 0,-1 1 0,0 1 0,-1 0 0,1 1 0,-24-5 0,30 8-91,1 0 0,0 0 0,-1 0 0,1 1 0,-1 0 0,1 1 0,-1 0 0,1-1 0,0 2 0,-1-1 0,1 1 0,0 0 0,0 0 0,-11 7 0,3 2-6735</inkml:trace>
+</inkml:ink>
+</file>
+
+<file path=ppt/ink/ink55.xml><?xml version="1.0" encoding="utf-8"?>
+<inkml:ink xmlns:inkml="http://www.w3.org/2003/InkML">
+  <inkml:definitions>
+    <inkml:context xml:id="ctx0">
+      <inkml:inkSource xml:id="inkSrc0">
+        <inkml:traceFormat>
+          <inkml:channel name="X" type="integer" min="-2.14748E9" max="2.14748E9" units="cm"/>
+          <inkml:channel name="Y" type="integer" min="-2.14748E9" max="2.14748E9" units="cm"/>
+          <inkml:channel name="F" type="integer" max="32767" units="dev"/>
+        </inkml:traceFormat>
+        <inkml:channelProperties>
+          <inkml:channelProperty channel="X" name="resolution" value="1000" units="1/cm"/>
+          <inkml:channelProperty channel="Y" name="resolution" value="1000" units="1/cm"/>
+          <inkml:channelProperty channel="F" name="resolution" value="0" units="1/dev"/>
+        </inkml:channelProperties>
+      </inkml:inkSource>
+      <inkml:timestamp xml:id="ts0" timeString="2024-12-25T16:46:59.430"/>
+    </inkml:context>
+    <inkml:brush xml:id="br0">
+      <inkml:brushProperty name="width" value="0.035" units="cm"/>
+      <inkml:brushProperty name="height" value="0.035" units="cm"/>
+    </inkml:brush>
+  </inkml:definitions>
+  <inkml:trace contextRef="#ctx0" brushRef="#br0">880 0 24575,'-5'1'0,"-1"-1"0,0 2 0,0-1 0,0 0 0,1 1 0,-10 4 0,-6 2 0,-50 10 0,-112 14 0,-10 1 0,162-25 0,0 1 0,0 1 0,1 1 0,-29 17 0,46-21 0,0 2 0,0 0 0,1 1 0,0 0 0,1 0 0,0 1 0,1 1 0,0 0 0,1 0 0,0 1 0,1 0 0,0 1 0,1-1 0,1 1 0,0 1 0,1-1 0,1 1 0,0 0 0,1 0 0,0 1 0,0 22 0,3-30 0,1 1 0,0-1 0,1 0 0,-1 1 0,2-1 0,-1 0 0,1 0 0,0 0 0,1-1 0,0 1 0,0-1 0,1 0 0,-1 0 0,2 0 0,8 9 0,11 8 0,0 0 0,43 29 0,-43-34 0,71 51 0,4-4 0,205 101 0,-282-157 0,0-2 0,0 0 0,1-1 0,0-1 0,0-2 0,0 0 0,0-2 0,1 0 0,36-3 0,-23-3 0,-1-1 0,0-2 0,0-2 0,-1-1 0,49-20 0,-80 28 0,-1 0 0,1 0 0,-1 0 0,1-1 0,-1 0 0,0 0 0,0 0 0,0 0 0,0-1 0,-1 1 0,1-1 0,-1 0 0,0 0 0,0 0 0,-1-1 0,3-4 0,-2 2 0,-1 1 0,0-1 0,-1 0 0,1 0 0,-1 0 0,-1 1 0,1-1 0,-1 0 0,0 0 0,-2-11 0,-4-9 0,-1-1 0,-1 1 0,-2 0 0,-19-40 0,27 62 0,-46-111 0,26 60 0,-56-103 0,72 150-68,-1 0 0,0 1-1,-1 0 1,0 0 0,0 1 0,-1 0-1,0 1 1,0 0 0,0 0 0,-1 1-1,0 0 1,0 1 0,0 0 0,-1 0-1,1 1 1,-1 1 0,0-1 0,0 2-1,-20-1 1,6 1-6758</inkml:trace>
+</inkml:ink>
+</file>
+
+<file path=ppt/ink/ink56.xml><?xml version="1.0" encoding="utf-8"?>
+<inkml:ink xmlns:inkml="http://www.w3.org/2003/InkML">
+  <inkml:definitions>
+    <inkml:context xml:id="ctx0">
+      <inkml:inkSource xml:id="inkSrc0">
+        <inkml:traceFormat>
+          <inkml:channel name="X" type="integer" min="-2.14748E9" max="2.14748E9" units="cm"/>
+          <inkml:channel name="Y" type="integer" min="-2.14748E9" max="2.14748E9" units="cm"/>
+          <inkml:channel name="F" type="integer" max="32767" units="dev"/>
+        </inkml:traceFormat>
+        <inkml:channelProperties>
+          <inkml:channelProperty channel="X" name="resolution" value="1000" units="1/cm"/>
+          <inkml:channelProperty channel="Y" name="resolution" value="1000" units="1/cm"/>
+          <inkml:channelProperty channel="F" name="resolution" value="0" units="1/dev"/>
+        </inkml:channelProperties>
+      </inkml:inkSource>
+      <inkml:timestamp xml:id="ts0" timeString="2024-12-25T16:47:00.547"/>
+    </inkml:context>
+    <inkml:brush xml:id="br0">
+      <inkml:brushProperty name="width" value="0.035" units="cm"/>
+      <inkml:brushProperty name="height" value="0.035" units="cm"/>
+    </inkml:brush>
+  </inkml:definitions>
+  <inkml:trace contextRef="#ctx0" brushRef="#br0">0 0 24575,'10'5'0,"6"1"0,12 0 0,9-2 0,12 4 0,8 0 0,3-1 0,-4-1 0,-7-3 0,-7-1 0,-11-1-8191</inkml:trace>
+</inkml:ink>
+</file>
+
+<file path=ppt/ink/ink57.xml><?xml version="1.0" encoding="utf-8"?>
+<inkml:ink xmlns:inkml="http://www.w3.org/2003/InkML">
+  <inkml:definitions>
+    <inkml:context xml:id="ctx0">
+      <inkml:inkSource xml:id="inkSrc0">
+        <inkml:traceFormat>
+          <inkml:channel name="X" type="integer" min="-2.14748E9" max="2.14748E9" units="cm"/>
+          <inkml:channel name="Y" type="integer" min="-2.14748E9" max="2.14748E9" units="cm"/>
+          <inkml:channel name="F" type="integer" max="32767" units="dev"/>
+        </inkml:traceFormat>
+        <inkml:channelProperties>
+          <inkml:channelProperty channel="X" name="resolution" value="1000" units="1/cm"/>
+          <inkml:channelProperty channel="Y" name="resolution" value="1000" units="1/cm"/>
+          <inkml:channelProperty channel="F" name="resolution" value="0" units="1/dev"/>
+        </inkml:channelProperties>
+      </inkml:inkSource>
+      <inkml:timestamp xml:id="ts0" timeString="2024-12-25T16:47:01.036"/>
+    </inkml:context>
+    <inkml:brush xml:id="br0">
+      <inkml:brushProperty name="width" value="0.035" units="cm"/>
+      <inkml:brushProperty name="height" value="0.035" units="cm"/>
+    </inkml:brush>
+  </inkml:definitions>
+  <inkml:trace contextRef="#ctx0" brushRef="#br0">0 189 24575,'5'0'0,"6"0"0,1-4 0,8-7 0,5-6 0,3-4 0,1-4 0,1 3 0,0 0 0,-1-1 0,-1-1 0,-4 4-8191</inkml:trace>
+</inkml:ink>
+</file>
+
+<file path=ppt/ink/ink58.xml><?xml version="1.0" encoding="utf-8"?>
+<inkml:ink xmlns:inkml="http://www.w3.org/2003/InkML">
+  <inkml:definitions>
+    <inkml:context xml:id="ctx0">
+      <inkml:inkSource xml:id="inkSrc0">
+        <inkml:traceFormat>
+          <inkml:channel name="X" type="integer" min="-2.14748E9" max="2.14748E9" units="cm"/>
+          <inkml:channel name="Y" type="integer" min="-2.14748E9" max="2.14748E9" units="cm"/>
+          <inkml:channel name="F" type="integer" max="32767" units="dev"/>
+        </inkml:traceFormat>
+        <inkml:channelProperties>
+          <inkml:channelProperty channel="X" name="resolution" value="1000" units="1/cm"/>
+          <inkml:channelProperty channel="Y" name="resolution" value="1000" units="1/cm"/>
+          <inkml:channelProperty channel="F" name="resolution" value="0" units="1/dev"/>
+        </inkml:channelProperties>
+      </inkml:inkSource>
+      <inkml:timestamp xml:id="ts0" timeString="2024-12-25T16:47:19.426"/>
+    </inkml:context>
+    <inkml:brush xml:id="br0">
+      <inkml:brushProperty name="width" value="0.035" units="cm"/>
+      <inkml:brushProperty name="height" value="0.035" units="cm"/>
+    </inkml:brush>
+  </inkml:definitions>
+  <inkml:trace contextRef="#ctx0" brushRef="#br0">38 360 24575,'5'0'0,"0"-1"0,0 0 0,0 0 0,0 0 0,9-4 0,11-2 0,583-131 0,-579 128 0,1-1 0,30-18 0,37-13 0,127-46 0,-211 83 0,1 0 0,0 1 0,0 1 0,0 0 0,1 0 0,19 1 0,91 3 0,-57 2 0,-66-3 0,0-1 0,0 1 0,0 0 0,0 1 0,0-1 0,0 0 0,0 0 0,0 1 0,0-1 0,-1 1 0,4 1 0,-5-2 0,0 1 0,-1-1 0,1 1 0,0-1 0,0 1 0,-1-1 0,1 0 0,0 1 0,-1-1 0,1 0 0,0 1 0,-1-1 0,1 0 0,0 1 0,-1-1 0,1 0 0,-1 1 0,1-1 0,0 0 0,-1 0 0,1 0 0,-1 1 0,1-1 0,-1 0 0,1 0 0,-1 0 0,0 0 0,-59 16 0,-257 21 0,158-21 0,-155 36 0,182-18 0,52-12 0,-86 11 0,158-31 0,1 0 0,0 0 0,-1 0 0,1 1 0,0 1 0,0-1 0,1 1 0,-10 6 0,14-9 0,0 1 0,1 0 0,-1-1 0,0 1 0,0 0 0,1 0 0,-1 0 0,1 0 0,0 0 0,0 0 0,0 0 0,0 0 0,-1 3 0,1-3 0,1-1 0,0 1 0,0-1 0,0 1 0,0-1 0,1 1 0,-1-1 0,0 0 0,0 1 0,1-1 0,-1 1 0,1-1 0,0 0 0,-1 1 0,1-1 0,0 0 0,0 0 0,-1 0 0,1 1 0,0-1 0,0 0 0,0 0 0,1 0 0,0 0 0,2 3 0,1-1 0,0 0 0,-1 0 0,1-1 0,0 0 0,0 1 0,1-2 0,-1 1 0,9 1 0,53 5 0,-49-7 0,79 3 0,-1-4 0,1-5 0,-1-4 0,0-4 0,160-43 0,-160 33 0,-156 18 0,-344 51 0,289-29 0,30-5 0,-238 40 0,300-45 0,40-7 0,736-137 0,-676 122 0,-44 10 0,36-12 0,-62 12 0,-19 3 0,-26 2 0,-236 32 0,215-23 0,-114 35 0,362-108 0,313-64 0,-472 121 0,-20 4 0,-15 2 0,-414 62 0,380-54 0,30-5 0,-7 0 0,1 1 0,-1 1 0,-29 11 0,45-15 0,-1 0 0,1 0 0,-1 0 0,1 0 0,-1 0 0,1 0 0,0 1 0,-1-1 0,1 0 0,-1 0 0,1 0 0,0 1 0,-1-1 0,1 0 0,0 1 0,-1-1 0,1 0 0,0 0 0,-1 1 0,1-1 0,0 1 0,0-1 0,-1 0 0,1 1 0,0-1 0,0 1 0,0-1 0,-1 1 0,17 1 0,75-17 0,116-33 0,-145 32 0,242-77 0,-359 105 0,-1-2 0,-65 2 0,68-7 0,-17 2 0,-290 33 0,318-33 0,40-6 0,5 0 0,15 2 0,27-1 0,275-14 0,-107 1 0,385 4 0,-611 6 0,-181 4 0,148 0 0,0 2 0,-79 18 0,105-18 0,-9 3 0,53-9 0,61-7 0,2 0 0,0-3 0,94-25 0,-145 23 0,-36 13 0,0-1 0,1 1 0,-1 0 0,1 0 0,-1 0 0,0 0 0,1 0 0,-1 0 0,1-1 0,-1 1 0,0 0 0,1 0 0,-1 0 0,0-1 0,1 1 0,-1 0 0,0 0 0,0-1 0,1 1 0,-1 0 0,0-1 0,0 1 0,1 0 0,-1-1 0,0 1 0,0-1 0,0 1 0,0 0 0,0-1 0,0 1 0,0-1 0,1 1 0,-1 0 0,0-1 0,0 1 0,0-1 0,-1 0 0,-16-4 0,-24 5 0,0 1 0,0 2 0,0 2 0,-48 13 0,50-11 0,-558 111 0,560-112 0,24-5 0,-1 1 0,1 1 0,0 0 0,0 1 0,0 0 0,0 1 0,-14 8 0,26-13 0,1 0 0,0 0 0,0 0 0,0 0 0,-1 0 0,1 0 0,0 0 0,0 0 0,0 0 0,-1 1 0,1-1 0,0 0 0,0 0 0,0 0 0,0 0 0,0 1 0,0-1 0,-1 0 0,1 0 0,0 0 0,0 0 0,0 1 0,0-1 0,0 0 0,0 0 0,0 1 0,0-1 0,0 0 0,0 0 0,0 0 0,0 1 0,0-1 0,0 0 0,0 0 0,0 0 0,0 1 0,0-1 0,0 0 0,0 0 0,0 0 0,0 1 0,0-1 0,1 0 0,-1 0 0,0 0 0,0 1 0,0-1 0,0 0 0,0 0 0,1 0 0,-1 0 0,0 0 0,0 0 0,0 1 0,1-1 0,-1 0 0,0 0 0,0 0 0,0 0 0,1 0 0,-1 0 0,0 0 0,0 0 0,0 0 0,1 0 0,8 3 0,0-1 0,1-1 0,-1 0 0,0 0 0,1-1 0,-1 0 0,13-1 0,-1 0 0,137-7 0,264-47 0,-389 46 0,-38 7 0,-20 3 0,-1279 168-1409,1275-164 1409,-112 26 0,185-33 0,648-93 1194,-464 66-979,-80 8-215,163-43 0,-272 51 0,-39 13 0,-1 0 0,1 0 0,0 0 0,0-1 0,0 1 0,-1 0 0,1 0 0,0 0 0,0 0 0,0 0 0,0 0 0,-1 0 0,1 0 0,0 0 0,0-1 0,0 1 0,0 0 0,0 0 0,-1 0 0,1 0 0,0-1 0,0 1 0,0 0 0,0 0 0,0 0 0,0 0 0,0-1 0,0 1 0,0 0 0,0 0 0,0 0 0,0-1 0,0 1 0,0 0 0,0 0 0,0 0 0,0-1 0,0 1 0,0 0 0,0 0 0,0 0 0,0-1 0,0 1 0,0 0 0,0 0 0,0 0 0,1 0 0,-1-1 0,0 1 0,0 0 0,0 0 0,0 0 0,0 0 0,0 0 0,1 0 0,-1-1 0,0 1 0,0 0 0,-16-2 0,-1 0 0,0 1 0,0 0 0,-32 4 0,27-1 0,-100 7 0,0 5 0,1 6 0,1 5 0,-225 79 0,332-99 0,3-2 0,-1 1 0,1 0 0,0 0 0,0 1 0,1 1 0,0 0 0,0 0 0,-15 13 0,24-19 0,0 0 0,-1 1 0,1-1 0,0 0 0,0 1 0,-1-1 0,1 0 0,0 1 0,0-1 0,0 0 0,-1 1 0,1-1 0,0 0 0,0 1 0,0-1 0,0 0 0,0 1 0,0-1 0,0 1 0,0-1 0,0 0 0,0 1 0,0-1 0,0 1 0,0-1 0,0 0 0,0 1 0,0-1 0,0 0 0,0 1 0,0-1 0,1 1 0,-1-1 0,0 0 0,0 1 0,0-1 0,1 0 0,-1 0 0,0 1 0,1-1 0,-1 0 0,0 0 0,0 1 0,1-1 0,-1 0 0,1 0 0,-1 0 0,0 1 0,1-1 0,-1 0 0,1 0 0,9 3 0,1-1 0,-1-1 0,1 0 0,-1 0 0,1-1 0,-1 0 0,21-3 0,-8 1 0,505-59 0,-513 57 0,-19 3 0,-28 1 0,-407 53 0,6 35 0,431-88 0,-5 2 0,0 0 0,0 0 0,0-1 0,0 0 0,0-1 0,0 0 0,-1 0 0,-10-2 0,18 2 0,-1 0 0,1 0 0,0 0 0,-1 0 0,1 0 0,-1 0 0,1 0 0,0 0 0,-1 0 0,1 0 0,0 0 0,-1 0 0,1 0 0,0 0 0,-1-1 0,1 1 0,0 0 0,0 0 0,-1 0 0,1-1 0,0 1 0,0 0 0,-1 0 0,1-1 0,0 1 0,0 0 0,-1 0 0,1-1 0,0 1 0,0 0 0,0-1 0,0 1 0,0 0 0,0-1 0,-1 1 0,1 0 0,0-1 0,0 1 0,0 0 0,0-1 0,0 1 0,0 0 0,0-1 0,0 1 0,0 0 0,1-1 0,-1 1 0,0 0 0,0-1 0,0 1 0,0 0 0,0-1 0,1 1 0,-1 0 0,0-1 0,0 1 0,0 0 0,1 0 0,-1-1 0,0 1 0,1 0 0,-1 0 0,0 0 0,0-1 0,1 1 0,0 0 0,22-14 0,-2 5 0,0 2 0,1 0 0,43-8 0,73-2 0,-98 13 0,352-28 0,-75 7 0,-512 24 0,107 1-112,-20-1-514,-157 20-1,234-15-6199</inkml:trace>
+</inkml:ink>
+</file>
+
+<file path=ppt/ink/ink59.xml><?xml version="1.0" encoding="utf-8"?>
+<inkml:ink xmlns:inkml="http://www.w3.org/2003/InkML">
+  <inkml:definitions>
+    <inkml:context xml:id="ctx0">
+      <inkml:inkSource xml:id="inkSrc0">
+        <inkml:traceFormat>
+          <inkml:channel name="X" type="integer" min="-2.14748E9" max="2.14748E9" units="cm"/>
+          <inkml:channel name="Y" type="integer" min="-2.14748E9" max="2.14748E9" units="cm"/>
+          <inkml:channel name="F" type="integer" max="32767" units="dev"/>
+        </inkml:traceFormat>
+        <inkml:channelProperties>
+          <inkml:channelProperty channel="X" name="resolution" value="1000" units="1/cm"/>
+          <inkml:channelProperty channel="Y" name="resolution" value="1000" units="1/cm"/>
+          <inkml:channelProperty channel="F" name="resolution" value="0" units="1/dev"/>
+        </inkml:channelProperties>
+      </inkml:inkSource>
+      <inkml:timestamp xml:id="ts0" timeString="2024-12-25T16:47:20.498"/>
+    </inkml:context>
+    <inkml:brush xml:id="br0">
+      <inkml:brushProperty name="width" value="0.035" units="cm"/>
+      <inkml:brushProperty name="height" value="0.035" units="cm"/>
+    </inkml:brush>
+  </inkml:definitions>
+  <inkml:trace contextRef="#ctx0" brushRef="#br0">683 25 24575,'0'-1'0,"0"0"0,-1 0 0,1 0 0,-1 0 0,1 0 0,-1 0 0,1 0 0,-1 0 0,1 0 0,-1 1 0,0-1 0,0 0 0,1 0 0,-1 0 0,0 1 0,0-1 0,0 1 0,0-1 0,0 1 0,0-1 0,0 1 0,0-1 0,0 1 0,0 0 0,0-1 0,0 1 0,0 0 0,-2 0 0,-36-5 0,32 5 0,-29 0 0,0 1 0,1 2 0,-1 2 0,1 1 0,-53 17 0,-64 10 0,132-30 0,-1-1 0,1-1 0,-1-1 0,1-1 0,-32-5 0,20-4 120,32 10-154,-1-1 0,0 1 1,1-1-1,-1 1 0,1 0 0,-1-1 1,1 1-1,-1-1 0,1 1 0,-1-1 1,1 1-1,0-1 0,-1 1 0,1-1 1,0 0-1,-1 1 0,1-1 0,0 1 1,0-1-1,-1 0 0,1 1 0,0-1 1,0 0-1,0 1 0,0-1 0,0 0 1,0 1-1,0-1 0,0 0 0,0 1 1,1-1-1,-1 0 0,0 1 0,0-1 1,0 0-1,1 1 0,-1-1 0,0 1 1,1-1-1,-1 0 0,0 1 0,1-1 1,0 0-1,14-13-6792</inkml:trace>
+</inkml:ink>
+</file>
+
+<file path=ppt/ink/ink6.xml><?xml version="1.0" encoding="utf-8"?>
+<inkml:ink xmlns:inkml="http://www.w3.org/2003/InkML">
+  <inkml:definitions>
+    <inkml:context xml:id="ctx0">
+      <inkml:inkSource xml:id="inkSrc0">
+        <inkml:traceFormat>
+          <inkml:channel name="X" type="integer" min="-2.14748E9" max="2.14748E9" units="cm"/>
+          <inkml:channel name="Y" type="integer" min="-2.14748E9" max="2.14748E9" units="cm"/>
+          <inkml:channel name="F" type="integer" max="32767" units="dev"/>
+        </inkml:traceFormat>
+        <inkml:channelProperties>
+          <inkml:channelProperty channel="X" name="resolution" value="1000" units="1/cm"/>
+          <inkml:channelProperty channel="Y" name="resolution" value="1000" units="1/cm"/>
+          <inkml:channelProperty channel="F" name="resolution" value="0" units="1/dev"/>
+        </inkml:channelProperties>
+      </inkml:inkSource>
+      <inkml:timestamp xml:id="ts0" timeString="2024-12-25T16:45:18.259"/>
+    </inkml:context>
+    <inkml:brush xml:id="br0">
+      <inkml:brushProperty name="width" value="0.035" units="cm"/>
+      <inkml:brushProperty name="height" value="0.035" units="cm"/>
+      <inkml:brushProperty name="color" value="#E71224"/>
+    </inkml:brush>
+  </inkml:definitions>
+  <inkml:trace contextRef="#ctx0" brushRef="#br0">1 346 24575,'0'1'0,"1"-1"0,0 1 0,0-1 0,-1 1 0,1-1 0,0 1 0,-1-1 0,1 1 0,0 0 0,-1-1 0,1 1 0,-1 0 0,1-1 0,-1 1 0,1 0 0,-1 0 0,0 0 0,1-1 0,-1 1 0,1 1 0,7 24 0,-7-21 0,12 57 0,-2 0 0,4 96 0,-11-106 0,82 751 0,-83-785 0,-8-41 0,4 19 0,-31-155 0,7-1 0,7-2 0,4-200 0,23 131 0,-1-149 0,-8 364 0,0 12 0,0 0 0,0 0 0,0 1 0,0-1 0,0 0 0,-1 1 0,0-1 0,1 0 0,-1 1 0,-1-1 0,-2-5 0,1 17 0,3 4 0,1 0 0,1 1 0,0-1 0,0 0 0,1 0 0,1-1 0,6 15 0,1 6 0,7 25 0,2 0 0,3-1 0,2-1 0,3-1 0,37 53 0,-52-88 0,-2-2 0,1 0 0,1-1 0,0 0 0,27 24 0,-38-39 0,0 0 0,0 1 0,-1-1 0,1 0 0,0 0 0,0 0 0,0-1 0,0 1 0,0 0 0,0-1 0,0 1 0,0-1 0,1 0 0,-1 1 0,0-1 0,0 0 0,0 0 0,0-1 0,0 1 0,3-1 0,-2 0 0,1-1 0,0 1 0,-1-1 0,0 0 0,1 0 0,-1 0 0,0 0 0,0-1 0,0 0 0,4-4 0,4-7 0,0 0 0,-1-1 0,15-30 0,-22 38 0,18-36 0,-2-1 0,22-73 0,-33 89 0,-1 1 0,-2-2 0,-1 1 0,-1 0 0,0-32 0,7 184 0,6 0 0,4-1 0,7-1 0,4-1 0,6-2 0,91 200 0,-126-314 0,0-1 0,1 1 0,-1-1 0,1 0 0,6 8 0,-9-12 0,0 0 0,0 0 0,0 0 0,0 0 0,1 0 0,-1 1 0,0-1 0,0 0 0,0 0 0,0 0 0,1 0 0,-1 0 0,0 0 0,0 0 0,0 0 0,0 0 0,1 0 0,-1 0 0,0 0 0,0 0 0,0 0 0,1 0 0,-1 0 0,0 0 0,0 0 0,0 0 0,1 0 0,-1 0 0,0 0 0,0 0 0,0 0 0,0 0 0,1 0 0,-1 0 0,0 0 0,0 0 0,0-1 0,0 1 0,1 0 0,-1 0 0,0 0 0,0 0 0,0 0 0,0-1 0,3-19 0,-3-5-1365,-1-1-5461</inkml:trace>
+</inkml:ink>
+</file>
+
+<file path=ppt/ink/ink60.xml><?xml version="1.0" encoding="utf-8"?>
+<inkml:ink xmlns:inkml="http://www.w3.org/2003/InkML">
+  <inkml:definitions>
+    <inkml:context xml:id="ctx0">
+      <inkml:inkSource xml:id="inkSrc0">
+        <inkml:traceFormat>
+          <inkml:channel name="X" type="integer" min="-2.14748E9" max="2.14748E9" units="cm"/>
+          <inkml:channel name="Y" type="integer" min="-2.14748E9" max="2.14748E9" units="cm"/>
+          <inkml:channel name="F" type="integer" max="32767" units="dev"/>
+        </inkml:traceFormat>
+        <inkml:channelProperties>
+          <inkml:channelProperty channel="X" name="resolution" value="1000" units="1/cm"/>
+          <inkml:channelProperty channel="Y" name="resolution" value="1000" units="1/cm"/>
+          <inkml:channelProperty channel="F" name="resolution" value="0" units="1/dev"/>
+        </inkml:channelProperties>
+      </inkml:inkSource>
+      <inkml:timestamp xml:id="ts0" timeString="2024-12-25T16:47:21.561"/>
+    </inkml:context>
+    <inkml:brush xml:id="br0">
+      <inkml:brushProperty name="width" value="0.035" units="cm"/>
+      <inkml:brushProperty name="height" value="0.035" units="cm"/>
+    </inkml:brush>
+  </inkml:definitions>
+  <inkml:trace contextRef="#ctx0" brushRef="#br0">0 56 24575,'5'0'0,"6"0"0,5 0 0,6-5 0,2-1 0,-2-5 0,5 1 0,2 0 0,0 4 0,1 1 0,-5 3-8191</inkml:trace>
+</inkml:ink>
+</file>
+
+<file path=ppt/ink/ink61.xml><?xml version="1.0" encoding="utf-8"?>
+<inkml:ink xmlns:inkml="http://www.w3.org/2003/InkML">
+  <inkml:definitions>
+    <inkml:context xml:id="ctx0">
+      <inkml:inkSource xml:id="inkSrc0">
+        <inkml:traceFormat>
+          <inkml:channel name="X" type="integer" min="-2.14748E9" max="2.14748E9" units="cm"/>
+          <inkml:channel name="Y" type="integer" min="-2.14748E9" max="2.14748E9" units="cm"/>
+          <inkml:channel name="F" type="integer" max="32767" units="dev"/>
+        </inkml:traceFormat>
+        <inkml:channelProperties>
+          <inkml:channelProperty channel="X" name="resolution" value="1000" units="1/cm"/>
+          <inkml:channelProperty channel="Y" name="resolution" value="1000" units="1/cm"/>
+          <inkml:channelProperty channel="F" name="resolution" value="0" units="1/dev"/>
+        </inkml:channelProperties>
+      </inkml:inkSource>
+      <inkml:timestamp xml:id="ts0" timeString="2024-12-25T16:47:22.943"/>
+    </inkml:context>
+    <inkml:brush xml:id="br0">
+      <inkml:brushProperty name="width" value="0.035" units="cm"/>
+      <inkml:brushProperty name="height" value="0.035" units="cm"/>
+    </inkml:brush>
+  </inkml:definitions>
+  <inkml:trace contextRef="#ctx0" brushRef="#br0">1 392 24575,'3'0'0,"-1"-1"0,1 1 0,0-1 0,-1 0 0,1 0 0,0 0 0,-1 0 0,1 0 0,-1-1 0,0 1 0,1-1 0,-1 0 0,3-2 0,30-32 0,-23 22 0,0 3 0,0-1 0,1 1 0,1 1 0,0 1 0,0 0 0,22-10 0,95-31 0,-81 33 0,6-5 0,-27 10 0,48-13 0,152-20 93,45-12-1551,-224 43-5368</inkml:trace>
+</inkml:ink>
+</file>
+
+<file path=ppt/ink/ink7.xml><?xml version="1.0" encoding="utf-8"?>
+<inkml:ink xmlns:inkml="http://www.w3.org/2003/InkML">
+  <inkml:definitions>
+    <inkml:context xml:id="ctx0">
+      <inkml:inkSource xml:id="inkSrc0">
+        <inkml:traceFormat>
+          <inkml:channel name="X" type="integer" min="-2.14748E9" max="2.14748E9" units="cm"/>
+          <inkml:channel name="Y" type="integer" min="-2.14748E9" max="2.14748E9" units="cm"/>
+          <inkml:channel name="F" type="integer" max="32767" units="dev"/>
+        </inkml:traceFormat>
+        <inkml:channelProperties>
+          <inkml:channelProperty channel="X" name="resolution" value="1000" units="1/cm"/>
+          <inkml:channelProperty channel="Y" name="resolution" value="1000" units="1/cm"/>
+          <inkml:channelProperty channel="F" name="resolution" value="0" units="1/dev"/>
+        </inkml:channelProperties>
+      </inkml:inkSource>
+      <inkml:timestamp xml:id="ts0" timeString="2024-12-25T16:45:18.863"/>
+    </inkml:context>
+    <inkml:brush xml:id="br0">
+      <inkml:brushProperty name="width" value="0.035" units="cm"/>
+      <inkml:brushProperty name="height" value="0.035" units="cm"/>
+      <inkml:brushProperty name="color" value="#E71224"/>
+    </inkml:brush>
+  </inkml:definitions>
+  <inkml:trace contextRef="#ctx0" brushRef="#br0">0 1 24575,'21'72'0,"18"128"0,-28-139 0,90 705 90,-40-261-1541,84 430 1030,-140-913 437,-3-11 47,0 0 1,0 0-1,0 17 1,-6-19-322,-3-10-6163</inkml:trace>
+</inkml:ink>
+</file>
+
+<file path=ppt/ink/ink8.xml><?xml version="1.0" encoding="utf-8"?>
+<inkml:ink xmlns:inkml="http://www.w3.org/2003/InkML">
+  <inkml:definitions>
+    <inkml:context xml:id="ctx0">
+      <inkml:inkSource xml:id="inkSrc0">
+        <inkml:traceFormat>
+          <inkml:channel name="X" type="integer" min="-2.14748E9" max="2.14748E9" units="cm"/>
+          <inkml:channel name="Y" type="integer" min="-2.14748E9" max="2.14748E9" units="cm"/>
+          <inkml:channel name="F" type="integer" max="32767" units="dev"/>
+        </inkml:traceFormat>
+        <inkml:channelProperties>
+          <inkml:channelProperty channel="X" name="resolution" value="1000" units="1/cm"/>
+          <inkml:channelProperty channel="Y" name="resolution" value="1000" units="1/cm"/>
+          <inkml:channelProperty channel="F" name="resolution" value="0" units="1/dev"/>
+        </inkml:channelProperties>
+      </inkml:inkSource>
+      <inkml:timestamp xml:id="ts0" timeString="2024-12-25T16:45:19.368"/>
+    </inkml:context>
+    <inkml:brush xml:id="br0">
+      <inkml:brushProperty name="width" value="0.035" units="cm"/>
+      <inkml:brushProperty name="height" value="0.035" units="cm"/>
+      <inkml:brushProperty name="color" value="#E71224"/>
+    </inkml:brush>
+  </inkml:definitions>
+  <inkml:trace contextRef="#ctx0" brushRef="#br0">34 160 24575,'0'-4'0,"0"-7"0,0-6 0,0-4 0,0-4 0,0-2 0,0-1 0,0 9 0,0 12 0,-5 7 0,-2 9 0,-3 7 0,-1 1-8191</inkml:trace>
+</inkml:ink>
+</file>
+
+<file path=ppt/ink/ink9.xml><?xml version="1.0" encoding="utf-8"?>
+<inkml:ink xmlns:inkml="http://www.w3.org/2003/InkML">
+  <inkml:definitions>
+    <inkml:context xml:id="ctx0">
+      <inkml:inkSource xml:id="inkSrc0">
+        <inkml:traceFormat>
+          <inkml:channel name="X" type="integer" min="-2.14748E9" max="2.14748E9" units="cm"/>
+          <inkml:channel name="Y" type="integer" min="-2.14748E9" max="2.14748E9" units="cm"/>
+          <inkml:channel name="F" type="integer" max="32767" units="dev"/>
+        </inkml:traceFormat>
+        <inkml:channelProperties>
+          <inkml:channelProperty channel="X" name="resolution" value="1000" units="1/cm"/>
+          <inkml:channelProperty channel="Y" name="resolution" value="1000" units="1/cm"/>
+          <inkml:channelProperty channel="F" name="resolution" value="0" units="1/dev"/>
+        </inkml:channelProperties>
+      </inkml:inkSource>
+      <inkml:timestamp xml:id="ts0" timeString="2024-12-25T16:45:20.791"/>
+    </inkml:context>
+    <inkml:brush xml:id="br0">
+      <inkml:brushProperty name="width" value="0.035" units="cm"/>
+      <inkml:brushProperty name="height" value="0.035" units="cm"/>
+      <inkml:brushProperty name="color" value="#E71224"/>
+    </inkml:brush>
+  </inkml:definitions>
+  <inkml:trace contextRef="#ctx0" brushRef="#br0">102 0 24575,'1'253'0,"-3"299"0,-49-51 0,1-50 0,61-30 0,-8-398 0,0-27 0,-1-41 0,-11-191 0,0-108 0,75-344 0,-44 524 0,-10-21 0,-8 101 0,-4 82 0,8-51 0,-8 51 0,1 0 0,-1 0 0,1 1 0,0-1 0,-1 1 0,1-1 0,0 0 0,0 1 0,0 0 0,0-1 0,3-1 0,-4 2 0,1 1 0,0 0 0,-1-1 0,1 1 0,0 0 0,0-1 0,-1 1 0,1 0 0,0 0 0,0 0 0,-1 0 0,1 0 0,0 0 0,0 0 0,-1 0 0,1 0 0,0 0 0,0 0 0,-1 0 0,1 1 0,0-1 0,-1 0 0,1 0 0,0 1 0,-1-1 0,1 1 0,0-1 0,0 1 0,10 8 0,-1 1 0,0 0 0,-1 0 0,0 1 0,0 0 0,9 18 0,-9-16 0,222 374 0,-41-62 0,-131-235 0,61 102 0,-95-147 0,-2 0 0,24 67 0,-34-57 0,-12-45 0,1 0 0,0-1 0,1 1 0,0 0 0,0-1 0,9 16 0,-12-25-32,0 0-1,0 0 1,0 0-1,0 0 1,0 0-1,0-1 1,0 1-1,0 0 1,0 0-1,0 0 1,0 0-1,1 0 1,-1 0-1,0-1 1,0 1-1,0 0 1,0 0-1,0 0 1,0 0-1,0 0 1,0 0-1,0 0 1,1 0-1,-1 0 1,0 0-1,0 0 1,0-1-1,0 1 1,0 0-1,0 0 1,1 0-1,-1 0 1,0 0-1,0 0 1,0 0-1,0 0 0,0 0 1,0 0-1,1 0 1,-1 0-1,0 0 1,-4-8-6794</inkml:trace>
+</inkml:ink>
 </file>
 
 <file path=ppt/slideLayouts/slideLayout1.xml><?xml version="1.0" encoding="utf-8"?>
@@ -11869,7 +13536,7 @@
         </p:nvGraphicFramePr>
         <p:xfrm>
           <a:off x="1822542" y="7536542"/>
-          <a:ext cx="8546916" cy="1484059"/>
+          <a:ext cx="8546916" cy="1485900"/>
         </p:xfrm>
         <a:graphic>
           <a:graphicData uri="http://schemas.openxmlformats.org/drawingml/2006/table">
@@ -15108,7 +16775,7 @@
         </p:nvGraphicFramePr>
         <p:xfrm>
           <a:off x="1822542" y="2464703"/>
-          <a:ext cx="8546916" cy="1484059"/>
+          <a:ext cx="8546916" cy="1485900"/>
         </p:xfrm>
         <a:graphic>
           <a:graphicData uri="http://schemas.openxmlformats.org/drawingml/2006/table">
@@ -18087,7 +19754,7 @@
         </p:nvGraphicFramePr>
         <p:xfrm>
           <a:off x="1822542" y="-2418731"/>
-          <a:ext cx="8546916" cy="1484059"/>
+          <a:ext cx="8546916" cy="1485900"/>
         </p:xfrm>
         <a:graphic>
           <a:graphicData uri="http://schemas.openxmlformats.org/drawingml/2006/table">
@@ -24343,6 +26010,4803 @@
 </p:sld>
 </file>
 
+<file path=ppt/slides/slide20.xml><?xml version="1.0" encoding="utf-8"?>
+<p:sld xmlns:a="http://schemas.openxmlformats.org/drawingml/2006/main" xmlns:r="http://schemas.openxmlformats.org/officeDocument/2006/relationships" xmlns:p="http://schemas.openxmlformats.org/presentationml/2006/main">
+  <p:cSld>
+    <p:spTree>
+      <p:nvGrpSpPr>
+        <p:cNvPr id="1" name="">
+          <a:extLst>
+            <a:ext uri="{FF2B5EF4-FFF2-40B4-BE49-F238E27FC236}">
+              <a16:creationId xmlns:a16="http://schemas.microsoft.com/office/drawing/2014/main" id="{98E25201-7D8B-9C87-F9EC-CF4CDD610A31}"/>
+            </a:ext>
+          </a:extLst>
+        </p:cNvPr>
+        <p:cNvGrpSpPr/>
+        <p:nvPr/>
+      </p:nvGrpSpPr>
+      <p:grpSpPr>
+        <a:xfrm>
+          <a:off x="0" y="0"/>
+          <a:ext cx="0" cy="0"/>
+          <a:chOff x="0" y="0"/>
+          <a:chExt cx="0" cy="0"/>
+        </a:xfrm>
+      </p:grpSpPr>
+      <p:pic>
+        <p:nvPicPr>
+          <p:cNvPr id="2" name="Picture 8" descr="Обои Самолет, летящий на закате, фотографии авиалайнера 2560x1600  Изображение">
+            <a:extLst>
+              <a:ext uri="{FF2B5EF4-FFF2-40B4-BE49-F238E27FC236}">
+                <a16:creationId xmlns:a16="http://schemas.microsoft.com/office/drawing/2014/main" id="{EF348CE6-1A6C-63D3-BAB6-56F6F84459E0}"/>
+              </a:ext>
+            </a:extLst>
+          </p:cNvPr>
+          <p:cNvPicPr>
+            <a:picLocks noChangeAspect="1" noChangeArrowheads="1"/>
+          </p:cNvPicPr>
+          <p:nvPr/>
+        </p:nvPicPr>
+        <p:blipFill>
+          <a:blip r:embed="rId2">
+            <a:extLst>
+              <a:ext uri="{BEBA8EAE-BF5A-486C-A8C5-ECC9F3942E4B}">
+                <a14:imgProps xmlns:a14="http://schemas.microsoft.com/office/drawing/2010/main">
+                  <a14:imgLayer r:embed="rId3">
+                    <a14:imgEffect>
+                      <a14:artisticBlur radius="60"/>
+                    </a14:imgEffect>
+                  </a14:imgLayer>
+                </a14:imgProps>
+              </a:ext>
+              <a:ext uri="{28A0092B-C50C-407E-A947-70E740481C1C}">
+                <a14:useLocalDpi xmlns:a14="http://schemas.microsoft.com/office/drawing/2010/main" val="0"/>
+              </a:ext>
+            </a:extLst>
+          </a:blip>
+          <a:srcRect/>
+          <a:stretch>
+            <a:fillRect/>
+          </a:stretch>
+        </p:blipFill>
+        <p:spPr bwMode="auto">
+          <a:xfrm>
+            <a:off x="0" y="-2"/>
+            <a:ext cx="12192000" cy="6858000"/>
+          </a:xfrm>
+          <a:prstGeom prst="rect">
+            <a:avLst/>
+          </a:prstGeom>
+          <a:noFill/>
+          <a:effectLst>
+            <a:glow rad="25400">
+              <a:schemeClr val="accent1">
+                <a:alpha val="40000"/>
+              </a:schemeClr>
+            </a:glow>
+            <a:reflection stA="45000" endPos="0" dir="5400000" sy="-100000" algn="bl" rotWithShape="0"/>
+            <a:softEdge rad="12700"/>
+          </a:effectLst>
+          <a:extLst>
+            <a:ext uri="{909E8E84-426E-40DD-AFC4-6F175D3DCCD1}">
+              <a14:hiddenFill xmlns:a14="http://schemas.microsoft.com/office/drawing/2010/main">
+                <a:solidFill>
+                  <a:srgbClr val="FFFFFF"/>
+                </a:solidFill>
+              </a14:hiddenFill>
+            </a:ext>
+          </a:extLst>
+        </p:spPr>
+      </p:pic>
+      <p:pic>
+        <p:nvPicPr>
+          <p:cNvPr id="1032" name="Picture 8" descr="Обои Самолет, летящий на закате, фотографии авиалайнера 2560x1600  Изображение">
+            <a:extLst>
+              <a:ext uri="{FF2B5EF4-FFF2-40B4-BE49-F238E27FC236}">
+                <a16:creationId xmlns:a16="http://schemas.microsoft.com/office/drawing/2014/main" id="{F2F9152E-5A38-5E4B-9533-678ED4AE105A}"/>
+              </a:ext>
+            </a:extLst>
+          </p:cNvPr>
+          <p:cNvPicPr>
+            <a:picLocks noChangeAspect="1" noChangeArrowheads="1"/>
+          </p:cNvPicPr>
+          <p:nvPr/>
+        </p:nvPicPr>
+        <p:blipFill>
+          <a:blip r:embed="rId4">
+            <a:extLst>
+              <a:ext uri="{28A0092B-C50C-407E-A947-70E740481C1C}">
+                <a14:useLocalDpi xmlns:a14="http://schemas.microsoft.com/office/drawing/2010/main" val="0"/>
+              </a:ext>
+            </a:extLst>
+          </a:blip>
+          <a:srcRect/>
+          <a:stretch>
+            <a:fillRect/>
+          </a:stretch>
+        </p:blipFill>
+        <p:spPr bwMode="auto">
+          <a:xfrm>
+            <a:off x="0" y="0"/>
+            <a:ext cx="12192000" cy="6858000"/>
+          </a:xfrm>
+          <a:prstGeom prst="rect">
+            <a:avLst/>
+          </a:prstGeom>
+          <a:noFill/>
+          <a:extLst>
+            <a:ext uri="{909E8E84-426E-40DD-AFC4-6F175D3DCCD1}">
+              <a14:hiddenFill xmlns:a14="http://schemas.microsoft.com/office/drawing/2010/main">
+                <a:solidFill>
+                  <a:srgbClr val="FFFFFF"/>
+                </a:solidFill>
+              </a14:hiddenFill>
+            </a:ext>
+          </a:extLst>
+        </p:spPr>
+      </p:pic>
+      <p:pic>
+        <p:nvPicPr>
+          <p:cNvPr id="5" name="Picture 8" descr="Обои Самолет, летящий на закате, фотографии авиалайнера 2560x1600  Изображение">
+            <a:extLst>
+              <a:ext uri="{FF2B5EF4-FFF2-40B4-BE49-F238E27FC236}">
+                <a16:creationId xmlns:a16="http://schemas.microsoft.com/office/drawing/2014/main" id="{3979EFDB-1D72-B018-9BD4-68699D60D811}"/>
+              </a:ext>
+            </a:extLst>
+          </p:cNvPr>
+          <p:cNvPicPr>
+            <a:picLocks noChangeAspect="1" noChangeArrowheads="1"/>
+          </p:cNvPicPr>
+          <p:nvPr/>
+        </p:nvPicPr>
+        <p:blipFill rotWithShape="1">
+          <a:blip r:embed="rId5">
+            <a:extLst>
+              <a:ext uri="{BEBA8EAE-BF5A-486C-A8C5-ECC9F3942E4B}">
+                <a14:imgProps xmlns:a14="http://schemas.microsoft.com/office/drawing/2010/main">
+                  <a14:imgLayer r:embed="rId3">
+                    <a14:imgEffect>
+                      <a14:artisticBlur radius="46"/>
+                    </a14:imgEffect>
+                  </a14:imgLayer>
+                </a14:imgProps>
+              </a:ext>
+              <a:ext uri="{28A0092B-C50C-407E-A947-70E740481C1C}">
+                <a14:useLocalDpi xmlns:a14="http://schemas.microsoft.com/office/drawing/2010/main" val="0"/>
+              </a:ext>
+            </a:extLst>
+          </a:blip>
+          <a:srcRect l="50000"/>
+          <a:stretch/>
+        </p:blipFill>
+        <p:spPr bwMode="auto">
+          <a:xfrm>
+            <a:off x="6096000" y="0"/>
+            <a:ext cx="6096000" cy="6858000"/>
+          </a:xfrm>
+          <a:prstGeom prst="rect">
+            <a:avLst/>
+          </a:prstGeom>
+          <a:noFill/>
+          <a:effectLst>
+            <a:glow>
+              <a:schemeClr val="accent1">
+                <a:alpha val="41000"/>
+              </a:schemeClr>
+            </a:glow>
+            <a:outerShdw blurRad="863600" algn="ctr" rotWithShape="0">
+              <a:srgbClr val="000000">
+                <a:alpha val="0"/>
+              </a:srgbClr>
+            </a:outerShdw>
+            <a:reflection endPos="0" dist="38100" dir="5400000" sy="-100000" algn="bl" rotWithShape="0"/>
+            <a:softEdge rad="101600"/>
+          </a:effectLst>
+          <a:extLst>
+            <a:ext uri="{909E8E84-426E-40DD-AFC4-6F175D3DCCD1}">
+              <a14:hiddenFill xmlns:a14="http://schemas.microsoft.com/office/drawing/2010/main">
+                <a:solidFill>
+                  <a:srgbClr val="FFFFFF"/>
+                </a:solidFill>
+              </a14:hiddenFill>
+            </a:ext>
+          </a:extLst>
+        </p:spPr>
+      </p:pic>
+      <p:pic>
+        <p:nvPicPr>
+          <p:cNvPr id="9" name="Picture 8" descr="Обои Самолет, летящий на закате, фотографии авиалайнера 2560x1600  Изображение">
+            <a:extLst>
+              <a:ext uri="{FF2B5EF4-FFF2-40B4-BE49-F238E27FC236}">
+                <a16:creationId xmlns:a16="http://schemas.microsoft.com/office/drawing/2014/main" id="{8B5CA892-C8DB-6CF3-EAF4-AC6A049B573B}"/>
+              </a:ext>
+            </a:extLst>
+          </p:cNvPr>
+          <p:cNvPicPr>
+            <a:picLocks noChangeAspect="1" noChangeArrowheads="1"/>
+          </p:cNvPicPr>
+          <p:nvPr/>
+        </p:nvPicPr>
+        <p:blipFill>
+          <a:blip r:embed="rId2">
+            <a:alphaModFix/>
+            <a:extLst>
+              <a:ext uri="{BEBA8EAE-BF5A-486C-A8C5-ECC9F3942E4B}">
+                <a14:imgProps xmlns:a14="http://schemas.microsoft.com/office/drawing/2010/main">
+                  <a14:imgLayer r:embed="rId3">
+                    <a14:imgEffect>
+                      <a14:artisticBlur radius="60"/>
+                    </a14:imgEffect>
+                  </a14:imgLayer>
+                </a14:imgProps>
+              </a:ext>
+              <a:ext uri="{28A0092B-C50C-407E-A947-70E740481C1C}">
+                <a14:useLocalDpi xmlns:a14="http://schemas.microsoft.com/office/drawing/2010/main" val="0"/>
+              </a:ext>
+            </a:extLst>
+          </a:blip>
+          <a:srcRect/>
+          <a:stretch>
+            <a:fillRect/>
+          </a:stretch>
+        </p:blipFill>
+        <p:spPr bwMode="auto">
+          <a:xfrm>
+            <a:off x="0" y="0"/>
+            <a:ext cx="12192000" cy="6858000"/>
+          </a:xfrm>
+          <a:prstGeom prst="rect">
+            <a:avLst/>
+          </a:prstGeom>
+          <a:solidFill>
+            <a:schemeClr val="tx1">
+              <a:alpha val="19000"/>
+            </a:schemeClr>
+          </a:solidFill>
+          <a:ln>
+            <a:noFill/>
+          </a:ln>
+          <a:effectLst>
+            <a:glow>
+              <a:schemeClr val="accent1">
+                <a:alpha val="41000"/>
+              </a:schemeClr>
+            </a:glow>
+            <a:outerShdw blurRad="50800" dist="50800" dir="5400000" sx="1000" sy="1000" algn="ctr" rotWithShape="0">
+              <a:schemeClr val="tx1"/>
+            </a:outerShdw>
+            <a:reflection stA="46000" endPos="0" dir="5400000" sy="-100000" algn="bl" rotWithShape="0"/>
+            <a:softEdge rad="12700"/>
+          </a:effectLst>
+        </p:spPr>
+      </p:pic>
+      <p:sp>
+        <p:nvSpPr>
+          <p:cNvPr id="11" name="TextBox 10">
+            <a:extLst>
+              <a:ext uri="{FF2B5EF4-FFF2-40B4-BE49-F238E27FC236}">
+                <a16:creationId xmlns:a16="http://schemas.microsoft.com/office/drawing/2014/main" id="{A7848216-B655-7BCC-7D4D-DE628E7569E2}"/>
+              </a:ext>
+            </a:extLst>
+          </p:cNvPr>
+          <p:cNvSpPr txBox="1"/>
+          <p:nvPr/>
+        </p:nvSpPr>
+        <p:spPr>
+          <a:xfrm>
+            <a:off x="2857017" y="2765547"/>
+            <a:ext cx="6477965" cy="663451"/>
+          </a:xfrm>
+          <a:prstGeom prst="rect">
+            <a:avLst/>
+          </a:prstGeom>
+          <a:noFill/>
+        </p:spPr>
+        <p:txBody>
+          <a:bodyPr wrap="square" rtlCol="0">
+            <a:spAutoFit/>
+          </a:bodyPr>
+          <a:lstStyle/>
+          <a:p>
+            <a:pPr algn="ctr">
+              <a:lnSpc>
+                <a:spcPct val="107000"/>
+              </a:lnSpc>
+              <a:spcAft>
+                <a:spcPts val="800"/>
+              </a:spcAft>
+            </a:pPr>
+            <a:r>
+              <a:rPr lang="ru-RU" sz="3600" b="1" kern="0" dirty="0">
+                <a:solidFill>
+                  <a:schemeClr val="bg1"/>
+                </a:solidFill>
+                <a:effectLst>
+                  <a:outerShdw blurRad="38100" dist="38100" dir="2700000" algn="tl">
+                    <a:srgbClr val="000000">
+                      <a:alpha val="43137"/>
+                    </a:srgbClr>
+                  </a:outerShdw>
+                </a:effectLst>
+                <a:latin typeface="+mj-lt"/>
+                <a:ea typeface="Calibri" panose="020F0502020204030204" pitchFamily="34" charset="0"/>
+                <a:cs typeface="Cascadia Mono ExtraLight" panose="020B0609020000020004" pitchFamily="49" charset="0"/>
+              </a:rPr>
+              <a:t>Спасибо за внимание! </a:t>
+            </a:r>
+            <a:endParaRPr lang="ru-RU" sz="3600" dirty="0">
+              <a:solidFill>
+                <a:schemeClr val="bg1"/>
+              </a:solidFill>
+              <a:effectLst>
+                <a:outerShdw blurRad="38100" dist="38100" dir="2700000" algn="tl">
+                  <a:srgbClr val="000000">
+                    <a:alpha val="43137"/>
+                  </a:srgbClr>
+                </a:outerShdw>
+              </a:effectLst>
+              <a:latin typeface="+mj-lt"/>
+              <a:ea typeface="Calibri" panose="020F0502020204030204" pitchFamily="34" charset="0"/>
+              <a:cs typeface="Cascadia Mono ExtraLight" panose="020B0609020000020004" pitchFamily="49" charset="0"/>
+            </a:endParaRPr>
+          </a:p>
+        </p:txBody>
+      </p:sp>
+      <p:graphicFrame>
+        <p:nvGraphicFramePr>
+          <p:cNvPr id="7" name="Таблица 6">
+            <a:extLst>
+              <a:ext uri="{FF2B5EF4-FFF2-40B4-BE49-F238E27FC236}">
+                <a16:creationId xmlns:a16="http://schemas.microsoft.com/office/drawing/2014/main" id="{A9274C8F-11EC-81C6-0A54-3926EE7580C4}"/>
+              </a:ext>
+            </a:extLst>
+          </p:cNvPr>
+          <p:cNvGraphicFramePr>
+            <a:graphicFrameLocks noGrp="1"/>
+          </p:cNvGraphicFramePr>
+          <p:nvPr/>
+        </p:nvGraphicFramePr>
+        <p:xfrm>
+          <a:off x="1822542" y="-6042396"/>
+          <a:ext cx="8546916" cy="5314370"/>
+        </p:xfrm>
+        <a:graphic>
+          <a:graphicData uri="http://schemas.openxmlformats.org/drawingml/2006/table">
+            <a:tbl>
+              <a:tblPr firstRow="1" firstCol="1" bandRow="1">
+                <a:tableStyleId>{21E4AEA4-8DFA-4A89-87EB-49C32662AFE0}</a:tableStyleId>
+              </a:tblPr>
+              <a:tblGrid>
+                <a:gridCol w="1843759">
+                  <a:extLst>
+                    <a:ext uri="{9D8B030D-6E8A-4147-A177-3AD203B41FA5}">
+                      <a16:colId xmlns:a16="http://schemas.microsoft.com/office/drawing/2014/main" val="2459572420"/>
+                    </a:ext>
+                  </a:extLst>
+                </a:gridCol>
+                <a:gridCol w="1843759">
+                  <a:extLst>
+                    <a:ext uri="{9D8B030D-6E8A-4147-A177-3AD203B41FA5}">
+                      <a16:colId xmlns:a16="http://schemas.microsoft.com/office/drawing/2014/main" val="1380466301"/>
+                    </a:ext>
+                  </a:extLst>
+                </a:gridCol>
+                <a:gridCol w="1748272">
+                  <a:extLst>
+                    <a:ext uri="{9D8B030D-6E8A-4147-A177-3AD203B41FA5}">
+                      <a16:colId xmlns:a16="http://schemas.microsoft.com/office/drawing/2014/main" val="2427684658"/>
+                    </a:ext>
+                  </a:extLst>
+                </a:gridCol>
+                <a:gridCol w="1555563">
+                  <a:extLst>
+                    <a:ext uri="{9D8B030D-6E8A-4147-A177-3AD203B41FA5}">
+                      <a16:colId xmlns:a16="http://schemas.microsoft.com/office/drawing/2014/main" val="1390079966"/>
+                    </a:ext>
+                  </a:extLst>
+                </a:gridCol>
+                <a:gridCol w="1555563">
+                  <a:extLst>
+                    <a:ext uri="{9D8B030D-6E8A-4147-A177-3AD203B41FA5}">
+                      <a16:colId xmlns:a16="http://schemas.microsoft.com/office/drawing/2014/main" val="3419023408"/>
+                    </a:ext>
+                  </a:extLst>
+                </a:gridCol>
+              </a:tblGrid>
+              <a:tr h="967053">
+                <a:tc rowSpan="3">
+                  <a:txBody>
+                    <a:bodyPr/>
+                    <a:lstStyle/>
+                    <a:p>
+                      <a:pPr algn="ctr">
+                        <a:lnSpc>
+                          <a:spcPct val="107000"/>
+                        </a:lnSpc>
+                        <a:spcAft>
+                          <a:spcPts val="800"/>
+                        </a:spcAft>
+                      </a:pPr>
+                      <a:r>
+                        <a:rPr lang="ru-RU" sz="1300">
+                          <a:effectLst/>
+                        </a:rPr>
+                        <a:t>Выбор действий с диспетчерами</a:t>
+                      </a:r>
+                      <a:endParaRPr lang="ru-RU" sz="1000">
+                        <a:effectLst/>
+                        <a:latin typeface="Calibri" panose="020F0502020204030204" pitchFamily="34" charset="0"/>
+                        <a:ea typeface="Calibri" panose="020F0502020204030204" pitchFamily="34" charset="0"/>
+                        <a:cs typeface="Times New Roman" panose="02020603050405020304" pitchFamily="18" charset="0"/>
+                      </a:endParaRPr>
+                    </a:p>
+                  </a:txBody>
+                  <a:tcPr marL="63137" marR="63137" marT="0" marB="0"/>
+                </a:tc>
+                <a:tc>
+                  <a:txBody>
+                    <a:bodyPr/>
+                    <a:lstStyle/>
+                    <a:p>
+                      <a:pPr algn="ctr">
+                        <a:lnSpc>
+                          <a:spcPct val="107000"/>
+                        </a:lnSpc>
+                        <a:spcAft>
+                          <a:spcPts val="800"/>
+                        </a:spcAft>
+                      </a:pPr>
+                      <a:r>
+                        <a:rPr lang="ru-RU" sz="1300" b="0" dirty="0">
+                          <a:solidFill>
+                            <a:schemeClr val="tx1"/>
+                          </a:solidFill>
+                          <a:effectLst/>
+                        </a:rPr>
+                        <a:t>«Получить»</a:t>
+                      </a:r>
+                      <a:endParaRPr lang="ru-RU" sz="1000" b="0" dirty="0">
+                        <a:solidFill>
+                          <a:schemeClr val="tx1"/>
+                        </a:solidFill>
+                        <a:effectLst/>
+                        <a:latin typeface="Calibri" panose="020F0502020204030204" pitchFamily="34" charset="0"/>
+                        <a:ea typeface="Calibri" panose="020F0502020204030204" pitchFamily="34" charset="0"/>
+                        <a:cs typeface="Times New Roman" panose="02020603050405020304" pitchFamily="18" charset="0"/>
+                      </a:endParaRPr>
+                    </a:p>
+                  </a:txBody>
+                  <a:tcPr marL="63137" marR="63137" marT="0" marB="0">
+                    <a:solidFill>
+                      <a:srgbClr val="F7D5CD"/>
+                    </a:solidFill>
+                  </a:tcPr>
+                </a:tc>
+                <a:tc>
+                  <a:txBody>
+                    <a:bodyPr/>
+                    <a:lstStyle/>
+                    <a:p>
+                      <a:pPr>
+                        <a:lnSpc>
+                          <a:spcPct val="107000"/>
+                        </a:lnSpc>
+                        <a:spcAft>
+                          <a:spcPts val="800"/>
+                        </a:spcAft>
+                      </a:pPr>
+                      <a:r>
+                        <a:rPr lang="ru-RU" sz="1300" b="0">
+                          <a:solidFill>
+                            <a:schemeClr val="tx1"/>
+                          </a:solidFill>
+                          <a:effectLst/>
+                        </a:rPr>
+                        <a:t>Вывод всех диспетчеров</a:t>
+                      </a:r>
+                      <a:endParaRPr lang="ru-RU" sz="1000" b="0">
+                        <a:solidFill>
+                          <a:schemeClr val="tx1"/>
+                        </a:solidFill>
+                        <a:effectLst/>
+                        <a:latin typeface="Calibri" panose="020F0502020204030204" pitchFamily="34" charset="0"/>
+                        <a:ea typeface="Calibri" panose="020F0502020204030204" pitchFamily="34" charset="0"/>
+                        <a:cs typeface="Times New Roman" panose="02020603050405020304" pitchFamily="18" charset="0"/>
+                      </a:endParaRPr>
+                    </a:p>
+                  </a:txBody>
+                  <a:tcPr marL="63137" marR="63137" marT="0" marB="0">
+                    <a:solidFill>
+                      <a:srgbClr val="F7D5CD"/>
+                    </a:solidFill>
+                  </a:tcPr>
+                </a:tc>
+                <a:tc>
+                  <a:txBody>
+                    <a:bodyPr/>
+                    <a:lstStyle/>
+                    <a:p>
+                      <a:pPr algn="ctr">
+                        <a:lnSpc>
+                          <a:spcPct val="107000"/>
+                        </a:lnSpc>
+                        <a:spcAft>
+                          <a:spcPts val="800"/>
+                        </a:spcAft>
+                      </a:pPr>
+                      <a:r>
+                        <a:rPr lang="ru-RU" sz="1300" b="0">
+                          <a:solidFill>
+                            <a:schemeClr val="tx1"/>
+                          </a:solidFill>
+                          <a:effectLst/>
+                        </a:rPr>
+                        <a:t>Получение всех диспетчеров</a:t>
+                      </a:r>
+                      <a:endParaRPr lang="ru-RU" sz="1000" b="0">
+                        <a:solidFill>
+                          <a:schemeClr val="tx1"/>
+                        </a:solidFill>
+                        <a:effectLst/>
+                        <a:latin typeface="Calibri" panose="020F0502020204030204" pitchFamily="34" charset="0"/>
+                        <a:ea typeface="Calibri" panose="020F0502020204030204" pitchFamily="34" charset="0"/>
+                        <a:cs typeface="Times New Roman" panose="02020603050405020304" pitchFamily="18" charset="0"/>
+                      </a:endParaRPr>
+                    </a:p>
+                  </a:txBody>
+                  <a:tcPr marL="63137" marR="63137" marT="0" marB="0">
+                    <a:solidFill>
+                      <a:srgbClr val="F7D5CD"/>
+                    </a:solidFill>
+                  </a:tcPr>
+                </a:tc>
+                <a:tc>
+                  <a:txBody>
+                    <a:bodyPr/>
+                    <a:lstStyle/>
+                    <a:p>
+                      <a:pPr algn="ctr">
+                        <a:lnSpc>
+                          <a:spcPct val="107000"/>
+                        </a:lnSpc>
+                        <a:spcAft>
+                          <a:spcPts val="800"/>
+                        </a:spcAft>
+                      </a:pPr>
+                      <a:r>
+                        <a:rPr lang="ru-RU" sz="1300" b="0" dirty="0">
+                          <a:solidFill>
+                            <a:schemeClr val="tx1"/>
+                          </a:solidFill>
+                          <a:effectLst/>
+                        </a:rPr>
+                        <a:t>Выбор группы действий</a:t>
+                      </a:r>
+                      <a:endParaRPr lang="ru-RU" sz="1000" b="0" dirty="0">
+                        <a:solidFill>
+                          <a:schemeClr val="tx1"/>
+                        </a:solidFill>
+                        <a:effectLst/>
+                        <a:latin typeface="Calibri" panose="020F0502020204030204" pitchFamily="34" charset="0"/>
+                        <a:ea typeface="Calibri" panose="020F0502020204030204" pitchFamily="34" charset="0"/>
+                        <a:cs typeface="Times New Roman" panose="02020603050405020304" pitchFamily="18" charset="0"/>
+                      </a:endParaRPr>
+                    </a:p>
+                  </a:txBody>
+                  <a:tcPr marL="63137" marR="63137" marT="0" marB="0">
+                    <a:solidFill>
+                      <a:srgbClr val="F7D5CD"/>
+                    </a:solidFill>
+                  </a:tcPr>
+                </a:tc>
+                <a:extLst>
+                  <a:ext uri="{0D108BD9-81ED-4DB2-BD59-A6C34878D82A}">
+                    <a16:rowId xmlns:a16="http://schemas.microsoft.com/office/drawing/2014/main" val="2224109488"/>
+                  </a:ext>
+                </a:extLst>
+              </a:tr>
+              <a:tr h="723079">
+                <a:tc vMerge="1">
+                  <a:txBody>
+                    <a:bodyPr/>
+                    <a:lstStyle/>
+                    <a:p>
+                      <a:endParaRPr lang="ru-RU"/>
+                    </a:p>
+                  </a:txBody>
+                  <a:tcPr/>
+                </a:tc>
+                <a:tc>
+                  <a:txBody>
+                    <a:bodyPr/>
+                    <a:lstStyle/>
+                    <a:p>
+                      <a:pPr algn="ctr">
+                        <a:lnSpc>
+                          <a:spcPct val="107000"/>
+                        </a:lnSpc>
+                        <a:spcAft>
+                          <a:spcPts val="800"/>
+                        </a:spcAft>
+                      </a:pPr>
+                      <a:r>
+                        <a:rPr lang="ru-RU" sz="1300" dirty="0">
+                          <a:effectLst/>
+                        </a:rPr>
+                        <a:t>«Получить по </a:t>
+                      </a:r>
+                      <a:r>
+                        <a:rPr lang="en-US" sz="1300" dirty="0">
+                          <a:effectLst/>
+                        </a:rPr>
+                        <a:t>id</a:t>
+                      </a:r>
+                      <a:r>
+                        <a:rPr lang="ru-RU" sz="1300" dirty="0">
+                          <a:effectLst/>
+                        </a:rPr>
+                        <a:t>»</a:t>
+                      </a:r>
+                      <a:endParaRPr lang="ru-RU" sz="1000" dirty="0">
+                        <a:effectLst/>
+                        <a:latin typeface="Calibri" panose="020F0502020204030204" pitchFamily="34" charset="0"/>
+                        <a:ea typeface="Calibri" panose="020F0502020204030204" pitchFamily="34" charset="0"/>
+                        <a:cs typeface="Times New Roman" panose="02020603050405020304" pitchFamily="18" charset="0"/>
+                      </a:endParaRPr>
+                    </a:p>
+                  </a:txBody>
+                  <a:tcPr marL="63137" marR="63137" marT="0" marB="0">
+                    <a:solidFill>
+                      <a:srgbClr val="F7D5CD"/>
+                    </a:solidFill>
+                  </a:tcPr>
+                </a:tc>
+                <a:tc>
+                  <a:txBody>
+                    <a:bodyPr/>
+                    <a:lstStyle/>
+                    <a:p>
+                      <a:pPr>
+                        <a:lnSpc>
+                          <a:spcPct val="107000"/>
+                        </a:lnSpc>
+                        <a:spcAft>
+                          <a:spcPts val="800"/>
+                        </a:spcAft>
+                      </a:pPr>
+                      <a:r>
+                        <a:rPr lang="ru-RU" sz="1300">
+                          <a:effectLst/>
+                        </a:rPr>
+                        <a:t>Вывод диспетчера с нужным </a:t>
+                      </a:r>
+                      <a:r>
+                        <a:rPr lang="en-US" sz="1300">
+                          <a:effectLst/>
+                        </a:rPr>
+                        <a:t>id</a:t>
+                      </a:r>
+                      <a:endParaRPr lang="ru-RU" sz="1000">
+                        <a:effectLst/>
+                        <a:latin typeface="Calibri" panose="020F0502020204030204" pitchFamily="34" charset="0"/>
+                        <a:ea typeface="Calibri" panose="020F0502020204030204" pitchFamily="34" charset="0"/>
+                        <a:cs typeface="Times New Roman" panose="02020603050405020304" pitchFamily="18" charset="0"/>
+                      </a:endParaRPr>
+                    </a:p>
+                  </a:txBody>
+                  <a:tcPr marL="63137" marR="63137" marT="0" marB="0">
+                    <a:solidFill>
+                      <a:srgbClr val="F7D5CD"/>
+                    </a:solidFill>
+                  </a:tcPr>
+                </a:tc>
+                <a:tc>
+                  <a:txBody>
+                    <a:bodyPr/>
+                    <a:lstStyle/>
+                    <a:p>
+                      <a:pPr algn="ctr">
+                        <a:lnSpc>
+                          <a:spcPct val="107000"/>
+                        </a:lnSpc>
+                        <a:spcAft>
+                          <a:spcPts val="800"/>
+                        </a:spcAft>
+                      </a:pPr>
+                      <a:r>
+                        <a:rPr lang="ru-RU" sz="1300">
+                          <a:effectLst/>
+                        </a:rPr>
+                        <a:t>Получение диспетчера с нужным </a:t>
+                      </a:r>
+                      <a:r>
+                        <a:rPr lang="en-US" sz="1300">
+                          <a:effectLst/>
+                        </a:rPr>
+                        <a:t>id</a:t>
+                      </a:r>
+                      <a:endParaRPr lang="ru-RU" sz="1000">
+                        <a:effectLst/>
+                        <a:latin typeface="Calibri" panose="020F0502020204030204" pitchFamily="34" charset="0"/>
+                        <a:ea typeface="Calibri" panose="020F0502020204030204" pitchFamily="34" charset="0"/>
+                        <a:cs typeface="Times New Roman" panose="02020603050405020304" pitchFamily="18" charset="0"/>
+                      </a:endParaRPr>
+                    </a:p>
+                  </a:txBody>
+                  <a:tcPr marL="63137" marR="63137" marT="0" marB="0">
+                    <a:solidFill>
+                      <a:srgbClr val="F7D5CD"/>
+                    </a:solidFill>
+                  </a:tcPr>
+                </a:tc>
+                <a:tc>
+                  <a:txBody>
+                    <a:bodyPr/>
+                    <a:lstStyle/>
+                    <a:p>
+                      <a:pPr algn="ctr">
+                        <a:lnSpc>
+                          <a:spcPct val="107000"/>
+                        </a:lnSpc>
+                        <a:spcAft>
+                          <a:spcPts val="800"/>
+                        </a:spcAft>
+                      </a:pPr>
+                      <a:r>
+                        <a:rPr lang="ru-RU" sz="1300">
+                          <a:effectLst/>
+                        </a:rPr>
+                        <a:t>Выбор группы действий</a:t>
+                      </a:r>
+                      <a:endParaRPr lang="ru-RU" sz="1000">
+                        <a:effectLst/>
+                        <a:latin typeface="Calibri" panose="020F0502020204030204" pitchFamily="34" charset="0"/>
+                        <a:ea typeface="Calibri" panose="020F0502020204030204" pitchFamily="34" charset="0"/>
+                        <a:cs typeface="Times New Roman" panose="02020603050405020304" pitchFamily="18" charset="0"/>
+                      </a:endParaRPr>
+                    </a:p>
+                  </a:txBody>
+                  <a:tcPr marL="63137" marR="63137" marT="0" marB="0">
+                    <a:solidFill>
+                      <a:srgbClr val="F7D5CD"/>
+                    </a:solidFill>
+                  </a:tcPr>
+                </a:tc>
+                <a:extLst>
+                  <a:ext uri="{0D108BD9-81ED-4DB2-BD59-A6C34878D82A}">
+                    <a16:rowId xmlns:a16="http://schemas.microsoft.com/office/drawing/2014/main" val="2667838108"/>
+                  </a:ext>
+                </a:extLst>
+              </a:tr>
+              <a:tr h="1211027">
+                <a:tc vMerge="1">
+                  <a:txBody>
+                    <a:bodyPr/>
+                    <a:lstStyle/>
+                    <a:p>
+                      <a:endParaRPr lang="ru-RU"/>
+                    </a:p>
+                  </a:txBody>
+                  <a:tcPr/>
+                </a:tc>
+                <a:tc>
+                  <a:txBody>
+                    <a:bodyPr/>
+                    <a:lstStyle/>
+                    <a:p>
+                      <a:pPr algn="ctr">
+                        <a:lnSpc>
+                          <a:spcPct val="107000"/>
+                        </a:lnSpc>
+                        <a:spcAft>
+                          <a:spcPts val="800"/>
+                        </a:spcAft>
+                      </a:pPr>
+                      <a:r>
+                        <a:rPr lang="ru-RU" sz="1300">
+                          <a:effectLst/>
+                        </a:rPr>
+                        <a:t>«Редактировать»</a:t>
+                      </a:r>
+                      <a:endParaRPr lang="ru-RU" sz="1000">
+                        <a:effectLst/>
+                        <a:latin typeface="Calibri" panose="020F0502020204030204" pitchFamily="34" charset="0"/>
+                        <a:ea typeface="Calibri" panose="020F0502020204030204" pitchFamily="34" charset="0"/>
+                        <a:cs typeface="Times New Roman" panose="02020603050405020304" pitchFamily="18" charset="0"/>
+                      </a:endParaRPr>
+                    </a:p>
+                  </a:txBody>
+                  <a:tcPr marL="63137" marR="63137" marT="0" marB="0">
+                    <a:solidFill>
+                      <a:srgbClr val="F7D5CD"/>
+                    </a:solidFill>
+                  </a:tcPr>
+                </a:tc>
+                <a:tc>
+                  <a:txBody>
+                    <a:bodyPr/>
+                    <a:lstStyle/>
+                    <a:p>
+                      <a:pPr>
+                        <a:lnSpc>
+                          <a:spcPct val="107000"/>
+                        </a:lnSpc>
+                        <a:spcAft>
+                          <a:spcPts val="800"/>
+                        </a:spcAft>
+                      </a:pPr>
+                      <a:r>
+                        <a:rPr lang="ru-RU" sz="1300">
+                          <a:effectLst/>
+                        </a:rPr>
+                        <a:t>Получение от пользователя данных для редактирования</a:t>
+                      </a:r>
+                      <a:endParaRPr lang="ru-RU" sz="1000">
+                        <a:effectLst/>
+                        <a:latin typeface="Calibri" panose="020F0502020204030204" pitchFamily="34" charset="0"/>
+                        <a:ea typeface="Calibri" panose="020F0502020204030204" pitchFamily="34" charset="0"/>
+                        <a:cs typeface="Times New Roman" panose="02020603050405020304" pitchFamily="18" charset="0"/>
+                      </a:endParaRPr>
+                    </a:p>
+                  </a:txBody>
+                  <a:tcPr marL="63137" marR="63137" marT="0" marB="0">
+                    <a:solidFill>
+                      <a:srgbClr val="F7D5CD"/>
+                    </a:solidFill>
+                  </a:tcPr>
+                </a:tc>
+                <a:tc>
+                  <a:txBody>
+                    <a:bodyPr/>
+                    <a:lstStyle/>
+                    <a:p>
+                      <a:pPr algn="ctr">
+                        <a:lnSpc>
+                          <a:spcPct val="107000"/>
+                        </a:lnSpc>
+                        <a:spcAft>
+                          <a:spcPts val="800"/>
+                        </a:spcAft>
+                      </a:pPr>
+                      <a:r>
+                        <a:rPr lang="ru-RU" sz="1300">
+                          <a:effectLst/>
+                        </a:rPr>
+                        <a:t>Изменение диспетчера</a:t>
+                      </a:r>
+                      <a:endParaRPr lang="ru-RU" sz="1000">
+                        <a:effectLst/>
+                        <a:latin typeface="Calibri" panose="020F0502020204030204" pitchFamily="34" charset="0"/>
+                        <a:ea typeface="Calibri" panose="020F0502020204030204" pitchFamily="34" charset="0"/>
+                        <a:cs typeface="Times New Roman" panose="02020603050405020304" pitchFamily="18" charset="0"/>
+                      </a:endParaRPr>
+                    </a:p>
+                  </a:txBody>
+                  <a:tcPr marL="63137" marR="63137" marT="0" marB="0">
+                    <a:solidFill>
+                      <a:srgbClr val="F7D5CD"/>
+                    </a:solidFill>
+                  </a:tcPr>
+                </a:tc>
+                <a:tc>
+                  <a:txBody>
+                    <a:bodyPr/>
+                    <a:lstStyle/>
+                    <a:p>
+                      <a:pPr algn="ctr">
+                        <a:lnSpc>
+                          <a:spcPct val="107000"/>
+                        </a:lnSpc>
+                        <a:spcAft>
+                          <a:spcPts val="800"/>
+                        </a:spcAft>
+                      </a:pPr>
+                      <a:r>
+                        <a:rPr lang="ru-RU" sz="1300">
+                          <a:effectLst/>
+                        </a:rPr>
+                        <a:t>Выбор группы действий</a:t>
+                      </a:r>
+                      <a:endParaRPr lang="ru-RU" sz="1000">
+                        <a:effectLst/>
+                        <a:latin typeface="Calibri" panose="020F0502020204030204" pitchFamily="34" charset="0"/>
+                        <a:ea typeface="Calibri" panose="020F0502020204030204" pitchFamily="34" charset="0"/>
+                        <a:cs typeface="Times New Roman" panose="02020603050405020304" pitchFamily="18" charset="0"/>
+                      </a:endParaRPr>
+                    </a:p>
+                  </a:txBody>
+                  <a:tcPr marL="63137" marR="63137" marT="0" marB="0">
+                    <a:solidFill>
+                      <a:srgbClr val="F7D5CD"/>
+                    </a:solidFill>
+                  </a:tcPr>
+                </a:tc>
+                <a:extLst>
+                  <a:ext uri="{0D108BD9-81ED-4DB2-BD59-A6C34878D82A}">
+                    <a16:rowId xmlns:a16="http://schemas.microsoft.com/office/drawing/2014/main" val="1306445639"/>
+                  </a:ext>
+                </a:extLst>
+              </a:tr>
+              <a:tr h="723079">
+                <a:tc rowSpan="2">
+                  <a:txBody>
+                    <a:bodyPr/>
+                    <a:lstStyle/>
+                    <a:p>
+                      <a:pPr algn="ctr">
+                        <a:lnSpc>
+                          <a:spcPct val="107000"/>
+                        </a:lnSpc>
+                        <a:spcAft>
+                          <a:spcPts val="800"/>
+                        </a:spcAft>
+                      </a:pPr>
+                      <a:r>
+                        <a:rPr lang="ru-RU" sz="1300">
+                          <a:effectLst/>
+                        </a:rPr>
+                        <a:t>Выбор действий с временем</a:t>
+                      </a:r>
+                      <a:endParaRPr lang="ru-RU" sz="1000">
+                        <a:effectLst/>
+                        <a:latin typeface="Calibri" panose="020F0502020204030204" pitchFamily="34" charset="0"/>
+                        <a:ea typeface="Calibri" panose="020F0502020204030204" pitchFamily="34" charset="0"/>
+                        <a:cs typeface="Times New Roman" panose="02020603050405020304" pitchFamily="18" charset="0"/>
+                      </a:endParaRPr>
+                    </a:p>
+                  </a:txBody>
+                  <a:tcPr marL="63137" marR="63137" marT="0" marB="0"/>
+                </a:tc>
+                <a:tc>
+                  <a:txBody>
+                    <a:bodyPr/>
+                    <a:lstStyle/>
+                    <a:p>
+                      <a:pPr algn="ctr">
+                        <a:lnSpc>
+                          <a:spcPct val="107000"/>
+                        </a:lnSpc>
+                        <a:spcAft>
+                          <a:spcPts val="800"/>
+                        </a:spcAft>
+                      </a:pPr>
+                      <a:r>
+                        <a:rPr lang="ru-RU" sz="1300">
+                          <a:effectLst/>
+                        </a:rPr>
+                        <a:t>«Получить»</a:t>
+                      </a:r>
+                      <a:endParaRPr lang="ru-RU" sz="1000">
+                        <a:effectLst/>
+                        <a:latin typeface="Calibri" panose="020F0502020204030204" pitchFamily="34" charset="0"/>
+                        <a:ea typeface="Calibri" panose="020F0502020204030204" pitchFamily="34" charset="0"/>
+                        <a:cs typeface="Times New Roman" panose="02020603050405020304" pitchFamily="18" charset="0"/>
+                      </a:endParaRPr>
+                    </a:p>
+                  </a:txBody>
+                  <a:tcPr marL="63137" marR="63137" marT="0" marB="0">
+                    <a:solidFill>
+                      <a:srgbClr val="F7D5CD"/>
+                    </a:solidFill>
+                  </a:tcPr>
+                </a:tc>
+                <a:tc>
+                  <a:txBody>
+                    <a:bodyPr/>
+                    <a:lstStyle/>
+                    <a:p>
+                      <a:pPr>
+                        <a:lnSpc>
+                          <a:spcPct val="107000"/>
+                        </a:lnSpc>
+                        <a:spcAft>
+                          <a:spcPts val="800"/>
+                        </a:spcAft>
+                      </a:pPr>
+                      <a:r>
+                        <a:rPr lang="ru-RU" sz="1300">
+                          <a:effectLst/>
+                        </a:rPr>
+                        <a:t>Вывод текущего времени</a:t>
+                      </a:r>
+                      <a:endParaRPr lang="ru-RU" sz="1000">
+                        <a:effectLst/>
+                        <a:latin typeface="Calibri" panose="020F0502020204030204" pitchFamily="34" charset="0"/>
+                        <a:ea typeface="Calibri" panose="020F0502020204030204" pitchFamily="34" charset="0"/>
+                        <a:cs typeface="Times New Roman" panose="02020603050405020304" pitchFamily="18" charset="0"/>
+                      </a:endParaRPr>
+                    </a:p>
+                  </a:txBody>
+                  <a:tcPr marL="63137" marR="63137" marT="0" marB="0">
+                    <a:solidFill>
+                      <a:srgbClr val="F7D5CD"/>
+                    </a:solidFill>
+                  </a:tcPr>
+                </a:tc>
+                <a:tc>
+                  <a:txBody>
+                    <a:bodyPr/>
+                    <a:lstStyle/>
+                    <a:p>
+                      <a:pPr algn="ctr">
+                        <a:lnSpc>
+                          <a:spcPct val="107000"/>
+                        </a:lnSpc>
+                        <a:spcAft>
+                          <a:spcPts val="800"/>
+                        </a:spcAft>
+                      </a:pPr>
+                      <a:r>
+                        <a:rPr lang="ru-RU" sz="1300">
+                          <a:effectLst/>
+                        </a:rPr>
+                        <a:t>Получение текущего</a:t>
+                      </a:r>
+                      <a:endParaRPr lang="ru-RU" sz="1000">
+                        <a:effectLst/>
+                        <a:latin typeface="Calibri" panose="020F0502020204030204" pitchFamily="34" charset="0"/>
+                        <a:ea typeface="Calibri" panose="020F0502020204030204" pitchFamily="34" charset="0"/>
+                        <a:cs typeface="Times New Roman" panose="02020603050405020304" pitchFamily="18" charset="0"/>
+                      </a:endParaRPr>
+                    </a:p>
+                  </a:txBody>
+                  <a:tcPr marL="63137" marR="63137" marT="0" marB="0">
+                    <a:solidFill>
+                      <a:srgbClr val="F7D5CD"/>
+                    </a:solidFill>
+                  </a:tcPr>
+                </a:tc>
+                <a:tc>
+                  <a:txBody>
+                    <a:bodyPr/>
+                    <a:lstStyle/>
+                    <a:p>
+                      <a:pPr algn="ctr">
+                        <a:lnSpc>
+                          <a:spcPct val="107000"/>
+                        </a:lnSpc>
+                        <a:spcAft>
+                          <a:spcPts val="800"/>
+                        </a:spcAft>
+                      </a:pPr>
+                      <a:r>
+                        <a:rPr lang="ru-RU" sz="1300">
+                          <a:effectLst/>
+                        </a:rPr>
+                        <a:t>Выбор группы действий</a:t>
+                      </a:r>
+                      <a:endParaRPr lang="ru-RU" sz="1000">
+                        <a:effectLst/>
+                        <a:latin typeface="Calibri" panose="020F0502020204030204" pitchFamily="34" charset="0"/>
+                        <a:ea typeface="Calibri" panose="020F0502020204030204" pitchFamily="34" charset="0"/>
+                        <a:cs typeface="Times New Roman" panose="02020603050405020304" pitchFamily="18" charset="0"/>
+                      </a:endParaRPr>
+                    </a:p>
+                  </a:txBody>
+                  <a:tcPr marL="63137" marR="63137" marT="0" marB="0">
+                    <a:solidFill>
+                      <a:srgbClr val="F7D5CD"/>
+                    </a:solidFill>
+                  </a:tcPr>
+                </a:tc>
+                <a:extLst>
+                  <a:ext uri="{0D108BD9-81ED-4DB2-BD59-A6C34878D82A}">
+                    <a16:rowId xmlns:a16="http://schemas.microsoft.com/office/drawing/2014/main" val="590840122"/>
+                  </a:ext>
+                </a:extLst>
+              </a:tr>
+              <a:tr h="967053">
+                <a:tc vMerge="1">
+                  <a:txBody>
+                    <a:bodyPr/>
+                    <a:lstStyle/>
+                    <a:p>
+                      <a:endParaRPr lang="ru-RU"/>
+                    </a:p>
+                  </a:txBody>
+                  <a:tcPr/>
+                </a:tc>
+                <a:tc>
+                  <a:txBody>
+                    <a:bodyPr/>
+                    <a:lstStyle/>
+                    <a:p>
+                      <a:pPr algn="ctr">
+                        <a:lnSpc>
+                          <a:spcPct val="107000"/>
+                        </a:lnSpc>
+                        <a:spcAft>
+                          <a:spcPts val="800"/>
+                        </a:spcAft>
+                      </a:pPr>
+                      <a:r>
+                        <a:rPr lang="ru-RU" sz="1300" dirty="0">
+                          <a:effectLst/>
+                        </a:rPr>
+                        <a:t>«Пропустить»</a:t>
+                      </a:r>
+                      <a:endParaRPr lang="ru-RU" sz="1000" dirty="0">
+                        <a:effectLst/>
+                        <a:latin typeface="Calibri" panose="020F0502020204030204" pitchFamily="34" charset="0"/>
+                        <a:ea typeface="Calibri" panose="020F0502020204030204" pitchFamily="34" charset="0"/>
+                        <a:cs typeface="Times New Roman" panose="02020603050405020304" pitchFamily="18" charset="0"/>
+                      </a:endParaRPr>
+                    </a:p>
+                  </a:txBody>
+                  <a:tcPr marL="63137" marR="63137" marT="0" marB="0">
+                    <a:solidFill>
+                      <a:srgbClr val="F7D5CD"/>
+                    </a:solidFill>
+                  </a:tcPr>
+                </a:tc>
+                <a:tc>
+                  <a:txBody>
+                    <a:bodyPr/>
+                    <a:lstStyle/>
+                    <a:p>
+                      <a:pPr>
+                        <a:lnSpc>
+                          <a:spcPct val="107000"/>
+                        </a:lnSpc>
+                        <a:spcAft>
+                          <a:spcPts val="800"/>
+                        </a:spcAft>
+                      </a:pPr>
+                      <a:r>
+                        <a:rPr lang="ru-RU" sz="1300">
+                          <a:effectLst/>
+                        </a:rPr>
+                        <a:t>Получение от пользователя времени для пропуска</a:t>
+                      </a:r>
+                      <a:endParaRPr lang="ru-RU" sz="1000">
+                        <a:effectLst/>
+                        <a:latin typeface="Calibri" panose="020F0502020204030204" pitchFamily="34" charset="0"/>
+                        <a:ea typeface="Calibri" panose="020F0502020204030204" pitchFamily="34" charset="0"/>
+                        <a:cs typeface="Times New Roman" panose="02020603050405020304" pitchFamily="18" charset="0"/>
+                      </a:endParaRPr>
+                    </a:p>
+                  </a:txBody>
+                  <a:tcPr marL="63137" marR="63137" marT="0" marB="0">
+                    <a:solidFill>
+                      <a:srgbClr val="F7D5CD"/>
+                    </a:solidFill>
+                  </a:tcPr>
+                </a:tc>
+                <a:tc>
+                  <a:txBody>
+                    <a:bodyPr/>
+                    <a:lstStyle/>
+                    <a:p>
+                      <a:pPr algn="ctr">
+                        <a:lnSpc>
+                          <a:spcPct val="107000"/>
+                        </a:lnSpc>
+                        <a:spcAft>
+                          <a:spcPts val="800"/>
+                        </a:spcAft>
+                      </a:pPr>
+                      <a:r>
+                        <a:rPr lang="ru-RU" sz="1300">
+                          <a:effectLst/>
+                        </a:rPr>
+                        <a:t>Добавление указанного времени к текущему</a:t>
+                      </a:r>
+                      <a:endParaRPr lang="ru-RU" sz="1000">
+                        <a:effectLst/>
+                        <a:latin typeface="Calibri" panose="020F0502020204030204" pitchFamily="34" charset="0"/>
+                        <a:ea typeface="Calibri" panose="020F0502020204030204" pitchFamily="34" charset="0"/>
+                        <a:cs typeface="Times New Roman" panose="02020603050405020304" pitchFamily="18" charset="0"/>
+                      </a:endParaRPr>
+                    </a:p>
+                  </a:txBody>
+                  <a:tcPr marL="63137" marR="63137" marT="0" marB="0">
+                    <a:solidFill>
+                      <a:srgbClr val="F7D5CD"/>
+                    </a:solidFill>
+                  </a:tcPr>
+                </a:tc>
+                <a:tc>
+                  <a:txBody>
+                    <a:bodyPr/>
+                    <a:lstStyle/>
+                    <a:p>
+                      <a:pPr algn="ctr">
+                        <a:lnSpc>
+                          <a:spcPct val="107000"/>
+                        </a:lnSpc>
+                        <a:spcAft>
+                          <a:spcPts val="800"/>
+                        </a:spcAft>
+                      </a:pPr>
+                      <a:r>
+                        <a:rPr lang="ru-RU" sz="1300">
+                          <a:effectLst/>
+                        </a:rPr>
+                        <a:t>Выбор группы действий</a:t>
+                      </a:r>
+                      <a:endParaRPr lang="ru-RU" sz="1000">
+                        <a:effectLst/>
+                        <a:latin typeface="Calibri" panose="020F0502020204030204" pitchFamily="34" charset="0"/>
+                        <a:ea typeface="Calibri" panose="020F0502020204030204" pitchFamily="34" charset="0"/>
+                        <a:cs typeface="Times New Roman" panose="02020603050405020304" pitchFamily="18" charset="0"/>
+                      </a:endParaRPr>
+                    </a:p>
+                  </a:txBody>
+                  <a:tcPr marL="63137" marR="63137" marT="0" marB="0">
+                    <a:solidFill>
+                      <a:srgbClr val="F7D5CD"/>
+                    </a:solidFill>
+                  </a:tcPr>
+                </a:tc>
+                <a:extLst>
+                  <a:ext uri="{0D108BD9-81ED-4DB2-BD59-A6C34878D82A}">
+                    <a16:rowId xmlns:a16="http://schemas.microsoft.com/office/drawing/2014/main" val="3503242245"/>
+                  </a:ext>
+                </a:extLst>
+              </a:tr>
+              <a:tr h="723079">
+                <a:tc>
+                  <a:txBody>
+                    <a:bodyPr/>
+                    <a:lstStyle/>
+                    <a:p>
+                      <a:pPr algn="ctr">
+                        <a:lnSpc>
+                          <a:spcPct val="107000"/>
+                        </a:lnSpc>
+                        <a:spcAft>
+                          <a:spcPts val="800"/>
+                        </a:spcAft>
+                      </a:pPr>
+                      <a:r>
+                        <a:rPr lang="ru-RU" sz="1300">
+                          <a:effectLst/>
+                        </a:rPr>
+                        <a:t>Выход</a:t>
+                      </a:r>
+                      <a:endParaRPr lang="ru-RU" sz="1000">
+                        <a:effectLst/>
+                        <a:latin typeface="Calibri" panose="020F0502020204030204" pitchFamily="34" charset="0"/>
+                        <a:ea typeface="Calibri" panose="020F0502020204030204" pitchFamily="34" charset="0"/>
+                        <a:cs typeface="Times New Roman" panose="02020603050405020304" pitchFamily="18" charset="0"/>
+                      </a:endParaRPr>
+                    </a:p>
+                  </a:txBody>
+                  <a:tcPr marL="63137" marR="63137" marT="0" marB="0"/>
+                </a:tc>
+                <a:tc>
+                  <a:txBody>
+                    <a:bodyPr/>
+                    <a:lstStyle/>
+                    <a:p>
+                      <a:pPr algn="ctr">
+                        <a:lnSpc>
+                          <a:spcPct val="107000"/>
+                        </a:lnSpc>
+                        <a:spcAft>
+                          <a:spcPts val="800"/>
+                        </a:spcAft>
+                      </a:pPr>
+                      <a:r>
+                        <a:rPr lang="ru-RU" sz="1300" dirty="0">
+                          <a:effectLst/>
+                        </a:rPr>
+                        <a:t>-</a:t>
+                      </a:r>
+                      <a:endParaRPr lang="ru-RU" sz="1000" dirty="0">
+                        <a:effectLst/>
+                        <a:latin typeface="Calibri" panose="020F0502020204030204" pitchFamily="34" charset="0"/>
+                        <a:ea typeface="Calibri" panose="020F0502020204030204" pitchFamily="34" charset="0"/>
+                        <a:cs typeface="Times New Roman" panose="02020603050405020304" pitchFamily="18" charset="0"/>
+                      </a:endParaRPr>
+                    </a:p>
+                  </a:txBody>
+                  <a:tcPr marL="63137" marR="63137" marT="0" marB="0">
+                    <a:solidFill>
+                      <a:srgbClr val="F7D5CD"/>
+                    </a:solidFill>
+                  </a:tcPr>
+                </a:tc>
+                <a:tc>
+                  <a:txBody>
+                    <a:bodyPr/>
+                    <a:lstStyle/>
+                    <a:p>
+                      <a:pPr>
+                        <a:lnSpc>
+                          <a:spcPct val="107000"/>
+                        </a:lnSpc>
+                        <a:spcAft>
+                          <a:spcPts val="800"/>
+                        </a:spcAft>
+                      </a:pPr>
+                      <a:r>
+                        <a:rPr lang="ru-RU" sz="1300" dirty="0">
+                          <a:effectLst/>
+                        </a:rPr>
+                        <a:t>Завершение выполнения программы</a:t>
+                      </a:r>
+                      <a:endParaRPr lang="ru-RU" sz="1000" dirty="0">
+                        <a:effectLst/>
+                        <a:latin typeface="Calibri" panose="020F0502020204030204" pitchFamily="34" charset="0"/>
+                        <a:ea typeface="Calibri" panose="020F0502020204030204" pitchFamily="34" charset="0"/>
+                        <a:cs typeface="Times New Roman" panose="02020603050405020304" pitchFamily="18" charset="0"/>
+                      </a:endParaRPr>
+                    </a:p>
+                  </a:txBody>
+                  <a:tcPr marL="63137" marR="63137" marT="0" marB="0">
+                    <a:solidFill>
+                      <a:srgbClr val="F7D5CD"/>
+                    </a:solidFill>
+                  </a:tcPr>
+                </a:tc>
+                <a:tc>
+                  <a:txBody>
+                    <a:bodyPr/>
+                    <a:lstStyle/>
+                    <a:p>
+                      <a:pPr algn="ctr">
+                        <a:lnSpc>
+                          <a:spcPct val="107000"/>
+                        </a:lnSpc>
+                        <a:spcAft>
+                          <a:spcPts val="800"/>
+                        </a:spcAft>
+                      </a:pPr>
+                      <a:r>
+                        <a:rPr lang="ru-RU" sz="1300" dirty="0">
+                          <a:effectLst/>
+                        </a:rPr>
+                        <a:t>-</a:t>
+                      </a:r>
+                      <a:endParaRPr lang="ru-RU" sz="1000" dirty="0">
+                        <a:effectLst/>
+                        <a:latin typeface="Calibri" panose="020F0502020204030204" pitchFamily="34" charset="0"/>
+                        <a:ea typeface="Calibri" panose="020F0502020204030204" pitchFamily="34" charset="0"/>
+                        <a:cs typeface="Times New Roman" panose="02020603050405020304" pitchFamily="18" charset="0"/>
+                      </a:endParaRPr>
+                    </a:p>
+                  </a:txBody>
+                  <a:tcPr marL="63137" marR="63137" marT="0" marB="0">
+                    <a:solidFill>
+                      <a:srgbClr val="F7D5CD"/>
+                    </a:solidFill>
+                  </a:tcPr>
+                </a:tc>
+                <a:tc>
+                  <a:txBody>
+                    <a:bodyPr/>
+                    <a:lstStyle/>
+                    <a:p>
+                      <a:pPr algn="ctr">
+                        <a:lnSpc>
+                          <a:spcPct val="107000"/>
+                        </a:lnSpc>
+                        <a:spcAft>
+                          <a:spcPts val="800"/>
+                        </a:spcAft>
+                      </a:pPr>
+                      <a:r>
+                        <a:rPr lang="ru-RU" sz="1300" dirty="0">
+                          <a:effectLst/>
+                        </a:rPr>
+                        <a:t>-</a:t>
+                      </a:r>
+                      <a:endParaRPr lang="ru-RU" sz="1000" dirty="0">
+                        <a:effectLst/>
+                        <a:latin typeface="Calibri" panose="020F0502020204030204" pitchFamily="34" charset="0"/>
+                        <a:ea typeface="Calibri" panose="020F0502020204030204" pitchFamily="34" charset="0"/>
+                        <a:cs typeface="Times New Roman" panose="02020603050405020304" pitchFamily="18" charset="0"/>
+                      </a:endParaRPr>
+                    </a:p>
+                  </a:txBody>
+                  <a:tcPr marL="63137" marR="63137" marT="0" marB="0">
+                    <a:solidFill>
+                      <a:srgbClr val="F7D5CD"/>
+                    </a:solidFill>
+                  </a:tcPr>
+                </a:tc>
+                <a:extLst>
+                  <a:ext uri="{0D108BD9-81ED-4DB2-BD59-A6C34878D82A}">
+                    <a16:rowId xmlns:a16="http://schemas.microsoft.com/office/drawing/2014/main" val="280436393"/>
+                  </a:ext>
+                </a:extLst>
+              </a:tr>
+            </a:tbl>
+          </a:graphicData>
+        </a:graphic>
+      </p:graphicFrame>
+      <p:grpSp>
+        <p:nvGrpSpPr>
+          <p:cNvPr id="6" name="Группа 5">
+            <a:extLst>
+              <a:ext uri="{FF2B5EF4-FFF2-40B4-BE49-F238E27FC236}">
+                <a16:creationId xmlns:a16="http://schemas.microsoft.com/office/drawing/2014/main" id="{C182F3FD-0CA6-40A5-5BDD-A88504999850}"/>
+              </a:ext>
+            </a:extLst>
+          </p:cNvPr>
+          <p:cNvGrpSpPr/>
+          <p:nvPr/>
+        </p:nvGrpSpPr>
+        <p:grpSpPr>
+          <a:xfrm>
+            <a:off x="8389433" y="5479631"/>
+            <a:ext cx="1244796" cy="1244796"/>
+            <a:chOff x="7991385" y="7230841"/>
+            <a:chExt cx="1445692" cy="1570893"/>
+          </a:xfrm>
+          <a:solidFill>
+            <a:schemeClr val="bg2">
+              <a:lumMod val="75000"/>
+            </a:schemeClr>
+          </a:solidFill>
+          <a:effectLst>
+            <a:outerShdw blurRad="50800" dist="127000" dir="9300000" sx="127000" sy="127000" algn="ctr" rotWithShape="0">
+              <a:srgbClr val="000000">
+                <a:alpha val="33000"/>
+              </a:srgbClr>
+            </a:outerShdw>
+          </a:effectLst>
+        </p:grpSpPr>
+        <p:sp>
+          <p:nvSpPr>
+            <p:cNvPr id="8" name="Прямоугольник 7">
+              <a:extLst>
+                <a:ext uri="{FF2B5EF4-FFF2-40B4-BE49-F238E27FC236}">
+                  <a16:creationId xmlns:a16="http://schemas.microsoft.com/office/drawing/2014/main" id="{13CBAFBB-DA3E-DA80-B6B5-3D862FB92A87}"/>
+                </a:ext>
+              </a:extLst>
+            </p:cNvPr>
+            <p:cNvSpPr/>
+            <p:nvPr/>
+          </p:nvSpPr>
+          <p:spPr>
+            <a:xfrm flipH="1">
+              <a:off x="7991385" y="7230841"/>
+              <a:ext cx="586154" cy="1570893"/>
+            </a:xfrm>
+            <a:prstGeom prst="rect">
+              <a:avLst/>
+            </a:prstGeom>
+            <a:grpFill/>
+          </p:spPr>
+          <p:style>
+            <a:lnRef idx="2">
+              <a:schemeClr val="accent1">
+                <a:shade val="15000"/>
+              </a:schemeClr>
+            </a:lnRef>
+            <a:fillRef idx="1">
+              <a:schemeClr val="accent1"/>
+            </a:fillRef>
+            <a:effectRef idx="0">
+              <a:schemeClr val="accent1"/>
+            </a:effectRef>
+            <a:fontRef idx="minor">
+              <a:schemeClr val="lt1"/>
+            </a:fontRef>
+          </p:style>
+          <p:txBody>
+            <a:bodyPr rtlCol="0" anchor="ctr"/>
+            <a:lstStyle/>
+            <a:p>
+              <a:pPr algn="ctr"/>
+              <a:endParaRPr lang="ru-RU">
+                <a:solidFill>
+                  <a:schemeClr val="bg1"/>
+                </a:solidFill>
+              </a:endParaRPr>
+            </a:p>
+          </p:txBody>
+        </p:sp>
+        <p:sp>
+          <p:nvSpPr>
+            <p:cNvPr id="10" name="Прямоугольник 9">
+              <a:extLst>
+                <a:ext uri="{FF2B5EF4-FFF2-40B4-BE49-F238E27FC236}">
+                  <a16:creationId xmlns:a16="http://schemas.microsoft.com/office/drawing/2014/main" id="{8B9DBDBD-5B5F-080C-6E08-8D0746904AE2}"/>
+                </a:ext>
+              </a:extLst>
+            </p:cNvPr>
+            <p:cNvSpPr/>
+            <p:nvPr/>
+          </p:nvSpPr>
+          <p:spPr>
+            <a:xfrm>
+              <a:off x="8850923" y="7491094"/>
+              <a:ext cx="586154" cy="1310640"/>
+            </a:xfrm>
+            <a:prstGeom prst="rect">
+              <a:avLst/>
+            </a:prstGeom>
+            <a:grpFill/>
+          </p:spPr>
+          <p:style>
+            <a:lnRef idx="2">
+              <a:schemeClr val="accent1">
+                <a:shade val="15000"/>
+              </a:schemeClr>
+            </a:lnRef>
+            <a:fillRef idx="1">
+              <a:schemeClr val="accent1"/>
+            </a:fillRef>
+            <a:effectRef idx="0">
+              <a:schemeClr val="accent1"/>
+            </a:effectRef>
+            <a:fontRef idx="minor">
+              <a:schemeClr val="lt1"/>
+            </a:fontRef>
+          </p:style>
+          <p:txBody>
+            <a:bodyPr rtlCol="0" anchor="ctr"/>
+            <a:lstStyle/>
+            <a:p>
+              <a:pPr algn="ctr"/>
+              <a:endParaRPr lang="ru-RU">
+                <a:solidFill>
+                  <a:schemeClr val="bg1"/>
+                </a:solidFill>
+              </a:endParaRPr>
+            </a:p>
+          </p:txBody>
+        </p:sp>
+      </p:grpSp>
+      <p:pic>
+        <p:nvPicPr>
+          <p:cNvPr id="4" name="Рисунок 3" descr="Изображение выглядит как черный, темнота&#10;&#10;Контент, сгенерированный ИИ, может содержать ошибки.">
+            <a:extLst>
+              <a:ext uri="{FF2B5EF4-FFF2-40B4-BE49-F238E27FC236}">
+                <a16:creationId xmlns:a16="http://schemas.microsoft.com/office/drawing/2014/main" id="{7CD55437-D6EA-615B-8627-04FACDBD1D37}"/>
+              </a:ext>
+            </a:extLst>
+          </p:cNvPr>
+          <p:cNvPicPr>
+            <a:picLocks noChangeAspect="1"/>
+          </p:cNvPicPr>
+          <p:nvPr/>
+        </p:nvPicPr>
+        <p:blipFill>
+          <a:blip r:embed="rId6">
+            <a:extLst>
+              <a:ext uri="{28A0092B-C50C-407E-A947-70E740481C1C}">
+                <a14:useLocalDpi xmlns:a14="http://schemas.microsoft.com/office/drawing/2010/main" val="0"/>
+              </a:ext>
+            </a:extLst>
+          </a:blip>
+          <a:stretch>
+            <a:fillRect/>
+          </a:stretch>
+        </p:blipFill>
+        <p:spPr>
+          <a:xfrm rot="16200000">
+            <a:off x="9254058" y="5479631"/>
+            <a:ext cx="1007726" cy="1007726"/>
+          </a:xfrm>
+          <a:prstGeom prst="rect">
+            <a:avLst/>
+          </a:prstGeom>
+        </p:spPr>
+      </p:pic>
+      <mc:AlternateContent xmlns:mc="http://schemas.openxmlformats.org/markup-compatibility/2006">
+        <mc:Choice xmlns:p14="http://schemas.microsoft.com/office/powerpoint/2010/main" Requires="p14">
+          <p:contentPart p14:bwMode="auto" r:id="rId7">
+            <p14:nvContentPartPr>
+              <p14:cNvPr id="30" name="Рукописный ввод 29">
+                <a:extLst>
+                  <a:ext uri="{FF2B5EF4-FFF2-40B4-BE49-F238E27FC236}">
+                    <a16:creationId xmlns:a16="http://schemas.microsoft.com/office/drawing/2014/main" id="{0B770A1E-2003-DC9B-A7E1-938DE4732805}"/>
+                  </a:ext>
+                </a:extLst>
+              </p14:cNvPr>
+              <p14:cNvContentPartPr/>
+              <p14:nvPr/>
+            </p14:nvContentPartPr>
+            <p14:xfrm>
+              <a:off x="8347657" y="4704933"/>
+              <a:ext cx="382680" cy="615240"/>
+            </p14:xfrm>
+          </p:contentPart>
+        </mc:Choice>
+        <mc:Fallback>
+          <p:pic>
+            <p:nvPicPr>
+              <p:cNvPr id="30" name="Рукописный ввод 29">
+                <a:extLst>
+                  <a:ext uri="{FF2B5EF4-FFF2-40B4-BE49-F238E27FC236}">
+                    <a16:creationId xmlns:a16="http://schemas.microsoft.com/office/drawing/2014/main" id="{0B770A1E-2003-DC9B-A7E1-938DE4732805}"/>
+                  </a:ext>
+                </a:extLst>
+              </p:cNvPr>
+              <p:cNvPicPr/>
+              <p:nvPr/>
+            </p:nvPicPr>
+            <p:blipFill>
+              <a:blip r:embed="rId8"/>
+              <a:stretch>
+                <a:fillRect/>
+              </a:stretch>
+            </p:blipFill>
+            <p:spPr>
+              <a:xfrm>
+                <a:off x="8341537" y="4698813"/>
+                <a:ext cx="394920" cy="627480"/>
+              </a:xfrm>
+              <a:prstGeom prst="rect">
+                <a:avLst/>
+              </a:prstGeom>
+            </p:spPr>
+          </p:pic>
+        </mc:Fallback>
+      </mc:AlternateContent>
+      <p:grpSp>
+        <p:nvGrpSpPr>
+          <p:cNvPr id="34" name="Группа 33">
+            <a:extLst>
+              <a:ext uri="{FF2B5EF4-FFF2-40B4-BE49-F238E27FC236}">
+                <a16:creationId xmlns:a16="http://schemas.microsoft.com/office/drawing/2014/main" id="{D21FFF3A-8D12-17AF-552A-7A04A8165249}"/>
+              </a:ext>
+            </a:extLst>
+          </p:cNvPr>
+          <p:cNvGrpSpPr/>
+          <p:nvPr/>
+        </p:nvGrpSpPr>
+        <p:grpSpPr>
+          <a:xfrm>
+            <a:off x="6799297" y="3460773"/>
+            <a:ext cx="4132440" cy="3845520"/>
+            <a:chOff x="6799297" y="3460773"/>
+            <a:chExt cx="4132440" cy="3845520"/>
+          </a:xfrm>
+        </p:grpSpPr>
+        <mc:AlternateContent xmlns:mc="http://schemas.openxmlformats.org/markup-compatibility/2006">
+          <mc:Choice xmlns:p14="http://schemas.microsoft.com/office/powerpoint/2010/main" Requires="p14">
+            <p:contentPart p14:bwMode="auto" r:id="rId9">
+              <p14:nvContentPartPr>
+                <p14:cNvPr id="3" name="Рукописный ввод 2">
+                  <a:extLst>
+                    <a:ext uri="{FF2B5EF4-FFF2-40B4-BE49-F238E27FC236}">
+                      <a16:creationId xmlns:a16="http://schemas.microsoft.com/office/drawing/2014/main" id="{BA77CD3F-41A7-10F4-8249-A47FF5BE12DE}"/>
+                    </a:ext>
+                  </a:extLst>
+                </p14:cNvPr>
+                <p14:cNvContentPartPr/>
+                <p14:nvPr/>
+              </p14:nvContentPartPr>
+              <p14:xfrm>
+                <a:off x="6799297" y="4234053"/>
+                <a:ext cx="4132440" cy="3072240"/>
+              </p14:xfrm>
+            </p:contentPart>
+          </mc:Choice>
+          <mc:Fallback>
+            <p:pic>
+              <p:nvPicPr>
+                <p:cNvPr id="3" name="Рукописный ввод 2">
+                  <a:extLst>
+                    <a:ext uri="{FF2B5EF4-FFF2-40B4-BE49-F238E27FC236}">
+                      <a16:creationId xmlns:a16="http://schemas.microsoft.com/office/drawing/2014/main" id="{BA77CD3F-41A7-10F4-8249-A47FF5BE12DE}"/>
+                    </a:ext>
+                  </a:extLst>
+                </p:cNvPr>
+                <p:cNvPicPr/>
+                <p:nvPr/>
+              </p:nvPicPr>
+              <p:blipFill>
+                <a:blip r:embed="rId10"/>
+                <a:stretch>
+                  <a:fillRect/>
+                </a:stretch>
+              </p:blipFill>
+              <p:spPr>
+                <a:xfrm>
+                  <a:off x="6793177" y="4227933"/>
+                  <a:ext cx="4144680" cy="3084480"/>
+                </a:xfrm>
+                <a:prstGeom prst="rect">
+                  <a:avLst/>
+                </a:prstGeom>
+              </p:spPr>
+            </p:pic>
+          </mc:Fallback>
+        </mc:AlternateContent>
+        <mc:AlternateContent xmlns:mc="http://schemas.openxmlformats.org/markup-compatibility/2006">
+          <mc:Choice xmlns:p14="http://schemas.microsoft.com/office/powerpoint/2010/main" Requires="p14">
+            <p:contentPart p14:bwMode="auto" r:id="rId11">
+              <p14:nvContentPartPr>
+                <p14:cNvPr id="12" name="Рукописный ввод 11">
+                  <a:extLst>
+                    <a:ext uri="{FF2B5EF4-FFF2-40B4-BE49-F238E27FC236}">
+                      <a16:creationId xmlns:a16="http://schemas.microsoft.com/office/drawing/2014/main" id="{966A9519-32A0-4A02-FF35-E0332E9F0527}"/>
+                    </a:ext>
+                  </a:extLst>
+                </p14:cNvPr>
+                <p14:cNvContentPartPr/>
+                <p14:nvPr/>
+              </p14:nvContentPartPr>
+              <p14:xfrm>
+                <a:off x="8336857" y="4165653"/>
+                <a:ext cx="308880" cy="380160"/>
+              </p14:xfrm>
+            </p:contentPart>
+          </mc:Choice>
+          <mc:Fallback>
+            <p:pic>
+              <p:nvPicPr>
+                <p:cNvPr id="12" name="Рукописный ввод 11">
+                  <a:extLst>
+                    <a:ext uri="{FF2B5EF4-FFF2-40B4-BE49-F238E27FC236}">
+                      <a16:creationId xmlns:a16="http://schemas.microsoft.com/office/drawing/2014/main" id="{966A9519-32A0-4A02-FF35-E0332E9F0527}"/>
+                    </a:ext>
+                  </a:extLst>
+                </p:cNvPr>
+                <p:cNvPicPr/>
+                <p:nvPr/>
+              </p:nvPicPr>
+              <p:blipFill>
+                <a:blip r:embed="rId12"/>
+                <a:stretch>
+                  <a:fillRect/>
+                </a:stretch>
+              </p:blipFill>
+              <p:spPr>
+                <a:xfrm>
+                  <a:off x="8330737" y="4159533"/>
+                  <a:ext cx="321120" cy="392400"/>
+                </a:xfrm>
+                <a:prstGeom prst="rect">
+                  <a:avLst/>
+                </a:prstGeom>
+              </p:spPr>
+            </p:pic>
+          </mc:Fallback>
+        </mc:AlternateContent>
+        <mc:AlternateContent xmlns:mc="http://schemas.openxmlformats.org/markup-compatibility/2006">
+          <mc:Choice xmlns:p14="http://schemas.microsoft.com/office/powerpoint/2010/main" Requires="p14">
+            <p:contentPart p14:bwMode="auto" r:id="rId13">
+              <p14:nvContentPartPr>
+                <p14:cNvPr id="13" name="Рукописный ввод 12">
+                  <a:extLst>
+                    <a:ext uri="{FF2B5EF4-FFF2-40B4-BE49-F238E27FC236}">
+                      <a16:creationId xmlns:a16="http://schemas.microsoft.com/office/drawing/2014/main" id="{45FFA93F-C1F0-5AF4-6E5E-009C2855EF66}"/>
+                    </a:ext>
+                  </a:extLst>
+                </p14:cNvPr>
+                <p14:cNvContentPartPr/>
+                <p14:nvPr/>
+              </p14:nvContentPartPr>
+              <p14:xfrm>
+                <a:off x="8729257" y="4122813"/>
+                <a:ext cx="181440" cy="411480"/>
+              </p14:xfrm>
+            </p:contentPart>
+          </mc:Choice>
+          <mc:Fallback>
+            <p:pic>
+              <p:nvPicPr>
+                <p:cNvPr id="13" name="Рукописный ввод 12">
+                  <a:extLst>
+                    <a:ext uri="{FF2B5EF4-FFF2-40B4-BE49-F238E27FC236}">
+                      <a16:creationId xmlns:a16="http://schemas.microsoft.com/office/drawing/2014/main" id="{45FFA93F-C1F0-5AF4-6E5E-009C2855EF66}"/>
+                    </a:ext>
+                  </a:extLst>
+                </p:cNvPr>
+                <p:cNvPicPr/>
+                <p:nvPr/>
+              </p:nvPicPr>
+              <p:blipFill>
+                <a:blip r:embed="rId14"/>
+                <a:stretch>
+                  <a:fillRect/>
+                </a:stretch>
+              </p:blipFill>
+              <p:spPr>
+                <a:xfrm>
+                  <a:off x="8723137" y="4116693"/>
+                  <a:ext cx="193680" cy="423720"/>
+                </a:xfrm>
+                <a:prstGeom prst="rect">
+                  <a:avLst/>
+                </a:prstGeom>
+              </p:spPr>
+            </p:pic>
+          </mc:Fallback>
+        </mc:AlternateContent>
+        <mc:AlternateContent xmlns:mc="http://schemas.openxmlformats.org/markup-compatibility/2006">
+          <mc:Choice xmlns:p14="http://schemas.microsoft.com/office/powerpoint/2010/main" Requires="p14">
+            <p:contentPart p14:bwMode="auto" r:id="rId15">
+              <p14:nvContentPartPr>
+                <p14:cNvPr id="14" name="Рукописный ввод 13">
+                  <a:extLst>
+                    <a:ext uri="{FF2B5EF4-FFF2-40B4-BE49-F238E27FC236}">
+                      <a16:creationId xmlns:a16="http://schemas.microsoft.com/office/drawing/2014/main" id="{16A1586B-DB2D-CC85-0AAF-F649A8A42AA7}"/>
+                    </a:ext>
+                  </a:extLst>
+                </p14:cNvPr>
+                <p14:cNvContentPartPr/>
+                <p14:nvPr/>
+              </p14:nvContentPartPr>
+              <p14:xfrm>
+                <a:off x="8946337" y="4139013"/>
+                <a:ext cx="106920" cy="374760"/>
+              </p14:xfrm>
+            </p:contentPart>
+          </mc:Choice>
+          <mc:Fallback>
+            <p:pic>
+              <p:nvPicPr>
+                <p:cNvPr id="14" name="Рукописный ввод 13">
+                  <a:extLst>
+                    <a:ext uri="{FF2B5EF4-FFF2-40B4-BE49-F238E27FC236}">
+                      <a16:creationId xmlns:a16="http://schemas.microsoft.com/office/drawing/2014/main" id="{16A1586B-DB2D-CC85-0AAF-F649A8A42AA7}"/>
+                    </a:ext>
+                  </a:extLst>
+                </p:cNvPr>
+                <p:cNvPicPr/>
+                <p:nvPr/>
+              </p:nvPicPr>
+              <p:blipFill>
+                <a:blip r:embed="rId16"/>
+                <a:stretch>
+                  <a:fillRect/>
+                </a:stretch>
+              </p:blipFill>
+              <p:spPr>
+                <a:xfrm>
+                  <a:off x="8940217" y="4132893"/>
+                  <a:ext cx="119160" cy="387000"/>
+                </a:xfrm>
+                <a:prstGeom prst="rect">
+                  <a:avLst/>
+                </a:prstGeom>
+              </p:spPr>
+            </p:pic>
+          </mc:Fallback>
+        </mc:AlternateContent>
+        <mc:AlternateContent xmlns:mc="http://schemas.openxmlformats.org/markup-compatibility/2006">
+          <mc:Choice xmlns:p14="http://schemas.microsoft.com/office/powerpoint/2010/main" Requires="p14">
+            <p:contentPart p14:bwMode="auto" r:id="rId17">
+              <p14:nvContentPartPr>
+                <p14:cNvPr id="15" name="Рукописный ввод 14">
+                  <a:extLst>
+                    <a:ext uri="{FF2B5EF4-FFF2-40B4-BE49-F238E27FC236}">
+                      <a16:creationId xmlns:a16="http://schemas.microsoft.com/office/drawing/2014/main" id="{7DD7491D-0303-0F85-6FC2-D21DEC9C7ED2}"/>
+                    </a:ext>
+                  </a:extLst>
+                </p14:cNvPr>
+                <p14:cNvContentPartPr/>
+                <p14:nvPr/>
+              </p14:nvContentPartPr>
+              <p14:xfrm>
+                <a:off x="9133897" y="3995013"/>
+                <a:ext cx="337320" cy="557280"/>
+              </p14:xfrm>
+            </p:contentPart>
+          </mc:Choice>
+          <mc:Fallback>
+            <p:pic>
+              <p:nvPicPr>
+                <p:cNvPr id="15" name="Рукописный ввод 14">
+                  <a:extLst>
+                    <a:ext uri="{FF2B5EF4-FFF2-40B4-BE49-F238E27FC236}">
+                      <a16:creationId xmlns:a16="http://schemas.microsoft.com/office/drawing/2014/main" id="{7DD7491D-0303-0F85-6FC2-D21DEC9C7ED2}"/>
+                    </a:ext>
+                  </a:extLst>
+                </p:cNvPr>
+                <p:cNvPicPr/>
+                <p:nvPr/>
+              </p:nvPicPr>
+              <p:blipFill>
+                <a:blip r:embed="rId18"/>
+                <a:stretch>
+                  <a:fillRect/>
+                </a:stretch>
+              </p:blipFill>
+              <p:spPr>
+                <a:xfrm>
+                  <a:off x="9127777" y="3988893"/>
+                  <a:ext cx="349560" cy="569520"/>
+                </a:xfrm>
+                <a:prstGeom prst="rect">
+                  <a:avLst/>
+                </a:prstGeom>
+              </p:spPr>
+            </p:pic>
+          </mc:Fallback>
+        </mc:AlternateContent>
+        <mc:AlternateContent xmlns:mc="http://schemas.openxmlformats.org/markup-compatibility/2006">
+          <mc:Choice xmlns:p14="http://schemas.microsoft.com/office/powerpoint/2010/main" Requires="p14">
+            <p:contentPart p14:bwMode="auto" r:id="rId19">
+              <p14:nvContentPartPr>
+                <p14:cNvPr id="16" name="Рукописный ввод 15">
+                  <a:extLst>
+                    <a:ext uri="{FF2B5EF4-FFF2-40B4-BE49-F238E27FC236}">
+                      <a16:creationId xmlns:a16="http://schemas.microsoft.com/office/drawing/2014/main" id="{A925480D-7470-B74C-7DBB-41779E014F59}"/>
+                    </a:ext>
+                  </a:extLst>
+                </p14:cNvPr>
+                <p14:cNvContentPartPr/>
+                <p14:nvPr/>
+              </p14:nvContentPartPr>
+              <p14:xfrm>
+                <a:off x="9586417" y="3460773"/>
+                <a:ext cx="140760" cy="947520"/>
+              </p14:xfrm>
+            </p:contentPart>
+          </mc:Choice>
+          <mc:Fallback>
+            <p:pic>
+              <p:nvPicPr>
+                <p:cNvPr id="16" name="Рукописный ввод 15">
+                  <a:extLst>
+                    <a:ext uri="{FF2B5EF4-FFF2-40B4-BE49-F238E27FC236}">
+                      <a16:creationId xmlns:a16="http://schemas.microsoft.com/office/drawing/2014/main" id="{A925480D-7470-B74C-7DBB-41779E014F59}"/>
+                    </a:ext>
+                  </a:extLst>
+                </p:cNvPr>
+                <p:cNvPicPr/>
+                <p:nvPr/>
+              </p:nvPicPr>
+              <p:blipFill>
+                <a:blip r:embed="rId20"/>
+                <a:stretch>
+                  <a:fillRect/>
+                </a:stretch>
+              </p:blipFill>
+              <p:spPr>
+                <a:xfrm>
+                  <a:off x="9580297" y="3454653"/>
+                  <a:ext cx="153000" cy="959760"/>
+                </a:xfrm>
+                <a:prstGeom prst="rect">
+                  <a:avLst/>
+                </a:prstGeom>
+              </p:spPr>
+            </p:pic>
+          </mc:Fallback>
+        </mc:AlternateContent>
+        <mc:AlternateContent xmlns:mc="http://schemas.openxmlformats.org/markup-compatibility/2006">
+          <mc:Choice xmlns:p14="http://schemas.microsoft.com/office/powerpoint/2010/main" Requires="p14">
+            <p:contentPart p14:bwMode="auto" r:id="rId21">
+              <p14:nvContentPartPr>
+                <p14:cNvPr id="17" name="Рукописный ввод 16">
+                  <a:extLst>
+                    <a:ext uri="{FF2B5EF4-FFF2-40B4-BE49-F238E27FC236}">
+                      <a16:creationId xmlns:a16="http://schemas.microsoft.com/office/drawing/2014/main" id="{DBDAB24A-4354-DCDA-B642-A79D98ECC3C1}"/>
+                    </a:ext>
+                  </a:extLst>
+                </p14:cNvPr>
+                <p14:cNvContentPartPr/>
+                <p14:nvPr/>
+              </p14:nvContentPartPr>
+              <p14:xfrm>
+                <a:off x="9731857" y="4592973"/>
+                <a:ext cx="12240" cy="57960"/>
+              </p14:xfrm>
+            </p:contentPart>
+          </mc:Choice>
+          <mc:Fallback>
+            <p:pic>
+              <p:nvPicPr>
+                <p:cNvPr id="17" name="Рукописный ввод 16">
+                  <a:extLst>
+                    <a:ext uri="{FF2B5EF4-FFF2-40B4-BE49-F238E27FC236}">
+                      <a16:creationId xmlns:a16="http://schemas.microsoft.com/office/drawing/2014/main" id="{DBDAB24A-4354-DCDA-B642-A79D98ECC3C1}"/>
+                    </a:ext>
+                  </a:extLst>
+                </p:cNvPr>
+                <p:cNvPicPr/>
+                <p:nvPr/>
+              </p:nvPicPr>
+              <p:blipFill>
+                <a:blip r:embed="rId22"/>
+                <a:stretch>
+                  <a:fillRect/>
+                </a:stretch>
+              </p:blipFill>
+              <p:spPr>
+                <a:xfrm>
+                  <a:off x="9725737" y="4586853"/>
+                  <a:ext cx="24480" cy="70200"/>
+                </a:xfrm>
+                <a:prstGeom prst="rect">
+                  <a:avLst/>
+                </a:prstGeom>
+              </p:spPr>
+            </p:pic>
+          </mc:Fallback>
+        </mc:AlternateContent>
+        <mc:AlternateContent xmlns:mc="http://schemas.openxmlformats.org/markup-compatibility/2006">
+          <mc:Choice xmlns:p14="http://schemas.microsoft.com/office/powerpoint/2010/main" Requires="p14">
+            <p:contentPart p14:bwMode="auto" r:id="rId23">
+              <p14:nvContentPartPr>
+                <p14:cNvPr id="19" name="Рукописный ввод 18">
+                  <a:extLst>
+                    <a:ext uri="{FF2B5EF4-FFF2-40B4-BE49-F238E27FC236}">
+                      <a16:creationId xmlns:a16="http://schemas.microsoft.com/office/drawing/2014/main" id="{6939B4D5-2D6C-DBBC-5E95-86221325EA73}"/>
+                    </a:ext>
+                  </a:extLst>
+                </p14:cNvPr>
+                <p14:cNvContentPartPr/>
+                <p14:nvPr/>
+              </p14:nvContentPartPr>
+              <p14:xfrm>
+                <a:off x="7081897" y="4650573"/>
+                <a:ext cx="349200" cy="792720"/>
+              </p14:xfrm>
+            </p:contentPart>
+          </mc:Choice>
+          <mc:Fallback>
+            <p:pic>
+              <p:nvPicPr>
+                <p:cNvPr id="19" name="Рукописный ввод 18">
+                  <a:extLst>
+                    <a:ext uri="{FF2B5EF4-FFF2-40B4-BE49-F238E27FC236}">
+                      <a16:creationId xmlns:a16="http://schemas.microsoft.com/office/drawing/2014/main" id="{6939B4D5-2D6C-DBBC-5E95-86221325EA73}"/>
+                    </a:ext>
+                  </a:extLst>
+                </p:cNvPr>
+                <p:cNvPicPr/>
+                <p:nvPr/>
+              </p:nvPicPr>
+              <p:blipFill>
+                <a:blip r:embed="rId24"/>
+                <a:stretch>
+                  <a:fillRect/>
+                </a:stretch>
+              </p:blipFill>
+              <p:spPr>
+                <a:xfrm>
+                  <a:off x="7075777" y="4644453"/>
+                  <a:ext cx="361440" cy="804960"/>
+                </a:xfrm>
+                <a:prstGeom prst="rect">
+                  <a:avLst/>
+                </a:prstGeom>
+              </p:spPr>
+            </p:pic>
+          </mc:Fallback>
+        </mc:AlternateContent>
+        <mc:AlternateContent xmlns:mc="http://schemas.openxmlformats.org/markup-compatibility/2006">
+          <mc:Choice xmlns:p14="http://schemas.microsoft.com/office/powerpoint/2010/main" Requires="p14">
+            <p:contentPart p14:bwMode="auto" r:id="rId25">
+              <p14:nvContentPartPr>
+                <p14:cNvPr id="20" name="Рукописный ввод 19">
+                  <a:extLst>
+                    <a:ext uri="{FF2B5EF4-FFF2-40B4-BE49-F238E27FC236}">
+                      <a16:creationId xmlns:a16="http://schemas.microsoft.com/office/drawing/2014/main" id="{77D2F70A-DCF4-4F85-63B1-2D136E09E9C4}"/>
+                    </a:ext>
+                  </a:extLst>
+                </p14:cNvPr>
+                <p14:cNvContentPartPr/>
+                <p14:nvPr/>
+              </p14:nvContentPartPr>
+              <p14:xfrm>
+                <a:off x="7108537" y="5024613"/>
+                <a:ext cx="257400" cy="226080"/>
+              </p14:xfrm>
+            </p:contentPart>
+          </mc:Choice>
+          <mc:Fallback>
+            <p:pic>
+              <p:nvPicPr>
+                <p:cNvPr id="20" name="Рукописный ввод 19">
+                  <a:extLst>
+                    <a:ext uri="{FF2B5EF4-FFF2-40B4-BE49-F238E27FC236}">
+                      <a16:creationId xmlns:a16="http://schemas.microsoft.com/office/drawing/2014/main" id="{77D2F70A-DCF4-4F85-63B1-2D136E09E9C4}"/>
+                    </a:ext>
+                  </a:extLst>
+                </p:cNvPr>
+                <p:cNvPicPr/>
+                <p:nvPr/>
+              </p:nvPicPr>
+              <p:blipFill>
+                <a:blip r:embed="rId26"/>
+                <a:stretch>
+                  <a:fillRect/>
+                </a:stretch>
+              </p:blipFill>
+              <p:spPr>
+                <a:xfrm>
+                  <a:off x="7102417" y="5018493"/>
+                  <a:ext cx="269640" cy="238320"/>
+                </a:xfrm>
+                <a:prstGeom prst="rect">
+                  <a:avLst/>
+                </a:prstGeom>
+              </p:spPr>
+            </p:pic>
+          </mc:Fallback>
+        </mc:AlternateContent>
+        <mc:AlternateContent xmlns:mc="http://schemas.openxmlformats.org/markup-compatibility/2006">
+          <mc:Choice xmlns:p14="http://schemas.microsoft.com/office/powerpoint/2010/main" Requires="p14">
+            <p:contentPart p14:bwMode="auto" r:id="rId27">
+              <p14:nvContentPartPr>
+                <p14:cNvPr id="21" name="Рукописный ввод 20">
+                  <a:extLst>
+                    <a:ext uri="{FF2B5EF4-FFF2-40B4-BE49-F238E27FC236}">
+                      <a16:creationId xmlns:a16="http://schemas.microsoft.com/office/drawing/2014/main" id="{BA1C4B3F-BC5B-A0E9-203F-6F783EFDC37C}"/>
+                    </a:ext>
+                  </a:extLst>
+                </p14:cNvPr>
+                <p14:cNvContentPartPr/>
+                <p14:nvPr/>
+              </p14:nvContentPartPr>
+              <p14:xfrm>
+                <a:off x="7491937" y="4660293"/>
+                <a:ext cx="159480" cy="710280"/>
+              </p14:xfrm>
+            </p:contentPart>
+          </mc:Choice>
+          <mc:Fallback>
+            <p:pic>
+              <p:nvPicPr>
+                <p:cNvPr id="21" name="Рукописный ввод 20">
+                  <a:extLst>
+                    <a:ext uri="{FF2B5EF4-FFF2-40B4-BE49-F238E27FC236}">
+                      <a16:creationId xmlns:a16="http://schemas.microsoft.com/office/drawing/2014/main" id="{BA1C4B3F-BC5B-A0E9-203F-6F783EFDC37C}"/>
+                    </a:ext>
+                  </a:extLst>
+                </p:cNvPr>
+                <p:cNvPicPr/>
+                <p:nvPr/>
+              </p:nvPicPr>
+              <p:blipFill>
+                <a:blip r:embed="rId28"/>
+                <a:stretch>
+                  <a:fillRect/>
+                </a:stretch>
+              </p:blipFill>
+              <p:spPr>
+                <a:xfrm>
+                  <a:off x="7485817" y="4654173"/>
+                  <a:ext cx="171720" cy="722520"/>
+                </a:xfrm>
+                <a:prstGeom prst="rect">
+                  <a:avLst/>
+                </a:prstGeom>
+              </p:spPr>
+            </p:pic>
+          </mc:Fallback>
+        </mc:AlternateContent>
+        <mc:AlternateContent xmlns:mc="http://schemas.openxmlformats.org/markup-compatibility/2006">
+          <mc:Choice xmlns:p14="http://schemas.microsoft.com/office/powerpoint/2010/main" Requires="p14">
+            <p:contentPart p14:bwMode="auto" r:id="rId29">
+              <p14:nvContentPartPr>
+                <p14:cNvPr id="22" name="Рукописный ввод 21">
+                  <a:extLst>
+                    <a:ext uri="{FF2B5EF4-FFF2-40B4-BE49-F238E27FC236}">
+                      <a16:creationId xmlns:a16="http://schemas.microsoft.com/office/drawing/2014/main" id="{C093572C-E2B8-E73D-F09D-AE84583DDF92}"/>
+                    </a:ext>
+                  </a:extLst>
+                </p14:cNvPr>
+                <p14:cNvContentPartPr/>
+                <p14:nvPr/>
+              </p14:nvContentPartPr>
+              <p14:xfrm>
+                <a:off x="7727737" y="4660293"/>
+                <a:ext cx="129240" cy="712440"/>
+              </p14:xfrm>
+            </p:contentPart>
+          </mc:Choice>
+          <mc:Fallback>
+            <p:pic>
+              <p:nvPicPr>
+                <p:cNvPr id="22" name="Рукописный ввод 21">
+                  <a:extLst>
+                    <a:ext uri="{FF2B5EF4-FFF2-40B4-BE49-F238E27FC236}">
+                      <a16:creationId xmlns:a16="http://schemas.microsoft.com/office/drawing/2014/main" id="{C093572C-E2B8-E73D-F09D-AE84583DDF92}"/>
+                    </a:ext>
+                  </a:extLst>
+                </p:cNvPr>
+                <p:cNvPicPr/>
+                <p:nvPr/>
+              </p:nvPicPr>
+              <p:blipFill>
+                <a:blip r:embed="rId30"/>
+                <a:stretch>
+                  <a:fillRect/>
+                </a:stretch>
+              </p:blipFill>
+              <p:spPr>
+                <a:xfrm>
+                  <a:off x="7721617" y="4654173"/>
+                  <a:ext cx="141480" cy="724680"/>
+                </a:xfrm>
+                <a:prstGeom prst="rect">
+                  <a:avLst/>
+                </a:prstGeom>
+              </p:spPr>
+            </p:pic>
+          </mc:Fallback>
+        </mc:AlternateContent>
+        <mc:AlternateContent xmlns:mc="http://schemas.openxmlformats.org/markup-compatibility/2006">
+          <mc:Choice xmlns:p14="http://schemas.microsoft.com/office/powerpoint/2010/main" Requires="p14">
+            <p:contentPart p14:bwMode="auto" r:id="rId31">
+              <p14:nvContentPartPr>
+                <p14:cNvPr id="23" name="Рукописный ввод 22">
+                  <a:extLst>
+                    <a:ext uri="{FF2B5EF4-FFF2-40B4-BE49-F238E27FC236}">
+                      <a16:creationId xmlns:a16="http://schemas.microsoft.com/office/drawing/2014/main" id="{85DCF1A6-4149-BF96-F94B-7D198AA1160F}"/>
+                    </a:ext>
+                  </a:extLst>
+                </p14:cNvPr>
+                <p14:cNvContentPartPr/>
+                <p14:nvPr/>
+              </p14:nvContentPartPr>
+              <p14:xfrm>
+                <a:off x="7954177" y="4699893"/>
+                <a:ext cx="292680" cy="711360"/>
+              </p14:xfrm>
+            </p:contentPart>
+          </mc:Choice>
+          <mc:Fallback>
+            <p:pic>
+              <p:nvPicPr>
+                <p:cNvPr id="23" name="Рукописный ввод 22">
+                  <a:extLst>
+                    <a:ext uri="{FF2B5EF4-FFF2-40B4-BE49-F238E27FC236}">
+                      <a16:creationId xmlns:a16="http://schemas.microsoft.com/office/drawing/2014/main" id="{85DCF1A6-4149-BF96-F94B-7D198AA1160F}"/>
+                    </a:ext>
+                  </a:extLst>
+                </p:cNvPr>
+                <p:cNvPicPr/>
+                <p:nvPr/>
+              </p:nvPicPr>
+              <p:blipFill>
+                <a:blip r:embed="rId32"/>
+                <a:stretch>
+                  <a:fillRect/>
+                </a:stretch>
+              </p:blipFill>
+              <p:spPr>
+                <a:xfrm>
+                  <a:off x="7948057" y="4693773"/>
+                  <a:ext cx="304920" cy="723600"/>
+                </a:xfrm>
+                <a:prstGeom prst="rect">
+                  <a:avLst/>
+                </a:prstGeom>
+              </p:spPr>
+            </p:pic>
+          </mc:Fallback>
+        </mc:AlternateContent>
+        <mc:AlternateContent xmlns:mc="http://schemas.openxmlformats.org/markup-compatibility/2006">
+          <mc:Choice xmlns:p14="http://schemas.microsoft.com/office/powerpoint/2010/main" Requires="p14">
+            <p:contentPart p14:bwMode="auto" r:id="rId33">
+              <p14:nvContentPartPr>
+                <p14:cNvPr id="24" name="Рукописный ввод 23">
+                  <a:extLst>
+                    <a:ext uri="{FF2B5EF4-FFF2-40B4-BE49-F238E27FC236}">
+                      <a16:creationId xmlns:a16="http://schemas.microsoft.com/office/drawing/2014/main" id="{85211A18-21EB-8931-3832-FAD3F5C769E2}"/>
+                    </a:ext>
+                  </a:extLst>
+                </p14:cNvPr>
+                <p14:cNvContentPartPr/>
+                <p14:nvPr/>
+              </p14:nvContentPartPr>
+              <p14:xfrm>
+                <a:off x="8081617" y="4949013"/>
+                <a:ext cx="166320" cy="223200"/>
+              </p14:xfrm>
+            </p:contentPart>
+          </mc:Choice>
+          <mc:Fallback>
+            <p:pic>
+              <p:nvPicPr>
+                <p:cNvPr id="24" name="Рукописный ввод 23">
+                  <a:extLst>
+                    <a:ext uri="{FF2B5EF4-FFF2-40B4-BE49-F238E27FC236}">
+                      <a16:creationId xmlns:a16="http://schemas.microsoft.com/office/drawing/2014/main" id="{85211A18-21EB-8931-3832-FAD3F5C769E2}"/>
+                    </a:ext>
+                  </a:extLst>
+                </p:cNvPr>
+                <p:cNvPicPr/>
+                <p:nvPr/>
+              </p:nvPicPr>
+              <p:blipFill>
+                <a:blip r:embed="rId34"/>
+                <a:stretch>
+                  <a:fillRect/>
+                </a:stretch>
+              </p:blipFill>
+              <p:spPr>
+                <a:xfrm>
+                  <a:off x="8075497" y="4942893"/>
+                  <a:ext cx="178560" cy="235440"/>
+                </a:xfrm>
+                <a:prstGeom prst="rect">
+                  <a:avLst/>
+                </a:prstGeom>
+              </p:spPr>
+            </p:pic>
+          </mc:Fallback>
+        </mc:AlternateContent>
+        <mc:AlternateContent xmlns:mc="http://schemas.openxmlformats.org/markup-compatibility/2006">
+          <mc:Choice xmlns:p14="http://schemas.microsoft.com/office/powerpoint/2010/main" Requires="p14">
+            <p:contentPart p14:bwMode="auto" r:id="rId35">
+              <p14:nvContentPartPr>
+                <p14:cNvPr id="25" name="Рукописный ввод 24">
+                  <a:extLst>
+                    <a:ext uri="{FF2B5EF4-FFF2-40B4-BE49-F238E27FC236}">
+                      <a16:creationId xmlns:a16="http://schemas.microsoft.com/office/drawing/2014/main" id="{F4F06DDE-66D0-B934-1953-1FBC78289DD9}"/>
+                    </a:ext>
+                  </a:extLst>
+                </p14:cNvPr>
+                <p14:cNvContentPartPr/>
+                <p14:nvPr/>
+              </p14:nvContentPartPr>
+              <p14:xfrm>
+                <a:off x="8347657" y="4699893"/>
+                <a:ext cx="364680" cy="551880"/>
+              </p14:xfrm>
+            </p:contentPart>
+          </mc:Choice>
+          <mc:Fallback>
+            <p:pic>
+              <p:nvPicPr>
+                <p:cNvPr id="25" name="Рукописный ввод 24">
+                  <a:extLst>
+                    <a:ext uri="{FF2B5EF4-FFF2-40B4-BE49-F238E27FC236}">
+                      <a16:creationId xmlns:a16="http://schemas.microsoft.com/office/drawing/2014/main" id="{F4F06DDE-66D0-B934-1953-1FBC78289DD9}"/>
+                    </a:ext>
+                  </a:extLst>
+                </p:cNvPr>
+                <p:cNvPicPr/>
+                <p:nvPr/>
+              </p:nvPicPr>
+              <p:blipFill>
+                <a:blip r:embed="rId36"/>
+                <a:stretch>
+                  <a:fillRect/>
+                </a:stretch>
+              </p:blipFill>
+              <p:spPr>
+                <a:xfrm>
+                  <a:off x="8341537" y="4693773"/>
+                  <a:ext cx="376920" cy="564120"/>
+                </a:xfrm>
+                <a:prstGeom prst="rect">
+                  <a:avLst/>
+                </a:prstGeom>
+              </p:spPr>
+            </p:pic>
+          </mc:Fallback>
+        </mc:AlternateContent>
+        <mc:AlternateContent xmlns:mc="http://schemas.openxmlformats.org/markup-compatibility/2006">
+          <mc:Choice xmlns:p14="http://schemas.microsoft.com/office/powerpoint/2010/main" Requires="p14">
+            <p:contentPart p14:bwMode="auto" r:id="rId37">
+              <p14:nvContentPartPr>
+                <p14:cNvPr id="27" name="Рукописный ввод 26">
+                  <a:extLst>
+                    <a:ext uri="{FF2B5EF4-FFF2-40B4-BE49-F238E27FC236}">
+                      <a16:creationId xmlns:a16="http://schemas.microsoft.com/office/drawing/2014/main" id="{F6C50538-42CE-11A0-0E75-A508F5365838}"/>
+                    </a:ext>
+                  </a:extLst>
+                </p14:cNvPr>
+                <p14:cNvContentPartPr/>
+                <p14:nvPr/>
+              </p14:nvContentPartPr>
+              <p14:xfrm>
+                <a:off x="7620097" y="5362293"/>
+                <a:ext cx="93600" cy="36000"/>
+              </p14:xfrm>
+            </p:contentPart>
+          </mc:Choice>
+          <mc:Fallback>
+            <p:pic>
+              <p:nvPicPr>
+                <p:cNvPr id="27" name="Рукописный ввод 26">
+                  <a:extLst>
+                    <a:ext uri="{FF2B5EF4-FFF2-40B4-BE49-F238E27FC236}">
+                      <a16:creationId xmlns:a16="http://schemas.microsoft.com/office/drawing/2014/main" id="{F6C50538-42CE-11A0-0E75-A508F5365838}"/>
+                    </a:ext>
+                  </a:extLst>
+                </p:cNvPr>
+                <p:cNvPicPr/>
+                <p:nvPr/>
+              </p:nvPicPr>
+              <p:blipFill>
+                <a:blip r:embed="rId38"/>
+                <a:stretch>
+                  <a:fillRect/>
+                </a:stretch>
+              </p:blipFill>
+              <p:spPr>
+                <a:xfrm>
+                  <a:off x="7613977" y="5356173"/>
+                  <a:ext cx="105840" cy="48240"/>
+                </a:xfrm>
+                <a:prstGeom prst="rect">
+                  <a:avLst/>
+                </a:prstGeom>
+              </p:spPr>
+            </p:pic>
+          </mc:Fallback>
+        </mc:AlternateContent>
+        <mc:AlternateContent xmlns:mc="http://schemas.openxmlformats.org/markup-compatibility/2006">
+          <mc:Choice xmlns:p14="http://schemas.microsoft.com/office/powerpoint/2010/main" Requires="p14">
+            <p:contentPart p14:bwMode="auto" r:id="rId39">
+              <p14:nvContentPartPr>
+                <p14:cNvPr id="28" name="Рукописный ввод 27">
+                  <a:extLst>
+                    <a:ext uri="{FF2B5EF4-FFF2-40B4-BE49-F238E27FC236}">
+                      <a16:creationId xmlns:a16="http://schemas.microsoft.com/office/drawing/2014/main" id="{F58B72E3-DEB9-2B8F-36A9-3D587C536478}"/>
+                    </a:ext>
+                  </a:extLst>
+                </p14:cNvPr>
+                <p14:cNvContentPartPr/>
+                <p14:nvPr/>
+              </p14:nvContentPartPr>
+              <p14:xfrm>
+                <a:off x="7767337" y="5280573"/>
+                <a:ext cx="237600" cy="47880"/>
+              </p14:xfrm>
+            </p:contentPart>
+          </mc:Choice>
+          <mc:Fallback>
+            <p:pic>
+              <p:nvPicPr>
+                <p:cNvPr id="28" name="Рукописный ввод 27">
+                  <a:extLst>
+                    <a:ext uri="{FF2B5EF4-FFF2-40B4-BE49-F238E27FC236}">
+                      <a16:creationId xmlns:a16="http://schemas.microsoft.com/office/drawing/2014/main" id="{F58B72E3-DEB9-2B8F-36A9-3D587C536478}"/>
+                    </a:ext>
+                  </a:extLst>
+                </p:cNvPr>
+                <p:cNvPicPr/>
+                <p:nvPr/>
+              </p:nvPicPr>
+              <p:blipFill>
+                <a:blip r:embed="rId40"/>
+                <a:stretch>
+                  <a:fillRect/>
+                </a:stretch>
+              </p:blipFill>
+              <p:spPr>
+                <a:xfrm>
+                  <a:off x="7761217" y="5274453"/>
+                  <a:ext cx="249840" cy="60120"/>
+                </a:xfrm>
+                <a:prstGeom prst="rect">
+                  <a:avLst/>
+                </a:prstGeom>
+              </p:spPr>
+            </p:pic>
+          </mc:Fallback>
+        </mc:AlternateContent>
+        <mc:AlternateContent xmlns:mc="http://schemas.openxmlformats.org/markup-compatibility/2006">
+          <mc:Choice xmlns:p14="http://schemas.microsoft.com/office/powerpoint/2010/main" Requires="p14">
+            <p:contentPart p14:bwMode="auto" r:id="rId41">
+              <p14:nvContentPartPr>
+                <p14:cNvPr id="32" name="Рукописный ввод 31">
+                  <a:extLst>
+                    <a:ext uri="{FF2B5EF4-FFF2-40B4-BE49-F238E27FC236}">
+                      <a16:creationId xmlns:a16="http://schemas.microsoft.com/office/drawing/2014/main" id="{135D5E10-8D93-309D-5289-32F6A3740247}"/>
+                    </a:ext>
+                  </a:extLst>
+                </p14:cNvPr>
+                <p14:cNvContentPartPr/>
+                <p14:nvPr/>
+              </p14:nvContentPartPr>
+              <p14:xfrm>
+                <a:off x="8241457" y="4719333"/>
+                <a:ext cx="917640" cy="768960"/>
+              </p14:xfrm>
+            </p:contentPart>
+          </mc:Choice>
+          <mc:Fallback>
+            <p:pic>
+              <p:nvPicPr>
+                <p:cNvPr id="32" name="Рукописный ввод 31">
+                  <a:extLst>
+                    <a:ext uri="{FF2B5EF4-FFF2-40B4-BE49-F238E27FC236}">
+                      <a16:creationId xmlns:a16="http://schemas.microsoft.com/office/drawing/2014/main" id="{135D5E10-8D93-309D-5289-32F6A3740247}"/>
+                    </a:ext>
+                  </a:extLst>
+                </p:cNvPr>
+                <p:cNvPicPr/>
+                <p:nvPr/>
+              </p:nvPicPr>
+              <p:blipFill>
+                <a:blip r:embed="rId42"/>
+                <a:stretch>
+                  <a:fillRect/>
+                </a:stretch>
+              </p:blipFill>
+              <p:spPr>
+                <a:xfrm>
+                  <a:off x="8235337" y="4713213"/>
+                  <a:ext cx="929880" cy="781200"/>
+                </a:xfrm>
+                <a:prstGeom prst="rect">
+                  <a:avLst/>
+                </a:prstGeom>
+              </p:spPr>
+            </p:pic>
+          </mc:Fallback>
+        </mc:AlternateContent>
+        <mc:AlternateContent xmlns:mc="http://schemas.openxmlformats.org/markup-compatibility/2006">
+          <mc:Choice xmlns:p14="http://schemas.microsoft.com/office/powerpoint/2010/main" Requires="p14">
+            <p:contentPart p14:bwMode="auto" r:id="rId43">
+              <p14:nvContentPartPr>
+                <p14:cNvPr id="33" name="Рукописный ввод 32">
+                  <a:extLst>
+                    <a:ext uri="{FF2B5EF4-FFF2-40B4-BE49-F238E27FC236}">
+                      <a16:creationId xmlns:a16="http://schemas.microsoft.com/office/drawing/2014/main" id="{3A2D8EE7-2485-5F3C-A2B2-200014B6D105}"/>
+                    </a:ext>
+                  </a:extLst>
+                </p14:cNvPr>
+                <p14:cNvContentPartPr/>
+                <p14:nvPr/>
+              </p14:nvContentPartPr>
+              <p14:xfrm>
+                <a:off x="8439457" y="4411533"/>
+                <a:ext cx="514080" cy="1589760"/>
+              </p14:xfrm>
+            </p:contentPart>
+          </mc:Choice>
+          <mc:Fallback>
+            <p:pic>
+              <p:nvPicPr>
+                <p:cNvPr id="33" name="Рукописный ввод 32">
+                  <a:extLst>
+                    <a:ext uri="{FF2B5EF4-FFF2-40B4-BE49-F238E27FC236}">
+                      <a16:creationId xmlns:a16="http://schemas.microsoft.com/office/drawing/2014/main" id="{3A2D8EE7-2485-5F3C-A2B2-200014B6D105}"/>
+                    </a:ext>
+                  </a:extLst>
+                </p:cNvPr>
+                <p:cNvPicPr/>
+                <p:nvPr/>
+              </p:nvPicPr>
+              <p:blipFill>
+                <a:blip r:embed="rId44"/>
+                <a:stretch>
+                  <a:fillRect/>
+                </a:stretch>
+              </p:blipFill>
+              <p:spPr>
+                <a:xfrm>
+                  <a:off x="8433337" y="4405413"/>
+                  <a:ext cx="526320" cy="1602000"/>
+                </a:xfrm>
+                <a:prstGeom prst="rect">
+                  <a:avLst/>
+                </a:prstGeom>
+              </p:spPr>
+            </p:pic>
+          </mc:Fallback>
+        </mc:AlternateContent>
+      </p:grpSp>
+      <p:grpSp>
+        <p:nvGrpSpPr>
+          <p:cNvPr id="49" name="Группа 48">
+            <a:extLst>
+              <a:ext uri="{FF2B5EF4-FFF2-40B4-BE49-F238E27FC236}">
+                <a16:creationId xmlns:a16="http://schemas.microsoft.com/office/drawing/2014/main" id="{5FEE28AB-73C0-6057-C2A7-77E3D78A8AF0}"/>
+              </a:ext>
+            </a:extLst>
+          </p:cNvPr>
+          <p:cNvGrpSpPr/>
+          <p:nvPr/>
+        </p:nvGrpSpPr>
+        <p:grpSpPr>
+          <a:xfrm>
+            <a:off x="8898097" y="2499101"/>
+            <a:ext cx="2047680" cy="3555720"/>
+            <a:chOff x="8898097" y="2499101"/>
+            <a:chExt cx="2047680" cy="3555720"/>
+          </a:xfrm>
+        </p:grpSpPr>
+        <mc:AlternateContent xmlns:mc="http://schemas.openxmlformats.org/markup-compatibility/2006">
+          <mc:Choice xmlns:p14="http://schemas.microsoft.com/office/powerpoint/2010/main" Requires="p14">
+            <p:contentPart p14:bwMode="auto" r:id="rId45">
+              <p14:nvContentPartPr>
+                <p14:cNvPr id="35" name="Рукописный ввод 34">
+                  <a:extLst>
+                    <a:ext uri="{FF2B5EF4-FFF2-40B4-BE49-F238E27FC236}">
+                      <a16:creationId xmlns:a16="http://schemas.microsoft.com/office/drawing/2014/main" id="{181835E8-A34D-EB7F-223C-5C40AAB87AD1}"/>
+                    </a:ext>
+                  </a:extLst>
+                </p14:cNvPr>
+                <p14:cNvContentPartPr/>
+                <p14:nvPr/>
+              </p14:nvContentPartPr>
+              <p14:xfrm>
+                <a:off x="9351697" y="3973661"/>
+                <a:ext cx="592920" cy="1670040"/>
+              </p14:xfrm>
+            </p:contentPart>
+          </mc:Choice>
+          <mc:Fallback>
+            <p:pic>
+              <p:nvPicPr>
+                <p:cNvPr id="35" name="Рукописный ввод 34">
+                  <a:extLst>
+                    <a:ext uri="{FF2B5EF4-FFF2-40B4-BE49-F238E27FC236}">
+                      <a16:creationId xmlns:a16="http://schemas.microsoft.com/office/drawing/2014/main" id="{181835E8-A34D-EB7F-223C-5C40AAB87AD1}"/>
+                    </a:ext>
+                  </a:extLst>
+                </p:cNvPr>
+                <p:cNvPicPr/>
+                <p:nvPr/>
+              </p:nvPicPr>
+              <p:blipFill>
+                <a:blip r:embed="rId46"/>
+                <a:stretch>
+                  <a:fillRect/>
+                </a:stretch>
+              </p:blipFill>
+              <p:spPr>
+                <a:xfrm>
+                  <a:off x="9345577" y="3967541"/>
+                  <a:ext cx="605160" cy="1682280"/>
+                </a:xfrm>
+                <a:prstGeom prst="rect">
+                  <a:avLst/>
+                </a:prstGeom>
+              </p:spPr>
+            </p:pic>
+          </mc:Fallback>
+        </mc:AlternateContent>
+        <mc:AlternateContent xmlns:mc="http://schemas.openxmlformats.org/markup-compatibility/2006">
+          <mc:Choice xmlns:p14="http://schemas.microsoft.com/office/powerpoint/2010/main" Requires="p14">
+            <p:contentPart p14:bwMode="auto" r:id="rId47">
+              <p14:nvContentPartPr>
+                <p14:cNvPr id="36" name="Рукописный ввод 35">
+                  <a:extLst>
+                    <a:ext uri="{FF2B5EF4-FFF2-40B4-BE49-F238E27FC236}">
+                      <a16:creationId xmlns:a16="http://schemas.microsoft.com/office/drawing/2014/main" id="{FECA4867-0902-1F4E-7B7D-5C925B23D5B9}"/>
+                    </a:ext>
+                  </a:extLst>
+                </p14:cNvPr>
+                <p14:cNvContentPartPr/>
+                <p14:nvPr/>
+              </p14:nvContentPartPr>
+              <p14:xfrm>
+                <a:off x="8898097" y="3241061"/>
+                <a:ext cx="1670760" cy="2334240"/>
+              </p14:xfrm>
+            </p:contentPart>
+          </mc:Choice>
+          <mc:Fallback>
+            <p:pic>
+              <p:nvPicPr>
+                <p:cNvPr id="36" name="Рукописный ввод 35">
+                  <a:extLst>
+                    <a:ext uri="{FF2B5EF4-FFF2-40B4-BE49-F238E27FC236}">
+                      <a16:creationId xmlns:a16="http://schemas.microsoft.com/office/drawing/2014/main" id="{FECA4867-0902-1F4E-7B7D-5C925B23D5B9}"/>
+                    </a:ext>
+                  </a:extLst>
+                </p:cNvPr>
+                <p:cNvPicPr/>
+                <p:nvPr/>
+              </p:nvPicPr>
+              <p:blipFill>
+                <a:blip r:embed="rId48"/>
+                <a:stretch>
+                  <a:fillRect/>
+                </a:stretch>
+              </p:blipFill>
+              <p:spPr>
+                <a:xfrm>
+                  <a:off x="8891977" y="3234941"/>
+                  <a:ext cx="1683000" cy="2346480"/>
+                </a:xfrm>
+                <a:prstGeom prst="rect">
+                  <a:avLst/>
+                </a:prstGeom>
+              </p:spPr>
+            </p:pic>
+          </mc:Fallback>
+        </mc:AlternateContent>
+        <mc:AlternateContent xmlns:mc="http://schemas.openxmlformats.org/markup-compatibility/2006">
+          <mc:Choice xmlns:p14="http://schemas.microsoft.com/office/powerpoint/2010/main" Requires="p14">
+            <p:contentPart p14:bwMode="auto" r:id="rId49">
+              <p14:nvContentPartPr>
+                <p14:cNvPr id="37" name="Рукописный ввод 36">
+                  <a:extLst>
+                    <a:ext uri="{FF2B5EF4-FFF2-40B4-BE49-F238E27FC236}">
+                      <a16:creationId xmlns:a16="http://schemas.microsoft.com/office/drawing/2014/main" id="{5D2AA74A-F727-B446-C243-A1FBBC9E9315}"/>
+                    </a:ext>
+                  </a:extLst>
+                </p14:cNvPr>
+                <p14:cNvContentPartPr/>
+                <p14:nvPr/>
+              </p14:nvContentPartPr>
+              <p14:xfrm>
+                <a:off x="9517657" y="2924981"/>
+                <a:ext cx="1320840" cy="2404440"/>
+              </p14:xfrm>
+            </p:contentPart>
+          </mc:Choice>
+          <mc:Fallback>
+            <p:pic>
+              <p:nvPicPr>
+                <p:cNvPr id="37" name="Рукописный ввод 36">
+                  <a:extLst>
+                    <a:ext uri="{FF2B5EF4-FFF2-40B4-BE49-F238E27FC236}">
+                      <a16:creationId xmlns:a16="http://schemas.microsoft.com/office/drawing/2014/main" id="{5D2AA74A-F727-B446-C243-A1FBBC9E9315}"/>
+                    </a:ext>
+                  </a:extLst>
+                </p:cNvPr>
+                <p:cNvPicPr/>
+                <p:nvPr/>
+              </p:nvPicPr>
+              <p:blipFill>
+                <a:blip r:embed="rId50"/>
+                <a:stretch>
+                  <a:fillRect/>
+                </a:stretch>
+              </p:blipFill>
+              <p:spPr>
+                <a:xfrm>
+                  <a:off x="9511537" y="2918861"/>
+                  <a:ext cx="1333080" cy="2416680"/>
+                </a:xfrm>
+                <a:prstGeom prst="rect">
+                  <a:avLst/>
+                </a:prstGeom>
+              </p:spPr>
+            </p:pic>
+          </mc:Fallback>
+        </mc:AlternateContent>
+        <mc:AlternateContent xmlns:mc="http://schemas.openxmlformats.org/markup-compatibility/2006">
+          <mc:Choice xmlns:p14="http://schemas.microsoft.com/office/powerpoint/2010/main" Requires="p14">
+            <p:contentPart p14:bwMode="auto" r:id="rId51">
+              <p14:nvContentPartPr>
+                <p14:cNvPr id="38" name="Рукописный ввод 37">
+                  <a:extLst>
+                    <a:ext uri="{FF2B5EF4-FFF2-40B4-BE49-F238E27FC236}">
+                      <a16:creationId xmlns:a16="http://schemas.microsoft.com/office/drawing/2014/main" id="{A4204E97-B7D6-E225-63F0-F9929B585FCC}"/>
+                    </a:ext>
+                  </a:extLst>
+                </p14:cNvPr>
+                <p14:cNvContentPartPr/>
+                <p14:nvPr/>
+              </p14:nvContentPartPr>
+              <p14:xfrm>
+                <a:off x="9311017" y="3382901"/>
+                <a:ext cx="1634760" cy="2300760"/>
+              </p14:xfrm>
+            </p:contentPart>
+          </mc:Choice>
+          <mc:Fallback>
+            <p:pic>
+              <p:nvPicPr>
+                <p:cNvPr id="38" name="Рукописный ввод 37">
+                  <a:extLst>
+                    <a:ext uri="{FF2B5EF4-FFF2-40B4-BE49-F238E27FC236}">
+                      <a16:creationId xmlns:a16="http://schemas.microsoft.com/office/drawing/2014/main" id="{A4204E97-B7D6-E225-63F0-F9929B585FCC}"/>
+                    </a:ext>
+                  </a:extLst>
+                </p:cNvPr>
+                <p:cNvPicPr/>
+                <p:nvPr/>
+              </p:nvPicPr>
+              <p:blipFill>
+                <a:blip r:embed="rId52"/>
+                <a:stretch>
+                  <a:fillRect/>
+                </a:stretch>
+              </p:blipFill>
+              <p:spPr>
+                <a:xfrm>
+                  <a:off x="9304897" y="3376781"/>
+                  <a:ext cx="1647000" cy="2313000"/>
+                </a:xfrm>
+                <a:prstGeom prst="rect">
+                  <a:avLst/>
+                </a:prstGeom>
+              </p:spPr>
+            </p:pic>
+          </mc:Fallback>
+        </mc:AlternateContent>
+        <mc:AlternateContent xmlns:mc="http://schemas.openxmlformats.org/markup-compatibility/2006">
+          <mc:Choice xmlns:p14="http://schemas.microsoft.com/office/powerpoint/2010/main" Requires="p14">
+            <p:contentPart p14:bwMode="auto" r:id="rId53">
+              <p14:nvContentPartPr>
+                <p14:cNvPr id="40" name="Рукописный ввод 39">
+                  <a:extLst>
+                    <a:ext uri="{FF2B5EF4-FFF2-40B4-BE49-F238E27FC236}">
+                      <a16:creationId xmlns:a16="http://schemas.microsoft.com/office/drawing/2014/main" id="{83832AB3-745C-281C-8F11-4B7CE49C4F57}"/>
+                    </a:ext>
+                  </a:extLst>
+                </p14:cNvPr>
+                <p14:cNvContentPartPr/>
+                <p14:nvPr/>
+              </p14:nvContentPartPr>
+              <p14:xfrm>
+                <a:off x="9168457" y="3296501"/>
+                <a:ext cx="1618920" cy="2758320"/>
+              </p14:xfrm>
+            </p:contentPart>
+          </mc:Choice>
+          <mc:Fallback>
+            <p:pic>
+              <p:nvPicPr>
+                <p:cNvPr id="40" name="Рукописный ввод 39">
+                  <a:extLst>
+                    <a:ext uri="{FF2B5EF4-FFF2-40B4-BE49-F238E27FC236}">
+                      <a16:creationId xmlns:a16="http://schemas.microsoft.com/office/drawing/2014/main" id="{83832AB3-745C-281C-8F11-4B7CE49C4F57}"/>
+                    </a:ext>
+                  </a:extLst>
+                </p:cNvPr>
+                <p:cNvPicPr/>
+                <p:nvPr/>
+              </p:nvPicPr>
+              <p:blipFill>
+                <a:blip r:embed="rId54"/>
+                <a:stretch>
+                  <a:fillRect/>
+                </a:stretch>
+              </p:blipFill>
+              <p:spPr>
+                <a:xfrm>
+                  <a:off x="9162337" y="3290381"/>
+                  <a:ext cx="1631160" cy="2770560"/>
+                </a:xfrm>
+                <a:prstGeom prst="rect">
+                  <a:avLst/>
+                </a:prstGeom>
+              </p:spPr>
+            </p:pic>
+          </mc:Fallback>
+        </mc:AlternateContent>
+        <mc:AlternateContent xmlns:mc="http://schemas.openxmlformats.org/markup-compatibility/2006">
+          <mc:Choice xmlns:p14="http://schemas.microsoft.com/office/powerpoint/2010/main" Requires="p14">
+            <p:contentPart p14:bwMode="auto" r:id="rId55">
+              <p14:nvContentPartPr>
+                <p14:cNvPr id="42" name="Рукописный ввод 41">
+                  <a:extLst>
+                    <a:ext uri="{FF2B5EF4-FFF2-40B4-BE49-F238E27FC236}">
+                      <a16:creationId xmlns:a16="http://schemas.microsoft.com/office/drawing/2014/main" id="{028CB578-DF3F-2F14-F45A-63E2AD06CD2F}"/>
+                    </a:ext>
+                  </a:extLst>
+                </p14:cNvPr>
+                <p14:cNvContentPartPr/>
+                <p14:nvPr/>
+              </p14:nvContentPartPr>
+              <p14:xfrm>
+                <a:off x="9821137" y="2575781"/>
+                <a:ext cx="50760" cy="212760"/>
+              </p14:xfrm>
+            </p:contentPart>
+          </mc:Choice>
+          <mc:Fallback>
+            <p:pic>
+              <p:nvPicPr>
+                <p:cNvPr id="42" name="Рукописный ввод 41">
+                  <a:extLst>
+                    <a:ext uri="{FF2B5EF4-FFF2-40B4-BE49-F238E27FC236}">
+                      <a16:creationId xmlns:a16="http://schemas.microsoft.com/office/drawing/2014/main" id="{028CB578-DF3F-2F14-F45A-63E2AD06CD2F}"/>
+                    </a:ext>
+                  </a:extLst>
+                </p:cNvPr>
+                <p:cNvPicPr/>
+                <p:nvPr/>
+              </p:nvPicPr>
+              <p:blipFill>
+                <a:blip r:embed="rId56"/>
+                <a:stretch>
+                  <a:fillRect/>
+                </a:stretch>
+              </p:blipFill>
+              <p:spPr>
+                <a:xfrm>
+                  <a:off x="9815017" y="2569661"/>
+                  <a:ext cx="63000" cy="225000"/>
+                </a:xfrm>
+                <a:prstGeom prst="rect">
+                  <a:avLst/>
+                </a:prstGeom>
+              </p:spPr>
+            </p:pic>
+          </mc:Fallback>
+        </mc:AlternateContent>
+        <mc:AlternateContent xmlns:mc="http://schemas.openxmlformats.org/markup-compatibility/2006">
+          <mc:Choice xmlns:p14="http://schemas.microsoft.com/office/powerpoint/2010/main" Requires="p14">
+            <p:contentPart p14:bwMode="auto" r:id="rId57">
+              <p14:nvContentPartPr>
+                <p14:cNvPr id="43" name="Рукописный ввод 42">
+                  <a:extLst>
+                    <a:ext uri="{FF2B5EF4-FFF2-40B4-BE49-F238E27FC236}">
+                      <a16:creationId xmlns:a16="http://schemas.microsoft.com/office/drawing/2014/main" id="{B0C5504F-CF72-F205-C533-CBECF6A35CDD}"/>
+                    </a:ext>
+                  </a:extLst>
+                </p14:cNvPr>
+                <p14:cNvContentPartPr/>
+                <p14:nvPr/>
+              </p14:nvContentPartPr>
+              <p14:xfrm>
+                <a:off x="9861817" y="2536541"/>
+                <a:ext cx="150480" cy="183240"/>
+              </p14:xfrm>
+            </p:contentPart>
+          </mc:Choice>
+          <mc:Fallback>
+            <p:pic>
+              <p:nvPicPr>
+                <p:cNvPr id="43" name="Рукописный ввод 42">
+                  <a:extLst>
+                    <a:ext uri="{FF2B5EF4-FFF2-40B4-BE49-F238E27FC236}">
+                      <a16:creationId xmlns:a16="http://schemas.microsoft.com/office/drawing/2014/main" id="{B0C5504F-CF72-F205-C533-CBECF6A35CDD}"/>
+                    </a:ext>
+                  </a:extLst>
+                </p:cNvPr>
+                <p:cNvPicPr/>
+                <p:nvPr/>
+              </p:nvPicPr>
+              <p:blipFill>
+                <a:blip r:embed="rId58"/>
+                <a:stretch>
+                  <a:fillRect/>
+                </a:stretch>
+              </p:blipFill>
+              <p:spPr>
+                <a:xfrm>
+                  <a:off x="9855697" y="2530421"/>
+                  <a:ext cx="162720" cy="195480"/>
+                </a:xfrm>
+                <a:prstGeom prst="rect">
+                  <a:avLst/>
+                </a:prstGeom>
+              </p:spPr>
+            </p:pic>
+          </mc:Fallback>
+        </mc:AlternateContent>
+        <mc:AlternateContent xmlns:mc="http://schemas.openxmlformats.org/markup-compatibility/2006">
+          <mc:Choice xmlns:p14="http://schemas.microsoft.com/office/powerpoint/2010/main" Requires="p14">
+            <p:contentPart p14:bwMode="auto" r:id="rId59">
+              <p14:nvContentPartPr>
+                <p14:cNvPr id="44" name="Рукописный ввод 43">
+                  <a:extLst>
+                    <a:ext uri="{FF2B5EF4-FFF2-40B4-BE49-F238E27FC236}">
+                      <a16:creationId xmlns:a16="http://schemas.microsoft.com/office/drawing/2014/main" id="{94B56742-13D7-6ED4-E295-D8494AF96A80}"/>
+                    </a:ext>
+                  </a:extLst>
+                </p14:cNvPr>
+                <p14:cNvContentPartPr/>
+                <p14:nvPr/>
+              </p14:nvContentPartPr>
+              <p14:xfrm>
+                <a:off x="9753457" y="2728781"/>
+                <a:ext cx="342000" cy="102960"/>
+              </p14:xfrm>
+            </p:contentPart>
+          </mc:Choice>
+          <mc:Fallback>
+            <p:pic>
+              <p:nvPicPr>
+                <p:cNvPr id="44" name="Рукописный ввод 43">
+                  <a:extLst>
+                    <a:ext uri="{FF2B5EF4-FFF2-40B4-BE49-F238E27FC236}">
+                      <a16:creationId xmlns:a16="http://schemas.microsoft.com/office/drawing/2014/main" id="{94B56742-13D7-6ED4-E295-D8494AF96A80}"/>
+                    </a:ext>
+                  </a:extLst>
+                </p:cNvPr>
+                <p:cNvPicPr/>
+                <p:nvPr/>
+              </p:nvPicPr>
+              <p:blipFill>
+                <a:blip r:embed="rId60"/>
+                <a:stretch>
+                  <a:fillRect/>
+                </a:stretch>
+              </p:blipFill>
+              <p:spPr>
+                <a:xfrm>
+                  <a:off x="9747337" y="2722661"/>
+                  <a:ext cx="354240" cy="115200"/>
+                </a:xfrm>
+                <a:prstGeom prst="rect">
+                  <a:avLst/>
+                </a:prstGeom>
+              </p:spPr>
+            </p:pic>
+          </mc:Fallback>
+        </mc:AlternateContent>
+        <mc:AlternateContent xmlns:mc="http://schemas.openxmlformats.org/markup-compatibility/2006">
+          <mc:Choice xmlns:p14="http://schemas.microsoft.com/office/powerpoint/2010/main" Requires="p14">
+            <p:contentPart p14:bwMode="auto" r:id="rId61">
+              <p14:nvContentPartPr>
+                <p14:cNvPr id="45" name="Рукописный ввод 44">
+                  <a:extLst>
+                    <a:ext uri="{FF2B5EF4-FFF2-40B4-BE49-F238E27FC236}">
+                      <a16:creationId xmlns:a16="http://schemas.microsoft.com/office/drawing/2014/main" id="{CAE9B709-05B4-8DB4-2D47-5C6B0C3E927C}"/>
+                    </a:ext>
+                  </a:extLst>
+                </p14:cNvPr>
+                <p14:cNvContentPartPr/>
+                <p14:nvPr/>
+              </p14:nvContentPartPr>
+              <p14:xfrm>
+                <a:off x="9782977" y="2890421"/>
+                <a:ext cx="97560" cy="39960"/>
+              </p14:xfrm>
+            </p:contentPart>
+          </mc:Choice>
+          <mc:Fallback>
+            <p:pic>
+              <p:nvPicPr>
+                <p:cNvPr id="45" name="Рукописный ввод 44">
+                  <a:extLst>
+                    <a:ext uri="{FF2B5EF4-FFF2-40B4-BE49-F238E27FC236}">
+                      <a16:creationId xmlns:a16="http://schemas.microsoft.com/office/drawing/2014/main" id="{CAE9B709-05B4-8DB4-2D47-5C6B0C3E927C}"/>
+                    </a:ext>
+                  </a:extLst>
+                </p:cNvPr>
+                <p:cNvPicPr/>
+                <p:nvPr/>
+              </p:nvPicPr>
+              <p:blipFill>
+                <a:blip r:embed="rId62"/>
+                <a:stretch>
+                  <a:fillRect/>
+                </a:stretch>
+              </p:blipFill>
+              <p:spPr>
+                <a:xfrm>
+                  <a:off x="9776857" y="2884301"/>
+                  <a:ext cx="109800" cy="52200"/>
+                </a:xfrm>
+                <a:prstGeom prst="rect">
+                  <a:avLst/>
+                </a:prstGeom>
+              </p:spPr>
+            </p:pic>
+          </mc:Fallback>
+        </mc:AlternateContent>
+        <mc:AlternateContent xmlns:mc="http://schemas.openxmlformats.org/markup-compatibility/2006">
+          <mc:Choice xmlns:p14="http://schemas.microsoft.com/office/powerpoint/2010/main" Requires="p14">
+            <p:contentPart p14:bwMode="auto" r:id="rId63">
+              <p14:nvContentPartPr>
+                <p14:cNvPr id="46" name="Рукописный ввод 45">
+                  <a:extLst>
+                    <a:ext uri="{FF2B5EF4-FFF2-40B4-BE49-F238E27FC236}">
+                      <a16:creationId xmlns:a16="http://schemas.microsoft.com/office/drawing/2014/main" id="{DBDBE1DF-3DA2-A81D-82FC-D9E32B87748A}"/>
+                    </a:ext>
+                  </a:extLst>
+                </p14:cNvPr>
+                <p14:cNvContentPartPr/>
+                <p14:nvPr/>
+              </p14:nvContentPartPr>
+              <p14:xfrm>
+                <a:off x="10156657" y="2536541"/>
+                <a:ext cx="114840" cy="261360"/>
+              </p14:xfrm>
+            </p:contentPart>
+          </mc:Choice>
+          <mc:Fallback>
+            <p:pic>
+              <p:nvPicPr>
+                <p:cNvPr id="46" name="Рукописный ввод 45">
+                  <a:extLst>
+                    <a:ext uri="{FF2B5EF4-FFF2-40B4-BE49-F238E27FC236}">
+                      <a16:creationId xmlns:a16="http://schemas.microsoft.com/office/drawing/2014/main" id="{DBDBE1DF-3DA2-A81D-82FC-D9E32B87748A}"/>
+                    </a:ext>
+                  </a:extLst>
+                </p:cNvPr>
+                <p:cNvPicPr/>
+                <p:nvPr/>
+              </p:nvPicPr>
+              <p:blipFill>
+                <a:blip r:embed="rId64"/>
+                <a:stretch>
+                  <a:fillRect/>
+                </a:stretch>
+              </p:blipFill>
+              <p:spPr>
+                <a:xfrm>
+                  <a:off x="10150537" y="2530421"/>
+                  <a:ext cx="127080" cy="273600"/>
+                </a:xfrm>
+                <a:prstGeom prst="rect">
+                  <a:avLst/>
+                </a:prstGeom>
+              </p:spPr>
+            </p:pic>
+          </mc:Fallback>
+        </mc:AlternateContent>
+        <mc:AlternateContent xmlns:mc="http://schemas.openxmlformats.org/markup-compatibility/2006">
+          <mc:Choice xmlns:p14="http://schemas.microsoft.com/office/powerpoint/2010/main" Requires="p14">
+            <p:contentPart p14:bwMode="auto" r:id="rId65">
+              <p14:nvContentPartPr>
+                <p14:cNvPr id="47" name="Рукописный ввод 46">
+                  <a:extLst>
+                    <a:ext uri="{FF2B5EF4-FFF2-40B4-BE49-F238E27FC236}">
+                      <a16:creationId xmlns:a16="http://schemas.microsoft.com/office/drawing/2014/main" id="{AF26F1D8-670A-E859-430E-B7527E2355F7}"/>
+                    </a:ext>
+                  </a:extLst>
+                </p14:cNvPr>
+                <p14:cNvContentPartPr/>
+                <p14:nvPr/>
+              </p14:nvContentPartPr>
+              <p14:xfrm>
+                <a:off x="10274737" y="2566061"/>
+                <a:ext cx="108360" cy="234000"/>
+              </p14:xfrm>
+            </p:contentPart>
+          </mc:Choice>
+          <mc:Fallback>
+            <p:pic>
+              <p:nvPicPr>
+                <p:cNvPr id="47" name="Рукописный ввод 46">
+                  <a:extLst>
+                    <a:ext uri="{FF2B5EF4-FFF2-40B4-BE49-F238E27FC236}">
+                      <a16:creationId xmlns:a16="http://schemas.microsoft.com/office/drawing/2014/main" id="{AF26F1D8-670A-E859-430E-B7527E2355F7}"/>
+                    </a:ext>
+                  </a:extLst>
+                </p:cNvPr>
+                <p:cNvPicPr/>
+                <p:nvPr/>
+              </p:nvPicPr>
+              <p:blipFill>
+                <a:blip r:embed="rId66"/>
+                <a:stretch>
+                  <a:fillRect/>
+                </a:stretch>
+              </p:blipFill>
+              <p:spPr>
+                <a:xfrm>
+                  <a:off x="10268617" y="2559941"/>
+                  <a:ext cx="120600" cy="246240"/>
+                </a:xfrm>
+                <a:prstGeom prst="rect">
+                  <a:avLst/>
+                </a:prstGeom>
+              </p:spPr>
+            </p:pic>
+          </mc:Fallback>
+        </mc:AlternateContent>
+        <mc:AlternateContent xmlns:mc="http://schemas.openxmlformats.org/markup-compatibility/2006">
+          <mc:Choice xmlns:p14="http://schemas.microsoft.com/office/powerpoint/2010/main" Requires="p14">
+            <p:contentPart p14:bwMode="auto" r:id="rId67">
+              <p14:nvContentPartPr>
+                <p14:cNvPr id="48" name="Рукописный ввод 47">
+                  <a:extLst>
+                    <a:ext uri="{FF2B5EF4-FFF2-40B4-BE49-F238E27FC236}">
+                      <a16:creationId xmlns:a16="http://schemas.microsoft.com/office/drawing/2014/main" id="{6EF06F2D-2B74-E3B8-B68B-47BC23ABB11F}"/>
+                    </a:ext>
+                  </a:extLst>
+                </p14:cNvPr>
+                <p14:cNvContentPartPr/>
+                <p14:nvPr/>
+              </p14:nvContentPartPr>
+              <p14:xfrm>
+                <a:off x="10412257" y="2499101"/>
+                <a:ext cx="352080" cy="250560"/>
+              </p14:xfrm>
+            </p:contentPart>
+          </mc:Choice>
+          <mc:Fallback>
+            <p:pic>
+              <p:nvPicPr>
+                <p:cNvPr id="48" name="Рукописный ввод 47">
+                  <a:extLst>
+                    <a:ext uri="{FF2B5EF4-FFF2-40B4-BE49-F238E27FC236}">
+                      <a16:creationId xmlns:a16="http://schemas.microsoft.com/office/drawing/2014/main" id="{6EF06F2D-2B74-E3B8-B68B-47BC23ABB11F}"/>
+                    </a:ext>
+                  </a:extLst>
+                </p:cNvPr>
+                <p:cNvPicPr/>
+                <p:nvPr/>
+              </p:nvPicPr>
+              <p:blipFill>
+                <a:blip r:embed="rId68"/>
+                <a:stretch>
+                  <a:fillRect/>
+                </a:stretch>
+              </p:blipFill>
+              <p:spPr>
+                <a:xfrm>
+                  <a:off x="10406137" y="2492981"/>
+                  <a:ext cx="364320" cy="262800"/>
+                </a:xfrm>
+                <a:prstGeom prst="rect">
+                  <a:avLst/>
+                </a:prstGeom>
+              </p:spPr>
+            </p:pic>
+          </mc:Fallback>
+        </mc:AlternateContent>
+      </p:grpSp>
+      <p:grpSp>
+        <p:nvGrpSpPr>
+          <p:cNvPr id="63" name="Группа 62">
+            <a:extLst>
+              <a:ext uri="{FF2B5EF4-FFF2-40B4-BE49-F238E27FC236}">
+                <a16:creationId xmlns:a16="http://schemas.microsoft.com/office/drawing/2014/main" id="{2326DD05-0F61-9867-866A-A375F631A713}"/>
+              </a:ext>
+            </a:extLst>
+          </p:cNvPr>
+          <p:cNvGrpSpPr/>
+          <p:nvPr/>
+        </p:nvGrpSpPr>
+        <p:grpSpPr>
+          <a:xfrm>
+            <a:off x="8623057" y="579941"/>
+            <a:ext cx="1858320" cy="411120"/>
+            <a:chOff x="8623057" y="579941"/>
+            <a:chExt cx="1858320" cy="411120"/>
+          </a:xfrm>
+        </p:grpSpPr>
+        <mc:AlternateContent xmlns:mc="http://schemas.openxmlformats.org/markup-compatibility/2006">
+          <mc:Choice xmlns:p14="http://schemas.microsoft.com/office/powerpoint/2010/main" Requires="p14">
+            <p:contentPart p14:bwMode="auto" r:id="rId69">
+              <p14:nvContentPartPr>
+                <p14:cNvPr id="50" name="Рукописный ввод 49">
+                  <a:extLst>
+                    <a:ext uri="{FF2B5EF4-FFF2-40B4-BE49-F238E27FC236}">
+                      <a16:creationId xmlns:a16="http://schemas.microsoft.com/office/drawing/2014/main" id="{ACCB9BE2-604A-DFB1-B512-7E34CD02D3E4}"/>
+                    </a:ext>
+                  </a:extLst>
+                </p14:cNvPr>
+                <p14:cNvContentPartPr/>
+                <p14:nvPr/>
+              </p14:nvContentPartPr>
+              <p14:xfrm>
+                <a:off x="8623057" y="579941"/>
+                <a:ext cx="65160" cy="411120"/>
+              </p14:xfrm>
+            </p:contentPart>
+          </mc:Choice>
+          <mc:Fallback>
+            <p:pic>
+              <p:nvPicPr>
+                <p:cNvPr id="50" name="Рукописный ввод 49">
+                  <a:extLst>
+                    <a:ext uri="{FF2B5EF4-FFF2-40B4-BE49-F238E27FC236}">
+                      <a16:creationId xmlns:a16="http://schemas.microsoft.com/office/drawing/2014/main" id="{ACCB9BE2-604A-DFB1-B512-7E34CD02D3E4}"/>
+                    </a:ext>
+                  </a:extLst>
+                </p:cNvPr>
+                <p:cNvPicPr/>
+                <p:nvPr/>
+              </p:nvPicPr>
+              <p:blipFill>
+                <a:blip r:embed="rId70"/>
+                <a:stretch>
+                  <a:fillRect/>
+                </a:stretch>
+              </p:blipFill>
+              <p:spPr>
+                <a:xfrm>
+                  <a:off x="8616937" y="573821"/>
+                  <a:ext cx="77400" cy="423360"/>
+                </a:xfrm>
+                <a:prstGeom prst="rect">
+                  <a:avLst/>
+                </a:prstGeom>
+              </p:spPr>
+            </p:pic>
+          </mc:Fallback>
+        </mc:AlternateContent>
+        <mc:AlternateContent xmlns:mc="http://schemas.openxmlformats.org/markup-compatibility/2006">
+          <mc:Choice xmlns:p14="http://schemas.microsoft.com/office/powerpoint/2010/main" Requires="p14">
+            <p:contentPart p14:bwMode="auto" r:id="rId71">
+              <p14:nvContentPartPr>
+                <p14:cNvPr id="51" name="Рукописный ввод 50">
+                  <a:extLst>
+                    <a:ext uri="{FF2B5EF4-FFF2-40B4-BE49-F238E27FC236}">
+                      <a16:creationId xmlns:a16="http://schemas.microsoft.com/office/drawing/2014/main" id="{63C9892C-F337-0C48-6AF1-783763542740}"/>
+                    </a:ext>
+                  </a:extLst>
+                </p14:cNvPr>
+                <p14:cNvContentPartPr/>
+                <p14:nvPr/>
+              </p14:nvContentPartPr>
+              <p14:xfrm>
+                <a:off x="8730697" y="579941"/>
+                <a:ext cx="58320" cy="318240"/>
+              </p14:xfrm>
+            </p:contentPart>
+          </mc:Choice>
+          <mc:Fallback>
+            <p:pic>
+              <p:nvPicPr>
+                <p:cNvPr id="51" name="Рукописный ввод 50">
+                  <a:extLst>
+                    <a:ext uri="{FF2B5EF4-FFF2-40B4-BE49-F238E27FC236}">
+                      <a16:creationId xmlns:a16="http://schemas.microsoft.com/office/drawing/2014/main" id="{63C9892C-F337-0C48-6AF1-783763542740}"/>
+                    </a:ext>
+                  </a:extLst>
+                </p:cNvPr>
+                <p:cNvPicPr/>
+                <p:nvPr/>
+              </p:nvPicPr>
+              <p:blipFill>
+                <a:blip r:embed="rId72"/>
+                <a:stretch>
+                  <a:fillRect/>
+                </a:stretch>
+              </p:blipFill>
+              <p:spPr>
+                <a:xfrm>
+                  <a:off x="8724577" y="573821"/>
+                  <a:ext cx="70560" cy="330480"/>
+                </a:xfrm>
+                <a:prstGeom prst="rect">
+                  <a:avLst/>
+                </a:prstGeom>
+              </p:spPr>
+            </p:pic>
+          </mc:Fallback>
+        </mc:AlternateContent>
+        <mc:AlternateContent xmlns:mc="http://schemas.openxmlformats.org/markup-compatibility/2006">
+          <mc:Choice xmlns:p14="http://schemas.microsoft.com/office/powerpoint/2010/main" Requires="p14">
+            <p:contentPart p14:bwMode="auto" r:id="rId73">
+              <p14:nvContentPartPr>
+                <p14:cNvPr id="52" name="Рукописный ввод 51">
+                  <a:extLst>
+                    <a:ext uri="{FF2B5EF4-FFF2-40B4-BE49-F238E27FC236}">
+                      <a16:creationId xmlns:a16="http://schemas.microsoft.com/office/drawing/2014/main" id="{2F1F8A46-EC3B-4CC7-42A6-0703836D2547}"/>
+                    </a:ext>
+                  </a:extLst>
+                </p14:cNvPr>
+                <p14:cNvContentPartPr/>
+                <p14:nvPr/>
+              </p14:nvContentPartPr>
+              <p14:xfrm>
+                <a:off x="8868577" y="943541"/>
+                <a:ext cx="360" cy="360"/>
+              </p14:xfrm>
+            </p:contentPart>
+          </mc:Choice>
+          <mc:Fallback>
+            <p:pic>
+              <p:nvPicPr>
+                <p:cNvPr id="52" name="Рукописный ввод 51">
+                  <a:extLst>
+                    <a:ext uri="{FF2B5EF4-FFF2-40B4-BE49-F238E27FC236}">
+                      <a16:creationId xmlns:a16="http://schemas.microsoft.com/office/drawing/2014/main" id="{2F1F8A46-EC3B-4CC7-42A6-0703836D2547}"/>
+                    </a:ext>
+                  </a:extLst>
+                </p:cNvPr>
+                <p:cNvPicPr/>
+                <p:nvPr/>
+              </p:nvPicPr>
+              <p:blipFill>
+                <a:blip r:embed="rId74"/>
+                <a:stretch>
+                  <a:fillRect/>
+                </a:stretch>
+              </p:blipFill>
+              <p:spPr>
+                <a:xfrm>
+                  <a:off x="8862457" y="937421"/>
+                  <a:ext cx="12600" cy="12600"/>
+                </a:xfrm>
+                <a:prstGeom prst="rect">
+                  <a:avLst/>
+                </a:prstGeom>
+              </p:spPr>
+            </p:pic>
+          </mc:Fallback>
+        </mc:AlternateContent>
+        <mc:AlternateContent xmlns:mc="http://schemas.openxmlformats.org/markup-compatibility/2006">
+          <mc:Choice xmlns:p14="http://schemas.microsoft.com/office/powerpoint/2010/main" Requires="p14">
+            <p:contentPart p14:bwMode="auto" r:id="rId75">
+              <p14:nvContentPartPr>
+                <p14:cNvPr id="53" name="Рукописный ввод 52">
+                  <a:extLst>
+                    <a:ext uri="{FF2B5EF4-FFF2-40B4-BE49-F238E27FC236}">
+                      <a16:creationId xmlns:a16="http://schemas.microsoft.com/office/drawing/2014/main" id="{3BA21633-710B-1B40-58C2-71EA89194DBB}"/>
+                    </a:ext>
+                  </a:extLst>
+                </p14:cNvPr>
+                <p14:cNvContentPartPr/>
+                <p14:nvPr/>
+              </p14:nvContentPartPr>
+              <p14:xfrm>
+                <a:off x="9005737" y="632861"/>
+                <a:ext cx="100800" cy="264600"/>
+              </p14:xfrm>
+            </p:contentPart>
+          </mc:Choice>
+          <mc:Fallback>
+            <p:pic>
+              <p:nvPicPr>
+                <p:cNvPr id="53" name="Рукописный ввод 52">
+                  <a:extLst>
+                    <a:ext uri="{FF2B5EF4-FFF2-40B4-BE49-F238E27FC236}">
+                      <a16:creationId xmlns:a16="http://schemas.microsoft.com/office/drawing/2014/main" id="{3BA21633-710B-1B40-58C2-71EA89194DBB}"/>
+                    </a:ext>
+                  </a:extLst>
+                </p:cNvPr>
+                <p:cNvPicPr/>
+                <p:nvPr/>
+              </p:nvPicPr>
+              <p:blipFill>
+                <a:blip r:embed="rId76"/>
+                <a:stretch>
+                  <a:fillRect/>
+                </a:stretch>
+              </p:blipFill>
+              <p:spPr>
+                <a:xfrm>
+                  <a:off x="8999617" y="626741"/>
+                  <a:ext cx="113040" cy="276840"/>
+                </a:xfrm>
+                <a:prstGeom prst="rect">
+                  <a:avLst/>
+                </a:prstGeom>
+              </p:spPr>
+            </p:pic>
+          </mc:Fallback>
+        </mc:AlternateContent>
+        <mc:AlternateContent xmlns:mc="http://schemas.openxmlformats.org/markup-compatibility/2006">
+          <mc:Choice xmlns:p14="http://schemas.microsoft.com/office/powerpoint/2010/main" Requires="p14">
+            <p:contentPart p14:bwMode="auto" r:id="rId77">
+              <p14:nvContentPartPr>
+                <p14:cNvPr id="54" name="Рукописный ввод 53">
+                  <a:extLst>
+                    <a:ext uri="{FF2B5EF4-FFF2-40B4-BE49-F238E27FC236}">
+                      <a16:creationId xmlns:a16="http://schemas.microsoft.com/office/drawing/2014/main" id="{DECFF9E5-2824-A802-2ACD-3DB2801BE975}"/>
+                    </a:ext>
+                  </a:extLst>
+                </p14:cNvPr>
+                <p14:cNvContentPartPr/>
+                <p14:nvPr/>
+              </p14:nvContentPartPr>
+              <p14:xfrm>
+                <a:off x="9301297" y="619181"/>
+                <a:ext cx="127080" cy="355680"/>
+              </p14:xfrm>
+            </p:contentPart>
+          </mc:Choice>
+          <mc:Fallback>
+            <p:pic>
+              <p:nvPicPr>
+                <p:cNvPr id="54" name="Рукописный ввод 53">
+                  <a:extLst>
+                    <a:ext uri="{FF2B5EF4-FFF2-40B4-BE49-F238E27FC236}">
+                      <a16:creationId xmlns:a16="http://schemas.microsoft.com/office/drawing/2014/main" id="{DECFF9E5-2824-A802-2ACD-3DB2801BE975}"/>
+                    </a:ext>
+                  </a:extLst>
+                </p:cNvPr>
+                <p:cNvPicPr/>
+                <p:nvPr/>
+              </p:nvPicPr>
+              <p:blipFill>
+                <a:blip r:embed="rId78"/>
+                <a:stretch>
+                  <a:fillRect/>
+                </a:stretch>
+              </p:blipFill>
+              <p:spPr>
+                <a:xfrm>
+                  <a:off x="9295177" y="613061"/>
+                  <a:ext cx="139320" cy="367920"/>
+                </a:xfrm>
+                <a:prstGeom prst="rect">
+                  <a:avLst/>
+                </a:prstGeom>
+              </p:spPr>
+            </p:pic>
+          </mc:Fallback>
+        </mc:AlternateContent>
+        <mc:AlternateContent xmlns:mc="http://schemas.openxmlformats.org/markup-compatibility/2006">
+          <mc:Choice xmlns:p14="http://schemas.microsoft.com/office/powerpoint/2010/main" Requires="p14">
+            <p:contentPart p14:bwMode="auto" r:id="rId79">
+              <p14:nvContentPartPr>
+                <p14:cNvPr id="55" name="Рукописный ввод 54">
+                  <a:extLst>
+                    <a:ext uri="{FF2B5EF4-FFF2-40B4-BE49-F238E27FC236}">
+                      <a16:creationId xmlns:a16="http://schemas.microsoft.com/office/drawing/2014/main" id="{372B3B16-23FE-43FC-FF81-C595C81FE0B6}"/>
+                    </a:ext>
+                  </a:extLst>
+                </p14:cNvPr>
+                <p14:cNvContentPartPr/>
+                <p14:nvPr/>
+              </p14:nvContentPartPr>
+              <p14:xfrm>
+                <a:off x="9478057" y="904661"/>
+                <a:ext cx="21600" cy="28800"/>
+              </p14:xfrm>
+            </p:contentPart>
+          </mc:Choice>
+          <mc:Fallback>
+            <p:pic>
+              <p:nvPicPr>
+                <p:cNvPr id="55" name="Рукописный ввод 54">
+                  <a:extLst>
+                    <a:ext uri="{FF2B5EF4-FFF2-40B4-BE49-F238E27FC236}">
+                      <a16:creationId xmlns:a16="http://schemas.microsoft.com/office/drawing/2014/main" id="{372B3B16-23FE-43FC-FF81-C595C81FE0B6}"/>
+                    </a:ext>
+                  </a:extLst>
+                </p:cNvPr>
+                <p:cNvPicPr/>
+                <p:nvPr/>
+              </p:nvPicPr>
+              <p:blipFill>
+                <a:blip r:embed="rId80"/>
+                <a:stretch>
+                  <a:fillRect/>
+                </a:stretch>
+              </p:blipFill>
+              <p:spPr>
+                <a:xfrm>
+                  <a:off x="9471937" y="898541"/>
+                  <a:ext cx="33840" cy="41040"/>
+                </a:xfrm>
+                <a:prstGeom prst="rect">
+                  <a:avLst/>
+                </a:prstGeom>
+              </p:spPr>
+            </p:pic>
+          </mc:Fallback>
+        </mc:AlternateContent>
+        <mc:AlternateContent xmlns:mc="http://schemas.openxmlformats.org/markup-compatibility/2006">
+          <mc:Choice xmlns:p14="http://schemas.microsoft.com/office/powerpoint/2010/main" Requires="p14">
+            <p:contentPart p14:bwMode="auto" r:id="rId81">
+              <p14:nvContentPartPr>
+                <p14:cNvPr id="56" name="Рукописный ввод 55">
+                  <a:extLst>
+                    <a:ext uri="{FF2B5EF4-FFF2-40B4-BE49-F238E27FC236}">
+                      <a16:creationId xmlns:a16="http://schemas.microsoft.com/office/drawing/2014/main" id="{656B9127-D7D1-F56E-E5DF-47AF15298638}"/>
+                    </a:ext>
+                  </a:extLst>
+                </p14:cNvPr>
+                <p14:cNvContentPartPr/>
+                <p14:nvPr/>
+              </p14:nvContentPartPr>
+              <p14:xfrm>
+                <a:off x="9635737" y="669221"/>
+                <a:ext cx="145800" cy="258840"/>
+              </p14:xfrm>
+            </p:contentPart>
+          </mc:Choice>
+          <mc:Fallback>
+            <p:pic>
+              <p:nvPicPr>
+                <p:cNvPr id="56" name="Рукописный ввод 55">
+                  <a:extLst>
+                    <a:ext uri="{FF2B5EF4-FFF2-40B4-BE49-F238E27FC236}">
+                      <a16:creationId xmlns:a16="http://schemas.microsoft.com/office/drawing/2014/main" id="{656B9127-D7D1-F56E-E5DF-47AF15298638}"/>
+                    </a:ext>
+                  </a:extLst>
+                </p:cNvPr>
+                <p:cNvPicPr/>
+                <p:nvPr/>
+              </p:nvPicPr>
+              <p:blipFill>
+                <a:blip r:embed="rId82"/>
+                <a:stretch>
+                  <a:fillRect/>
+                </a:stretch>
+              </p:blipFill>
+              <p:spPr>
+                <a:xfrm>
+                  <a:off x="9629617" y="663101"/>
+                  <a:ext cx="158040" cy="271080"/>
+                </a:xfrm>
+                <a:prstGeom prst="rect">
+                  <a:avLst/>
+                </a:prstGeom>
+              </p:spPr>
+            </p:pic>
+          </mc:Fallback>
+        </mc:AlternateContent>
+        <mc:AlternateContent xmlns:mc="http://schemas.openxmlformats.org/markup-compatibility/2006">
+          <mc:Choice xmlns:p14="http://schemas.microsoft.com/office/powerpoint/2010/main" Requires="p14">
+            <p:contentPart p14:bwMode="auto" r:id="rId83">
+              <p14:nvContentPartPr>
+                <p14:cNvPr id="59" name="Рукописный ввод 58">
+                  <a:extLst>
+                    <a:ext uri="{FF2B5EF4-FFF2-40B4-BE49-F238E27FC236}">
+                      <a16:creationId xmlns:a16="http://schemas.microsoft.com/office/drawing/2014/main" id="{1C6DA6C7-01EF-D857-EF8A-315FC6E7805B}"/>
+                    </a:ext>
+                  </a:extLst>
+                </p14:cNvPr>
+                <p14:cNvContentPartPr/>
+                <p14:nvPr/>
+              </p14:nvContentPartPr>
+              <p14:xfrm>
+                <a:off x="9879817" y="696581"/>
+                <a:ext cx="131040" cy="216720"/>
+              </p14:xfrm>
+            </p:contentPart>
+          </mc:Choice>
+          <mc:Fallback>
+            <p:pic>
+              <p:nvPicPr>
+                <p:cNvPr id="59" name="Рукописный ввод 58">
+                  <a:extLst>
+                    <a:ext uri="{FF2B5EF4-FFF2-40B4-BE49-F238E27FC236}">
+                      <a16:creationId xmlns:a16="http://schemas.microsoft.com/office/drawing/2014/main" id="{1C6DA6C7-01EF-D857-EF8A-315FC6E7805B}"/>
+                    </a:ext>
+                  </a:extLst>
+                </p:cNvPr>
+                <p:cNvPicPr/>
+                <p:nvPr/>
+              </p:nvPicPr>
+              <p:blipFill>
+                <a:blip r:embed="rId84"/>
+                <a:stretch>
+                  <a:fillRect/>
+                </a:stretch>
+              </p:blipFill>
+              <p:spPr>
+                <a:xfrm>
+                  <a:off x="9873697" y="690461"/>
+                  <a:ext cx="143280" cy="228960"/>
+                </a:xfrm>
+                <a:prstGeom prst="rect">
+                  <a:avLst/>
+                </a:prstGeom>
+              </p:spPr>
+            </p:pic>
+          </mc:Fallback>
+        </mc:AlternateContent>
+        <mc:AlternateContent xmlns:mc="http://schemas.openxmlformats.org/markup-compatibility/2006">
+          <mc:Choice xmlns:p14="http://schemas.microsoft.com/office/powerpoint/2010/main" Requires="p14">
+            <p:contentPart p14:bwMode="auto" r:id="rId85">
+              <p14:nvContentPartPr>
+                <p14:cNvPr id="60" name="Рукописный ввод 59">
+                  <a:extLst>
+                    <a:ext uri="{FF2B5EF4-FFF2-40B4-BE49-F238E27FC236}">
+                      <a16:creationId xmlns:a16="http://schemas.microsoft.com/office/drawing/2014/main" id="{59AF540F-8D67-02F6-EF01-464A424A4933}"/>
+                    </a:ext>
+                  </a:extLst>
+                </p14:cNvPr>
+                <p14:cNvContentPartPr/>
+                <p14:nvPr/>
+              </p14:nvContentPartPr>
+              <p14:xfrm>
+                <a:off x="10117057" y="645101"/>
+                <a:ext cx="178560" cy="263160"/>
+              </p14:xfrm>
+            </p:contentPart>
+          </mc:Choice>
+          <mc:Fallback>
+            <p:pic>
+              <p:nvPicPr>
+                <p:cNvPr id="60" name="Рукописный ввод 59">
+                  <a:extLst>
+                    <a:ext uri="{FF2B5EF4-FFF2-40B4-BE49-F238E27FC236}">
+                      <a16:creationId xmlns:a16="http://schemas.microsoft.com/office/drawing/2014/main" id="{59AF540F-8D67-02F6-EF01-464A424A4933}"/>
+                    </a:ext>
+                  </a:extLst>
+                </p:cNvPr>
+                <p:cNvPicPr/>
+                <p:nvPr/>
+              </p:nvPicPr>
+              <p:blipFill>
+                <a:blip r:embed="rId86"/>
+                <a:stretch>
+                  <a:fillRect/>
+                </a:stretch>
+              </p:blipFill>
+              <p:spPr>
+                <a:xfrm>
+                  <a:off x="10110937" y="638981"/>
+                  <a:ext cx="190800" cy="275400"/>
+                </a:xfrm>
+                <a:prstGeom prst="rect">
+                  <a:avLst/>
+                </a:prstGeom>
+              </p:spPr>
+            </p:pic>
+          </mc:Fallback>
+        </mc:AlternateContent>
+        <mc:AlternateContent xmlns:mc="http://schemas.openxmlformats.org/markup-compatibility/2006">
+          <mc:Choice xmlns:p14="http://schemas.microsoft.com/office/powerpoint/2010/main" Requires="p14">
+            <p:contentPart p14:bwMode="auto" r:id="rId87">
+              <p14:nvContentPartPr>
+                <p14:cNvPr id="61" name="Рукописный ввод 60">
+                  <a:extLst>
+                    <a:ext uri="{FF2B5EF4-FFF2-40B4-BE49-F238E27FC236}">
+                      <a16:creationId xmlns:a16="http://schemas.microsoft.com/office/drawing/2014/main" id="{BEE1E128-53EC-55B2-F932-407D5A8D281C}"/>
+                    </a:ext>
+                  </a:extLst>
+                </p14:cNvPr>
+                <p14:cNvContentPartPr/>
+                <p14:nvPr/>
+              </p14:nvContentPartPr>
+              <p14:xfrm>
+                <a:off x="10463017" y="638981"/>
+                <a:ext cx="18360" cy="176760"/>
+              </p14:xfrm>
+            </p:contentPart>
+          </mc:Choice>
+          <mc:Fallback>
+            <p:pic>
+              <p:nvPicPr>
+                <p:cNvPr id="61" name="Рукописный ввод 60">
+                  <a:extLst>
+                    <a:ext uri="{FF2B5EF4-FFF2-40B4-BE49-F238E27FC236}">
+                      <a16:creationId xmlns:a16="http://schemas.microsoft.com/office/drawing/2014/main" id="{BEE1E128-53EC-55B2-F932-407D5A8D281C}"/>
+                    </a:ext>
+                  </a:extLst>
+                </p:cNvPr>
+                <p:cNvPicPr/>
+                <p:nvPr/>
+              </p:nvPicPr>
+              <p:blipFill>
+                <a:blip r:embed="rId88"/>
+                <a:stretch>
+                  <a:fillRect/>
+                </a:stretch>
+              </p:blipFill>
+              <p:spPr>
+                <a:xfrm>
+                  <a:off x="10456897" y="632861"/>
+                  <a:ext cx="30600" cy="189000"/>
+                </a:xfrm>
+                <a:prstGeom prst="rect">
+                  <a:avLst/>
+                </a:prstGeom>
+              </p:spPr>
+            </p:pic>
+          </mc:Fallback>
+        </mc:AlternateContent>
+      </p:grpSp>
+      <mc:AlternateContent xmlns:mc="http://schemas.openxmlformats.org/markup-compatibility/2006">
+        <mc:Choice xmlns:p14="http://schemas.microsoft.com/office/powerpoint/2010/main" Requires="p14">
+          <p:contentPart p14:bwMode="auto" r:id="rId89">
+            <p14:nvContentPartPr>
+              <p14:cNvPr id="62" name="Рукописный ввод 61">
+                <a:extLst>
+                  <a:ext uri="{FF2B5EF4-FFF2-40B4-BE49-F238E27FC236}">
+                    <a16:creationId xmlns:a16="http://schemas.microsoft.com/office/drawing/2014/main" id="{26CE003A-0D9C-7CC6-889B-A97E375082C9}"/>
+                  </a:ext>
+                </a:extLst>
+              </p14:cNvPr>
+              <p14:cNvContentPartPr/>
+              <p14:nvPr/>
+            </p14:nvContentPartPr>
+            <p14:xfrm>
+              <a:off x="9507937" y="1238381"/>
+              <a:ext cx="879840" cy="885240"/>
+            </p14:xfrm>
+          </p:contentPart>
+        </mc:Choice>
+        <mc:Fallback>
+          <p:pic>
+            <p:nvPicPr>
+              <p:cNvPr id="62" name="Рукописный ввод 61">
+                <a:extLst>
+                  <a:ext uri="{FF2B5EF4-FFF2-40B4-BE49-F238E27FC236}">
+                    <a16:creationId xmlns:a16="http://schemas.microsoft.com/office/drawing/2014/main" id="{26CE003A-0D9C-7CC6-889B-A97E375082C9}"/>
+                  </a:ext>
+                </a:extLst>
+              </p:cNvPr>
+              <p:cNvPicPr/>
+              <p:nvPr/>
+            </p:nvPicPr>
+            <p:blipFill>
+              <a:blip r:embed="rId90"/>
+              <a:stretch>
+                <a:fillRect/>
+              </a:stretch>
+            </p:blipFill>
+            <p:spPr>
+              <a:xfrm>
+                <a:off x="9501817" y="1232261"/>
+                <a:ext cx="892080" cy="897480"/>
+              </a:xfrm>
+              <a:prstGeom prst="rect">
+                <a:avLst/>
+              </a:prstGeom>
+            </p:spPr>
+          </p:pic>
+        </mc:Fallback>
+      </mc:AlternateContent>
+      <mc:AlternateContent xmlns:mc="http://schemas.openxmlformats.org/markup-compatibility/2006">
+        <mc:Choice xmlns:p14="http://schemas.microsoft.com/office/powerpoint/2010/main" Requires="p14">
+          <p:contentPart p14:bwMode="auto" r:id="rId91">
+            <p14:nvContentPartPr>
+              <p14:cNvPr id="1024" name="Рукописный ввод 1023">
+                <a:extLst>
+                  <a:ext uri="{FF2B5EF4-FFF2-40B4-BE49-F238E27FC236}">
+                    <a16:creationId xmlns:a16="http://schemas.microsoft.com/office/drawing/2014/main" id="{B54F2E47-CD85-9F66-4604-2D2233C74B6C}"/>
+                  </a:ext>
+                </a:extLst>
+              </p14:cNvPr>
+              <p14:cNvContentPartPr/>
+              <p14:nvPr/>
+            </p14:nvContentPartPr>
+            <p14:xfrm>
+              <a:off x="5270017" y="5673221"/>
+              <a:ext cx="646920" cy="434880"/>
+            </p14:xfrm>
+          </p:contentPart>
+        </mc:Choice>
+        <mc:Fallback>
+          <p:pic>
+            <p:nvPicPr>
+              <p:cNvPr id="1024" name="Рукописный ввод 1023">
+                <a:extLst>
+                  <a:ext uri="{FF2B5EF4-FFF2-40B4-BE49-F238E27FC236}">
+                    <a16:creationId xmlns:a16="http://schemas.microsoft.com/office/drawing/2014/main" id="{B54F2E47-CD85-9F66-4604-2D2233C74B6C}"/>
+                  </a:ext>
+                </a:extLst>
+              </p:cNvPr>
+              <p:cNvPicPr/>
+              <p:nvPr/>
+            </p:nvPicPr>
+            <p:blipFill>
+              <a:blip r:embed="rId92"/>
+              <a:stretch>
+                <a:fillRect/>
+              </a:stretch>
+            </p:blipFill>
+            <p:spPr>
+              <a:xfrm>
+                <a:off x="5263897" y="5667101"/>
+                <a:ext cx="659160" cy="447120"/>
+              </a:xfrm>
+              <a:prstGeom prst="rect">
+                <a:avLst/>
+              </a:prstGeom>
+            </p:spPr>
+          </p:pic>
+        </mc:Fallback>
+      </mc:AlternateContent>
+      <mc:AlternateContent xmlns:mc="http://schemas.openxmlformats.org/markup-compatibility/2006">
+        <mc:Choice xmlns:p14="http://schemas.microsoft.com/office/powerpoint/2010/main" Requires="p14">
+          <p:contentPart p14:bwMode="auto" r:id="rId93">
+            <p14:nvContentPartPr>
+              <p14:cNvPr id="1025" name="Рукописный ввод 1024">
+                <a:extLst>
+                  <a:ext uri="{FF2B5EF4-FFF2-40B4-BE49-F238E27FC236}">
+                    <a16:creationId xmlns:a16="http://schemas.microsoft.com/office/drawing/2014/main" id="{D45C8FF5-B243-017E-5857-5DFCF7D8260D}"/>
+                  </a:ext>
+                </a:extLst>
+              </p14:cNvPr>
+              <p14:cNvContentPartPr/>
+              <p14:nvPr/>
+            </p14:nvContentPartPr>
+            <p14:xfrm>
+              <a:off x="6027097" y="5752421"/>
+              <a:ext cx="251280" cy="360720"/>
+            </p14:xfrm>
+          </p:contentPart>
+        </mc:Choice>
+        <mc:Fallback>
+          <p:pic>
+            <p:nvPicPr>
+              <p:cNvPr id="1025" name="Рукописный ввод 1024">
+                <a:extLst>
+                  <a:ext uri="{FF2B5EF4-FFF2-40B4-BE49-F238E27FC236}">
+                    <a16:creationId xmlns:a16="http://schemas.microsoft.com/office/drawing/2014/main" id="{D45C8FF5-B243-017E-5857-5DFCF7D8260D}"/>
+                  </a:ext>
+                </a:extLst>
+              </p:cNvPr>
+              <p:cNvPicPr/>
+              <p:nvPr/>
+            </p:nvPicPr>
+            <p:blipFill>
+              <a:blip r:embed="rId94"/>
+              <a:stretch>
+                <a:fillRect/>
+              </a:stretch>
+            </p:blipFill>
+            <p:spPr>
+              <a:xfrm>
+                <a:off x="6020977" y="5746301"/>
+                <a:ext cx="263520" cy="372960"/>
+              </a:xfrm>
+              <a:prstGeom prst="rect">
+                <a:avLst/>
+              </a:prstGeom>
+            </p:spPr>
+          </p:pic>
+        </mc:Fallback>
+      </mc:AlternateContent>
+      <mc:AlternateContent xmlns:mc="http://schemas.openxmlformats.org/markup-compatibility/2006">
+        <mc:Choice xmlns:p14="http://schemas.microsoft.com/office/powerpoint/2010/main" Requires="p14">
+          <p:contentPart p14:bwMode="auto" r:id="rId95">
+            <p14:nvContentPartPr>
+              <p14:cNvPr id="1026" name="Рукописный ввод 1025">
+                <a:extLst>
+                  <a:ext uri="{FF2B5EF4-FFF2-40B4-BE49-F238E27FC236}">
+                    <a16:creationId xmlns:a16="http://schemas.microsoft.com/office/drawing/2014/main" id="{3365BF80-75CF-DD89-CCA9-2C4E6A6D3670}"/>
+                  </a:ext>
+                </a:extLst>
+              </p14:cNvPr>
+              <p14:cNvContentPartPr/>
+              <p14:nvPr/>
+            </p14:nvContentPartPr>
+            <p14:xfrm>
+              <a:off x="6370897" y="5702381"/>
+              <a:ext cx="289440" cy="333720"/>
+            </p14:xfrm>
+          </p:contentPart>
+        </mc:Choice>
+        <mc:Fallback>
+          <p:pic>
+            <p:nvPicPr>
+              <p:cNvPr id="1026" name="Рукописный ввод 1025">
+                <a:extLst>
+                  <a:ext uri="{FF2B5EF4-FFF2-40B4-BE49-F238E27FC236}">
+                    <a16:creationId xmlns:a16="http://schemas.microsoft.com/office/drawing/2014/main" id="{3365BF80-75CF-DD89-CCA9-2C4E6A6D3670}"/>
+                  </a:ext>
+                </a:extLst>
+              </p:cNvPr>
+              <p:cNvPicPr/>
+              <p:nvPr/>
+            </p:nvPicPr>
+            <p:blipFill>
+              <a:blip r:embed="rId96"/>
+              <a:stretch>
+                <a:fillRect/>
+              </a:stretch>
+            </p:blipFill>
+            <p:spPr>
+              <a:xfrm>
+                <a:off x="6364777" y="5696261"/>
+                <a:ext cx="301680" cy="345960"/>
+              </a:xfrm>
+              <a:prstGeom prst="rect">
+                <a:avLst/>
+              </a:prstGeom>
+            </p:spPr>
+          </p:pic>
+        </mc:Fallback>
+      </mc:AlternateContent>
+      <mc:AlternateContent xmlns:mc="http://schemas.openxmlformats.org/markup-compatibility/2006">
+        <mc:Choice xmlns:p14="http://schemas.microsoft.com/office/powerpoint/2010/main" Requires="p14">
+          <p:contentPart p14:bwMode="auto" r:id="rId97">
+            <p14:nvContentPartPr>
+              <p14:cNvPr id="1027" name="Рукописный ввод 1026">
+                <a:extLst>
+                  <a:ext uri="{FF2B5EF4-FFF2-40B4-BE49-F238E27FC236}">
+                    <a16:creationId xmlns:a16="http://schemas.microsoft.com/office/drawing/2014/main" id="{4AFBF86F-92B0-BE32-6611-3295E5DF2771}"/>
+                  </a:ext>
+                </a:extLst>
+              </p14:cNvPr>
+              <p14:cNvContentPartPr/>
+              <p14:nvPr/>
+            </p14:nvContentPartPr>
+            <p14:xfrm>
+              <a:off x="6507337" y="5751701"/>
+              <a:ext cx="159120" cy="441720"/>
+            </p14:xfrm>
+          </p:contentPart>
+        </mc:Choice>
+        <mc:Fallback>
+          <p:pic>
+            <p:nvPicPr>
+              <p:cNvPr id="1027" name="Рукописный ввод 1026">
+                <a:extLst>
+                  <a:ext uri="{FF2B5EF4-FFF2-40B4-BE49-F238E27FC236}">
+                    <a16:creationId xmlns:a16="http://schemas.microsoft.com/office/drawing/2014/main" id="{4AFBF86F-92B0-BE32-6611-3295E5DF2771}"/>
+                  </a:ext>
+                </a:extLst>
+              </p:cNvPr>
+              <p:cNvPicPr/>
+              <p:nvPr/>
+            </p:nvPicPr>
+            <p:blipFill>
+              <a:blip r:embed="rId98"/>
+              <a:stretch>
+                <a:fillRect/>
+              </a:stretch>
+            </p:blipFill>
+            <p:spPr>
+              <a:xfrm>
+                <a:off x="6501217" y="5745581"/>
+                <a:ext cx="171360" cy="453960"/>
+              </a:xfrm>
+              <a:prstGeom prst="rect">
+                <a:avLst/>
+              </a:prstGeom>
+            </p:spPr>
+          </p:pic>
+        </mc:Fallback>
+      </mc:AlternateContent>
+      <mc:AlternateContent xmlns:mc="http://schemas.openxmlformats.org/markup-compatibility/2006">
+        <mc:Choice xmlns:p14="http://schemas.microsoft.com/office/powerpoint/2010/main" Requires="p14">
+          <p:contentPart p14:bwMode="auto" r:id="rId99">
+            <p14:nvContentPartPr>
+              <p14:cNvPr id="1044" name="Рукописный ввод 1043">
+                <a:extLst>
+                  <a:ext uri="{FF2B5EF4-FFF2-40B4-BE49-F238E27FC236}">
+                    <a16:creationId xmlns:a16="http://schemas.microsoft.com/office/drawing/2014/main" id="{E7FD2A9C-B232-33D1-4648-B6400201B233}"/>
+                  </a:ext>
+                </a:extLst>
+              </p14:cNvPr>
+              <p14:cNvContentPartPr/>
+              <p14:nvPr/>
+            </p14:nvContentPartPr>
+            <p14:xfrm>
+              <a:off x="4352737" y="4897421"/>
+              <a:ext cx="633600" cy="1579320"/>
+            </p14:xfrm>
+          </p:contentPart>
+        </mc:Choice>
+        <mc:Fallback>
+          <p:pic>
+            <p:nvPicPr>
+              <p:cNvPr id="1044" name="Рукописный ввод 1043">
+                <a:extLst>
+                  <a:ext uri="{FF2B5EF4-FFF2-40B4-BE49-F238E27FC236}">
+                    <a16:creationId xmlns:a16="http://schemas.microsoft.com/office/drawing/2014/main" id="{E7FD2A9C-B232-33D1-4648-B6400201B233}"/>
+                  </a:ext>
+                </a:extLst>
+              </p:cNvPr>
+              <p:cNvPicPr/>
+              <p:nvPr/>
+            </p:nvPicPr>
+            <p:blipFill>
+              <a:blip r:embed="rId100"/>
+              <a:stretch>
+                <a:fillRect/>
+              </a:stretch>
+            </p:blipFill>
+            <p:spPr>
+              <a:xfrm>
+                <a:off x="4346617" y="4891301"/>
+                <a:ext cx="645840" cy="1591560"/>
+              </a:xfrm>
+              <a:prstGeom prst="rect">
+                <a:avLst/>
+              </a:prstGeom>
+            </p:spPr>
+          </p:pic>
+        </mc:Fallback>
+      </mc:AlternateContent>
+      <p:grpSp>
+        <p:nvGrpSpPr>
+          <p:cNvPr id="1050" name="Группа 1049">
+            <a:extLst>
+              <a:ext uri="{FF2B5EF4-FFF2-40B4-BE49-F238E27FC236}">
+                <a16:creationId xmlns:a16="http://schemas.microsoft.com/office/drawing/2014/main" id="{3F6D8879-1B3C-2DFE-DC96-6AAADFB7881E}"/>
+              </a:ext>
+            </a:extLst>
+          </p:cNvPr>
+          <p:cNvGrpSpPr/>
+          <p:nvPr/>
+        </p:nvGrpSpPr>
+        <p:grpSpPr>
+          <a:xfrm>
+            <a:off x="3599977" y="4029461"/>
+            <a:ext cx="3137760" cy="1335600"/>
+            <a:chOff x="3599977" y="4029461"/>
+            <a:chExt cx="3137760" cy="1335600"/>
+          </a:xfrm>
+        </p:grpSpPr>
+        <mc:AlternateContent xmlns:mc="http://schemas.openxmlformats.org/markup-compatibility/2006">
+          <mc:Choice xmlns:p14="http://schemas.microsoft.com/office/powerpoint/2010/main" Requires="p14">
+            <p:contentPart p14:bwMode="auto" r:id="rId101">
+              <p14:nvContentPartPr>
+                <p14:cNvPr id="1029" name="Рукописный ввод 1028">
+                  <a:extLst>
+                    <a:ext uri="{FF2B5EF4-FFF2-40B4-BE49-F238E27FC236}">
+                      <a16:creationId xmlns:a16="http://schemas.microsoft.com/office/drawing/2014/main" id="{61E42A51-2F52-22ED-6E65-0B68B67B5EF0}"/>
+                    </a:ext>
+                  </a:extLst>
+                </p14:cNvPr>
+                <p14:cNvContentPartPr/>
+                <p14:nvPr/>
+              </p14:nvContentPartPr>
+              <p14:xfrm>
+                <a:off x="3599977" y="4030901"/>
+                <a:ext cx="2005560" cy="1334160"/>
+              </p14:xfrm>
+            </p:contentPart>
+          </mc:Choice>
+          <mc:Fallback>
+            <p:pic>
+              <p:nvPicPr>
+                <p:cNvPr id="1029" name="Рукописный ввод 1028">
+                  <a:extLst>
+                    <a:ext uri="{FF2B5EF4-FFF2-40B4-BE49-F238E27FC236}">
+                      <a16:creationId xmlns:a16="http://schemas.microsoft.com/office/drawing/2014/main" id="{61E42A51-2F52-22ED-6E65-0B68B67B5EF0}"/>
+                    </a:ext>
+                  </a:extLst>
+                </p:cNvPr>
+                <p:cNvPicPr/>
+                <p:nvPr/>
+              </p:nvPicPr>
+              <p:blipFill>
+                <a:blip r:embed="rId102"/>
+                <a:stretch>
+                  <a:fillRect/>
+                </a:stretch>
+              </p:blipFill>
+              <p:spPr>
+                <a:xfrm>
+                  <a:off x="3593857" y="4024781"/>
+                  <a:ext cx="2017800" cy="1346400"/>
+                </a:xfrm>
+                <a:prstGeom prst="rect">
+                  <a:avLst/>
+                </a:prstGeom>
+              </p:spPr>
+            </p:pic>
+          </mc:Fallback>
+        </mc:AlternateContent>
+        <mc:AlternateContent xmlns:mc="http://schemas.openxmlformats.org/markup-compatibility/2006">
+          <mc:Choice xmlns:p14="http://schemas.microsoft.com/office/powerpoint/2010/main" Requires="p14">
+            <p:contentPart p14:bwMode="auto" r:id="rId103">
+              <p14:nvContentPartPr>
+                <p14:cNvPr id="1030" name="Рукописный ввод 1029">
+                  <a:extLst>
+                    <a:ext uri="{FF2B5EF4-FFF2-40B4-BE49-F238E27FC236}">
+                      <a16:creationId xmlns:a16="http://schemas.microsoft.com/office/drawing/2014/main" id="{2BA0D492-C6EF-B7AE-B83D-79B94BB4EB38}"/>
+                    </a:ext>
+                  </a:extLst>
+                </p14:cNvPr>
+                <p14:cNvContentPartPr/>
+                <p14:nvPr/>
+              </p14:nvContentPartPr>
+              <p14:xfrm>
+                <a:off x="4135657" y="4668461"/>
+                <a:ext cx="734760" cy="300240"/>
+              </p14:xfrm>
+            </p:contentPart>
+          </mc:Choice>
+          <mc:Fallback>
+            <p:pic>
+              <p:nvPicPr>
+                <p:cNvPr id="1030" name="Рукописный ввод 1029">
+                  <a:extLst>
+                    <a:ext uri="{FF2B5EF4-FFF2-40B4-BE49-F238E27FC236}">
+                      <a16:creationId xmlns:a16="http://schemas.microsoft.com/office/drawing/2014/main" id="{2BA0D492-C6EF-B7AE-B83D-79B94BB4EB38}"/>
+                    </a:ext>
+                  </a:extLst>
+                </p:cNvPr>
+                <p:cNvPicPr/>
+                <p:nvPr/>
+              </p:nvPicPr>
+              <p:blipFill>
+                <a:blip r:embed="rId104"/>
+                <a:stretch>
+                  <a:fillRect/>
+                </a:stretch>
+              </p:blipFill>
+              <p:spPr>
+                <a:xfrm>
+                  <a:off x="4129537" y="4662341"/>
+                  <a:ext cx="747000" cy="312480"/>
+                </a:xfrm>
+                <a:prstGeom prst="rect">
+                  <a:avLst/>
+                </a:prstGeom>
+              </p:spPr>
+            </p:pic>
+          </mc:Fallback>
+        </mc:AlternateContent>
+        <mc:AlternateContent xmlns:mc="http://schemas.openxmlformats.org/markup-compatibility/2006">
+          <mc:Choice xmlns:p14="http://schemas.microsoft.com/office/powerpoint/2010/main" Requires="p14">
+            <p:contentPart p14:bwMode="auto" r:id="rId105">
+              <p14:nvContentPartPr>
+                <p14:cNvPr id="1031" name="Рукописный ввод 1030">
+                  <a:extLst>
+                    <a:ext uri="{FF2B5EF4-FFF2-40B4-BE49-F238E27FC236}">
+                      <a16:creationId xmlns:a16="http://schemas.microsoft.com/office/drawing/2014/main" id="{2BE9BBA9-E1B9-30A1-F803-D8A78FEA46D7}"/>
+                    </a:ext>
+                  </a:extLst>
+                </p14:cNvPr>
+                <p14:cNvContentPartPr/>
+                <p14:nvPr/>
+              </p14:nvContentPartPr>
+              <p14:xfrm>
+                <a:off x="4119457" y="4384061"/>
+                <a:ext cx="183600" cy="111960"/>
+              </p14:xfrm>
+            </p:contentPart>
+          </mc:Choice>
+          <mc:Fallback>
+            <p:pic>
+              <p:nvPicPr>
+                <p:cNvPr id="1031" name="Рукописный ввод 1030">
+                  <a:extLst>
+                    <a:ext uri="{FF2B5EF4-FFF2-40B4-BE49-F238E27FC236}">
+                      <a16:creationId xmlns:a16="http://schemas.microsoft.com/office/drawing/2014/main" id="{2BE9BBA9-E1B9-30A1-F803-D8A78FEA46D7}"/>
+                    </a:ext>
+                  </a:extLst>
+                </p:cNvPr>
+                <p:cNvPicPr/>
+                <p:nvPr/>
+              </p:nvPicPr>
+              <p:blipFill>
+                <a:blip r:embed="rId106"/>
+                <a:stretch>
+                  <a:fillRect/>
+                </a:stretch>
+              </p:blipFill>
+              <p:spPr>
+                <a:xfrm>
+                  <a:off x="4113337" y="4377941"/>
+                  <a:ext cx="195840" cy="124200"/>
+                </a:xfrm>
+                <a:prstGeom prst="rect">
+                  <a:avLst/>
+                </a:prstGeom>
+              </p:spPr>
+            </p:pic>
+          </mc:Fallback>
+        </mc:AlternateContent>
+        <mc:AlternateContent xmlns:mc="http://schemas.openxmlformats.org/markup-compatibility/2006">
+          <mc:Choice xmlns:p14="http://schemas.microsoft.com/office/powerpoint/2010/main" Requires="p14">
+            <p:contentPart p14:bwMode="auto" r:id="rId107">
+              <p14:nvContentPartPr>
+                <p14:cNvPr id="1033" name="Рукописный ввод 1032">
+                  <a:extLst>
+                    <a:ext uri="{FF2B5EF4-FFF2-40B4-BE49-F238E27FC236}">
+                      <a16:creationId xmlns:a16="http://schemas.microsoft.com/office/drawing/2014/main" id="{35BC6FC2-48BF-64CE-55E9-283CE3383422}"/>
+                    </a:ext>
+                  </a:extLst>
+                </p14:cNvPr>
+                <p14:cNvContentPartPr/>
+                <p14:nvPr/>
+              </p14:nvContentPartPr>
+              <p14:xfrm>
+                <a:off x="4697257" y="4374701"/>
+                <a:ext cx="209880" cy="97920"/>
+              </p14:xfrm>
+            </p:contentPart>
+          </mc:Choice>
+          <mc:Fallback>
+            <p:pic>
+              <p:nvPicPr>
+                <p:cNvPr id="1033" name="Рукописный ввод 1032">
+                  <a:extLst>
+                    <a:ext uri="{FF2B5EF4-FFF2-40B4-BE49-F238E27FC236}">
+                      <a16:creationId xmlns:a16="http://schemas.microsoft.com/office/drawing/2014/main" id="{35BC6FC2-48BF-64CE-55E9-283CE3383422}"/>
+                    </a:ext>
+                  </a:extLst>
+                </p:cNvPr>
+                <p:cNvPicPr/>
+                <p:nvPr/>
+              </p:nvPicPr>
+              <p:blipFill>
+                <a:blip r:embed="rId108"/>
+                <a:stretch>
+                  <a:fillRect/>
+                </a:stretch>
+              </p:blipFill>
+              <p:spPr>
+                <a:xfrm>
+                  <a:off x="4691137" y="4368581"/>
+                  <a:ext cx="222120" cy="110160"/>
+                </a:xfrm>
+                <a:prstGeom prst="rect">
+                  <a:avLst/>
+                </a:prstGeom>
+              </p:spPr>
+            </p:pic>
+          </mc:Fallback>
+        </mc:AlternateContent>
+        <mc:AlternateContent xmlns:mc="http://schemas.openxmlformats.org/markup-compatibility/2006">
+          <mc:Choice xmlns:p14="http://schemas.microsoft.com/office/powerpoint/2010/main" Requires="p14">
+            <p:contentPart p14:bwMode="auto" r:id="rId109">
+              <p14:nvContentPartPr>
+                <p14:cNvPr id="1035" name="Рукописный ввод 1034">
+                  <a:extLst>
+                    <a:ext uri="{FF2B5EF4-FFF2-40B4-BE49-F238E27FC236}">
+                      <a16:creationId xmlns:a16="http://schemas.microsoft.com/office/drawing/2014/main" id="{759546E3-E427-83E5-FA6D-F7D27F2EFD14}"/>
+                    </a:ext>
+                  </a:extLst>
+                </p14:cNvPr>
+                <p14:cNvContentPartPr/>
+                <p14:nvPr/>
+              </p14:nvContentPartPr>
+              <p14:xfrm>
+                <a:off x="5299177" y="4920101"/>
+                <a:ext cx="1438560" cy="397800"/>
+              </p14:xfrm>
+            </p:contentPart>
+          </mc:Choice>
+          <mc:Fallback>
+            <p:pic>
+              <p:nvPicPr>
+                <p:cNvPr id="1035" name="Рукописный ввод 1034">
+                  <a:extLst>
+                    <a:ext uri="{FF2B5EF4-FFF2-40B4-BE49-F238E27FC236}">
+                      <a16:creationId xmlns:a16="http://schemas.microsoft.com/office/drawing/2014/main" id="{759546E3-E427-83E5-FA6D-F7D27F2EFD14}"/>
+                    </a:ext>
+                  </a:extLst>
+                </p:cNvPr>
+                <p:cNvPicPr/>
+                <p:nvPr/>
+              </p:nvPicPr>
+              <p:blipFill>
+                <a:blip r:embed="rId110"/>
+                <a:stretch>
+                  <a:fillRect/>
+                </a:stretch>
+              </p:blipFill>
+              <p:spPr>
+                <a:xfrm>
+                  <a:off x="5293057" y="4913981"/>
+                  <a:ext cx="1450800" cy="410040"/>
+                </a:xfrm>
+                <a:prstGeom prst="rect">
+                  <a:avLst/>
+                </a:prstGeom>
+              </p:spPr>
+            </p:pic>
+          </mc:Fallback>
+        </mc:AlternateContent>
+        <mc:AlternateContent xmlns:mc="http://schemas.openxmlformats.org/markup-compatibility/2006">
+          <mc:Choice xmlns:p14="http://schemas.microsoft.com/office/powerpoint/2010/main" Requires="p14">
+            <p:contentPart p14:bwMode="auto" r:id="rId111">
+              <p14:nvContentPartPr>
+                <p14:cNvPr id="1037" name="Рукописный ввод 1036">
+                  <a:extLst>
+                    <a:ext uri="{FF2B5EF4-FFF2-40B4-BE49-F238E27FC236}">
+                      <a16:creationId xmlns:a16="http://schemas.microsoft.com/office/drawing/2014/main" id="{8658A2EB-DEF4-BBC9-7B3A-06DA5C4354F1}"/>
+                    </a:ext>
+                  </a:extLst>
+                </p14:cNvPr>
+                <p14:cNvContentPartPr/>
+                <p14:nvPr/>
+              </p14:nvContentPartPr>
+              <p14:xfrm>
+                <a:off x="4483057" y="4870061"/>
+                <a:ext cx="180000" cy="56160"/>
+              </p14:xfrm>
+            </p:contentPart>
+          </mc:Choice>
+          <mc:Fallback>
+            <p:pic>
+              <p:nvPicPr>
+                <p:cNvPr id="1037" name="Рукописный ввод 1036">
+                  <a:extLst>
+                    <a:ext uri="{FF2B5EF4-FFF2-40B4-BE49-F238E27FC236}">
+                      <a16:creationId xmlns:a16="http://schemas.microsoft.com/office/drawing/2014/main" id="{8658A2EB-DEF4-BBC9-7B3A-06DA5C4354F1}"/>
+                    </a:ext>
+                  </a:extLst>
+                </p:cNvPr>
+                <p:cNvPicPr/>
+                <p:nvPr/>
+              </p:nvPicPr>
+              <p:blipFill>
+                <a:blip r:embed="rId112"/>
+                <a:stretch>
+                  <a:fillRect/>
+                </a:stretch>
+              </p:blipFill>
+              <p:spPr>
+                <a:xfrm>
+                  <a:off x="4476937" y="4863941"/>
+                  <a:ext cx="192240" cy="68400"/>
+                </a:xfrm>
+                <a:prstGeom prst="rect">
+                  <a:avLst/>
+                </a:prstGeom>
+              </p:spPr>
+            </p:pic>
+          </mc:Fallback>
+        </mc:AlternateContent>
+        <mc:AlternateContent xmlns:mc="http://schemas.openxmlformats.org/markup-compatibility/2006">
+          <mc:Choice xmlns:p14="http://schemas.microsoft.com/office/powerpoint/2010/main" Requires="p14">
+            <p:contentPart p14:bwMode="auto" r:id="rId113">
+              <p14:nvContentPartPr>
+                <p14:cNvPr id="1039" name="Рукописный ввод 1038">
+                  <a:extLst>
+                    <a:ext uri="{FF2B5EF4-FFF2-40B4-BE49-F238E27FC236}">
+                      <a16:creationId xmlns:a16="http://schemas.microsoft.com/office/drawing/2014/main" id="{DB46E123-1822-E58B-B2A2-EE2FA3C238F9}"/>
+                    </a:ext>
+                  </a:extLst>
+                </p14:cNvPr>
+                <p14:cNvContentPartPr/>
+                <p14:nvPr/>
+              </p14:nvContentPartPr>
+              <p14:xfrm>
+                <a:off x="4069057" y="4345901"/>
+                <a:ext cx="335880" cy="287280"/>
+              </p14:xfrm>
+            </p:contentPart>
+          </mc:Choice>
+          <mc:Fallback>
+            <p:pic>
+              <p:nvPicPr>
+                <p:cNvPr id="1039" name="Рукописный ввод 1038">
+                  <a:extLst>
+                    <a:ext uri="{FF2B5EF4-FFF2-40B4-BE49-F238E27FC236}">
+                      <a16:creationId xmlns:a16="http://schemas.microsoft.com/office/drawing/2014/main" id="{DB46E123-1822-E58B-B2A2-EE2FA3C238F9}"/>
+                    </a:ext>
+                  </a:extLst>
+                </p:cNvPr>
+                <p:cNvPicPr/>
+                <p:nvPr/>
+              </p:nvPicPr>
+              <p:blipFill>
+                <a:blip r:embed="rId114"/>
+                <a:stretch>
+                  <a:fillRect/>
+                </a:stretch>
+              </p:blipFill>
+              <p:spPr>
+                <a:xfrm>
+                  <a:off x="4062937" y="4339781"/>
+                  <a:ext cx="348120" cy="299520"/>
+                </a:xfrm>
+                <a:prstGeom prst="rect">
+                  <a:avLst/>
+                </a:prstGeom>
+              </p:spPr>
+            </p:pic>
+          </mc:Fallback>
+        </mc:AlternateContent>
+        <mc:AlternateContent xmlns:mc="http://schemas.openxmlformats.org/markup-compatibility/2006">
+          <mc:Choice xmlns:p14="http://schemas.microsoft.com/office/powerpoint/2010/main" Requires="p14">
+            <p:contentPart p14:bwMode="auto" r:id="rId115">
+              <p14:nvContentPartPr>
+                <p14:cNvPr id="1040" name="Рукописный ввод 1039">
+                  <a:extLst>
+                    <a:ext uri="{FF2B5EF4-FFF2-40B4-BE49-F238E27FC236}">
+                      <a16:creationId xmlns:a16="http://schemas.microsoft.com/office/drawing/2014/main" id="{47CEDD43-70DB-7348-8197-C109898191F3}"/>
+                    </a:ext>
+                  </a:extLst>
+                </p14:cNvPr>
+                <p14:cNvContentPartPr/>
+                <p14:nvPr/>
+              </p14:nvContentPartPr>
+              <p14:xfrm>
+                <a:off x="4530577" y="4286861"/>
+                <a:ext cx="477000" cy="387000"/>
+              </p14:xfrm>
+            </p:contentPart>
+          </mc:Choice>
+          <mc:Fallback>
+            <p:pic>
+              <p:nvPicPr>
+                <p:cNvPr id="1040" name="Рукописный ввод 1039">
+                  <a:extLst>
+                    <a:ext uri="{FF2B5EF4-FFF2-40B4-BE49-F238E27FC236}">
+                      <a16:creationId xmlns:a16="http://schemas.microsoft.com/office/drawing/2014/main" id="{47CEDD43-70DB-7348-8197-C109898191F3}"/>
+                    </a:ext>
+                  </a:extLst>
+                </p:cNvPr>
+                <p:cNvPicPr/>
+                <p:nvPr/>
+              </p:nvPicPr>
+              <p:blipFill>
+                <a:blip r:embed="rId116"/>
+                <a:stretch>
+                  <a:fillRect/>
+                </a:stretch>
+              </p:blipFill>
+              <p:spPr>
+                <a:xfrm>
+                  <a:off x="4524457" y="4280741"/>
+                  <a:ext cx="489240" cy="399240"/>
+                </a:xfrm>
+                <a:prstGeom prst="rect">
+                  <a:avLst/>
+                </a:prstGeom>
+              </p:spPr>
+            </p:pic>
+          </mc:Fallback>
+        </mc:AlternateContent>
+        <mc:AlternateContent xmlns:mc="http://schemas.openxmlformats.org/markup-compatibility/2006">
+          <mc:Choice xmlns:p14="http://schemas.microsoft.com/office/powerpoint/2010/main" Requires="p14">
+            <p:contentPart p14:bwMode="auto" r:id="rId117">
+              <p14:nvContentPartPr>
+                <p14:cNvPr id="1041" name="Рукописный ввод 1040">
+                  <a:extLst>
+                    <a:ext uri="{FF2B5EF4-FFF2-40B4-BE49-F238E27FC236}">
+                      <a16:creationId xmlns:a16="http://schemas.microsoft.com/office/drawing/2014/main" id="{54874CB1-4C13-D2B5-E345-634AD8BBEB59}"/>
+                    </a:ext>
+                  </a:extLst>
+                </p14:cNvPr>
+                <p14:cNvContentPartPr/>
+                <p14:nvPr/>
+              </p14:nvContentPartPr>
+              <p14:xfrm>
+                <a:off x="4100017" y="4218101"/>
+                <a:ext cx="156960" cy="20520"/>
+              </p14:xfrm>
+            </p:contentPart>
+          </mc:Choice>
+          <mc:Fallback>
+            <p:pic>
+              <p:nvPicPr>
+                <p:cNvPr id="1041" name="Рукописный ввод 1040">
+                  <a:extLst>
+                    <a:ext uri="{FF2B5EF4-FFF2-40B4-BE49-F238E27FC236}">
+                      <a16:creationId xmlns:a16="http://schemas.microsoft.com/office/drawing/2014/main" id="{54874CB1-4C13-D2B5-E345-634AD8BBEB59}"/>
+                    </a:ext>
+                  </a:extLst>
+                </p:cNvPr>
+                <p:cNvPicPr/>
+                <p:nvPr/>
+              </p:nvPicPr>
+              <p:blipFill>
+                <a:blip r:embed="rId118"/>
+                <a:stretch>
+                  <a:fillRect/>
+                </a:stretch>
+              </p:blipFill>
+              <p:spPr>
+                <a:xfrm>
+                  <a:off x="4093897" y="4211981"/>
+                  <a:ext cx="169200" cy="32760"/>
+                </a:xfrm>
+                <a:prstGeom prst="rect">
+                  <a:avLst/>
+                </a:prstGeom>
+              </p:spPr>
+            </p:pic>
+          </mc:Fallback>
+        </mc:AlternateContent>
+        <mc:AlternateContent xmlns:mc="http://schemas.openxmlformats.org/markup-compatibility/2006">
+          <mc:Choice xmlns:p14="http://schemas.microsoft.com/office/powerpoint/2010/main" Requires="p14">
+            <p:contentPart p14:bwMode="auto" r:id="rId119">
+              <p14:nvContentPartPr>
+                <p14:cNvPr id="1042" name="Рукописный ввод 1041">
+                  <a:extLst>
+                    <a:ext uri="{FF2B5EF4-FFF2-40B4-BE49-F238E27FC236}">
+                      <a16:creationId xmlns:a16="http://schemas.microsoft.com/office/drawing/2014/main" id="{B8A0ED69-6B2C-DAFD-D2EB-1C16113CD23C}"/>
+                    </a:ext>
+                  </a:extLst>
+                </p14:cNvPr>
+                <p14:cNvContentPartPr/>
+                <p14:nvPr/>
+              </p14:nvContentPartPr>
+              <p14:xfrm>
+                <a:off x="4512937" y="4169501"/>
+                <a:ext cx="97560" cy="68400"/>
+              </p14:xfrm>
+            </p:contentPart>
+          </mc:Choice>
+          <mc:Fallback>
+            <p:pic>
+              <p:nvPicPr>
+                <p:cNvPr id="1042" name="Рукописный ввод 1041">
+                  <a:extLst>
+                    <a:ext uri="{FF2B5EF4-FFF2-40B4-BE49-F238E27FC236}">
+                      <a16:creationId xmlns:a16="http://schemas.microsoft.com/office/drawing/2014/main" id="{B8A0ED69-6B2C-DAFD-D2EB-1C16113CD23C}"/>
+                    </a:ext>
+                  </a:extLst>
+                </p:cNvPr>
+                <p:cNvPicPr/>
+                <p:nvPr/>
+              </p:nvPicPr>
+              <p:blipFill>
+                <a:blip r:embed="rId120"/>
+                <a:stretch>
+                  <a:fillRect/>
+                </a:stretch>
+              </p:blipFill>
+              <p:spPr>
+                <a:xfrm>
+                  <a:off x="4506817" y="4163381"/>
+                  <a:ext cx="109800" cy="80640"/>
+                </a:xfrm>
+                <a:prstGeom prst="rect">
+                  <a:avLst/>
+                </a:prstGeom>
+              </p:spPr>
+            </p:pic>
+          </mc:Fallback>
+        </mc:AlternateContent>
+        <mc:AlternateContent xmlns:mc="http://schemas.openxmlformats.org/markup-compatibility/2006">
+          <mc:Choice xmlns:p14="http://schemas.microsoft.com/office/powerpoint/2010/main" Requires="p14">
+            <p:contentPart p14:bwMode="auto" r:id="rId121">
+              <p14:nvContentPartPr>
+                <p14:cNvPr id="1046" name="Рукописный ввод 1045">
+                  <a:extLst>
+                    <a:ext uri="{FF2B5EF4-FFF2-40B4-BE49-F238E27FC236}">
+                      <a16:creationId xmlns:a16="http://schemas.microsoft.com/office/drawing/2014/main" id="{00F117CC-FEED-C039-AAEB-172E18AB7E7D}"/>
+                    </a:ext>
+                  </a:extLst>
+                </p14:cNvPr>
+                <p14:cNvContentPartPr/>
+                <p14:nvPr/>
+              </p14:nvContentPartPr>
+              <p14:xfrm>
+                <a:off x="4037377" y="4029461"/>
+                <a:ext cx="664560" cy="173160"/>
+              </p14:xfrm>
+            </p:contentPart>
+          </mc:Choice>
+          <mc:Fallback>
+            <p:pic>
+              <p:nvPicPr>
+                <p:cNvPr id="1046" name="Рукописный ввод 1045">
+                  <a:extLst>
+                    <a:ext uri="{FF2B5EF4-FFF2-40B4-BE49-F238E27FC236}">
+                      <a16:creationId xmlns:a16="http://schemas.microsoft.com/office/drawing/2014/main" id="{00F117CC-FEED-C039-AAEB-172E18AB7E7D}"/>
+                    </a:ext>
+                  </a:extLst>
+                </p:cNvPr>
+                <p:cNvPicPr/>
+                <p:nvPr/>
+              </p:nvPicPr>
+              <p:blipFill>
+                <a:blip r:embed="rId122"/>
+                <a:stretch>
+                  <a:fillRect/>
+                </a:stretch>
+              </p:blipFill>
+              <p:spPr>
+                <a:xfrm>
+                  <a:off x="4031257" y="4023341"/>
+                  <a:ext cx="676800" cy="185400"/>
+                </a:xfrm>
+                <a:prstGeom prst="rect">
+                  <a:avLst/>
+                </a:prstGeom>
+              </p:spPr>
+            </p:pic>
+          </mc:Fallback>
+        </mc:AlternateContent>
+        <mc:AlternateContent xmlns:mc="http://schemas.openxmlformats.org/markup-compatibility/2006">
+          <mc:Choice xmlns:p14="http://schemas.microsoft.com/office/powerpoint/2010/main" Requires="p14">
+            <p:contentPart p14:bwMode="auto" r:id="rId123">
+              <p14:nvContentPartPr>
+                <p14:cNvPr id="1047" name="Рукописный ввод 1046">
+                  <a:extLst>
+                    <a:ext uri="{FF2B5EF4-FFF2-40B4-BE49-F238E27FC236}">
+                      <a16:creationId xmlns:a16="http://schemas.microsoft.com/office/drawing/2014/main" id="{E0E7F819-43F2-38CF-1D3C-E0C63625E301}"/>
+                    </a:ext>
+                  </a:extLst>
+                </p14:cNvPr>
+                <p14:cNvContentPartPr/>
+                <p14:nvPr/>
+              </p14:nvContentPartPr>
+              <p14:xfrm>
+                <a:off x="3785377" y="4553261"/>
+                <a:ext cx="246240" cy="28080"/>
+              </p14:xfrm>
+            </p:contentPart>
+          </mc:Choice>
+          <mc:Fallback>
+            <p:pic>
+              <p:nvPicPr>
+                <p:cNvPr id="1047" name="Рукописный ввод 1046">
+                  <a:extLst>
+                    <a:ext uri="{FF2B5EF4-FFF2-40B4-BE49-F238E27FC236}">
+                      <a16:creationId xmlns:a16="http://schemas.microsoft.com/office/drawing/2014/main" id="{E0E7F819-43F2-38CF-1D3C-E0C63625E301}"/>
+                    </a:ext>
+                  </a:extLst>
+                </p:cNvPr>
+                <p:cNvPicPr/>
+                <p:nvPr/>
+              </p:nvPicPr>
+              <p:blipFill>
+                <a:blip r:embed="rId124"/>
+                <a:stretch>
+                  <a:fillRect/>
+                </a:stretch>
+              </p:blipFill>
+              <p:spPr>
+                <a:xfrm>
+                  <a:off x="3779257" y="4547141"/>
+                  <a:ext cx="258480" cy="40320"/>
+                </a:xfrm>
+                <a:prstGeom prst="rect">
+                  <a:avLst/>
+                </a:prstGeom>
+              </p:spPr>
+            </p:pic>
+          </mc:Fallback>
+        </mc:AlternateContent>
+        <mc:AlternateContent xmlns:mc="http://schemas.openxmlformats.org/markup-compatibility/2006">
+          <mc:Choice xmlns:p14="http://schemas.microsoft.com/office/powerpoint/2010/main" Requires="p14">
+            <p:contentPart p14:bwMode="auto" r:id="rId125">
+              <p14:nvContentPartPr>
+                <p14:cNvPr id="1048" name="Рукописный ввод 1047">
+                  <a:extLst>
+                    <a:ext uri="{FF2B5EF4-FFF2-40B4-BE49-F238E27FC236}">
+                      <a16:creationId xmlns:a16="http://schemas.microsoft.com/office/drawing/2014/main" id="{0F5BC9BB-E1E2-9309-9430-6216EE085028}"/>
+                    </a:ext>
+                  </a:extLst>
+                </p14:cNvPr>
+                <p14:cNvContentPartPr/>
+                <p14:nvPr/>
+              </p14:nvContentPartPr>
+              <p14:xfrm>
+                <a:off x="4375417" y="4443821"/>
+                <a:ext cx="86400" cy="20160"/>
+              </p14:xfrm>
+            </p:contentPart>
+          </mc:Choice>
+          <mc:Fallback>
+            <p:pic>
+              <p:nvPicPr>
+                <p:cNvPr id="1048" name="Рукописный ввод 1047">
+                  <a:extLst>
+                    <a:ext uri="{FF2B5EF4-FFF2-40B4-BE49-F238E27FC236}">
+                      <a16:creationId xmlns:a16="http://schemas.microsoft.com/office/drawing/2014/main" id="{0F5BC9BB-E1E2-9309-9430-6216EE085028}"/>
+                    </a:ext>
+                  </a:extLst>
+                </p:cNvPr>
+                <p:cNvPicPr/>
+                <p:nvPr/>
+              </p:nvPicPr>
+              <p:blipFill>
+                <a:blip r:embed="rId126"/>
+                <a:stretch>
+                  <a:fillRect/>
+                </a:stretch>
+              </p:blipFill>
+              <p:spPr>
+                <a:xfrm>
+                  <a:off x="4369297" y="4437701"/>
+                  <a:ext cx="98640" cy="32400"/>
+                </a:xfrm>
+                <a:prstGeom prst="rect">
+                  <a:avLst/>
+                </a:prstGeom>
+              </p:spPr>
+            </p:pic>
+          </mc:Fallback>
+        </mc:AlternateContent>
+        <mc:AlternateContent xmlns:mc="http://schemas.openxmlformats.org/markup-compatibility/2006">
+          <mc:Choice xmlns:p14="http://schemas.microsoft.com/office/powerpoint/2010/main" Requires="p14">
+            <p:contentPart p14:bwMode="auto" r:id="rId127">
+              <p14:nvContentPartPr>
+                <p14:cNvPr id="1049" name="Рукописный ввод 1048">
+                  <a:extLst>
+                    <a:ext uri="{FF2B5EF4-FFF2-40B4-BE49-F238E27FC236}">
+                      <a16:creationId xmlns:a16="http://schemas.microsoft.com/office/drawing/2014/main" id="{F5B9410C-BD4D-E56A-AD1C-D581E8D8FD39}"/>
+                    </a:ext>
+                  </a:extLst>
+                </p14:cNvPr>
+                <p14:cNvContentPartPr/>
+                <p14:nvPr/>
+              </p14:nvContentPartPr>
+              <p14:xfrm>
+                <a:off x="4955017" y="4293341"/>
+                <a:ext cx="394920" cy="141480"/>
+              </p14:xfrm>
+            </p:contentPart>
+          </mc:Choice>
+          <mc:Fallback>
+            <p:pic>
+              <p:nvPicPr>
+                <p:cNvPr id="1049" name="Рукописный ввод 1048">
+                  <a:extLst>
+                    <a:ext uri="{FF2B5EF4-FFF2-40B4-BE49-F238E27FC236}">
+                      <a16:creationId xmlns:a16="http://schemas.microsoft.com/office/drawing/2014/main" id="{F5B9410C-BD4D-E56A-AD1C-D581E8D8FD39}"/>
+                    </a:ext>
+                  </a:extLst>
+                </p:cNvPr>
+                <p:cNvPicPr/>
+                <p:nvPr/>
+              </p:nvPicPr>
+              <p:blipFill>
+                <a:blip r:embed="rId128"/>
+                <a:stretch>
+                  <a:fillRect/>
+                </a:stretch>
+              </p:blipFill>
+              <p:spPr>
+                <a:xfrm>
+                  <a:off x="4948897" y="4287221"/>
+                  <a:ext cx="407160" cy="153720"/>
+                </a:xfrm>
+                <a:prstGeom prst="rect">
+                  <a:avLst/>
+                </a:prstGeom>
+              </p:spPr>
+            </p:pic>
+          </mc:Fallback>
+        </mc:AlternateContent>
+      </p:grpSp>
+    </p:spTree>
+    <p:extLst>
+      <p:ext uri="{BB962C8B-B14F-4D97-AF65-F5344CB8AC3E}">
+        <p14:creationId xmlns:p14="http://schemas.microsoft.com/office/powerpoint/2010/main" val="1619190390"/>
+      </p:ext>
+    </p:extLst>
+  </p:cSld>
+  <p:clrMapOvr>
+    <a:masterClrMapping/>
+  </p:clrMapOvr>
+  <mc:AlternateContent xmlns:mc="http://schemas.openxmlformats.org/markup-compatibility/2006">
+    <mc:Choice xmlns:p159="http://schemas.microsoft.com/office/powerpoint/2015/09/main" Requires="p159">
+      <p:transition spd="med">
+        <p159:morph option="byObject"/>
+      </p:transition>
+    </mc:Choice>
+    <mc:Fallback>
+      <p:transition spd="med">
+        <p:fade/>
+      </p:transition>
+    </mc:Fallback>
+  </mc:AlternateContent>
+</p:sld>
+</file>
+
 <file path=ppt/slides/slide3.xml><?xml version="1.0" encoding="utf-8"?>
 <p:sld xmlns:a="http://schemas.openxmlformats.org/drawingml/2006/main" xmlns:r="http://schemas.openxmlformats.org/officeDocument/2006/relationships" xmlns:p="http://schemas.openxmlformats.org/presentationml/2006/main">
   <p:cSld>
